--- a/Reports/28-03-2011-Slide.pptx
+++ b/Reports/28-03-2011-Slide.pptx
@@ -5,14 +5,14 @@
     <p:sldMasterId id="2147483652" r:id="rId1"/>
   </p:sldMasterIdLst>
   <p:notesMasterIdLst>
-    <p:notesMasterId r:id="rId20"/>
+    <p:notesMasterId r:id="rId29"/>
   </p:notesMasterIdLst>
   <p:handoutMasterIdLst>
-    <p:handoutMasterId r:id="rId21"/>
+    <p:handoutMasterId r:id="rId30"/>
   </p:handoutMasterIdLst>
   <p:sldIdLst>
     <p:sldId id="287" r:id="rId2"/>
-    <p:sldId id="284" r:id="rId3"/>
+    <p:sldId id="313" r:id="rId3"/>
     <p:sldId id="288" r:id="rId4"/>
     <p:sldId id="289" r:id="rId5"/>
     <p:sldId id="290" r:id="rId6"/>
@@ -26,9 +26,18 @@
     <p:sldId id="298" r:id="rId14"/>
     <p:sldId id="299" r:id="rId15"/>
     <p:sldId id="300" r:id="rId16"/>
-    <p:sldId id="302" r:id="rId17"/>
-    <p:sldId id="303" r:id="rId18"/>
-    <p:sldId id="304" r:id="rId19"/>
+    <p:sldId id="301" r:id="rId17"/>
+    <p:sldId id="302" r:id="rId18"/>
+    <p:sldId id="303" r:id="rId19"/>
+    <p:sldId id="304" r:id="rId20"/>
+    <p:sldId id="305" r:id="rId21"/>
+    <p:sldId id="306" r:id="rId22"/>
+    <p:sldId id="307" r:id="rId23"/>
+    <p:sldId id="308" r:id="rId24"/>
+    <p:sldId id="309" r:id="rId25"/>
+    <p:sldId id="310" r:id="rId26"/>
+    <p:sldId id="311" r:id="rId27"/>
+    <p:sldId id="312" r:id="rId28"/>
   </p:sldIdLst>
   <p:sldSz cx="9144000" cy="6858000" type="screen4x3"/>
   <p:notesSz cx="6858000" cy="9144000"/>
@@ -1423,6 +1432,99 @@
               <a:rPr lang="de-DE"/>
               <a:pPr/>
               <a:t>3</a:t>
+            </a:fld>
+            <a:endParaRPr lang="de-DE"/>
+          </a:p>
+        </p:txBody>
+      </p:sp>
+      <p:sp>
+        <p:nvSpPr>
+          <p:cNvPr id="70658" name="Rectangle 2"/>
+          <p:cNvSpPr>
+            <a:spLocks noGrp="1" noRot="1" noChangeAspect="1" noChangeArrowheads="1" noTextEdit="1"/>
+          </p:cNvSpPr>
+          <p:nvPr>
+            <p:ph type="sldImg"/>
+          </p:nvPr>
+        </p:nvSpPr>
+        <p:spPr>
+          <a:xfrm>
+            <a:off x="1143000" y="685800"/>
+            <a:ext cx="4573588" cy="3430588"/>
+          </a:xfrm>
+          <a:ln/>
+        </p:spPr>
+      </p:sp>
+      <p:sp>
+        <p:nvSpPr>
+          <p:cNvPr id="70659" name="Rectangle 3"/>
+          <p:cNvSpPr>
+            <a:spLocks noGrp="1" noChangeArrowheads="1"/>
+          </p:cNvSpPr>
+          <p:nvPr>
+            <p:ph type="body" idx="1"/>
+          </p:nvPr>
+        </p:nvSpPr>
+        <p:spPr>
+          <a:xfrm>
+            <a:off x="914400" y="4343400"/>
+            <a:ext cx="5029200" cy="4114800"/>
+          </a:xfrm>
+        </p:spPr>
+        <p:txBody>
+          <a:bodyPr/>
+          <a:lstStyle/>
+          <a:p>
+            <a:endParaRPr lang="vi-VN" noProof="1"/>
+          </a:p>
+        </p:txBody>
+      </p:sp>
+    </p:spTree>
+  </p:cSld>
+  <p:clrMapOvr>
+    <a:masterClrMapping/>
+  </p:clrMapOvr>
+</p:notes>
+</file>
+
+<file path=ppt/notesSlides/notesSlide4.xml><?xml version="1.0" encoding="utf-8"?>
+<p:notes xmlns:a="http://schemas.openxmlformats.org/drawingml/2006/main" xmlns:r="http://schemas.openxmlformats.org/officeDocument/2006/relationships" xmlns:p="http://schemas.openxmlformats.org/presentationml/2006/main">
+  <p:cSld>
+    <p:spTree>
+      <p:nvGrpSpPr>
+        <p:cNvPr id="1" name=""/>
+        <p:cNvGrpSpPr/>
+        <p:nvPr/>
+      </p:nvGrpSpPr>
+      <p:grpSpPr>
+        <a:xfrm>
+          <a:off x="0" y="0"/>
+          <a:ext cx="0" cy="0"/>
+          <a:chOff x="0" y="0"/>
+          <a:chExt cx="0" cy="0"/>
+        </a:xfrm>
+      </p:grpSpPr>
+      <p:sp>
+        <p:nvSpPr>
+          <p:cNvPr id="7" name="Rectangle 7"/>
+          <p:cNvSpPr>
+            <a:spLocks noGrp="1" noChangeArrowheads="1"/>
+          </p:cNvSpPr>
+          <p:nvPr>
+            <p:ph type="sldNum" sz="quarter" idx="5"/>
+          </p:nvPr>
+        </p:nvSpPr>
+        <p:spPr>
+          <a:ln/>
+        </p:spPr>
+        <p:txBody>
+          <a:bodyPr/>
+          <a:lstStyle/>
+          <a:p>
+            <a:fld id="{96B4545B-5F1B-457C-876F-4A79F173C89C}" type="slidenum">
+              <a:rPr lang="de-DE"/>
+              <a:pPr/>
+              <a:t>4</a:t>
             </a:fld>
             <a:endParaRPr lang="de-DE"/>
           </a:p>
@@ -4155,9 +4257,17 @@
           <a:p>
             <a:r>
               <a:rPr lang="vi-VN" noProof="1" smtClean="0"/>
-              <a:t>STRUTS2 FRAMEWORK &amp; ESTORE</a:t>
-            </a:r>
-            <a:endParaRPr lang="de-DE"/>
+              <a:t>STRUTS2 FRAMEWORK &amp; </a:t>
+            </a:r>
+            <a:r>
+              <a:rPr lang="en-US" noProof="1" smtClean="0"/>
+              <a:t>ỨNG DỤNG US</a:t>
+            </a:r>
+            <a:r>
+              <a:rPr lang="vi-VN" noProof="1" smtClean="0"/>
+              <a:t>TORE</a:t>
+            </a:r>
+            <a:endParaRPr lang="de-DE" dirty="0"/>
           </a:p>
         </p:txBody>
       </p:sp>
@@ -4204,6 +4314,4042 @@
 </file>
 
 <file path=ppt/slides/slide10.xml><?xml version="1.0" encoding="utf-8"?>
+<p:sld xmlns:a="http://schemas.openxmlformats.org/drawingml/2006/main" xmlns:r="http://schemas.openxmlformats.org/officeDocument/2006/relationships" xmlns:p="http://schemas.openxmlformats.org/presentationml/2006/main">
+  <p:cSld>
+    <p:spTree>
+      <p:nvGrpSpPr>
+        <p:cNvPr id="1" name=""/>
+        <p:cNvGrpSpPr/>
+        <p:nvPr/>
+      </p:nvGrpSpPr>
+      <p:grpSpPr>
+        <a:xfrm>
+          <a:off x="0" y="0"/>
+          <a:ext cx="0" cy="0"/>
+          <a:chOff x="0" y="0"/>
+          <a:chExt cx="0" cy="0"/>
+        </a:xfrm>
+      </p:grpSpPr>
+      <p:sp>
+        <p:nvSpPr>
+          <p:cNvPr id="2" name="Title 1"/>
+          <p:cNvSpPr>
+            <a:spLocks noGrp="1"/>
+          </p:cNvSpPr>
+          <p:nvPr>
+            <p:ph type="title"/>
+          </p:nvPr>
+        </p:nvSpPr>
+        <p:spPr/>
+        <p:txBody>
+          <a:bodyPr/>
+          <a:lstStyle/>
+          <a:p>
+            <a:r>
+              <a:rPr lang="vi-VN" noProof="1"/>
+              <a:t>I. Struts2 Framework</a:t>
+            </a:r>
+            <a:endParaRPr lang="vi-VN"/>
+          </a:p>
+        </p:txBody>
+      </p:sp>
+      <p:sp>
+        <p:nvSpPr>
+          <p:cNvPr id="3" name="Content Placeholder 2"/>
+          <p:cNvSpPr>
+            <a:spLocks noGrp="1"/>
+          </p:cNvSpPr>
+          <p:nvPr>
+            <p:ph idx="1"/>
+          </p:nvPr>
+        </p:nvSpPr>
+        <p:spPr/>
+        <p:txBody>
+          <a:bodyPr/>
+          <a:lstStyle/>
+          <a:p>
+            <a:r>
+              <a:rPr lang="en-US" dirty="0" err="1" smtClean="0"/>
+              <a:t>Ví</a:t>
+            </a:r>
+            <a:r>
+              <a:rPr lang="en-US" dirty="0" smtClean="0"/>
+              <a:t> </a:t>
+            </a:r>
+            <a:r>
+              <a:rPr lang="en-US" dirty="0" err="1" smtClean="0"/>
+              <a:t>dụ</a:t>
+            </a:r>
+            <a:r>
+              <a:rPr lang="en-US" dirty="0" smtClean="0"/>
+              <a:t>:</a:t>
+            </a:r>
+          </a:p>
+          <a:p>
+            <a:pPr marL="0" indent="0">
+              <a:buNone/>
+            </a:pPr>
+            <a:endParaRPr lang="vi-VN" dirty="0"/>
+          </a:p>
+        </p:txBody>
+      </p:sp>
+      <p:sp>
+        <p:nvSpPr>
+          <p:cNvPr id="4" name="TextBox 3"/>
+          <p:cNvSpPr txBox="1"/>
+          <p:nvPr/>
+        </p:nvSpPr>
+        <p:spPr>
+          <a:xfrm>
+            <a:off x="914400" y="2094648"/>
+            <a:ext cx="7239000" cy="2308324"/>
+          </a:xfrm>
+          <a:prstGeom prst="rect">
+            <a:avLst/>
+          </a:prstGeom>
+          <a:noFill/>
+          <a:ln>
+            <a:solidFill>
+              <a:schemeClr val="tx1"/>
+            </a:solidFill>
+          </a:ln>
+        </p:spPr>
+        <p:txBody>
+          <a:bodyPr wrap="square" rtlCol="0">
+            <a:spAutoFit/>
+          </a:bodyPr>
+          <a:lstStyle/>
+          <a:p>
+            <a:r>
+              <a:rPr lang="en-US" sz="1800" dirty="0">
+                <a:latin typeface="Courier New" pitchFamily="49" charset="0"/>
+                <a:cs typeface="Courier New" pitchFamily="49" charset="0"/>
+              </a:rPr>
+              <a:t>&lt;action name=</a:t>
+            </a:r>
+            <a:r>
+              <a:rPr lang="en-US" sz="1800" i="1" dirty="0">
+                <a:latin typeface="Courier New" pitchFamily="49" charset="0"/>
+                <a:cs typeface="Courier New" pitchFamily="49" charset="0"/>
+              </a:rPr>
+              <a:t>"</a:t>
+            </a:r>
+            <a:r>
+              <a:rPr lang="en-US" sz="1800" i="1" dirty="0" err="1">
+                <a:latin typeface="Courier New" pitchFamily="49" charset="0"/>
+                <a:cs typeface="Courier New" pitchFamily="49" charset="0"/>
+              </a:rPr>
+              <a:t>doLogin</a:t>
+            </a:r>
+            <a:r>
+              <a:rPr lang="en-US" sz="1800" i="1" dirty="0">
+                <a:latin typeface="Courier New" pitchFamily="49" charset="0"/>
+                <a:cs typeface="Courier New" pitchFamily="49" charset="0"/>
+              </a:rPr>
+              <a:t>" class="</a:t>
+            </a:r>
+            <a:r>
+              <a:rPr lang="en-US" sz="1800" i="1" dirty="0" err="1">
+                <a:latin typeface="Courier New" pitchFamily="49" charset="0"/>
+                <a:cs typeface="Courier New" pitchFamily="49" charset="0"/>
+              </a:rPr>
+              <a:t>action.UserAction</a:t>
+            </a:r>
+            <a:r>
+              <a:rPr lang="en-US" sz="1800" i="1" dirty="0">
+                <a:latin typeface="Courier New" pitchFamily="49" charset="0"/>
+                <a:cs typeface="Courier New" pitchFamily="49" charset="0"/>
+              </a:rPr>
+              <a:t>" method="login"&gt;</a:t>
+            </a:r>
+          </a:p>
+          <a:p>
+            <a:pPr lvl="1"/>
+            <a:r>
+              <a:rPr lang="en-US" sz="1800" dirty="0">
+                <a:latin typeface="Courier New" pitchFamily="49" charset="0"/>
+                <a:cs typeface="Courier New" pitchFamily="49" charset="0"/>
+              </a:rPr>
+              <a:t>&lt;result name=</a:t>
+            </a:r>
+            <a:r>
+              <a:rPr lang="en-US" sz="1800" i="1" dirty="0">
+                <a:latin typeface="Courier New" pitchFamily="49" charset="0"/>
+                <a:cs typeface="Courier New" pitchFamily="49" charset="0"/>
+              </a:rPr>
+              <a:t>"success"&gt;/guest/</a:t>
+            </a:r>
+            <a:r>
+              <a:rPr lang="en-US" sz="1800" i="1" dirty="0" err="1">
+                <a:latin typeface="Courier New" pitchFamily="49" charset="0"/>
+                <a:cs typeface="Courier New" pitchFamily="49" charset="0"/>
+              </a:rPr>
+              <a:t>thanhcong.jsp</a:t>
+            </a:r>
+            <a:r>
+              <a:rPr lang="en-US" sz="1800" i="1" dirty="0">
+                <a:latin typeface="Courier New" pitchFamily="49" charset="0"/>
+                <a:cs typeface="Courier New" pitchFamily="49" charset="0"/>
+              </a:rPr>
+              <a:t>&lt;/result&gt;</a:t>
+            </a:r>
+          </a:p>
+          <a:p>
+            <a:pPr lvl="1"/>
+            <a:r>
+              <a:rPr lang="en-US" sz="1800" dirty="0">
+                <a:latin typeface="Courier New" pitchFamily="49" charset="0"/>
+                <a:cs typeface="Courier New" pitchFamily="49" charset="0"/>
+              </a:rPr>
+              <a:t>&lt;result name=</a:t>
+            </a:r>
+            <a:r>
+              <a:rPr lang="en-US" sz="1800" i="1" dirty="0">
+                <a:latin typeface="Courier New" pitchFamily="49" charset="0"/>
+                <a:cs typeface="Courier New" pitchFamily="49" charset="0"/>
+              </a:rPr>
+              <a:t>"input"&gt;/guest/</a:t>
+            </a:r>
+            <a:r>
+              <a:rPr lang="en-US" sz="1800" i="1" dirty="0" err="1">
+                <a:latin typeface="Courier New" pitchFamily="49" charset="0"/>
+                <a:cs typeface="Courier New" pitchFamily="49" charset="0"/>
+              </a:rPr>
+              <a:t>dangnhap.jsp</a:t>
+            </a:r>
+            <a:r>
+              <a:rPr lang="en-US" sz="1800" i="1" dirty="0">
+                <a:latin typeface="Courier New" pitchFamily="49" charset="0"/>
+                <a:cs typeface="Courier New" pitchFamily="49" charset="0"/>
+              </a:rPr>
+              <a:t>&lt;/result&gt;</a:t>
+            </a:r>
+          </a:p>
+          <a:p>
+            <a:pPr lvl="1"/>
+            <a:r>
+              <a:rPr lang="en-US" sz="1800" dirty="0">
+                <a:latin typeface="Courier New" pitchFamily="49" charset="0"/>
+                <a:cs typeface="Courier New" pitchFamily="49" charset="0"/>
+              </a:rPr>
+              <a:t>&lt;result name=</a:t>
+            </a:r>
+            <a:r>
+              <a:rPr lang="en-US" sz="1800" i="1" dirty="0">
+                <a:latin typeface="Courier New" pitchFamily="49" charset="0"/>
+                <a:cs typeface="Courier New" pitchFamily="49" charset="0"/>
+              </a:rPr>
+              <a:t>"error"&gt;/guest/</a:t>
+            </a:r>
+            <a:r>
+              <a:rPr lang="en-US" sz="1800" i="1" dirty="0" err="1">
+                <a:latin typeface="Courier New" pitchFamily="49" charset="0"/>
+                <a:cs typeface="Courier New" pitchFamily="49" charset="0"/>
+              </a:rPr>
+              <a:t>loi.jsp</a:t>
+            </a:r>
+            <a:r>
+              <a:rPr lang="en-US" sz="1800" i="1" dirty="0">
+                <a:latin typeface="Courier New" pitchFamily="49" charset="0"/>
+                <a:cs typeface="Courier New" pitchFamily="49" charset="0"/>
+              </a:rPr>
+              <a:t>&lt;/result&gt;</a:t>
+            </a:r>
+          </a:p>
+          <a:p>
+            <a:r>
+              <a:rPr lang="en-US" sz="1800" dirty="0">
+                <a:latin typeface="Courier New" pitchFamily="49" charset="0"/>
+                <a:cs typeface="Courier New" pitchFamily="49" charset="0"/>
+              </a:rPr>
+              <a:t>&lt;/action&gt;</a:t>
+            </a:r>
+            <a:endParaRPr lang="vi-VN" sz="1800" dirty="0">
+              <a:latin typeface="Courier New" pitchFamily="49" charset="0"/>
+              <a:cs typeface="Courier New" pitchFamily="49" charset="0"/>
+            </a:endParaRPr>
+          </a:p>
+        </p:txBody>
+      </p:sp>
+    </p:spTree>
+    <p:extLst>
+      <p:ext uri="{BB962C8B-B14F-4D97-AF65-F5344CB8AC3E}">
+        <p14:creationId xmlns:p14="http://schemas.microsoft.com/office/powerpoint/2010/main" val="3207353377"/>
+      </p:ext>
+    </p:extLst>
+  </p:cSld>
+  <p:clrMapOvr>
+    <a:masterClrMapping/>
+  </p:clrMapOvr>
+  <p:timing>
+    <p:tnLst>
+      <p:par>
+        <p:cTn id="1" dur="indefinite" restart="never" nodeType="tmRoot"/>
+      </p:par>
+    </p:tnLst>
+  </p:timing>
+</p:sld>
+</file>
+
+<file path=ppt/slides/slide11.xml><?xml version="1.0" encoding="utf-8"?>
+<p:sld xmlns:a="http://schemas.openxmlformats.org/drawingml/2006/main" xmlns:r="http://schemas.openxmlformats.org/officeDocument/2006/relationships" xmlns:p="http://schemas.openxmlformats.org/presentationml/2006/main">
+  <p:cSld>
+    <p:spTree>
+      <p:nvGrpSpPr>
+        <p:cNvPr id="1" name=""/>
+        <p:cNvGrpSpPr/>
+        <p:nvPr/>
+      </p:nvGrpSpPr>
+      <p:grpSpPr>
+        <a:xfrm>
+          <a:off x="0" y="0"/>
+          <a:ext cx="0" cy="0"/>
+          <a:chOff x="0" y="0"/>
+          <a:chExt cx="0" cy="0"/>
+        </a:xfrm>
+      </p:grpSpPr>
+      <p:sp>
+        <p:nvSpPr>
+          <p:cNvPr id="2" name="Title 1"/>
+          <p:cNvSpPr>
+            <a:spLocks noGrp="1"/>
+          </p:cNvSpPr>
+          <p:nvPr>
+            <p:ph type="title"/>
+          </p:nvPr>
+        </p:nvSpPr>
+        <p:spPr/>
+        <p:txBody>
+          <a:bodyPr/>
+          <a:lstStyle/>
+          <a:p>
+            <a:r>
+              <a:rPr lang="vi-VN" noProof="1" smtClean="0"/>
+              <a:t>III. Đề xuất ứng dụng</a:t>
+            </a:r>
+            <a:endParaRPr lang="vi-VN"/>
+          </a:p>
+        </p:txBody>
+      </p:sp>
+      <p:sp>
+        <p:nvSpPr>
+          <p:cNvPr id="3" name="Content Placeholder 2"/>
+          <p:cNvSpPr>
+            <a:spLocks noGrp="1"/>
+          </p:cNvSpPr>
+          <p:nvPr>
+            <p:ph idx="1"/>
+          </p:nvPr>
+        </p:nvSpPr>
+        <p:spPr/>
+        <p:txBody>
+          <a:bodyPr/>
+          <a:lstStyle/>
+          <a:p>
+            <a:r>
+              <a:rPr lang="vi-VN" smtClean="0"/>
+              <a:t> Mô hình MVC (Model-View-Controller): chia ứng dụng thành 3 thành phần riêng biệt: Model (mẫu), View (hiển thị), và Controller (điều khiển).</a:t>
+            </a:r>
+          </a:p>
+          <a:p>
+            <a:r>
+              <a:rPr lang="vi-VN" smtClean="0"/>
+              <a:t>3 component này độc lập và có nhiệm vụ riêng, không ảnh hưởng nhau.</a:t>
+            </a:r>
+          </a:p>
+        </p:txBody>
+      </p:sp>
+      <p:pic>
+        <p:nvPicPr>
+          <p:cNvPr id="2052" name="Picture 4" descr="http://www.giancon.me/sites/default/files/mvc-rails.png"/>
+          <p:cNvPicPr>
+            <a:picLocks noChangeAspect="1" noChangeArrowheads="1"/>
+          </p:cNvPicPr>
+          <p:nvPr/>
+        </p:nvPicPr>
+        <p:blipFill>
+          <a:blip r:embed="rId2">
+            <a:extLst>
+              <a:ext uri="{28A0092B-C50C-407E-A947-70E740481C1C}">
+                <a14:useLocalDpi xmlns:a14="http://schemas.microsoft.com/office/drawing/2010/main" val="0"/>
+              </a:ext>
+            </a:extLst>
+          </a:blip>
+          <a:srcRect/>
+          <a:stretch>
+            <a:fillRect/>
+          </a:stretch>
+        </p:blipFill>
+        <p:spPr bwMode="auto">
+          <a:xfrm>
+            <a:off x="2422257" y="2678269"/>
+            <a:ext cx="3952785" cy="3731429"/>
+          </a:xfrm>
+          <a:prstGeom prst="rect">
+            <a:avLst/>
+          </a:prstGeom>
+          <a:noFill/>
+          <a:extLst>
+            <a:ext uri="{909E8E84-426E-40DD-AFC4-6F175D3DCCD1}">
+              <a14:hiddenFill xmlns:a14="http://schemas.microsoft.com/office/drawing/2010/main">
+                <a:solidFill>
+                  <a:srgbClr val="FFFFFF"/>
+                </a:solidFill>
+              </a14:hiddenFill>
+            </a:ext>
+          </a:extLst>
+        </p:spPr>
+      </p:pic>
+    </p:spTree>
+    <p:extLst>
+      <p:ext uri="{BB962C8B-B14F-4D97-AF65-F5344CB8AC3E}">
+        <p14:creationId xmlns:p14="http://schemas.microsoft.com/office/powerpoint/2010/main" val="336916093"/>
+      </p:ext>
+    </p:extLst>
+  </p:cSld>
+  <p:clrMapOvr>
+    <a:masterClrMapping/>
+  </p:clrMapOvr>
+  <p:timing>
+    <p:tnLst>
+      <p:par>
+        <p:cTn id="1" dur="indefinite" restart="never" nodeType="tmRoot"/>
+      </p:par>
+    </p:tnLst>
+  </p:timing>
+</p:sld>
+</file>
+
+<file path=ppt/slides/slide12.xml><?xml version="1.0" encoding="utf-8"?>
+<p:sld xmlns:a="http://schemas.openxmlformats.org/drawingml/2006/main" xmlns:r="http://schemas.openxmlformats.org/officeDocument/2006/relationships" xmlns:p="http://schemas.openxmlformats.org/presentationml/2006/main">
+  <p:cSld>
+    <p:spTree>
+      <p:nvGrpSpPr>
+        <p:cNvPr id="1" name=""/>
+        <p:cNvGrpSpPr/>
+        <p:nvPr/>
+      </p:nvGrpSpPr>
+      <p:grpSpPr>
+        <a:xfrm>
+          <a:off x="0" y="0"/>
+          <a:ext cx="0" cy="0"/>
+          <a:chOff x="0" y="0"/>
+          <a:chExt cx="0" cy="0"/>
+        </a:xfrm>
+      </p:grpSpPr>
+      <p:sp>
+        <p:nvSpPr>
+          <p:cNvPr id="2" name="Title 1"/>
+          <p:cNvSpPr>
+            <a:spLocks noGrp="1"/>
+          </p:cNvSpPr>
+          <p:nvPr>
+            <p:ph type="title"/>
+          </p:nvPr>
+        </p:nvSpPr>
+        <p:spPr/>
+        <p:txBody>
+          <a:bodyPr/>
+          <a:lstStyle/>
+          <a:p>
+            <a:r>
+              <a:rPr lang="vi-VN" noProof="1"/>
+              <a:t>III. Đề xuất ứng dụng</a:t>
+            </a:r>
+            <a:endParaRPr lang="vi-VN"/>
+          </a:p>
+        </p:txBody>
+      </p:sp>
+      <p:sp>
+        <p:nvSpPr>
+          <p:cNvPr id="3" name="Content Placeholder 2"/>
+          <p:cNvSpPr>
+            <a:spLocks noGrp="1"/>
+          </p:cNvSpPr>
+          <p:nvPr>
+            <p:ph idx="1"/>
+          </p:nvPr>
+        </p:nvSpPr>
+        <p:spPr/>
+        <p:txBody>
+          <a:bodyPr/>
+          <a:lstStyle/>
+          <a:p>
+            <a:r>
+              <a:rPr lang="vi-VN" smtClean="0"/>
+              <a:t>Trong ứng dụng này, sử dụng apache Tomcat và MySQL</a:t>
+            </a:r>
+          </a:p>
+          <a:p>
+            <a:r>
+              <a:rPr lang="vi-VN" smtClean="0"/>
+              <a:t>Mô hình ứng dụng có kết hợp MVC vào Struts2 </a:t>
+            </a:r>
+            <a:endParaRPr lang="vi-VN"/>
+          </a:p>
+        </p:txBody>
+      </p:sp>
+      <p:pic>
+        <p:nvPicPr>
+          <p:cNvPr id="3074" name="Picture 2"/>
+          <p:cNvPicPr>
+            <a:picLocks noChangeAspect="1" noChangeArrowheads="1"/>
+          </p:cNvPicPr>
+          <p:nvPr/>
+        </p:nvPicPr>
+        <p:blipFill>
+          <a:blip r:embed="rId2">
+            <a:extLst>
+              <a:ext uri="{28A0092B-C50C-407E-A947-70E740481C1C}">
+                <a14:useLocalDpi xmlns:a14="http://schemas.microsoft.com/office/drawing/2010/main" val="0"/>
+              </a:ext>
+            </a:extLst>
+          </a:blip>
+          <a:srcRect/>
+          <a:stretch>
+            <a:fillRect/>
+          </a:stretch>
+        </p:blipFill>
+        <p:spPr bwMode="auto">
+          <a:xfrm>
+            <a:off x="828675" y="2686252"/>
+            <a:ext cx="7486650" cy="3571875"/>
+          </a:xfrm>
+          <a:prstGeom prst="rect">
+            <a:avLst/>
+          </a:prstGeom>
+          <a:noFill/>
+          <a:ln>
+            <a:noFill/>
+          </a:ln>
+          <a:effectLst/>
+          <a:extLst>
+            <a:ext uri="{909E8E84-426E-40DD-AFC4-6F175D3DCCD1}">
+              <a14:hiddenFill xmlns:a14="http://schemas.microsoft.com/office/drawing/2010/main">
+                <a:solidFill>
+                  <a:schemeClr val="accent1"/>
+                </a:solidFill>
+              </a14:hiddenFill>
+            </a:ext>
+            <a:ext uri="{91240B29-F687-4F45-9708-019B960494DF}">
+              <a14:hiddenLine xmlns:a14="http://schemas.microsoft.com/office/drawing/2010/main" w="9525">
+                <a:solidFill>
+                  <a:schemeClr val="tx1"/>
+                </a:solidFill>
+                <a:miter lim="800000"/>
+                <a:headEnd/>
+                <a:tailEnd/>
+              </a14:hiddenLine>
+            </a:ext>
+            <a:ext uri="{AF507438-7753-43E0-B8FC-AC1667EBCBE1}">
+              <a14:hiddenEffects xmlns:a14="http://schemas.microsoft.com/office/drawing/2010/main">
+                <a:effectLst>
+                  <a:outerShdw dist="35921" dir="2700000" algn="ctr" rotWithShape="0">
+                    <a:schemeClr val="bg2"/>
+                  </a:outerShdw>
+                </a:effectLst>
+              </a14:hiddenEffects>
+            </a:ext>
+          </a:extLst>
+        </p:spPr>
+      </p:pic>
+    </p:spTree>
+    <p:extLst>
+      <p:ext uri="{BB962C8B-B14F-4D97-AF65-F5344CB8AC3E}">
+        <p14:creationId xmlns:p14="http://schemas.microsoft.com/office/powerpoint/2010/main" val="55994831"/>
+      </p:ext>
+    </p:extLst>
+  </p:cSld>
+  <p:clrMapOvr>
+    <a:masterClrMapping/>
+  </p:clrMapOvr>
+  <p:timing>
+    <p:tnLst>
+      <p:par>
+        <p:cTn id="1" dur="indefinite" restart="never" nodeType="tmRoot"/>
+      </p:par>
+    </p:tnLst>
+  </p:timing>
+</p:sld>
+</file>
+
+<file path=ppt/slides/slide13.xml><?xml version="1.0" encoding="utf-8"?>
+<p:sld xmlns:a="http://schemas.openxmlformats.org/drawingml/2006/main" xmlns:r="http://schemas.openxmlformats.org/officeDocument/2006/relationships" xmlns:p="http://schemas.openxmlformats.org/presentationml/2006/main">
+  <p:cSld>
+    <p:spTree>
+      <p:nvGrpSpPr>
+        <p:cNvPr id="1" name=""/>
+        <p:cNvGrpSpPr/>
+        <p:nvPr/>
+      </p:nvGrpSpPr>
+      <p:grpSpPr>
+        <a:xfrm>
+          <a:off x="0" y="0"/>
+          <a:ext cx="0" cy="0"/>
+          <a:chOff x="0" y="0"/>
+          <a:chExt cx="0" cy="0"/>
+        </a:xfrm>
+      </p:grpSpPr>
+      <p:sp>
+        <p:nvSpPr>
+          <p:cNvPr id="2" name="Title 1"/>
+          <p:cNvSpPr>
+            <a:spLocks noGrp="1"/>
+          </p:cNvSpPr>
+          <p:nvPr>
+            <p:ph type="title"/>
+          </p:nvPr>
+        </p:nvSpPr>
+        <p:spPr/>
+        <p:txBody>
+          <a:bodyPr/>
+          <a:lstStyle/>
+          <a:p>
+            <a:r>
+              <a:rPr lang="en-US" sz="2800" dirty="0" smtClean="0"/>
+              <a:t>GIỚI THIỆU ỨNG DỤNG</a:t>
+            </a:r>
+            <a:endParaRPr lang="en-US" sz="2800" dirty="0"/>
+          </a:p>
+        </p:txBody>
+      </p:sp>
+      <p:sp>
+        <p:nvSpPr>
+          <p:cNvPr id="3" name="Content Placeholder 2"/>
+          <p:cNvSpPr>
+            <a:spLocks noGrp="1"/>
+          </p:cNvSpPr>
+          <p:nvPr>
+            <p:ph idx="1"/>
+          </p:nvPr>
+        </p:nvSpPr>
+        <p:spPr/>
+        <p:txBody>
+          <a:bodyPr/>
+          <a:lstStyle/>
+          <a:p>
+            <a:pPr>
+              <a:lnSpc>
+                <a:spcPct val="150000"/>
+              </a:lnSpc>
+            </a:pPr>
+            <a:r>
+              <a:rPr lang="en-US" sz="2800" dirty="0" err="1" smtClean="0"/>
+              <a:t>Giới</a:t>
+            </a:r>
+            <a:r>
+              <a:rPr lang="en-US" sz="2800" dirty="0" smtClean="0"/>
+              <a:t> </a:t>
+            </a:r>
+            <a:r>
+              <a:rPr lang="en-US" sz="2800" dirty="0" err="1" smtClean="0"/>
+              <a:t>thiệu</a:t>
+            </a:r>
+            <a:r>
+              <a:rPr lang="en-US" sz="2800" dirty="0" smtClean="0"/>
+              <a:t> </a:t>
+            </a:r>
+            <a:r>
+              <a:rPr lang="en-US" sz="2800" dirty="0" err="1" smtClean="0"/>
+              <a:t>chung</a:t>
+            </a:r>
+            <a:endParaRPr lang="en-US" sz="2800" dirty="0" smtClean="0"/>
+          </a:p>
+          <a:p>
+            <a:pPr>
+              <a:lnSpc>
+                <a:spcPct val="150000"/>
+              </a:lnSpc>
+            </a:pPr>
+            <a:r>
+              <a:rPr lang="en-US" sz="2800" dirty="0" err="1" smtClean="0"/>
+              <a:t>Các</a:t>
+            </a:r>
+            <a:r>
+              <a:rPr lang="en-US" sz="2800" dirty="0" smtClean="0"/>
+              <a:t> </a:t>
+            </a:r>
+            <a:r>
+              <a:rPr lang="en-US" sz="2800" dirty="0" err="1" smtClean="0"/>
+              <a:t>chức</a:t>
+            </a:r>
+            <a:r>
+              <a:rPr lang="en-US" sz="2800" dirty="0" smtClean="0"/>
+              <a:t> </a:t>
+            </a:r>
+            <a:r>
+              <a:rPr lang="en-US" sz="2800" dirty="0" err="1" smtClean="0"/>
+              <a:t>năng</a:t>
+            </a:r>
+            <a:r>
+              <a:rPr lang="en-US" sz="2800" dirty="0" smtClean="0"/>
+              <a:t> </a:t>
+            </a:r>
+            <a:r>
+              <a:rPr lang="en-US" sz="2800" dirty="0" err="1" smtClean="0"/>
+              <a:t>chính</a:t>
+            </a:r>
+            <a:endParaRPr lang="en-US" sz="2800" dirty="0" smtClean="0"/>
+          </a:p>
+        </p:txBody>
+      </p:sp>
+    </p:spTree>
+    <p:extLst>
+      <p:ext uri="{BB962C8B-B14F-4D97-AF65-F5344CB8AC3E}">
+        <p14:creationId xmlns:p14="http://schemas.microsoft.com/office/powerpoint/2010/main" val="3052263840"/>
+      </p:ext>
+    </p:extLst>
+  </p:cSld>
+  <p:clrMapOvr>
+    <a:masterClrMapping/>
+  </p:clrMapOvr>
+  <p:timing>
+    <p:tnLst>
+      <p:par>
+        <p:cTn id="1" dur="indefinite" restart="never" nodeType="tmRoot"/>
+      </p:par>
+    </p:tnLst>
+  </p:timing>
+</p:sld>
+</file>
+
+<file path=ppt/slides/slide14.xml><?xml version="1.0" encoding="utf-8"?>
+<p:sld xmlns:a="http://schemas.openxmlformats.org/drawingml/2006/main" xmlns:r="http://schemas.openxmlformats.org/officeDocument/2006/relationships" xmlns:p="http://schemas.openxmlformats.org/presentationml/2006/main">
+  <p:cSld>
+    <p:spTree>
+      <p:nvGrpSpPr>
+        <p:cNvPr id="1" name=""/>
+        <p:cNvGrpSpPr/>
+        <p:nvPr/>
+      </p:nvGrpSpPr>
+      <p:grpSpPr>
+        <a:xfrm>
+          <a:off x="0" y="0"/>
+          <a:ext cx="0" cy="0"/>
+          <a:chOff x="0" y="0"/>
+          <a:chExt cx="0" cy="0"/>
+        </a:xfrm>
+      </p:grpSpPr>
+      <p:sp>
+        <p:nvSpPr>
+          <p:cNvPr id="2" name="Title 1"/>
+          <p:cNvSpPr>
+            <a:spLocks noGrp="1"/>
+          </p:cNvSpPr>
+          <p:nvPr>
+            <p:ph type="title"/>
+          </p:nvPr>
+        </p:nvSpPr>
+        <p:spPr/>
+        <p:txBody>
+          <a:bodyPr/>
+          <a:lstStyle/>
+          <a:p>
+            <a:r>
+              <a:rPr lang="en-US" sz="2800" dirty="0" smtClean="0"/>
+              <a:t>GIỚI THIỆU CHUNG</a:t>
+            </a:r>
+            <a:endParaRPr lang="en-US" sz="2800" dirty="0"/>
+          </a:p>
+        </p:txBody>
+      </p:sp>
+      <p:sp>
+        <p:nvSpPr>
+          <p:cNvPr id="3" name="Content Placeholder 2"/>
+          <p:cNvSpPr>
+            <a:spLocks noGrp="1"/>
+          </p:cNvSpPr>
+          <p:nvPr>
+            <p:ph idx="1"/>
+          </p:nvPr>
+        </p:nvSpPr>
+        <p:spPr/>
+        <p:txBody>
+          <a:bodyPr/>
+          <a:lstStyle/>
+          <a:p>
+            <a:pPr>
+              <a:lnSpc>
+                <a:spcPct val="150000"/>
+              </a:lnSpc>
+            </a:pPr>
+            <a:r>
+              <a:rPr lang="en-US" dirty="0" err="1" smtClean="0"/>
+              <a:t>Với</a:t>
+            </a:r>
+            <a:r>
+              <a:rPr lang="en-US" dirty="0" smtClean="0"/>
+              <a:t> </a:t>
+            </a:r>
+            <a:r>
+              <a:rPr lang="en-US" dirty="0" err="1" smtClean="0"/>
+              <a:t>tốc</a:t>
+            </a:r>
+            <a:r>
+              <a:rPr lang="en-US" dirty="0" smtClean="0"/>
+              <a:t> </a:t>
+            </a:r>
+            <a:r>
+              <a:rPr lang="en-US" dirty="0" err="1" smtClean="0"/>
+              <a:t>độ</a:t>
+            </a:r>
+            <a:r>
+              <a:rPr lang="en-US" dirty="0" smtClean="0"/>
+              <a:t> </a:t>
+            </a:r>
+            <a:r>
+              <a:rPr lang="en-US" dirty="0" err="1" smtClean="0"/>
+              <a:t>phát</a:t>
+            </a:r>
+            <a:r>
+              <a:rPr lang="en-US" dirty="0" smtClean="0"/>
+              <a:t> </a:t>
+            </a:r>
+            <a:r>
+              <a:rPr lang="en-US" dirty="0" err="1" smtClean="0"/>
+              <a:t>triển</a:t>
+            </a:r>
+            <a:r>
+              <a:rPr lang="en-US" dirty="0" smtClean="0"/>
+              <a:t> </a:t>
+            </a:r>
+            <a:r>
+              <a:rPr lang="en-US" dirty="0" err="1" smtClean="0"/>
+              <a:t>của</a:t>
+            </a:r>
+            <a:r>
+              <a:rPr lang="en-US" dirty="0" smtClean="0"/>
+              <a:t> </a:t>
+            </a:r>
+            <a:r>
+              <a:rPr lang="en-US" dirty="0" err="1" smtClean="0"/>
+              <a:t>công</a:t>
+            </a:r>
+            <a:r>
+              <a:rPr lang="en-US" dirty="0" smtClean="0"/>
+              <a:t> </a:t>
+            </a:r>
+            <a:r>
+              <a:rPr lang="en-US" dirty="0" err="1" smtClean="0"/>
+              <a:t>nghệ</a:t>
+            </a:r>
+            <a:r>
+              <a:rPr lang="en-US" dirty="0" smtClean="0"/>
+              <a:t> </a:t>
+            </a:r>
+            <a:r>
+              <a:rPr lang="en-US" dirty="0" err="1" smtClean="0"/>
+              <a:t>thông</a:t>
+            </a:r>
+            <a:r>
+              <a:rPr lang="en-US" dirty="0" smtClean="0"/>
+              <a:t> tin </a:t>
+            </a:r>
+            <a:r>
+              <a:rPr lang="en-US" dirty="0" err="1" smtClean="0"/>
+              <a:t>như</a:t>
+            </a:r>
+            <a:r>
+              <a:rPr lang="en-US" dirty="0" smtClean="0"/>
+              <a:t> </a:t>
+            </a:r>
+            <a:r>
+              <a:rPr lang="en-US" dirty="0" err="1" smtClean="0"/>
+              <a:t>hiện</a:t>
+            </a:r>
+            <a:r>
+              <a:rPr lang="en-US" dirty="0" smtClean="0"/>
+              <a:t> nay </a:t>
+            </a:r>
+            <a:r>
+              <a:rPr lang="en-US" dirty="0" err="1" smtClean="0"/>
+              <a:t>thì</a:t>
+            </a:r>
+            <a:r>
+              <a:rPr lang="en-US" dirty="0" smtClean="0"/>
+              <a:t> </a:t>
+            </a:r>
+            <a:r>
+              <a:rPr lang="en-US" dirty="0" err="1" smtClean="0"/>
+              <a:t>nhu</a:t>
+            </a:r>
+            <a:r>
+              <a:rPr lang="en-US" dirty="0" smtClean="0"/>
+              <a:t> </a:t>
+            </a:r>
+            <a:r>
+              <a:rPr lang="en-US" dirty="0" err="1" smtClean="0"/>
+              <a:t>cầu</a:t>
+            </a:r>
+            <a:r>
+              <a:rPr lang="en-US" dirty="0" smtClean="0"/>
+              <a:t> </a:t>
+            </a:r>
+            <a:r>
+              <a:rPr lang="en-US" dirty="0" err="1" smtClean="0"/>
+              <a:t>mua</a:t>
+            </a:r>
+            <a:r>
+              <a:rPr lang="en-US" dirty="0" smtClean="0"/>
+              <a:t> </a:t>
+            </a:r>
+            <a:r>
+              <a:rPr lang="en-US" dirty="0" err="1" smtClean="0"/>
+              <a:t>sắm</a:t>
+            </a:r>
+            <a:r>
+              <a:rPr lang="en-US" dirty="0" smtClean="0"/>
+              <a:t> qua </a:t>
+            </a:r>
+            <a:r>
+              <a:rPr lang="en-US" dirty="0" err="1" smtClean="0"/>
+              <a:t>mạng</a:t>
+            </a:r>
+            <a:r>
+              <a:rPr lang="en-US" dirty="0" smtClean="0"/>
+              <a:t> internet </a:t>
+            </a:r>
+            <a:r>
+              <a:rPr lang="en-US" dirty="0" err="1" smtClean="0"/>
+              <a:t>ngày</a:t>
+            </a:r>
+            <a:r>
+              <a:rPr lang="en-US" dirty="0" smtClean="0"/>
+              <a:t> </a:t>
+            </a:r>
+            <a:r>
+              <a:rPr lang="en-US" dirty="0" err="1" smtClean="0"/>
+              <a:t>càng</a:t>
+            </a:r>
+            <a:r>
+              <a:rPr lang="en-US" dirty="0" smtClean="0"/>
+              <a:t> </a:t>
+            </a:r>
+            <a:r>
+              <a:rPr lang="en-US" dirty="0" err="1" smtClean="0"/>
+              <a:t>phổ</a:t>
+            </a:r>
+            <a:r>
+              <a:rPr lang="en-US" dirty="0" smtClean="0"/>
+              <a:t> </a:t>
+            </a:r>
+            <a:r>
+              <a:rPr lang="en-US" dirty="0" err="1" smtClean="0"/>
+              <a:t>biến</a:t>
+            </a:r>
+            <a:r>
+              <a:rPr lang="en-US" dirty="0" smtClean="0"/>
+              <a:t>. </a:t>
+            </a:r>
+            <a:r>
+              <a:rPr lang="en-US" dirty="0" err="1" smtClean="0"/>
+              <a:t>Nắm</a:t>
+            </a:r>
+            <a:r>
+              <a:rPr lang="en-US" dirty="0" smtClean="0"/>
+              <a:t> </a:t>
+            </a:r>
+            <a:r>
+              <a:rPr lang="en-US" dirty="0" err="1" smtClean="0"/>
+              <a:t>bắt</a:t>
+            </a:r>
+            <a:r>
+              <a:rPr lang="en-US" dirty="0" smtClean="0"/>
+              <a:t> </a:t>
+            </a:r>
+            <a:r>
+              <a:rPr lang="en-US" dirty="0" err="1" smtClean="0"/>
+              <a:t>được</a:t>
+            </a:r>
+            <a:r>
+              <a:rPr lang="en-US" dirty="0" smtClean="0"/>
+              <a:t> </a:t>
+            </a:r>
+            <a:r>
+              <a:rPr lang="en-US" dirty="0" err="1" smtClean="0"/>
+              <a:t>nhu</a:t>
+            </a:r>
+            <a:r>
+              <a:rPr lang="en-US" dirty="0" smtClean="0"/>
+              <a:t> </a:t>
+            </a:r>
+            <a:r>
+              <a:rPr lang="en-US" dirty="0" err="1" smtClean="0"/>
+              <a:t>cầu</a:t>
+            </a:r>
+            <a:r>
+              <a:rPr lang="en-US" dirty="0" smtClean="0"/>
+              <a:t> </a:t>
+            </a:r>
+            <a:r>
+              <a:rPr lang="en-US" dirty="0" err="1" smtClean="0"/>
+              <a:t>này</a:t>
+            </a:r>
+            <a:r>
+              <a:rPr lang="en-US" dirty="0" smtClean="0"/>
+              <a:t> </a:t>
+            </a:r>
+            <a:r>
+              <a:rPr lang="en-US" dirty="0" err="1" smtClean="0"/>
+              <a:t>nhiều</a:t>
+            </a:r>
+            <a:r>
+              <a:rPr lang="en-US" dirty="0" smtClean="0"/>
+              <a:t> </a:t>
+            </a:r>
+            <a:r>
+              <a:rPr lang="en-US" dirty="0" err="1" smtClean="0"/>
+              <a:t>doanh</a:t>
+            </a:r>
+            <a:r>
+              <a:rPr lang="en-US" dirty="0" smtClean="0"/>
+              <a:t> </a:t>
+            </a:r>
+            <a:r>
+              <a:rPr lang="en-US" dirty="0" err="1" smtClean="0"/>
+              <a:t>nghiệp</a:t>
+            </a:r>
+            <a:r>
+              <a:rPr lang="en-US" dirty="0" smtClean="0"/>
+              <a:t> </a:t>
+            </a:r>
+            <a:r>
+              <a:rPr lang="en-US" dirty="0" err="1" smtClean="0"/>
+              <a:t>đã</a:t>
+            </a:r>
+            <a:r>
+              <a:rPr lang="en-US" dirty="0" smtClean="0"/>
+              <a:t> </a:t>
+            </a:r>
+            <a:r>
+              <a:rPr lang="en-US" dirty="0" err="1" smtClean="0"/>
+              <a:t>tiến</a:t>
+            </a:r>
+            <a:r>
+              <a:rPr lang="en-US" dirty="0" smtClean="0"/>
+              <a:t> </a:t>
+            </a:r>
+            <a:r>
+              <a:rPr lang="en-US" dirty="0" err="1" smtClean="0"/>
+              <a:t>hành</a:t>
+            </a:r>
+            <a:r>
+              <a:rPr lang="en-US" dirty="0" smtClean="0"/>
+              <a:t> </a:t>
+            </a:r>
+            <a:r>
+              <a:rPr lang="en-US" dirty="0" err="1" smtClean="0"/>
+              <a:t>việc</a:t>
+            </a:r>
+            <a:r>
+              <a:rPr lang="en-US" dirty="0" smtClean="0"/>
+              <a:t> </a:t>
+            </a:r>
+            <a:r>
+              <a:rPr lang="en-US" dirty="0" err="1" smtClean="0"/>
+              <a:t>bán</a:t>
+            </a:r>
+            <a:r>
+              <a:rPr lang="en-US" dirty="0" smtClean="0"/>
+              <a:t> </a:t>
+            </a:r>
+            <a:r>
+              <a:rPr lang="en-US" dirty="0" err="1" smtClean="0"/>
+              <a:t>hàng</a:t>
+            </a:r>
+            <a:r>
+              <a:rPr lang="en-US" dirty="0" smtClean="0"/>
+              <a:t> qua </a:t>
+            </a:r>
+            <a:r>
+              <a:rPr lang="en-US" dirty="0" err="1" smtClean="0"/>
+              <a:t>mạng</a:t>
+            </a:r>
+            <a:r>
+              <a:rPr lang="en-US" dirty="0" smtClean="0"/>
+              <a:t>. </a:t>
+            </a:r>
+            <a:r>
+              <a:rPr lang="en-US" dirty="0" err="1" smtClean="0"/>
+              <a:t>Tuy</a:t>
+            </a:r>
+            <a:r>
+              <a:rPr lang="en-US" dirty="0" smtClean="0"/>
+              <a:t> </a:t>
+            </a:r>
+            <a:r>
+              <a:rPr lang="en-US" dirty="0" err="1" smtClean="0"/>
+              <a:t>nhiên</a:t>
+            </a:r>
+            <a:r>
+              <a:rPr lang="en-US" dirty="0" smtClean="0"/>
+              <a:t> </a:t>
+            </a:r>
+            <a:r>
+              <a:rPr lang="en-US" dirty="0" err="1" smtClean="0"/>
+              <a:t>làm</a:t>
+            </a:r>
+            <a:r>
+              <a:rPr lang="en-US" dirty="0" smtClean="0"/>
+              <a:t> </a:t>
+            </a:r>
+            <a:r>
+              <a:rPr lang="en-US" dirty="0" err="1" smtClean="0"/>
+              <a:t>thế</a:t>
+            </a:r>
+            <a:r>
+              <a:rPr lang="en-US" dirty="0" smtClean="0"/>
+              <a:t> </a:t>
+            </a:r>
+            <a:r>
+              <a:rPr lang="en-US" dirty="0" err="1" smtClean="0"/>
+              <a:t>nào</a:t>
+            </a:r>
+            <a:r>
+              <a:rPr lang="en-US" dirty="0" smtClean="0"/>
+              <a:t> </a:t>
+            </a:r>
+            <a:r>
+              <a:rPr lang="en-US" dirty="0" err="1" smtClean="0"/>
+              <a:t>để</a:t>
+            </a:r>
+            <a:r>
+              <a:rPr lang="en-US" dirty="0" smtClean="0"/>
+              <a:t> </a:t>
+            </a:r>
+            <a:r>
+              <a:rPr lang="en-US" dirty="0" err="1" smtClean="0"/>
+              <a:t>có</a:t>
+            </a:r>
+            <a:r>
+              <a:rPr lang="en-US" dirty="0" smtClean="0"/>
+              <a:t> </a:t>
+            </a:r>
+            <a:r>
+              <a:rPr lang="en-US" dirty="0" err="1" smtClean="0"/>
+              <a:t>được</a:t>
+            </a:r>
+            <a:r>
+              <a:rPr lang="en-US" dirty="0" smtClean="0"/>
+              <a:t> </a:t>
+            </a:r>
+            <a:r>
+              <a:rPr lang="en-US" dirty="0" err="1" smtClean="0"/>
+              <a:t>một</a:t>
+            </a:r>
+            <a:r>
+              <a:rPr lang="en-US" dirty="0" smtClean="0"/>
+              <a:t> </a:t>
+            </a:r>
+            <a:r>
+              <a:rPr lang="en-US" dirty="0" err="1" smtClean="0"/>
+              <a:t>địa</a:t>
+            </a:r>
+            <a:r>
+              <a:rPr lang="en-US" dirty="0" smtClean="0"/>
+              <a:t> </a:t>
+            </a:r>
+            <a:r>
+              <a:rPr lang="en-US" dirty="0" err="1" smtClean="0"/>
+              <a:t>chỉ</a:t>
+            </a:r>
+            <a:r>
+              <a:rPr lang="en-US" dirty="0" smtClean="0"/>
+              <a:t> </a:t>
+            </a:r>
+            <a:r>
+              <a:rPr lang="en-US" dirty="0" err="1" smtClean="0"/>
+              <a:t>uy</a:t>
+            </a:r>
+            <a:r>
+              <a:rPr lang="en-US" dirty="0" smtClean="0"/>
+              <a:t> </a:t>
+            </a:r>
+            <a:r>
+              <a:rPr lang="en-US" dirty="0" err="1" smtClean="0"/>
+              <a:t>tín</a:t>
+            </a:r>
+            <a:r>
+              <a:rPr lang="en-US" dirty="0" smtClean="0"/>
+              <a:t> </a:t>
+            </a:r>
+            <a:r>
+              <a:rPr lang="en-US" dirty="0" err="1" smtClean="0"/>
+              <a:t>và</a:t>
+            </a:r>
+            <a:r>
+              <a:rPr lang="en-US" dirty="0" smtClean="0"/>
+              <a:t> </a:t>
+            </a:r>
+            <a:r>
+              <a:rPr lang="en-US" dirty="0" err="1" smtClean="0"/>
+              <a:t>làm</a:t>
+            </a:r>
+            <a:r>
+              <a:rPr lang="en-US" dirty="0" smtClean="0"/>
+              <a:t> </a:t>
+            </a:r>
+            <a:r>
+              <a:rPr lang="en-US" dirty="0" err="1" smtClean="0"/>
+              <a:t>sao</a:t>
+            </a:r>
+            <a:r>
+              <a:rPr lang="en-US" dirty="0" smtClean="0"/>
+              <a:t> </a:t>
+            </a:r>
+            <a:r>
+              <a:rPr lang="en-US" dirty="0" err="1" smtClean="0"/>
+              <a:t>để</a:t>
+            </a:r>
+            <a:r>
+              <a:rPr lang="en-US" dirty="0" smtClean="0"/>
+              <a:t> </a:t>
+            </a:r>
+            <a:r>
+              <a:rPr lang="en-US" dirty="0" err="1" smtClean="0"/>
+              <a:t>quảng</a:t>
+            </a:r>
+            <a:r>
+              <a:rPr lang="en-US" dirty="0" smtClean="0"/>
+              <a:t> </a:t>
+            </a:r>
+            <a:r>
+              <a:rPr lang="en-US" dirty="0" err="1" smtClean="0"/>
+              <a:t>bá</a:t>
+            </a:r>
+            <a:r>
+              <a:rPr lang="en-US" dirty="0" smtClean="0"/>
+              <a:t> </a:t>
+            </a:r>
+            <a:r>
+              <a:rPr lang="en-US" dirty="0" err="1" smtClean="0"/>
+              <a:t>rộng</a:t>
+            </a:r>
+            <a:r>
+              <a:rPr lang="en-US" dirty="0" smtClean="0"/>
+              <a:t> </a:t>
+            </a:r>
+            <a:r>
+              <a:rPr lang="en-US" dirty="0" err="1" smtClean="0"/>
+              <a:t>rãi</a:t>
+            </a:r>
+            <a:r>
+              <a:rPr lang="en-US" dirty="0" smtClean="0"/>
+              <a:t> </a:t>
+            </a:r>
+            <a:r>
+              <a:rPr lang="en-US" dirty="0" err="1" smtClean="0"/>
+              <a:t>sản</a:t>
+            </a:r>
+            <a:r>
+              <a:rPr lang="en-US" dirty="0" smtClean="0"/>
+              <a:t> </a:t>
+            </a:r>
+            <a:r>
+              <a:rPr lang="en-US" dirty="0" err="1" smtClean="0"/>
+              <a:t>phẩm</a:t>
+            </a:r>
+            <a:r>
+              <a:rPr lang="en-US" dirty="0" smtClean="0"/>
+              <a:t> </a:t>
+            </a:r>
+            <a:r>
+              <a:rPr lang="en-US" dirty="0" err="1" smtClean="0"/>
+              <a:t>của</a:t>
+            </a:r>
+            <a:r>
+              <a:rPr lang="en-US" dirty="0" smtClean="0"/>
+              <a:t> </a:t>
+            </a:r>
+            <a:r>
+              <a:rPr lang="en-US" dirty="0" err="1" smtClean="0"/>
+              <a:t>mình</a:t>
+            </a:r>
+            <a:r>
+              <a:rPr lang="en-US" dirty="0" smtClean="0"/>
+              <a:t> </a:t>
+            </a:r>
+            <a:r>
+              <a:rPr lang="en-US" dirty="0" err="1" smtClean="0"/>
+              <a:t>một</a:t>
+            </a:r>
+            <a:r>
+              <a:rPr lang="en-US" dirty="0" smtClean="0"/>
+              <a:t> </a:t>
+            </a:r>
+            <a:r>
+              <a:rPr lang="en-US" dirty="0" err="1" smtClean="0"/>
+              <a:t>cách</a:t>
+            </a:r>
+            <a:r>
+              <a:rPr lang="en-US" dirty="0" smtClean="0"/>
+              <a:t> </a:t>
+            </a:r>
+            <a:r>
+              <a:rPr lang="en-US" dirty="0" err="1" smtClean="0"/>
+              <a:t>nhanh</a:t>
+            </a:r>
+            <a:r>
+              <a:rPr lang="en-US" dirty="0" smtClean="0"/>
+              <a:t> </a:t>
+            </a:r>
+            <a:r>
+              <a:rPr lang="en-US" dirty="0" err="1" smtClean="0"/>
+              <a:t>chóng</a:t>
+            </a:r>
+            <a:r>
+              <a:rPr lang="en-US" dirty="0" smtClean="0"/>
+              <a:t> </a:t>
+            </a:r>
+            <a:r>
+              <a:rPr lang="en-US" dirty="0" err="1" smtClean="0"/>
+              <a:t>và</a:t>
+            </a:r>
+            <a:r>
+              <a:rPr lang="en-US" dirty="0" smtClean="0"/>
+              <a:t> </a:t>
+            </a:r>
+            <a:r>
+              <a:rPr lang="en-US" dirty="0" err="1" smtClean="0"/>
+              <a:t>dễ</a:t>
+            </a:r>
+            <a:r>
+              <a:rPr lang="en-US" dirty="0" smtClean="0"/>
+              <a:t> </a:t>
+            </a:r>
+            <a:r>
+              <a:rPr lang="en-US" dirty="0" err="1" smtClean="0"/>
+              <a:t>dàng</a:t>
+            </a:r>
+            <a:r>
+              <a:rPr lang="en-US" dirty="0" smtClean="0"/>
+              <a:t>.</a:t>
+            </a:r>
+          </a:p>
+          <a:p>
+            <a:pPr>
+              <a:lnSpc>
+                <a:spcPct val="150000"/>
+              </a:lnSpc>
+            </a:pPr>
+            <a:r>
+              <a:rPr lang="en-US" dirty="0" err="1" smtClean="0"/>
+              <a:t>Với</a:t>
+            </a:r>
+            <a:r>
+              <a:rPr lang="en-US" dirty="0" smtClean="0"/>
+              <a:t> </a:t>
+            </a:r>
+            <a:r>
+              <a:rPr lang="en-US" dirty="0" err="1" smtClean="0"/>
+              <a:t>hệ</a:t>
+            </a:r>
+            <a:r>
+              <a:rPr lang="en-US" dirty="0" smtClean="0"/>
+              <a:t> </a:t>
+            </a:r>
+            <a:r>
+              <a:rPr lang="en-US" dirty="0" err="1" smtClean="0"/>
+              <a:t>thống</a:t>
+            </a:r>
+            <a:r>
+              <a:rPr lang="en-US" dirty="0" smtClean="0"/>
+              <a:t> </a:t>
+            </a:r>
+            <a:r>
+              <a:rPr lang="en-US" dirty="0" err="1" smtClean="0"/>
+              <a:t>UStore</a:t>
+            </a:r>
+            <a:r>
+              <a:rPr lang="en-US" dirty="0" smtClean="0"/>
+              <a:t> </a:t>
+            </a:r>
+            <a:r>
+              <a:rPr lang="en-US" dirty="0" err="1" smtClean="0"/>
+              <a:t>của</a:t>
+            </a:r>
+            <a:r>
+              <a:rPr lang="en-US" dirty="0" smtClean="0"/>
+              <a:t> </a:t>
+            </a:r>
+            <a:r>
+              <a:rPr lang="en-US" dirty="0" err="1" smtClean="0"/>
+              <a:t>nhóm</a:t>
+            </a:r>
+            <a:r>
+              <a:rPr lang="en-US" dirty="0"/>
+              <a:t> </a:t>
+            </a:r>
+            <a:r>
+              <a:rPr lang="en-US" dirty="0" err="1" smtClean="0"/>
+              <a:t>thực</a:t>
+            </a:r>
+            <a:r>
+              <a:rPr lang="en-US" dirty="0" smtClean="0"/>
+              <a:t> </a:t>
+            </a:r>
+            <a:r>
+              <a:rPr lang="en-US" dirty="0" err="1" smtClean="0"/>
+              <a:t>hiện</a:t>
+            </a:r>
+            <a:r>
+              <a:rPr lang="en-US" dirty="0" smtClean="0"/>
+              <a:t>, </a:t>
+            </a:r>
+            <a:r>
+              <a:rPr lang="en-US" dirty="0" err="1" smtClean="0"/>
+              <a:t>những</a:t>
+            </a:r>
+            <a:r>
+              <a:rPr lang="en-US" dirty="0" smtClean="0"/>
+              <a:t> </a:t>
+            </a:r>
+            <a:r>
+              <a:rPr lang="en-US" dirty="0" err="1" smtClean="0"/>
+              <a:t>doanh</a:t>
+            </a:r>
+            <a:r>
+              <a:rPr lang="en-US" dirty="0" smtClean="0"/>
+              <a:t> </a:t>
+            </a:r>
+            <a:r>
+              <a:rPr lang="en-US" dirty="0" err="1" smtClean="0"/>
+              <a:t>nghiệp</a:t>
+            </a:r>
+            <a:r>
+              <a:rPr lang="en-US" dirty="0" smtClean="0"/>
+              <a:t> </a:t>
+            </a:r>
+            <a:r>
+              <a:rPr lang="en-US" dirty="0" err="1" smtClean="0"/>
+              <a:t>vừa</a:t>
+            </a:r>
+            <a:r>
+              <a:rPr lang="en-US" dirty="0" smtClean="0"/>
+              <a:t> </a:t>
+            </a:r>
+            <a:r>
+              <a:rPr lang="en-US" dirty="0" err="1" smtClean="0"/>
+              <a:t>và</a:t>
+            </a:r>
+            <a:r>
+              <a:rPr lang="en-US" dirty="0" smtClean="0"/>
+              <a:t> </a:t>
+            </a:r>
+            <a:r>
+              <a:rPr lang="en-US" dirty="0" err="1" smtClean="0"/>
+              <a:t>nhỏ</a:t>
+            </a:r>
+            <a:r>
+              <a:rPr lang="en-US" dirty="0" smtClean="0"/>
+              <a:t> </a:t>
+            </a:r>
+            <a:r>
+              <a:rPr lang="en-US" dirty="0" err="1" smtClean="0"/>
+              <a:t>có</a:t>
+            </a:r>
+            <a:r>
+              <a:rPr lang="en-US" dirty="0" smtClean="0"/>
+              <a:t> </a:t>
+            </a:r>
+            <a:r>
+              <a:rPr lang="en-US" dirty="0" err="1" smtClean="0"/>
+              <a:t>thể</a:t>
+            </a:r>
+            <a:r>
+              <a:rPr lang="en-US" dirty="0" smtClean="0"/>
+              <a:t> </a:t>
+            </a:r>
+            <a:r>
+              <a:rPr lang="en-US" dirty="0" err="1" smtClean="0"/>
+              <a:t>dễ</a:t>
+            </a:r>
+            <a:r>
+              <a:rPr lang="en-US" dirty="0" smtClean="0"/>
+              <a:t> </a:t>
+            </a:r>
+            <a:r>
+              <a:rPr lang="en-US" dirty="0" err="1" smtClean="0"/>
+              <a:t>dàng</a:t>
+            </a:r>
+            <a:r>
+              <a:rPr lang="en-US" dirty="0" smtClean="0"/>
+              <a:t>, </a:t>
+            </a:r>
+            <a:r>
+              <a:rPr lang="en-US" dirty="0" err="1" smtClean="0"/>
+              <a:t>nhanh</a:t>
+            </a:r>
+            <a:r>
+              <a:rPr lang="en-US" dirty="0" smtClean="0"/>
+              <a:t> </a:t>
+            </a:r>
+            <a:r>
+              <a:rPr lang="en-US" dirty="0" err="1" smtClean="0"/>
+              <a:t>chóng</a:t>
+            </a:r>
+            <a:r>
+              <a:rPr lang="en-US" dirty="0" smtClean="0"/>
+              <a:t> </a:t>
+            </a:r>
+            <a:r>
+              <a:rPr lang="en-US" dirty="0" err="1" smtClean="0"/>
+              <a:t>quảng</a:t>
+            </a:r>
+            <a:r>
+              <a:rPr lang="en-US" dirty="0" smtClean="0"/>
+              <a:t> </a:t>
+            </a:r>
+            <a:r>
+              <a:rPr lang="en-US" dirty="0" err="1" smtClean="0"/>
+              <a:t>bá</a:t>
+            </a:r>
+            <a:r>
+              <a:rPr lang="en-US" dirty="0" smtClean="0"/>
+              <a:t> </a:t>
+            </a:r>
+            <a:r>
+              <a:rPr lang="en-US" dirty="0" err="1" smtClean="0"/>
+              <a:t>sản</a:t>
+            </a:r>
+            <a:r>
+              <a:rPr lang="en-US" dirty="0" smtClean="0"/>
+              <a:t> </a:t>
+            </a:r>
+            <a:r>
+              <a:rPr lang="en-US" dirty="0" err="1" smtClean="0"/>
+              <a:t>phẩm</a:t>
+            </a:r>
+            <a:r>
+              <a:rPr lang="en-US" dirty="0" smtClean="0"/>
+              <a:t> </a:t>
+            </a:r>
+            <a:r>
+              <a:rPr lang="en-US" dirty="0" err="1" smtClean="0"/>
+              <a:t>của</a:t>
+            </a:r>
+            <a:r>
+              <a:rPr lang="en-US" dirty="0" smtClean="0"/>
+              <a:t> </a:t>
+            </a:r>
+            <a:r>
+              <a:rPr lang="en-US" dirty="0" err="1" smtClean="0"/>
+              <a:t>mình</a:t>
+            </a:r>
+            <a:r>
+              <a:rPr lang="en-US" dirty="0" smtClean="0"/>
+              <a:t> </a:t>
+            </a:r>
+            <a:r>
+              <a:rPr lang="en-US" dirty="0" err="1" smtClean="0"/>
+              <a:t>thông</a:t>
+            </a:r>
+            <a:r>
+              <a:rPr lang="en-US" dirty="0" smtClean="0"/>
+              <a:t> qua </a:t>
+            </a:r>
+            <a:r>
+              <a:rPr lang="en-US" dirty="0" err="1" smtClean="0"/>
+              <a:t>các</a:t>
+            </a:r>
+            <a:r>
+              <a:rPr lang="en-US" dirty="0" smtClean="0"/>
+              <a:t> </a:t>
+            </a:r>
+            <a:r>
+              <a:rPr lang="en-US" dirty="0" err="1" smtClean="0"/>
+              <a:t>gian</a:t>
+            </a:r>
+            <a:r>
+              <a:rPr lang="en-US" dirty="0" smtClean="0"/>
+              <a:t> </a:t>
+            </a:r>
+            <a:r>
+              <a:rPr lang="en-US" dirty="0" err="1" smtClean="0"/>
+              <a:t>hàng</a:t>
+            </a:r>
+            <a:r>
+              <a:rPr lang="en-US" dirty="0" smtClean="0"/>
+              <a:t> </a:t>
+            </a:r>
+            <a:r>
+              <a:rPr lang="en-US" dirty="0" err="1" smtClean="0"/>
+              <a:t>được</a:t>
+            </a:r>
+            <a:r>
+              <a:rPr lang="en-US" dirty="0" smtClean="0"/>
+              <a:t> </a:t>
+            </a:r>
+            <a:r>
+              <a:rPr lang="en-US" dirty="0" err="1" smtClean="0"/>
+              <a:t>khởi</a:t>
+            </a:r>
+            <a:r>
+              <a:rPr lang="en-US" dirty="0" smtClean="0"/>
+              <a:t> </a:t>
+            </a:r>
+            <a:r>
+              <a:rPr lang="en-US" dirty="0" err="1" smtClean="0"/>
+              <a:t>tạo</a:t>
+            </a:r>
+            <a:r>
+              <a:rPr lang="en-US" dirty="0" smtClean="0"/>
+              <a:t> </a:t>
+            </a:r>
+            <a:r>
+              <a:rPr lang="en-US" dirty="0" err="1" smtClean="0"/>
+              <a:t>dễ</a:t>
+            </a:r>
+            <a:r>
+              <a:rPr lang="en-US" dirty="0" smtClean="0"/>
+              <a:t> </a:t>
+            </a:r>
+            <a:r>
+              <a:rPr lang="en-US" dirty="0" err="1" smtClean="0"/>
+              <a:t>dàng</a:t>
+            </a:r>
+            <a:r>
+              <a:rPr lang="en-US" dirty="0" smtClean="0"/>
+              <a:t> </a:t>
+            </a:r>
+            <a:r>
+              <a:rPr lang="en-US" dirty="0" err="1" smtClean="0"/>
+              <a:t>mà</a:t>
+            </a:r>
+            <a:r>
+              <a:rPr lang="en-US" dirty="0" smtClean="0"/>
+              <a:t> </a:t>
+            </a:r>
+            <a:r>
+              <a:rPr lang="en-US" dirty="0" err="1" smtClean="0"/>
+              <a:t>không</a:t>
+            </a:r>
+            <a:r>
+              <a:rPr lang="en-US" dirty="0" smtClean="0"/>
+              <a:t> </a:t>
+            </a:r>
+            <a:r>
+              <a:rPr lang="en-US" dirty="0" err="1" smtClean="0"/>
+              <a:t>cần</a:t>
+            </a:r>
+            <a:r>
+              <a:rPr lang="en-US" dirty="0" smtClean="0"/>
+              <a:t> </a:t>
+            </a:r>
+            <a:r>
+              <a:rPr lang="en-US" dirty="0" err="1" smtClean="0"/>
+              <a:t>phải</a:t>
+            </a:r>
+            <a:r>
+              <a:rPr lang="en-US" dirty="0" smtClean="0"/>
+              <a:t> </a:t>
+            </a:r>
+            <a:r>
+              <a:rPr lang="en-US" dirty="0" err="1" smtClean="0"/>
+              <a:t>tốn</a:t>
+            </a:r>
+            <a:r>
+              <a:rPr lang="en-US" dirty="0" smtClean="0"/>
+              <a:t> </a:t>
+            </a:r>
+            <a:r>
+              <a:rPr lang="en-US" dirty="0" err="1" smtClean="0"/>
+              <a:t>nhiều</a:t>
+            </a:r>
+            <a:r>
+              <a:rPr lang="en-US" dirty="0" smtClean="0"/>
+              <a:t> </a:t>
+            </a:r>
+            <a:r>
+              <a:rPr lang="en-US" dirty="0" err="1" smtClean="0"/>
+              <a:t>thời</a:t>
+            </a:r>
+            <a:r>
+              <a:rPr lang="en-US" dirty="0" smtClean="0"/>
+              <a:t> </a:t>
+            </a:r>
+            <a:r>
+              <a:rPr lang="en-US" dirty="0" err="1" smtClean="0"/>
+              <a:t>gian</a:t>
+            </a:r>
+            <a:r>
+              <a:rPr lang="en-US" dirty="0" smtClean="0"/>
+              <a:t> chi </a:t>
+            </a:r>
+            <a:r>
+              <a:rPr lang="en-US" dirty="0" err="1" smtClean="0"/>
+              <a:t>phí</a:t>
+            </a:r>
+            <a:r>
+              <a:rPr lang="en-US" dirty="0" smtClean="0"/>
+              <a:t> </a:t>
+            </a:r>
+            <a:r>
+              <a:rPr lang="en-US" dirty="0" err="1" smtClean="0"/>
+              <a:t>để</a:t>
+            </a:r>
+            <a:r>
+              <a:rPr lang="en-US" dirty="0" smtClean="0"/>
+              <a:t> </a:t>
+            </a:r>
+            <a:r>
+              <a:rPr lang="en-US" dirty="0" err="1" smtClean="0"/>
+              <a:t>thành</a:t>
+            </a:r>
+            <a:r>
+              <a:rPr lang="en-US" dirty="0" smtClean="0"/>
+              <a:t> </a:t>
+            </a:r>
+            <a:r>
+              <a:rPr lang="en-US" dirty="0" err="1" smtClean="0"/>
+              <a:t>lập</a:t>
+            </a:r>
+            <a:r>
+              <a:rPr lang="en-US" dirty="0" smtClean="0"/>
+              <a:t> </a:t>
+            </a:r>
+            <a:r>
+              <a:rPr lang="en-US" dirty="0" err="1" smtClean="0"/>
+              <a:t>một</a:t>
+            </a:r>
+            <a:r>
+              <a:rPr lang="en-US" dirty="0" smtClean="0"/>
+              <a:t> website </a:t>
+            </a:r>
+            <a:r>
+              <a:rPr lang="en-US" dirty="0" err="1" smtClean="0"/>
+              <a:t>bán</a:t>
+            </a:r>
+            <a:r>
+              <a:rPr lang="en-US" dirty="0" smtClean="0"/>
+              <a:t> </a:t>
+            </a:r>
+            <a:r>
+              <a:rPr lang="en-US" dirty="0" err="1" smtClean="0"/>
+              <a:t>hàng</a:t>
+            </a:r>
+            <a:r>
+              <a:rPr lang="en-US" dirty="0" smtClean="0"/>
+              <a:t> </a:t>
+            </a:r>
+            <a:r>
+              <a:rPr lang="en-US" dirty="0" err="1" smtClean="0"/>
+              <a:t>tốn</a:t>
+            </a:r>
+            <a:r>
+              <a:rPr lang="en-US" dirty="0" smtClean="0"/>
+              <a:t> </a:t>
+            </a:r>
+            <a:r>
+              <a:rPr lang="en-US" dirty="0" err="1" smtClean="0"/>
+              <a:t>kém</a:t>
+            </a:r>
+            <a:r>
+              <a:rPr lang="en-US" dirty="0" smtClean="0"/>
+              <a:t>.</a:t>
+            </a:r>
+          </a:p>
+        </p:txBody>
+      </p:sp>
+    </p:spTree>
+    <p:extLst>
+      <p:ext uri="{BB962C8B-B14F-4D97-AF65-F5344CB8AC3E}">
+        <p14:creationId xmlns:p14="http://schemas.microsoft.com/office/powerpoint/2010/main" val="3433576694"/>
+      </p:ext>
+    </p:extLst>
+  </p:cSld>
+  <p:clrMapOvr>
+    <a:masterClrMapping/>
+  </p:clrMapOvr>
+  <p:timing>
+    <p:tnLst>
+      <p:par>
+        <p:cTn id="1" dur="indefinite" restart="never" nodeType="tmRoot"/>
+      </p:par>
+    </p:tnLst>
+  </p:timing>
+</p:sld>
+</file>
+
+<file path=ppt/slides/slide15.xml><?xml version="1.0" encoding="utf-8"?>
+<p:sld xmlns:a="http://schemas.openxmlformats.org/drawingml/2006/main" xmlns:r="http://schemas.openxmlformats.org/officeDocument/2006/relationships" xmlns:p="http://schemas.openxmlformats.org/presentationml/2006/main">
+  <p:cSld>
+    <p:spTree>
+      <p:nvGrpSpPr>
+        <p:cNvPr id="1" name=""/>
+        <p:cNvGrpSpPr/>
+        <p:nvPr/>
+      </p:nvGrpSpPr>
+      <p:grpSpPr>
+        <a:xfrm>
+          <a:off x="0" y="0"/>
+          <a:ext cx="0" cy="0"/>
+          <a:chOff x="0" y="0"/>
+          <a:chExt cx="0" cy="0"/>
+        </a:xfrm>
+      </p:grpSpPr>
+      <p:sp>
+        <p:nvSpPr>
+          <p:cNvPr id="2" name="Title 1"/>
+          <p:cNvSpPr>
+            <a:spLocks noGrp="1"/>
+          </p:cNvSpPr>
+          <p:nvPr>
+            <p:ph type="title"/>
+          </p:nvPr>
+        </p:nvSpPr>
+        <p:spPr/>
+        <p:txBody>
+          <a:bodyPr/>
+          <a:lstStyle/>
+          <a:p>
+            <a:r>
+              <a:rPr lang="en-US" sz="2800" dirty="0" smtClean="0"/>
+              <a:t>GIỚI THIỆU CHUNG</a:t>
+            </a:r>
+            <a:endParaRPr lang="en-US" sz="2800" dirty="0"/>
+          </a:p>
+        </p:txBody>
+      </p:sp>
+      <p:sp>
+        <p:nvSpPr>
+          <p:cNvPr id="3" name="Content Placeholder 2"/>
+          <p:cNvSpPr>
+            <a:spLocks noGrp="1"/>
+          </p:cNvSpPr>
+          <p:nvPr>
+            <p:ph idx="1"/>
+          </p:nvPr>
+        </p:nvSpPr>
+        <p:spPr/>
+        <p:txBody>
+          <a:bodyPr/>
+          <a:lstStyle/>
+          <a:p>
+            <a:r>
+              <a:rPr lang="en-US" dirty="0" err="1" smtClean="0"/>
+              <a:t>Hệ</a:t>
+            </a:r>
+            <a:r>
+              <a:rPr lang="en-US" dirty="0" smtClean="0"/>
+              <a:t> </a:t>
+            </a:r>
+            <a:r>
+              <a:rPr lang="en-US" dirty="0" err="1" smtClean="0"/>
+              <a:t>thống</a:t>
+            </a:r>
+            <a:r>
+              <a:rPr lang="en-US" dirty="0" smtClean="0"/>
+              <a:t> </a:t>
+            </a:r>
+            <a:r>
+              <a:rPr lang="en-US" dirty="0" err="1" smtClean="0"/>
+              <a:t>UStore</a:t>
+            </a:r>
+            <a:r>
+              <a:rPr lang="en-US" dirty="0" smtClean="0"/>
+              <a:t> </a:t>
+            </a:r>
+            <a:r>
+              <a:rPr lang="en-US" dirty="0" err="1" smtClean="0"/>
+              <a:t>có</a:t>
+            </a:r>
+            <a:r>
+              <a:rPr lang="en-US" dirty="0" smtClean="0"/>
+              <a:t> </a:t>
+            </a:r>
+            <a:r>
+              <a:rPr lang="en-US" dirty="0" err="1" smtClean="0"/>
+              <a:t>các</a:t>
+            </a:r>
+            <a:r>
+              <a:rPr lang="en-US" dirty="0" smtClean="0"/>
+              <a:t> </a:t>
+            </a:r>
+            <a:r>
+              <a:rPr lang="en-US" dirty="0" err="1" smtClean="0"/>
+              <a:t>chức</a:t>
+            </a:r>
+            <a:r>
+              <a:rPr lang="en-US" dirty="0" smtClean="0"/>
+              <a:t> </a:t>
+            </a:r>
+            <a:r>
+              <a:rPr lang="en-US" dirty="0" err="1" smtClean="0"/>
+              <a:t>năng</a:t>
+            </a:r>
+            <a:r>
+              <a:rPr lang="en-US" dirty="0" smtClean="0"/>
+              <a:t> </a:t>
+            </a:r>
+            <a:r>
+              <a:rPr lang="en-US" dirty="0" err="1" smtClean="0"/>
+              <a:t>tương</a:t>
+            </a:r>
+            <a:r>
+              <a:rPr lang="en-US" dirty="0" smtClean="0"/>
+              <a:t> </a:t>
+            </a:r>
+            <a:r>
+              <a:rPr lang="en-US" dirty="0" err="1" smtClean="0"/>
+              <a:t>tự</a:t>
+            </a:r>
+            <a:r>
+              <a:rPr lang="en-US" dirty="0" smtClean="0"/>
+              <a:t> </a:t>
+            </a:r>
+            <a:r>
+              <a:rPr lang="en-US" dirty="0" err="1" smtClean="0"/>
+              <a:t>các</a:t>
+            </a:r>
+            <a:r>
+              <a:rPr lang="en-US" dirty="0" smtClean="0"/>
+              <a:t> website </a:t>
+            </a:r>
+            <a:r>
+              <a:rPr lang="en-US" dirty="0" err="1" smtClean="0"/>
+              <a:t>như</a:t>
+            </a:r>
+            <a:r>
+              <a:rPr lang="en-US" dirty="0" smtClean="0"/>
+              <a:t>: vatgia.com, 1001shoppings.com, vietco.com</a:t>
+            </a:r>
+            <a:endParaRPr lang="en-US" dirty="0"/>
+          </a:p>
+        </p:txBody>
+      </p:sp>
+      <p:pic>
+        <p:nvPicPr>
+          <p:cNvPr id="1026" name="Picture 2"/>
+          <p:cNvPicPr>
+            <a:picLocks noChangeAspect="1" noChangeArrowheads="1"/>
+          </p:cNvPicPr>
+          <p:nvPr/>
+        </p:nvPicPr>
+        <p:blipFill>
+          <a:blip r:embed="rId2">
+            <a:extLst>
+              <a:ext uri="{28A0092B-C50C-407E-A947-70E740481C1C}">
+                <a14:useLocalDpi xmlns:a14="http://schemas.microsoft.com/office/drawing/2010/main" val="0"/>
+              </a:ext>
+            </a:extLst>
+          </a:blip>
+          <a:srcRect/>
+          <a:stretch>
+            <a:fillRect/>
+          </a:stretch>
+        </p:blipFill>
+        <p:spPr bwMode="auto">
+          <a:xfrm>
+            <a:off x="0" y="1675556"/>
+            <a:ext cx="6220917" cy="4969084"/>
+          </a:xfrm>
+          <a:prstGeom prst="rect">
+            <a:avLst/>
+          </a:prstGeom>
+          <a:noFill/>
+          <a:ln>
+            <a:noFill/>
+          </a:ln>
+          <a:effectLst/>
+          <a:extLst>
+            <a:ext uri="{909E8E84-426E-40DD-AFC4-6F175D3DCCD1}">
+              <a14:hiddenFill xmlns:a14="http://schemas.microsoft.com/office/drawing/2010/main">
+                <a:solidFill>
+                  <a:schemeClr val="accent1"/>
+                </a:solidFill>
+              </a14:hiddenFill>
+            </a:ext>
+            <a:ext uri="{91240B29-F687-4F45-9708-019B960494DF}">
+              <a14:hiddenLine xmlns:a14="http://schemas.microsoft.com/office/drawing/2010/main" w="9525">
+                <a:solidFill>
+                  <a:schemeClr val="tx1"/>
+                </a:solidFill>
+                <a:miter lim="800000"/>
+                <a:headEnd/>
+                <a:tailEnd/>
+              </a14:hiddenLine>
+            </a:ext>
+            <a:ext uri="{AF507438-7753-43E0-B8FC-AC1667EBCBE1}">
+              <a14:hiddenEffects xmlns:a14="http://schemas.microsoft.com/office/drawing/2010/main">
+                <a:effectLst>
+                  <a:outerShdw dist="35921" dir="2700000" algn="ctr" rotWithShape="0">
+                    <a:schemeClr val="bg2"/>
+                  </a:outerShdw>
+                </a:effectLst>
+              </a14:hiddenEffects>
+            </a:ext>
+          </a:extLst>
+        </p:spPr>
+      </p:pic>
+      <p:pic>
+        <p:nvPicPr>
+          <p:cNvPr id="1027" name="Picture 3"/>
+          <p:cNvPicPr>
+            <a:picLocks noChangeAspect="1" noChangeArrowheads="1"/>
+          </p:cNvPicPr>
+          <p:nvPr/>
+        </p:nvPicPr>
+        <p:blipFill>
+          <a:blip r:embed="rId3">
+            <a:extLst>
+              <a:ext uri="{28A0092B-C50C-407E-A947-70E740481C1C}">
+                <a14:useLocalDpi xmlns:a14="http://schemas.microsoft.com/office/drawing/2010/main" val="0"/>
+              </a:ext>
+            </a:extLst>
+          </a:blip>
+          <a:srcRect/>
+          <a:stretch>
+            <a:fillRect/>
+          </a:stretch>
+        </p:blipFill>
+        <p:spPr bwMode="auto">
+          <a:xfrm>
+            <a:off x="807720" y="1675557"/>
+            <a:ext cx="6858000" cy="5182444"/>
+          </a:xfrm>
+          <a:prstGeom prst="rect">
+            <a:avLst/>
+          </a:prstGeom>
+          <a:noFill/>
+          <a:ln>
+            <a:noFill/>
+          </a:ln>
+          <a:effectLst/>
+          <a:extLst>
+            <a:ext uri="{909E8E84-426E-40DD-AFC4-6F175D3DCCD1}">
+              <a14:hiddenFill xmlns:a14="http://schemas.microsoft.com/office/drawing/2010/main">
+                <a:solidFill>
+                  <a:schemeClr val="accent1"/>
+                </a:solidFill>
+              </a14:hiddenFill>
+            </a:ext>
+            <a:ext uri="{91240B29-F687-4F45-9708-019B960494DF}">
+              <a14:hiddenLine xmlns:a14="http://schemas.microsoft.com/office/drawing/2010/main" w="9525">
+                <a:solidFill>
+                  <a:schemeClr val="tx1"/>
+                </a:solidFill>
+                <a:miter lim="800000"/>
+                <a:headEnd/>
+                <a:tailEnd/>
+              </a14:hiddenLine>
+            </a:ext>
+            <a:ext uri="{AF507438-7753-43E0-B8FC-AC1667EBCBE1}">
+              <a14:hiddenEffects xmlns:a14="http://schemas.microsoft.com/office/drawing/2010/main">
+                <a:effectLst>
+                  <a:outerShdw dist="35921" dir="2700000" algn="ctr" rotWithShape="0">
+                    <a:schemeClr val="bg2"/>
+                  </a:outerShdw>
+                </a:effectLst>
+              </a14:hiddenEffects>
+            </a:ext>
+          </a:extLst>
+        </p:spPr>
+      </p:pic>
+      <p:pic>
+        <p:nvPicPr>
+          <p:cNvPr id="1028" name="Picture 4"/>
+          <p:cNvPicPr>
+            <a:picLocks noChangeAspect="1" noChangeArrowheads="1"/>
+          </p:cNvPicPr>
+          <p:nvPr/>
+        </p:nvPicPr>
+        <p:blipFill>
+          <a:blip r:embed="rId4">
+            <a:extLst>
+              <a:ext uri="{28A0092B-C50C-407E-A947-70E740481C1C}">
+                <a14:useLocalDpi xmlns:a14="http://schemas.microsoft.com/office/drawing/2010/main" val="0"/>
+              </a:ext>
+            </a:extLst>
+          </a:blip>
+          <a:srcRect/>
+          <a:stretch>
+            <a:fillRect/>
+          </a:stretch>
+        </p:blipFill>
+        <p:spPr bwMode="auto">
+          <a:xfrm>
+            <a:off x="2712720" y="1341120"/>
+            <a:ext cx="6294120" cy="5090160"/>
+          </a:xfrm>
+          <a:prstGeom prst="rect">
+            <a:avLst/>
+          </a:prstGeom>
+          <a:noFill/>
+          <a:ln>
+            <a:noFill/>
+          </a:ln>
+          <a:effectLst/>
+          <a:extLst>
+            <a:ext uri="{909E8E84-426E-40DD-AFC4-6F175D3DCCD1}">
+              <a14:hiddenFill xmlns:a14="http://schemas.microsoft.com/office/drawing/2010/main">
+                <a:solidFill>
+                  <a:schemeClr val="accent1"/>
+                </a:solidFill>
+              </a14:hiddenFill>
+            </a:ext>
+            <a:ext uri="{91240B29-F687-4F45-9708-019B960494DF}">
+              <a14:hiddenLine xmlns:a14="http://schemas.microsoft.com/office/drawing/2010/main" w="9525">
+                <a:solidFill>
+                  <a:schemeClr val="tx1"/>
+                </a:solidFill>
+                <a:miter lim="800000"/>
+                <a:headEnd/>
+                <a:tailEnd/>
+              </a14:hiddenLine>
+            </a:ext>
+            <a:ext uri="{AF507438-7753-43E0-B8FC-AC1667EBCBE1}">
+              <a14:hiddenEffects xmlns:a14="http://schemas.microsoft.com/office/drawing/2010/main">
+                <a:effectLst>
+                  <a:outerShdw dist="35921" dir="2700000" algn="ctr" rotWithShape="0">
+                    <a:schemeClr val="bg2"/>
+                  </a:outerShdw>
+                </a:effectLst>
+              </a14:hiddenEffects>
+            </a:ext>
+          </a:extLst>
+        </p:spPr>
+      </p:pic>
+    </p:spTree>
+    <p:extLst>
+      <p:ext uri="{BB962C8B-B14F-4D97-AF65-F5344CB8AC3E}">
+        <p14:creationId xmlns:p14="http://schemas.microsoft.com/office/powerpoint/2010/main" val="3105424624"/>
+      </p:ext>
+    </p:extLst>
+  </p:cSld>
+  <p:clrMapOvr>
+    <a:masterClrMapping/>
+  </p:clrMapOvr>
+  <p:timing>
+    <p:tnLst>
+      <p:par>
+        <p:cTn id="1" dur="indefinite" restart="never" nodeType="tmRoot">
+          <p:childTnLst>
+            <p:seq concurrent="1" nextAc="seek">
+              <p:cTn id="2" dur="indefinite" nodeType="mainSeq">
+                <p:childTnLst>
+                  <p:par>
+                    <p:cTn id="3" fill="hold">
+                      <p:stCondLst>
+                        <p:cond delay="indefinite"/>
+                      </p:stCondLst>
+                      <p:childTnLst>
+                        <p:par>
+                          <p:cTn id="4" fill="hold">
+                            <p:stCondLst>
+                              <p:cond delay="0"/>
+                            </p:stCondLst>
+                            <p:childTnLst>
+                              <p:par>
+                                <p:cTn id="5" presetID="2" presetClass="entr" presetSubtype="8" fill="hold" nodeType="clickEffect">
+                                  <p:stCondLst>
+                                    <p:cond delay="0"/>
+                                  </p:stCondLst>
+                                  <p:childTnLst>
+                                    <p:set>
+                                      <p:cBhvr>
+                                        <p:cTn id="6" dur="1" fill="hold">
+                                          <p:stCondLst>
+                                            <p:cond delay="0"/>
+                                          </p:stCondLst>
+                                        </p:cTn>
+                                        <p:tgtEl>
+                                          <p:spTgt spid="1026"/>
+                                        </p:tgtEl>
+                                        <p:attrNameLst>
+                                          <p:attrName>style.visibility</p:attrName>
+                                        </p:attrNameLst>
+                                      </p:cBhvr>
+                                      <p:to>
+                                        <p:strVal val="visible"/>
+                                      </p:to>
+                                    </p:set>
+                                    <p:anim calcmode="lin" valueType="num">
+                                      <p:cBhvr additive="base">
+                                        <p:cTn id="7" dur="500" fill="hold"/>
+                                        <p:tgtEl>
+                                          <p:spTgt spid="1026"/>
+                                        </p:tgtEl>
+                                        <p:attrNameLst>
+                                          <p:attrName>ppt_x</p:attrName>
+                                        </p:attrNameLst>
+                                      </p:cBhvr>
+                                      <p:tavLst>
+                                        <p:tav tm="0">
+                                          <p:val>
+                                            <p:strVal val="0-#ppt_w/2"/>
+                                          </p:val>
+                                        </p:tav>
+                                        <p:tav tm="100000">
+                                          <p:val>
+                                            <p:strVal val="#ppt_x"/>
+                                          </p:val>
+                                        </p:tav>
+                                      </p:tavLst>
+                                    </p:anim>
+                                    <p:anim calcmode="lin" valueType="num">
+                                      <p:cBhvr additive="base">
+                                        <p:cTn id="8" dur="500" fill="hold"/>
+                                        <p:tgtEl>
+                                          <p:spTgt spid="1026"/>
+                                        </p:tgtEl>
+                                        <p:attrNameLst>
+                                          <p:attrName>ppt_y</p:attrName>
+                                        </p:attrNameLst>
+                                      </p:cBhvr>
+                                      <p:tavLst>
+                                        <p:tav tm="0">
+                                          <p:val>
+                                            <p:strVal val="#ppt_y"/>
+                                          </p:val>
+                                        </p:tav>
+                                        <p:tav tm="100000">
+                                          <p:val>
+                                            <p:strVal val="#ppt_y"/>
+                                          </p:val>
+                                        </p:tav>
+                                      </p:tavLst>
+                                    </p:anim>
+                                  </p:childTnLst>
+                                </p:cTn>
+                              </p:par>
+                            </p:childTnLst>
+                          </p:cTn>
+                        </p:par>
+                      </p:childTnLst>
+                    </p:cTn>
+                  </p:par>
+                  <p:par>
+                    <p:cTn id="9" fill="hold">
+                      <p:stCondLst>
+                        <p:cond delay="indefinite"/>
+                      </p:stCondLst>
+                      <p:childTnLst>
+                        <p:par>
+                          <p:cTn id="10" fill="hold">
+                            <p:stCondLst>
+                              <p:cond delay="0"/>
+                            </p:stCondLst>
+                            <p:childTnLst>
+                              <p:par>
+                                <p:cTn id="11" presetID="2" presetClass="entr" presetSubtype="4" fill="hold" nodeType="clickEffect">
+                                  <p:stCondLst>
+                                    <p:cond delay="0"/>
+                                  </p:stCondLst>
+                                  <p:childTnLst>
+                                    <p:set>
+                                      <p:cBhvr>
+                                        <p:cTn id="12" dur="1" fill="hold">
+                                          <p:stCondLst>
+                                            <p:cond delay="0"/>
+                                          </p:stCondLst>
+                                        </p:cTn>
+                                        <p:tgtEl>
+                                          <p:spTgt spid="1027"/>
+                                        </p:tgtEl>
+                                        <p:attrNameLst>
+                                          <p:attrName>style.visibility</p:attrName>
+                                        </p:attrNameLst>
+                                      </p:cBhvr>
+                                      <p:to>
+                                        <p:strVal val="visible"/>
+                                      </p:to>
+                                    </p:set>
+                                    <p:anim calcmode="lin" valueType="num">
+                                      <p:cBhvr additive="base">
+                                        <p:cTn id="13" dur="500" fill="hold"/>
+                                        <p:tgtEl>
+                                          <p:spTgt spid="1027"/>
+                                        </p:tgtEl>
+                                        <p:attrNameLst>
+                                          <p:attrName>ppt_x</p:attrName>
+                                        </p:attrNameLst>
+                                      </p:cBhvr>
+                                      <p:tavLst>
+                                        <p:tav tm="0">
+                                          <p:val>
+                                            <p:strVal val="#ppt_x"/>
+                                          </p:val>
+                                        </p:tav>
+                                        <p:tav tm="100000">
+                                          <p:val>
+                                            <p:strVal val="#ppt_x"/>
+                                          </p:val>
+                                        </p:tav>
+                                      </p:tavLst>
+                                    </p:anim>
+                                    <p:anim calcmode="lin" valueType="num">
+                                      <p:cBhvr additive="base">
+                                        <p:cTn id="14" dur="500" fill="hold"/>
+                                        <p:tgtEl>
+                                          <p:spTgt spid="1027"/>
+                                        </p:tgtEl>
+                                        <p:attrNameLst>
+                                          <p:attrName>ppt_y</p:attrName>
+                                        </p:attrNameLst>
+                                      </p:cBhvr>
+                                      <p:tavLst>
+                                        <p:tav tm="0">
+                                          <p:val>
+                                            <p:strVal val="1+#ppt_h/2"/>
+                                          </p:val>
+                                        </p:tav>
+                                        <p:tav tm="100000">
+                                          <p:val>
+                                            <p:strVal val="#ppt_y"/>
+                                          </p:val>
+                                        </p:tav>
+                                      </p:tavLst>
+                                    </p:anim>
+                                  </p:childTnLst>
+                                </p:cTn>
+                              </p:par>
+                            </p:childTnLst>
+                          </p:cTn>
+                        </p:par>
+                      </p:childTnLst>
+                    </p:cTn>
+                  </p:par>
+                  <p:par>
+                    <p:cTn id="15" fill="hold">
+                      <p:stCondLst>
+                        <p:cond delay="indefinite"/>
+                      </p:stCondLst>
+                      <p:childTnLst>
+                        <p:par>
+                          <p:cTn id="16" fill="hold">
+                            <p:stCondLst>
+                              <p:cond delay="0"/>
+                            </p:stCondLst>
+                            <p:childTnLst>
+                              <p:par>
+                                <p:cTn id="17" presetID="2" presetClass="entr" presetSubtype="2" fill="hold" nodeType="clickEffect">
+                                  <p:stCondLst>
+                                    <p:cond delay="0"/>
+                                  </p:stCondLst>
+                                  <p:childTnLst>
+                                    <p:set>
+                                      <p:cBhvr>
+                                        <p:cTn id="18" dur="1" fill="hold">
+                                          <p:stCondLst>
+                                            <p:cond delay="0"/>
+                                          </p:stCondLst>
+                                        </p:cTn>
+                                        <p:tgtEl>
+                                          <p:spTgt spid="1028"/>
+                                        </p:tgtEl>
+                                        <p:attrNameLst>
+                                          <p:attrName>style.visibility</p:attrName>
+                                        </p:attrNameLst>
+                                      </p:cBhvr>
+                                      <p:to>
+                                        <p:strVal val="visible"/>
+                                      </p:to>
+                                    </p:set>
+                                    <p:anim calcmode="lin" valueType="num">
+                                      <p:cBhvr additive="base">
+                                        <p:cTn id="19" dur="500" fill="hold"/>
+                                        <p:tgtEl>
+                                          <p:spTgt spid="1028"/>
+                                        </p:tgtEl>
+                                        <p:attrNameLst>
+                                          <p:attrName>ppt_x</p:attrName>
+                                        </p:attrNameLst>
+                                      </p:cBhvr>
+                                      <p:tavLst>
+                                        <p:tav tm="0">
+                                          <p:val>
+                                            <p:strVal val="1+#ppt_w/2"/>
+                                          </p:val>
+                                        </p:tav>
+                                        <p:tav tm="100000">
+                                          <p:val>
+                                            <p:strVal val="#ppt_x"/>
+                                          </p:val>
+                                        </p:tav>
+                                      </p:tavLst>
+                                    </p:anim>
+                                    <p:anim calcmode="lin" valueType="num">
+                                      <p:cBhvr additive="base">
+                                        <p:cTn id="20" dur="500" fill="hold"/>
+                                        <p:tgtEl>
+                                          <p:spTgt spid="1028"/>
+                                        </p:tgtEl>
+                                        <p:attrNameLst>
+                                          <p:attrName>ppt_y</p:attrName>
+                                        </p:attrNameLst>
+                                      </p:cBhvr>
+                                      <p:tavLst>
+                                        <p:tav tm="0">
+                                          <p:val>
+                                            <p:strVal val="#ppt_y"/>
+                                          </p:val>
+                                        </p:tav>
+                                        <p:tav tm="100000">
+                                          <p:val>
+                                            <p:strVal val="#ppt_y"/>
+                                          </p:val>
+                                        </p:tav>
+                                      </p:tavLst>
+                                    </p:anim>
+                                  </p:childTnLst>
+                                </p:cTn>
+                              </p:par>
+                            </p:childTnLst>
+                          </p:cTn>
+                        </p:par>
+                      </p:childTnLst>
+                    </p:cTn>
+                  </p:par>
+                </p:childTnLst>
+              </p:cTn>
+              <p:prevCondLst>
+                <p:cond evt="onPrev" delay="0">
+                  <p:tgtEl>
+                    <p:sldTgt/>
+                  </p:tgtEl>
+                </p:cond>
+              </p:prevCondLst>
+              <p:nextCondLst>
+                <p:cond evt="onNext" delay="0">
+                  <p:tgtEl>
+                    <p:sldTgt/>
+                  </p:tgtEl>
+                </p:cond>
+              </p:nextCondLst>
+            </p:seq>
+          </p:childTnLst>
+        </p:cTn>
+      </p:par>
+    </p:tnLst>
+  </p:timing>
+</p:sld>
+</file>
+
+<file path=ppt/slides/slide16.xml><?xml version="1.0" encoding="utf-8"?>
+<p:sld xmlns:a="http://schemas.openxmlformats.org/drawingml/2006/main" xmlns:r="http://schemas.openxmlformats.org/officeDocument/2006/relationships" xmlns:p="http://schemas.openxmlformats.org/presentationml/2006/main">
+  <p:cSld>
+    <p:spTree>
+      <p:nvGrpSpPr>
+        <p:cNvPr id="1" name=""/>
+        <p:cNvGrpSpPr/>
+        <p:nvPr/>
+      </p:nvGrpSpPr>
+      <p:grpSpPr>
+        <a:xfrm>
+          <a:off x="0" y="0"/>
+          <a:ext cx="0" cy="0"/>
+          <a:chOff x="0" y="0"/>
+          <a:chExt cx="0" cy="0"/>
+        </a:xfrm>
+      </p:grpSpPr>
+      <p:sp>
+        <p:nvSpPr>
+          <p:cNvPr id="2" name="Title 1"/>
+          <p:cNvSpPr>
+            <a:spLocks noGrp="1"/>
+          </p:cNvSpPr>
+          <p:nvPr>
+            <p:ph type="title"/>
+          </p:nvPr>
+        </p:nvSpPr>
+        <p:spPr/>
+        <p:txBody>
+          <a:bodyPr/>
+          <a:lstStyle/>
+          <a:p>
+            <a:r>
+              <a:rPr lang="en-US" sz="2800" dirty="0" smtClean="0"/>
+              <a:t>CÁC CHỨC NĂNG CHÍNH</a:t>
+            </a:r>
+            <a:endParaRPr lang="en-US" sz="2800" dirty="0"/>
+          </a:p>
+        </p:txBody>
+      </p:sp>
+      <p:sp>
+        <p:nvSpPr>
+          <p:cNvPr id="3" name="Content Placeholder 2"/>
+          <p:cNvSpPr>
+            <a:spLocks noGrp="1"/>
+          </p:cNvSpPr>
+          <p:nvPr>
+            <p:ph idx="1"/>
+          </p:nvPr>
+        </p:nvSpPr>
+        <p:spPr/>
+        <p:txBody>
+          <a:bodyPr/>
+          <a:lstStyle/>
+          <a:p>
+            <a:r>
+              <a:rPr lang="en-US" sz="2800" dirty="0" err="1" smtClean="0"/>
+              <a:t>Để</a:t>
+            </a:r>
+            <a:r>
+              <a:rPr lang="en-US" sz="2800" dirty="0" smtClean="0"/>
+              <a:t> </a:t>
+            </a:r>
+            <a:r>
+              <a:rPr lang="en-US" sz="2800" dirty="0" err="1" smtClean="0"/>
+              <a:t>đơn</a:t>
+            </a:r>
+            <a:r>
+              <a:rPr lang="en-US" sz="2800" dirty="0" smtClean="0"/>
+              <a:t> </a:t>
+            </a:r>
+            <a:r>
+              <a:rPr lang="en-US" sz="2800" dirty="0" err="1" smtClean="0"/>
+              <a:t>giản</a:t>
+            </a:r>
+            <a:r>
+              <a:rPr lang="en-US" sz="2800" dirty="0" smtClean="0"/>
+              <a:t> </a:t>
+            </a:r>
+            <a:r>
+              <a:rPr lang="en-US" sz="2800" dirty="0" err="1" smtClean="0"/>
+              <a:t>các</a:t>
+            </a:r>
+            <a:r>
+              <a:rPr lang="en-US" sz="2800" dirty="0" smtClean="0"/>
+              <a:t> </a:t>
+            </a:r>
+            <a:r>
+              <a:rPr lang="en-US" sz="2800" dirty="0" err="1" smtClean="0"/>
+              <a:t>chức</a:t>
+            </a:r>
+            <a:r>
+              <a:rPr lang="en-US" sz="2800" dirty="0" smtClean="0"/>
+              <a:t> </a:t>
+            </a:r>
+            <a:r>
+              <a:rPr lang="en-US" sz="2800" dirty="0" err="1" smtClean="0"/>
+              <a:t>năng</a:t>
+            </a:r>
+            <a:r>
+              <a:rPr lang="en-US" sz="2800" dirty="0" smtClean="0"/>
+              <a:t> </a:t>
+            </a:r>
+            <a:r>
+              <a:rPr lang="en-US" sz="2800" dirty="0" err="1" smtClean="0"/>
+              <a:t>sẽ</a:t>
+            </a:r>
+            <a:r>
+              <a:rPr lang="en-US" sz="2800" dirty="0" smtClean="0"/>
+              <a:t> </a:t>
+            </a:r>
+            <a:r>
+              <a:rPr lang="en-US" sz="2800" dirty="0" err="1" smtClean="0"/>
+              <a:t>được</a:t>
+            </a:r>
+            <a:r>
+              <a:rPr lang="en-US" sz="2800" dirty="0" smtClean="0"/>
+              <a:t> chia </a:t>
+            </a:r>
+            <a:r>
+              <a:rPr lang="en-US" sz="2800" dirty="0" err="1" smtClean="0"/>
+              <a:t>theo</a:t>
+            </a:r>
+            <a:r>
+              <a:rPr lang="en-US" sz="2800" dirty="0" smtClean="0"/>
+              <a:t> </a:t>
+            </a:r>
+            <a:r>
+              <a:rPr lang="en-US" sz="2800" dirty="0" err="1" smtClean="0"/>
+              <a:t>phân</a:t>
+            </a:r>
+            <a:r>
+              <a:rPr lang="en-US" sz="2800" dirty="0" smtClean="0"/>
+              <a:t> </a:t>
+            </a:r>
+            <a:r>
+              <a:rPr lang="en-US" sz="2800" dirty="0" err="1" smtClean="0"/>
+              <a:t>hệ</a:t>
+            </a:r>
+            <a:r>
+              <a:rPr lang="en-US" sz="2800" dirty="0" smtClean="0"/>
+              <a:t> </a:t>
+            </a:r>
+            <a:r>
+              <a:rPr lang="en-US" sz="2800" dirty="0" err="1" smtClean="0"/>
+              <a:t>người</a:t>
+            </a:r>
+            <a:r>
+              <a:rPr lang="en-US" sz="2800" dirty="0" smtClean="0"/>
+              <a:t> </a:t>
+            </a:r>
+            <a:r>
+              <a:rPr lang="en-US" sz="2800" dirty="0" err="1" smtClean="0"/>
+              <a:t>dùng</a:t>
+            </a:r>
+            <a:r>
+              <a:rPr lang="en-US" sz="2800" dirty="0" smtClean="0"/>
+              <a:t>.</a:t>
+            </a:r>
+          </a:p>
+          <a:p>
+            <a:r>
+              <a:rPr lang="en-US" sz="2800" dirty="0" err="1" smtClean="0"/>
+              <a:t>Hệ</a:t>
+            </a:r>
+            <a:r>
+              <a:rPr lang="en-US" sz="2800" dirty="0" smtClean="0"/>
+              <a:t> </a:t>
+            </a:r>
+            <a:r>
+              <a:rPr lang="en-US" sz="2800" dirty="0" err="1" smtClean="0"/>
+              <a:t>thống</a:t>
+            </a:r>
+            <a:r>
+              <a:rPr lang="en-US" sz="2800" dirty="0" smtClean="0"/>
+              <a:t> </a:t>
+            </a:r>
+            <a:r>
+              <a:rPr lang="en-US" sz="2800" dirty="0" err="1" smtClean="0"/>
+              <a:t>gồm</a:t>
+            </a:r>
+            <a:r>
+              <a:rPr lang="en-US" sz="2800" dirty="0" smtClean="0"/>
+              <a:t> </a:t>
+            </a:r>
+            <a:r>
+              <a:rPr lang="en-US" sz="2800" dirty="0" err="1" smtClean="0"/>
+              <a:t>có</a:t>
+            </a:r>
+            <a:r>
+              <a:rPr lang="en-US" sz="2800" dirty="0" smtClean="0"/>
+              <a:t> </a:t>
+            </a:r>
+            <a:r>
+              <a:rPr lang="en-US" sz="2800" dirty="0" err="1" smtClean="0"/>
+              <a:t>các</a:t>
+            </a:r>
+            <a:r>
+              <a:rPr lang="en-US" sz="2800" dirty="0" smtClean="0"/>
+              <a:t> </a:t>
+            </a:r>
+            <a:r>
+              <a:rPr lang="en-US" sz="2800" dirty="0" err="1" smtClean="0"/>
+              <a:t>phân</a:t>
+            </a:r>
+            <a:r>
+              <a:rPr lang="en-US" sz="2800" dirty="0" smtClean="0"/>
+              <a:t> </a:t>
+            </a:r>
+            <a:r>
+              <a:rPr lang="en-US" sz="2800" dirty="0" err="1" smtClean="0"/>
+              <a:t>hệ</a:t>
+            </a:r>
+            <a:r>
+              <a:rPr lang="en-US" sz="2800" dirty="0" smtClean="0"/>
+              <a:t> </a:t>
+            </a:r>
+            <a:r>
+              <a:rPr lang="en-US" sz="2800" dirty="0" err="1" smtClean="0"/>
+              <a:t>người</a:t>
+            </a:r>
+            <a:r>
+              <a:rPr lang="en-US" sz="2800" dirty="0" smtClean="0"/>
+              <a:t> </a:t>
+            </a:r>
+            <a:r>
+              <a:rPr lang="en-US" sz="2800" dirty="0" err="1" smtClean="0"/>
+              <a:t>dùng</a:t>
+            </a:r>
+            <a:r>
+              <a:rPr lang="en-US" sz="2800" dirty="0" smtClean="0"/>
+              <a:t> </a:t>
+            </a:r>
+            <a:r>
+              <a:rPr lang="en-US" sz="2800" dirty="0" err="1" smtClean="0"/>
+              <a:t>sau</a:t>
+            </a:r>
+            <a:r>
+              <a:rPr lang="en-US" sz="2800" dirty="0" smtClean="0"/>
+              <a:t>:</a:t>
+            </a:r>
+          </a:p>
+          <a:p>
+            <a:pPr lvl="1"/>
+            <a:r>
+              <a:rPr lang="en-US" sz="2800" dirty="0" err="1" smtClean="0"/>
+              <a:t>Phân</a:t>
+            </a:r>
+            <a:r>
+              <a:rPr lang="en-US" sz="2800" dirty="0" smtClean="0"/>
+              <a:t> </a:t>
+            </a:r>
+            <a:r>
+              <a:rPr lang="en-US" sz="2800" dirty="0" err="1" smtClean="0"/>
+              <a:t>hệ</a:t>
+            </a:r>
+            <a:r>
+              <a:rPr lang="en-US" sz="2800" dirty="0" smtClean="0"/>
+              <a:t> Guest</a:t>
+            </a:r>
+          </a:p>
+          <a:p>
+            <a:pPr lvl="1"/>
+            <a:r>
+              <a:rPr lang="en-US" sz="2800" dirty="0" err="1" smtClean="0"/>
+              <a:t>Phân</a:t>
+            </a:r>
+            <a:r>
+              <a:rPr lang="en-US" sz="2800" dirty="0" smtClean="0"/>
+              <a:t> </a:t>
+            </a:r>
+            <a:r>
+              <a:rPr lang="en-US" sz="2800" dirty="0" err="1" smtClean="0"/>
+              <a:t>hệ</a:t>
+            </a:r>
+            <a:r>
+              <a:rPr lang="en-US" sz="2800" dirty="0" smtClean="0"/>
+              <a:t> Member </a:t>
+            </a:r>
+            <a:r>
+              <a:rPr lang="en-US" sz="2800" dirty="0" err="1" smtClean="0"/>
+              <a:t>thường</a:t>
+            </a:r>
+            <a:endParaRPr lang="en-US" sz="2800" dirty="0" smtClean="0"/>
+          </a:p>
+          <a:p>
+            <a:pPr lvl="1"/>
+            <a:r>
+              <a:rPr lang="en-US" sz="2800" dirty="0" err="1" smtClean="0"/>
+              <a:t>Phân</a:t>
+            </a:r>
+            <a:r>
+              <a:rPr lang="en-US" sz="2800" dirty="0" smtClean="0"/>
+              <a:t> </a:t>
+            </a:r>
+            <a:r>
+              <a:rPr lang="en-US" sz="2800" dirty="0" err="1" smtClean="0"/>
+              <a:t>hệ</a:t>
+            </a:r>
+            <a:r>
+              <a:rPr lang="en-US" sz="2800" dirty="0" smtClean="0"/>
+              <a:t> Member </a:t>
+            </a:r>
+            <a:r>
+              <a:rPr lang="en-US" sz="2800" dirty="0" err="1" smtClean="0"/>
+              <a:t>chủ</a:t>
+            </a:r>
+            <a:r>
+              <a:rPr lang="en-US" sz="2800" dirty="0" smtClean="0"/>
+              <a:t> </a:t>
+            </a:r>
+            <a:r>
+              <a:rPr lang="en-US" sz="2800" dirty="0" err="1" smtClean="0"/>
+              <a:t>gian</a:t>
+            </a:r>
+            <a:r>
+              <a:rPr lang="en-US" sz="2800" dirty="0" smtClean="0"/>
+              <a:t> </a:t>
+            </a:r>
+            <a:r>
+              <a:rPr lang="en-US" sz="2800" dirty="0" err="1" smtClean="0"/>
+              <a:t>hàng</a:t>
+            </a:r>
+            <a:endParaRPr lang="en-US" sz="2800" dirty="0" smtClean="0"/>
+          </a:p>
+          <a:p>
+            <a:pPr lvl="1"/>
+            <a:r>
+              <a:rPr lang="en-US" sz="2800" dirty="0" err="1" smtClean="0"/>
+              <a:t>Phân</a:t>
+            </a:r>
+            <a:r>
+              <a:rPr lang="en-US" sz="2800" dirty="0" smtClean="0"/>
+              <a:t> </a:t>
+            </a:r>
+            <a:r>
+              <a:rPr lang="en-US" sz="2800" dirty="0" err="1" smtClean="0"/>
+              <a:t>hệ</a:t>
+            </a:r>
+            <a:r>
+              <a:rPr lang="en-US" sz="2800" dirty="0" smtClean="0"/>
+              <a:t> Mod</a:t>
+            </a:r>
+          </a:p>
+          <a:p>
+            <a:pPr lvl="1"/>
+            <a:r>
+              <a:rPr lang="en-US" sz="2800" dirty="0" err="1" smtClean="0"/>
+              <a:t>Phân</a:t>
+            </a:r>
+            <a:r>
+              <a:rPr lang="en-US" sz="2800" dirty="0" smtClean="0"/>
+              <a:t> </a:t>
+            </a:r>
+            <a:r>
+              <a:rPr lang="en-US" sz="2800" dirty="0" err="1" smtClean="0"/>
+              <a:t>hệ</a:t>
+            </a:r>
+            <a:r>
+              <a:rPr lang="en-US" sz="2800" dirty="0" smtClean="0"/>
+              <a:t> Admin</a:t>
+            </a:r>
+            <a:endParaRPr lang="en-US" sz="2800" dirty="0"/>
+          </a:p>
+        </p:txBody>
+      </p:sp>
+    </p:spTree>
+    <p:extLst>
+      <p:ext uri="{BB962C8B-B14F-4D97-AF65-F5344CB8AC3E}">
+        <p14:creationId xmlns:p14="http://schemas.microsoft.com/office/powerpoint/2010/main" val="2859563991"/>
+      </p:ext>
+    </p:extLst>
+  </p:cSld>
+  <p:clrMapOvr>
+    <a:masterClrMapping/>
+  </p:clrMapOvr>
+  <p:timing>
+    <p:tnLst>
+      <p:par>
+        <p:cTn id="1" dur="indefinite" restart="never" nodeType="tmRoot">
+          <p:childTnLst>
+            <p:seq concurrent="1" nextAc="seek">
+              <p:cTn id="2" dur="indefinite" nodeType="mainSeq">
+                <p:childTnLst>
+                  <p:par>
+                    <p:cTn id="3" fill="hold">
+                      <p:stCondLst>
+                        <p:cond delay="indefinite"/>
+                      </p:stCondLst>
+                      <p:childTnLst>
+                        <p:par>
+                          <p:cTn id="4" fill="hold">
+                            <p:stCondLst>
+                              <p:cond delay="0"/>
+                            </p:stCondLst>
+                            <p:childTnLst>
+                              <p:par>
+                                <p:cTn id="5" presetID="1" presetClass="entr" presetSubtype="0" fill="hold" nodeType="clickEffect">
+                                  <p:stCondLst>
+                                    <p:cond delay="0"/>
+                                  </p:stCondLst>
+                                  <p:childTnLst>
+                                    <p:set>
+                                      <p:cBhvr>
+                                        <p:cTn id="6" dur="1" fill="hold">
+                                          <p:stCondLst>
+                                            <p:cond delay="0"/>
+                                          </p:stCondLst>
+                                        </p:cTn>
+                                        <p:tgtEl>
+                                          <p:spTgt spid="3">
+                                            <p:txEl>
+                                              <p:pRg st="1" end="1"/>
+                                            </p:txEl>
+                                          </p:spTgt>
+                                        </p:tgtEl>
+                                        <p:attrNameLst>
+                                          <p:attrName>style.visibility</p:attrName>
+                                        </p:attrNameLst>
+                                      </p:cBhvr>
+                                      <p:to>
+                                        <p:strVal val="visible"/>
+                                      </p:to>
+                                    </p:set>
+                                  </p:childTnLst>
+                                </p:cTn>
+                              </p:par>
+                            </p:childTnLst>
+                          </p:cTn>
+                        </p:par>
+                      </p:childTnLst>
+                    </p:cTn>
+                  </p:par>
+                  <p:par>
+                    <p:cTn id="7" fill="hold">
+                      <p:stCondLst>
+                        <p:cond delay="indefinite"/>
+                      </p:stCondLst>
+                      <p:childTnLst>
+                        <p:par>
+                          <p:cTn id="8" fill="hold">
+                            <p:stCondLst>
+                              <p:cond delay="0"/>
+                            </p:stCondLst>
+                            <p:childTnLst>
+                              <p:par>
+                                <p:cTn id="9" presetID="1" presetClass="entr" presetSubtype="0" fill="hold" nodeType="clickEffect">
+                                  <p:stCondLst>
+                                    <p:cond delay="0"/>
+                                  </p:stCondLst>
+                                  <p:childTnLst>
+                                    <p:set>
+                                      <p:cBhvr>
+                                        <p:cTn id="10" dur="1" fill="hold">
+                                          <p:stCondLst>
+                                            <p:cond delay="0"/>
+                                          </p:stCondLst>
+                                        </p:cTn>
+                                        <p:tgtEl>
+                                          <p:spTgt spid="3">
+                                            <p:txEl>
+                                              <p:pRg st="2" end="2"/>
+                                            </p:txEl>
+                                          </p:spTgt>
+                                        </p:tgtEl>
+                                        <p:attrNameLst>
+                                          <p:attrName>style.visibility</p:attrName>
+                                        </p:attrNameLst>
+                                      </p:cBhvr>
+                                      <p:to>
+                                        <p:strVal val="visible"/>
+                                      </p:to>
+                                    </p:set>
+                                  </p:childTnLst>
+                                </p:cTn>
+                              </p:par>
+                            </p:childTnLst>
+                          </p:cTn>
+                        </p:par>
+                      </p:childTnLst>
+                    </p:cTn>
+                  </p:par>
+                  <p:par>
+                    <p:cTn id="11" fill="hold">
+                      <p:stCondLst>
+                        <p:cond delay="indefinite"/>
+                      </p:stCondLst>
+                      <p:childTnLst>
+                        <p:par>
+                          <p:cTn id="12" fill="hold">
+                            <p:stCondLst>
+                              <p:cond delay="0"/>
+                            </p:stCondLst>
+                            <p:childTnLst>
+                              <p:par>
+                                <p:cTn id="13" presetID="1" presetClass="entr" presetSubtype="0" fill="hold" nodeType="clickEffect">
+                                  <p:stCondLst>
+                                    <p:cond delay="0"/>
+                                  </p:stCondLst>
+                                  <p:childTnLst>
+                                    <p:set>
+                                      <p:cBhvr>
+                                        <p:cTn id="14" dur="1" fill="hold">
+                                          <p:stCondLst>
+                                            <p:cond delay="0"/>
+                                          </p:stCondLst>
+                                        </p:cTn>
+                                        <p:tgtEl>
+                                          <p:spTgt spid="3">
+                                            <p:txEl>
+                                              <p:pRg st="3" end="3"/>
+                                            </p:txEl>
+                                          </p:spTgt>
+                                        </p:tgtEl>
+                                        <p:attrNameLst>
+                                          <p:attrName>style.visibility</p:attrName>
+                                        </p:attrNameLst>
+                                      </p:cBhvr>
+                                      <p:to>
+                                        <p:strVal val="visible"/>
+                                      </p:to>
+                                    </p:set>
+                                  </p:childTnLst>
+                                </p:cTn>
+                              </p:par>
+                            </p:childTnLst>
+                          </p:cTn>
+                        </p:par>
+                      </p:childTnLst>
+                    </p:cTn>
+                  </p:par>
+                  <p:par>
+                    <p:cTn id="15" fill="hold">
+                      <p:stCondLst>
+                        <p:cond delay="indefinite"/>
+                      </p:stCondLst>
+                      <p:childTnLst>
+                        <p:par>
+                          <p:cTn id="16" fill="hold">
+                            <p:stCondLst>
+                              <p:cond delay="0"/>
+                            </p:stCondLst>
+                            <p:childTnLst>
+                              <p:par>
+                                <p:cTn id="17" presetID="1" presetClass="entr" presetSubtype="0" fill="hold" nodeType="clickEffect">
+                                  <p:stCondLst>
+                                    <p:cond delay="0"/>
+                                  </p:stCondLst>
+                                  <p:childTnLst>
+                                    <p:set>
+                                      <p:cBhvr>
+                                        <p:cTn id="18" dur="1" fill="hold">
+                                          <p:stCondLst>
+                                            <p:cond delay="0"/>
+                                          </p:stCondLst>
+                                        </p:cTn>
+                                        <p:tgtEl>
+                                          <p:spTgt spid="3">
+                                            <p:txEl>
+                                              <p:pRg st="4" end="4"/>
+                                            </p:txEl>
+                                          </p:spTgt>
+                                        </p:tgtEl>
+                                        <p:attrNameLst>
+                                          <p:attrName>style.visibility</p:attrName>
+                                        </p:attrNameLst>
+                                      </p:cBhvr>
+                                      <p:to>
+                                        <p:strVal val="visible"/>
+                                      </p:to>
+                                    </p:set>
+                                  </p:childTnLst>
+                                </p:cTn>
+                              </p:par>
+                            </p:childTnLst>
+                          </p:cTn>
+                        </p:par>
+                      </p:childTnLst>
+                    </p:cTn>
+                  </p:par>
+                  <p:par>
+                    <p:cTn id="19" fill="hold">
+                      <p:stCondLst>
+                        <p:cond delay="indefinite"/>
+                      </p:stCondLst>
+                      <p:childTnLst>
+                        <p:par>
+                          <p:cTn id="20" fill="hold">
+                            <p:stCondLst>
+                              <p:cond delay="0"/>
+                            </p:stCondLst>
+                            <p:childTnLst>
+                              <p:par>
+                                <p:cTn id="21" presetID="1" presetClass="entr" presetSubtype="0" fill="hold" nodeType="clickEffect">
+                                  <p:stCondLst>
+                                    <p:cond delay="0"/>
+                                  </p:stCondLst>
+                                  <p:childTnLst>
+                                    <p:set>
+                                      <p:cBhvr>
+                                        <p:cTn id="22" dur="1" fill="hold">
+                                          <p:stCondLst>
+                                            <p:cond delay="0"/>
+                                          </p:stCondLst>
+                                        </p:cTn>
+                                        <p:tgtEl>
+                                          <p:spTgt spid="3">
+                                            <p:txEl>
+                                              <p:pRg st="5" end="5"/>
+                                            </p:txEl>
+                                          </p:spTgt>
+                                        </p:tgtEl>
+                                        <p:attrNameLst>
+                                          <p:attrName>style.visibility</p:attrName>
+                                        </p:attrNameLst>
+                                      </p:cBhvr>
+                                      <p:to>
+                                        <p:strVal val="visible"/>
+                                      </p:to>
+                                    </p:set>
+                                  </p:childTnLst>
+                                </p:cTn>
+                              </p:par>
+                            </p:childTnLst>
+                          </p:cTn>
+                        </p:par>
+                      </p:childTnLst>
+                    </p:cTn>
+                  </p:par>
+                  <p:par>
+                    <p:cTn id="23" fill="hold">
+                      <p:stCondLst>
+                        <p:cond delay="indefinite"/>
+                      </p:stCondLst>
+                      <p:childTnLst>
+                        <p:par>
+                          <p:cTn id="24" fill="hold">
+                            <p:stCondLst>
+                              <p:cond delay="0"/>
+                            </p:stCondLst>
+                            <p:childTnLst>
+                              <p:par>
+                                <p:cTn id="25" presetID="1" presetClass="entr" presetSubtype="0" fill="hold" nodeType="clickEffect">
+                                  <p:stCondLst>
+                                    <p:cond delay="0"/>
+                                  </p:stCondLst>
+                                  <p:childTnLst>
+                                    <p:set>
+                                      <p:cBhvr>
+                                        <p:cTn id="26" dur="1" fill="hold">
+                                          <p:stCondLst>
+                                            <p:cond delay="0"/>
+                                          </p:stCondLst>
+                                        </p:cTn>
+                                        <p:tgtEl>
+                                          <p:spTgt spid="3">
+                                            <p:txEl>
+                                              <p:pRg st="6" end="6"/>
+                                            </p:txEl>
+                                          </p:spTgt>
+                                        </p:tgtEl>
+                                        <p:attrNameLst>
+                                          <p:attrName>style.visibility</p:attrName>
+                                        </p:attrNameLst>
+                                      </p:cBhvr>
+                                      <p:to>
+                                        <p:strVal val="visible"/>
+                                      </p:to>
+                                    </p:set>
+                                  </p:childTnLst>
+                                </p:cTn>
+                              </p:par>
+                            </p:childTnLst>
+                          </p:cTn>
+                        </p:par>
+                      </p:childTnLst>
+                    </p:cTn>
+                  </p:par>
+                </p:childTnLst>
+              </p:cTn>
+              <p:prevCondLst>
+                <p:cond evt="onPrev" delay="0">
+                  <p:tgtEl>
+                    <p:sldTgt/>
+                  </p:tgtEl>
+                </p:cond>
+              </p:prevCondLst>
+              <p:nextCondLst>
+                <p:cond evt="onNext" delay="0">
+                  <p:tgtEl>
+                    <p:sldTgt/>
+                  </p:tgtEl>
+                </p:cond>
+              </p:nextCondLst>
+            </p:seq>
+          </p:childTnLst>
+        </p:cTn>
+      </p:par>
+    </p:tnLst>
+  </p:timing>
+</p:sld>
+</file>
+
+<file path=ppt/slides/slide17.xml><?xml version="1.0" encoding="utf-8"?>
+<p:sld xmlns:a="http://schemas.openxmlformats.org/drawingml/2006/main" xmlns:r="http://schemas.openxmlformats.org/officeDocument/2006/relationships" xmlns:p="http://schemas.openxmlformats.org/presentationml/2006/main">
+  <p:cSld>
+    <p:spTree>
+      <p:nvGrpSpPr>
+        <p:cNvPr id="1" name=""/>
+        <p:cNvGrpSpPr/>
+        <p:nvPr/>
+      </p:nvGrpSpPr>
+      <p:grpSpPr>
+        <a:xfrm>
+          <a:off x="0" y="0"/>
+          <a:ext cx="0" cy="0"/>
+          <a:chOff x="0" y="0"/>
+          <a:chExt cx="0" cy="0"/>
+        </a:xfrm>
+      </p:grpSpPr>
+      <p:sp>
+        <p:nvSpPr>
+          <p:cNvPr id="2" name="Title 1"/>
+          <p:cNvSpPr>
+            <a:spLocks noGrp="1"/>
+          </p:cNvSpPr>
+          <p:nvPr>
+            <p:ph type="title"/>
+          </p:nvPr>
+        </p:nvSpPr>
+        <p:spPr/>
+        <p:txBody>
+          <a:bodyPr/>
+          <a:lstStyle/>
+          <a:p>
+            <a:r>
+              <a:rPr lang="en-US" dirty="0" smtClean="0"/>
+              <a:t>PHÂN HỆ GUEST</a:t>
+            </a:r>
+            <a:endParaRPr lang="en-US" dirty="0"/>
+          </a:p>
+        </p:txBody>
+      </p:sp>
+      <p:sp>
+        <p:nvSpPr>
+          <p:cNvPr id="3" name="Content Placeholder 2"/>
+          <p:cNvSpPr>
+            <a:spLocks noGrp="1"/>
+          </p:cNvSpPr>
+          <p:nvPr>
+            <p:ph idx="1"/>
+          </p:nvPr>
+        </p:nvSpPr>
+        <p:spPr/>
+        <p:txBody>
+          <a:bodyPr/>
+          <a:lstStyle/>
+          <a:p>
+            <a:r>
+              <a:rPr lang="en-US" sz="2800" dirty="0" err="1" smtClean="0"/>
+              <a:t>Đăng</a:t>
+            </a:r>
+            <a:r>
+              <a:rPr lang="en-US" sz="2800" dirty="0" smtClean="0"/>
+              <a:t> </a:t>
+            </a:r>
+            <a:r>
+              <a:rPr lang="en-US" sz="2800" dirty="0" err="1" smtClean="0"/>
+              <a:t>ký</a:t>
+            </a:r>
+            <a:r>
+              <a:rPr lang="en-US" sz="2800" dirty="0" smtClean="0"/>
+              <a:t>/ </a:t>
+            </a:r>
+            <a:r>
+              <a:rPr lang="en-US" sz="2800" dirty="0" err="1" smtClean="0"/>
+              <a:t>đăng</a:t>
+            </a:r>
+            <a:r>
+              <a:rPr lang="en-US" sz="2800" dirty="0" smtClean="0"/>
+              <a:t> </a:t>
+            </a:r>
+            <a:r>
+              <a:rPr lang="en-US" sz="2800" dirty="0" err="1" smtClean="0"/>
+              <a:t>nhập</a:t>
+            </a:r>
+            <a:endParaRPr lang="en-US" sz="2800" dirty="0" smtClean="0"/>
+          </a:p>
+          <a:p>
+            <a:r>
+              <a:rPr lang="en-US" sz="2800" dirty="0" err="1" smtClean="0"/>
+              <a:t>Tìm</a:t>
+            </a:r>
+            <a:r>
+              <a:rPr lang="en-US" sz="2800" dirty="0" smtClean="0"/>
+              <a:t> </a:t>
+            </a:r>
+            <a:r>
+              <a:rPr lang="en-US" sz="2800" dirty="0" err="1" smtClean="0"/>
+              <a:t>kiếm</a:t>
+            </a:r>
+            <a:r>
+              <a:rPr lang="en-US" sz="2800" dirty="0" smtClean="0"/>
+              <a:t> </a:t>
+            </a:r>
+            <a:r>
+              <a:rPr lang="en-US" sz="2800" dirty="0" err="1" smtClean="0"/>
+              <a:t>sản</a:t>
+            </a:r>
+            <a:r>
+              <a:rPr lang="en-US" sz="2800" dirty="0" smtClean="0"/>
+              <a:t> </a:t>
+            </a:r>
+            <a:r>
+              <a:rPr lang="en-US" sz="2800" dirty="0" err="1" smtClean="0"/>
+              <a:t>phẩm</a:t>
+            </a:r>
+            <a:endParaRPr lang="en-US" sz="2800" dirty="0"/>
+          </a:p>
+        </p:txBody>
+      </p:sp>
+      <p:pic>
+        <p:nvPicPr>
+          <p:cNvPr id="2050" name="Picture 2"/>
+          <p:cNvPicPr>
+            <a:picLocks noChangeAspect="1" noChangeArrowheads="1"/>
+          </p:cNvPicPr>
+          <p:nvPr/>
+        </p:nvPicPr>
+        <p:blipFill>
+          <a:blip r:embed="rId2">
+            <a:extLst>
+              <a:ext uri="{28A0092B-C50C-407E-A947-70E740481C1C}">
+                <a14:useLocalDpi xmlns:a14="http://schemas.microsoft.com/office/drawing/2010/main" val="0"/>
+              </a:ext>
+            </a:extLst>
+          </a:blip>
+          <a:srcRect/>
+          <a:stretch>
+            <a:fillRect/>
+          </a:stretch>
+        </p:blipFill>
+        <p:spPr bwMode="auto">
+          <a:xfrm>
+            <a:off x="322898" y="2773680"/>
+            <a:ext cx="5876925" cy="3657600"/>
+          </a:xfrm>
+          <a:prstGeom prst="rect">
+            <a:avLst/>
+          </a:prstGeom>
+          <a:noFill/>
+          <a:ln>
+            <a:noFill/>
+          </a:ln>
+          <a:effectLst/>
+          <a:extLst>
+            <a:ext uri="{909E8E84-426E-40DD-AFC4-6F175D3DCCD1}">
+              <a14:hiddenFill xmlns:a14="http://schemas.microsoft.com/office/drawing/2010/main">
+                <a:solidFill>
+                  <a:schemeClr val="accent1"/>
+                </a:solidFill>
+              </a14:hiddenFill>
+            </a:ext>
+            <a:ext uri="{91240B29-F687-4F45-9708-019B960494DF}">
+              <a14:hiddenLine xmlns:a14="http://schemas.microsoft.com/office/drawing/2010/main" w="9525">
+                <a:solidFill>
+                  <a:schemeClr val="tx1"/>
+                </a:solidFill>
+                <a:miter lim="800000"/>
+                <a:headEnd/>
+                <a:tailEnd/>
+              </a14:hiddenLine>
+            </a:ext>
+            <a:ext uri="{AF507438-7753-43E0-B8FC-AC1667EBCBE1}">
+              <a14:hiddenEffects xmlns:a14="http://schemas.microsoft.com/office/drawing/2010/main">
+                <a:effectLst>
+                  <a:outerShdw dist="35921" dir="2700000" algn="ctr" rotWithShape="0">
+                    <a:schemeClr val="bg2"/>
+                  </a:outerShdw>
+                </a:effectLst>
+              </a14:hiddenEffects>
+            </a:ext>
+          </a:extLst>
+        </p:spPr>
+      </p:pic>
+      <p:pic>
+        <p:nvPicPr>
+          <p:cNvPr id="2051" name="Picture 3"/>
+          <p:cNvPicPr>
+            <a:picLocks noChangeAspect="1" noChangeArrowheads="1"/>
+          </p:cNvPicPr>
+          <p:nvPr/>
+        </p:nvPicPr>
+        <p:blipFill>
+          <a:blip r:embed="rId3">
+            <a:extLst>
+              <a:ext uri="{28A0092B-C50C-407E-A947-70E740481C1C}">
+                <a14:useLocalDpi xmlns:a14="http://schemas.microsoft.com/office/drawing/2010/main" val="0"/>
+              </a:ext>
+            </a:extLst>
+          </a:blip>
+          <a:srcRect/>
+          <a:stretch>
+            <a:fillRect/>
+          </a:stretch>
+        </p:blipFill>
+        <p:spPr bwMode="auto">
+          <a:xfrm>
+            <a:off x="2794634" y="2560320"/>
+            <a:ext cx="6105525" cy="3657600"/>
+          </a:xfrm>
+          <a:prstGeom prst="rect">
+            <a:avLst/>
+          </a:prstGeom>
+          <a:noFill/>
+          <a:ln>
+            <a:noFill/>
+          </a:ln>
+          <a:effectLst/>
+          <a:extLst>
+            <a:ext uri="{909E8E84-426E-40DD-AFC4-6F175D3DCCD1}">
+              <a14:hiddenFill xmlns:a14="http://schemas.microsoft.com/office/drawing/2010/main">
+                <a:solidFill>
+                  <a:schemeClr val="accent1"/>
+                </a:solidFill>
+              </a14:hiddenFill>
+            </a:ext>
+            <a:ext uri="{91240B29-F687-4F45-9708-019B960494DF}">
+              <a14:hiddenLine xmlns:a14="http://schemas.microsoft.com/office/drawing/2010/main" w="9525">
+                <a:solidFill>
+                  <a:schemeClr val="tx1"/>
+                </a:solidFill>
+                <a:miter lim="800000"/>
+                <a:headEnd/>
+                <a:tailEnd/>
+              </a14:hiddenLine>
+            </a:ext>
+            <a:ext uri="{AF507438-7753-43E0-B8FC-AC1667EBCBE1}">
+              <a14:hiddenEffects xmlns:a14="http://schemas.microsoft.com/office/drawing/2010/main">
+                <a:effectLst>
+                  <a:outerShdw dist="35921" dir="2700000" algn="ctr" rotWithShape="0">
+                    <a:schemeClr val="bg2"/>
+                  </a:outerShdw>
+                </a:effectLst>
+              </a14:hiddenEffects>
+            </a:ext>
+          </a:extLst>
+        </p:spPr>
+      </p:pic>
+    </p:spTree>
+    <p:extLst>
+      <p:ext uri="{BB962C8B-B14F-4D97-AF65-F5344CB8AC3E}">
+        <p14:creationId xmlns:p14="http://schemas.microsoft.com/office/powerpoint/2010/main" val="4052618216"/>
+      </p:ext>
+    </p:extLst>
+  </p:cSld>
+  <p:clrMapOvr>
+    <a:masterClrMapping/>
+  </p:clrMapOvr>
+  <p:timing>
+    <p:tnLst>
+      <p:par>
+        <p:cTn id="1" dur="indefinite" restart="never" nodeType="tmRoot">
+          <p:childTnLst>
+            <p:seq concurrent="1" nextAc="seek">
+              <p:cTn id="2" dur="indefinite" nodeType="mainSeq">
+                <p:childTnLst>
+                  <p:par>
+                    <p:cTn id="3" fill="hold">
+                      <p:stCondLst>
+                        <p:cond delay="indefinite"/>
+                      </p:stCondLst>
+                      <p:childTnLst>
+                        <p:par>
+                          <p:cTn id="4" fill="hold">
+                            <p:stCondLst>
+                              <p:cond delay="0"/>
+                            </p:stCondLst>
+                            <p:childTnLst>
+                              <p:par>
+                                <p:cTn id="5" presetID="2" presetClass="entr" presetSubtype="8" fill="hold" nodeType="clickEffect">
+                                  <p:stCondLst>
+                                    <p:cond delay="0"/>
+                                  </p:stCondLst>
+                                  <p:childTnLst>
+                                    <p:set>
+                                      <p:cBhvr>
+                                        <p:cTn id="6" dur="1" fill="hold">
+                                          <p:stCondLst>
+                                            <p:cond delay="0"/>
+                                          </p:stCondLst>
+                                        </p:cTn>
+                                        <p:tgtEl>
+                                          <p:spTgt spid="2050"/>
+                                        </p:tgtEl>
+                                        <p:attrNameLst>
+                                          <p:attrName>style.visibility</p:attrName>
+                                        </p:attrNameLst>
+                                      </p:cBhvr>
+                                      <p:to>
+                                        <p:strVal val="visible"/>
+                                      </p:to>
+                                    </p:set>
+                                    <p:anim calcmode="lin" valueType="num">
+                                      <p:cBhvr additive="base">
+                                        <p:cTn id="7" dur="500" fill="hold"/>
+                                        <p:tgtEl>
+                                          <p:spTgt spid="2050"/>
+                                        </p:tgtEl>
+                                        <p:attrNameLst>
+                                          <p:attrName>ppt_x</p:attrName>
+                                        </p:attrNameLst>
+                                      </p:cBhvr>
+                                      <p:tavLst>
+                                        <p:tav tm="0">
+                                          <p:val>
+                                            <p:strVal val="0-#ppt_w/2"/>
+                                          </p:val>
+                                        </p:tav>
+                                        <p:tav tm="100000">
+                                          <p:val>
+                                            <p:strVal val="#ppt_x"/>
+                                          </p:val>
+                                        </p:tav>
+                                      </p:tavLst>
+                                    </p:anim>
+                                    <p:anim calcmode="lin" valueType="num">
+                                      <p:cBhvr additive="base">
+                                        <p:cTn id="8" dur="500" fill="hold"/>
+                                        <p:tgtEl>
+                                          <p:spTgt spid="2050"/>
+                                        </p:tgtEl>
+                                        <p:attrNameLst>
+                                          <p:attrName>ppt_y</p:attrName>
+                                        </p:attrNameLst>
+                                      </p:cBhvr>
+                                      <p:tavLst>
+                                        <p:tav tm="0">
+                                          <p:val>
+                                            <p:strVal val="#ppt_y"/>
+                                          </p:val>
+                                        </p:tav>
+                                        <p:tav tm="100000">
+                                          <p:val>
+                                            <p:strVal val="#ppt_y"/>
+                                          </p:val>
+                                        </p:tav>
+                                      </p:tavLst>
+                                    </p:anim>
+                                  </p:childTnLst>
+                                </p:cTn>
+                              </p:par>
+                            </p:childTnLst>
+                          </p:cTn>
+                        </p:par>
+                      </p:childTnLst>
+                    </p:cTn>
+                  </p:par>
+                  <p:par>
+                    <p:cTn id="9" fill="hold">
+                      <p:stCondLst>
+                        <p:cond delay="indefinite"/>
+                      </p:stCondLst>
+                      <p:childTnLst>
+                        <p:par>
+                          <p:cTn id="10" fill="hold">
+                            <p:stCondLst>
+                              <p:cond delay="0"/>
+                            </p:stCondLst>
+                            <p:childTnLst>
+                              <p:par>
+                                <p:cTn id="11" presetID="2" presetClass="entr" presetSubtype="2" fill="hold" nodeType="clickEffect">
+                                  <p:stCondLst>
+                                    <p:cond delay="0"/>
+                                  </p:stCondLst>
+                                  <p:childTnLst>
+                                    <p:set>
+                                      <p:cBhvr>
+                                        <p:cTn id="12" dur="1" fill="hold">
+                                          <p:stCondLst>
+                                            <p:cond delay="0"/>
+                                          </p:stCondLst>
+                                        </p:cTn>
+                                        <p:tgtEl>
+                                          <p:spTgt spid="2051"/>
+                                        </p:tgtEl>
+                                        <p:attrNameLst>
+                                          <p:attrName>style.visibility</p:attrName>
+                                        </p:attrNameLst>
+                                      </p:cBhvr>
+                                      <p:to>
+                                        <p:strVal val="visible"/>
+                                      </p:to>
+                                    </p:set>
+                                    <p:anim calcmode="lin" valueType="num">
+                                      <p:cBhvr additive="base">
+                                        <p:cTn id="13" dur="500" fill="hold"/>
+                                        <p:tgtEl>
+                                          <p:spTgt spid="2051"/>
+                                        </p:tgtEl>
+                                        <p:attrNameLst>
+                                          <p:attrName>ppt_x</p:attrName>
+                                        </p:attrNameLst>
+                                      </p:cBhvr>
+                                      <p:tavLst>
+                                        <p:tav tm="0">
+                                          <p:val>
+                                            <p:strVal val="1+#ppt_w/2"/>
+                                          </p:val>
+                                        </p:tav>
+                                        <p:tav tm="100000">
+                                          <p:val>
+                                            <p:strVal val="#ppt_x"/>
+                                          </p:val>
+                                        </p:tav>
+                                      </p:tavLst>
+                                    </p:anim>
+                                    <p:anim calcmode="lin" valueType="num">
+                                      <p:cBhvr additive="base">
+                                        <p:cTn id="14" dur="500" fill="hold"/>
+                                        <p:tgtEl>
+                                          <p:spTgt spid="2051"/>
+                                        </p:tgtEl>
+                                        <p:attrNameLst>
+                                          <p:attrName>ppt_y</p:attrName>
+                                        </p:attrNameLst>
+                                      </p:cBhvr>
+                                      <p:tavLst>
+                                        <p:tav tm="0">
+                                          <p:val>
+                                            <p:strVal val="#ppt_y"/>
+                                          </p:val>
+                                        </p:tav>
+                                        <p:tav tm="100000">
+                                          <p:val>
+                                            <p:strVal val="#ppt_y"/>
+                                          </p:val>
+                                        </p:tav>
+                                      </p:tavLst>
+                                    </p:anim>
+                                  </p:childTnLst>
+                                </p:cTn>
+                              </p:par>
+                            </p:childTnLst>
+                          </p:cTn>
+                        </p:par>
+                      </p:childTnLst>
+                    </p:cTn>
+                  </p:par>
+                </p:childTnLst>
+              </p:cTn>
+              <p:prevCondLst>
+                <p:cond evt="onPrev" delay="0">
+                  <p:tgtEl>
+                    <p:sldTgt/>
+                  </p:tgtEl>
+                </p:cond>
+              </p:prevCondLst>
+              <p:nextCondLst>
+                <p:cond evt="onNext" delay="0">
+                  <p:tgtEl>
+                    <p:sldTgt/>
+                  </p:tgtEl>
+                </p:cond>
+              </p:nextCondLst>
+            </p:seq>
+          </p:childTnLst>
+        </p:cTn>
+      </p:par>
+    </p:tnLst>
+  </p:timing>
+</p:sld>
+</file>
+
+<file path=ppt/slides/slide18.xml><?xml version="1.0" encoding="utf-8"?>
+<p:sld xmlns:a="http://schemas.openxmlformats.org/drawingml/2006/main" xmlns:r="http://schemas.openxmlformats.org/officeDocument/2006/relationships" xmlns:p="http://schemas.openxmlformats.org/presentationml/2006/main">
+  <p:cSld>
+    <p:spTree>
+      <p:nvGrpSpPr>
+        <p:cNvPr id="1" name=""/>
+        <p:cNvGrpSpPr/>
+        <p:nvPr/>
+      </p:nvGrpSpPr>
+      <p:grpSpPr>
+        <a:xfrm>
+          <a:off x="0" y="0"/>
+          <a:ext cx="0" cy="0"/>
+          <a:chOff x="0" y="0"/>
+          <a:chExt cx="0" cy="0"/>
+        </a:xfrm>
+      </p:grpSpPr>
+      <p:sp>
+        <p:nvSpPr>
+          <p:cNvPr id="2" name="Title 1"/>
+          <p:cNvSpPr>
+            <a:spLocks noGrp="1"/>
+          </p:cNvSpPr>
+          <p:nvPr>
+            <p:ph type="title"/>
+          </p:nvPr>
+        </p:nvSpPr>
+        <p:spPr/>
+        <p:txBody>
+          <a:bodyPr/>
+          <a:lstStyle/>
+          <a:p>
+            <a:r>
+              <a:rPr lang="en-US" dirty="0" smtClean="0"/>
+              <a:t>PHÂN HỆ GUEST</a:t>
+            </a:r>
+            <a:endParaRPr lang="en-US" dirty="0"/>
+          </a:p>
+        </p:txBody>
+      </p:sp>
+      <p:sp>
+        <p:nvSpPr>
+          <p:cNvPr id="3" name="Content Placeholder 2"/>
+          <p:cNvSpPr>
+            <a:spLocks noGrp="1"/>
+          </p:cNvSpPr>
+          <p:nvPr>
+            <p:ph idx="1"/>
+          </p:nvPr>
+        </p:nvSpPr>
+        <p:spPr/>
+        <p:txBody>
+          <a:bodyPr/>
+          <a:lstStyle/>
+          <a:p>
+            <a:r>
+              <a:rPr lang="en-US" sz="2800" dirty="0" err="1" smtClean="0"/>
+              <a:t>Xem</a:t>
+            </a:r>
+            <a:r>
+              <a:rPr lang="en-US" sz="2800" dirty="0" smtClean="0"/>
+              <a:t> </a:t>
+            </a:r>
+            <a:r>
+              <a:rPr lang="en-US" sz="2800" dirty="0" err="1" smtClean="0"/>
+              <a:t>danh</a:t>
+            </a:r>
+            <a:r>
+              <a:rPr lang="en-US" sz="2800" dirty="0" smtClean="0"/>
+              <a:t> </a:t>
+            </a:r>
+            <a:r>
+              <a:rPr lang="en-US" sz="2800" dirty="0" err="1" smtClean="0"/>
+              <a:t>sách</a:t>
+            </a:r>
+            <a:r>
+              <a:rPr lang="en-US" sz="2800" dirty="0" smtClean="0"/>
+              <a:t> </a:t>
+            </a:r>
+            <a:r>
+              <a:rPr lang="en-US" sz="2800" dirty="0" err="1" smtClean="0"/>
+              <a:t>các</a:t>
+            </a:r>
+            <a:r>
+              <a:rPr lang="en-US" sz="2800" dirty="0" smtClean="0"/>
+              <a:t> </a:t>
+            </a:r>
+            <a:r>
+              <a:rPr lang="en-US" sz="2800" dirty="0" err="1" smtClean="0"/>
+              <a:t>gian</a:t>
+            </a:r>
+            <a:r>
+              <a:rPr lang="en-US" sz="2800" dirty="0" smtClean="0"/>
+              <a:t> </a:t>
+            </a:r>
+            <a:r>
+              <a:rPr lang="en-US" sz="2800" dirty="0" err="1" smtClean="0"/>
+              <a:t>hàng</a:t>
+            </a:r>
+            <a:endParaRPr lang="en-US" sz="2800" dirty="0"/>
+          </a:p>
+        </p:txBody>
+      </p:sp>
+      <p:pic>
+        <p:nvPicPr>
+          <p:cNvPr id="3074" name="Picture 2"/>
+          <p:cNvPicPr>
+            <a:picLocks noChangeAspect="1" noChangeArrowheads="1"/>
+          </p:cNvPicPr>
+          <p:nvPr/>
+        </p:nvPicPr>
+        <p:blipFill>
+          <a:blip r:embed="rId2">
+            <a:extLst>
+              <a:ext uri="{28A0092B-C50C-407E-A947-70E740481C1C}">
+                <a14:useLocalDpi xmlns:a14="http://schemas.microsoft.com/office/drawing/2010/main" val="0"/>
+              </a:ext>
+            </a:extLst>
+          </a:blip>
+          <a:srcRect/>
+          <a:stretch>
+            <a:fillRect/>
+          </a:stretch>
+        </p:blipFill>
+        <p:spPr bwMode="auto">
+          <a:xfrm>
+            <a:off x="258128" y="993458"/>
+            <a:ext cx="6372225" cy="5724525"/>
+          </a:xfrm>
+          <a:prstGeom prst="rect">
+            <a:avLst/>
+          </a:prstGeom>
+          <a:noFill/>
+          <a:ln>
+            <a:noFill/>
+          </a:ln>
+          <a:effectLst/>
+          <a:extLst>
+            <a:ext uri="{909E8E84-426E-40DD-AFC4-6F175D3DCCD1}">
+              <a14:hiddenFill xmlns:a14="http://schemas.microsoft.com/office/drawing/2010/main">
+                <a:solidFill>
+                  <a:schemeClr val="accent1"/>
+                </a:solidFill>
+              </a14:hiddenFill>
+            </a:ext>
+            <a:ext uri="{91240B29-F687-4F45-9708-019B960494DF}">
+              <a14:hiddenLine xmlns:a14="http://schemas.microsoft.com/office/drawing/2010/main" w="9525">
+                <a:solidFill>
+                  <a:schemeClr val="tx1"/>
+                </a:solidFill>
+                <a:miter lim="800000"/>
+                <a:headEnd/>
+                <a:tailEnd/>
+              </a14:hiddenLine>
+            </a:ext>
+            <a:ext uri="{AF507438-7753-43E0-B8FC-AC1667EBCBE1}">
+              <a14:hiddenEffects xmlns:a14="http://schemas.microsoft.com/office/drawing/2010/main">
+                <a:effectLst>
+                  <a:outerShdw dist="35921" dir="2700000" algn="ctr" rotWithShape="0">
+                    <a:schemeClr val="bg2"/>
+                  </a:outerShdw>
+                </a:effectLst>
+              </a14:hiddenEffects>
+            </a:ext>
+          </a:extLst>
+        </p:spPr>
+      </p:pic>
+      <p:pic>
+        <p:nvPicPr>
+          <p:cNvPr id="3075" name="Picture 3"/>
+          <p:cNvPicPr>
+            <a:picLocks noChangeAspect="1" noChangeArrowheads="1"/>
+          </p:cNvPicPr>
+          <p:nvPr/>
+        </p:nvPicPr>
+        <p:blipFill>
+          <a:blip r:embed="rId3">
+            <a:extLst>
+              <a:ext uri="{28A0092B-C50C-407E-A947-70E740481C1C}">
+                <a14:useLocalDpi xmlns:a14="http://schemas.microsoft.com/office/drawing/2010/main" val="0"/>
+              </a:ext>
+            </a:extLst>
+          </a:blip>
+          <a:srcRect/>
+          <a:stretch>
+            <a:fillRect/>
+          </a:stretch>
+        </p:blipFill>
+        <p:spPr bwMode="auto">
+          <a:xfrm>
+            <a:off x="1687830" y="1133475"/>
+            <a:ext cx="7181850" cy="5724525"/>
+          </a:xfrm>
+          <a:prstGeom prst="rect">
+            <a:avLst/>
+          </a:prstGeom>
+          <a:noFill/>
+          <a:ln>
+            <a:noFill/>
+          </a:ln>
+          <a:effectLst/>
+          <a:extLst>
+            <a:ext uri="{909E8E84-426E-40DD-AFC4-6F175D3DCCD1}">
+              <a14:hiddenFill xmlns:a14="http://schemas.microsoft.com/office/drawing/2010/main">
+                <a:solidFill>
+                  <a:schemeClr val="accent1"/>
+                </a:solidFill>
+              </a14:hiddenFill>
+            </a:ext>
+            <a:ext uri="{91240B29-F687-4F45-9708-019B960494DF}">
+              <a14:hiddenLine xmlns:a14="http://schemas.microsoft.com/office/drawing/2010/main" w="9525">
+                <a:solidFill>
+                  <a:schemeClr val="tx1"/>
+                </a:solidFill>
+                <a:miter lim="800000"/>
+                <a:headEnd/>
+                <a:tailEnd/>
+              </a14:hiddenLine>
+            </a:ext>
+            <a:ext uri="{AF507438-7753-43E0-B8FC-AC1667EBCBE1}">
+              <a14:hiddenEffects xmlns:a14="http://schemas.microsoft.com/office/drawing/2010/main">
+                <a:effectLst>
+                  <a:outerShdw dist="35921" dir="2700000" algn="ctr" rotWithShape="0">
+                    <a:schemeClr val="bg2"/>
+                  </a:outerShdw>
+                </a:effectLst>
+              </a14:hiddenEffects>
+            </a:ext>
+          </a:extLst>
+        </p:spPr>
+      </p:pic>
+    </p:spTree>
+    <p:extLst>
+      <p:ext uri="{BB962C8B-B14F-4D97-AF65-F5344CB8AC3E}">
+        <p14:creationId xmlns:p14="http://schemas.microsoft.com/office/powerpoint/2010/main" val="2755717990"/>
+      </p:ext>
+    </p:extLst>
+  </p:cSld>
+  <p:clrMapOvr>
+    <a:masterClrMapping/>
+  </p:clrMapOvr>
+  <p:timing>
+    <p:tnLst>
+      <p:par>
+        <p:cTn id="1" dur="indefinite" restart="never" nodeType="tmRoot">
+          <p:childTnLst>
+            <p:seq concurrent="1" nextAc="seek">
+              <p:cTn id="2" dur="indefinite" nodeType="mainSeq">
+                <p:childTnLst>
+                  <p:par>
+                    <p:cTn id="3" fill="hold">
+                      <p:stCondLst>
+                        <p:cond delay="indefinite"/>
+                      </p:stCondLst>
+                      <p:childTnLst>
+                        <p:par>
+                          <p:cTn id="4" fill="hold">
+                            <p:stCondLst>
+                              <p:cond delay="0"/>
+                            </p:stCondLst>
+                            <p:childTnLst>
+                              <p:par>
+                                <p:cTn id="5" presetID="14" presetClass="entr" presetSubtype="10" fill="hold" nodeType="clickEffect">
+                                  <p:stCondLst>
+                                    <p:cond delay="0"/>
+                                  </p:stCondLst>
+                                  <p:childTnLst>
+                                    <p:set>
+                                      <p:cBhvr>
+                                        <p:cTn id="6" dur="1" fill="hold">
+                                          <p:stCondLst>
+                                            <p:cond delay="0"/>
+                                          </p:stCondLst>
+                                        </p:cTn>
+                                        <p:tgtEl>
+                                          <p:spTgt spid="3074"/>
+                                        </p:tgtEl>
+                                        <p:attrNameLst>
+                                          <p:attrName>style.visibility</p:attrName>
+                                        </p:attrNameLst>
+                                      </p:cBhvr>
+                                      <p:to>
+                                        <p:strVal val="visible"/>
+                                      </p:to>
+                                    </p:set>
+                                    <p:animEffect transition="in" filter="randombar(horizontal)">
+                                      <p:cBhvr>
+                                        <p:cTn id="7" dur="500"/>
+                                        <p:tgtEl>
+                                          <p:spTgt spid="3074"/>
+                                        </p:tgtEl>
+                                      </p:cBhvr>
+                                    </p:animEffect>
+                                  </p:childTnLst>
+                                </p:cTn>
+                              </p:par>
+                            </p:childTnLst>
+                          </p:cTn>
+                        </p:par>
+                      </p:childTnLst>
+                    </p:cTn>
+                  </p:par>
+                  <p:par>
+                    <p:cTn id="8" fill="hold">
+                      <p:stCondLst>
+                        <p:cond delay="indefinite"/>
+                      </p:stCondLst>
+                      <p:childTnLst>
+                        <p:par>
+                          <p:cTn id="9" fill="hold">
+                            <p:stCondLst>
+                              <p:cond delay="0"/>
+                            </p:stCondLst>
+                            <p:childTnLst>
+                              <p:par>
+                                <p:cTn id="10" presetID="31" presetClass="entr" presetSubtype="0" fill="hold" nodeType="clickEffect">
+                                  <p:stCondLst>
+                                    <p:cond delay="0"/>
+                                  </p:stCondLst>
+                                  <p:childTnLst>
+                                    <p:set>
+                                      <p:cBhvr>
+                                        <p:cTn id="11" dur="1" fill="hold">
+                                          <p:stCondLst>
+                                            <p:cond delay="0"/>
+                                          </p:stCondLst>
+                                        </p:cTn>
+                                        <p:tgtEl>
+                                          <p:spTgt spid="3075"/>
+                                        </p:tgtEl>
+                                        <p:attrNameLst>
+                                          <p:attrName>style.visibility</p:attrName>
+                                        </p:attrNameLst>
+                                      </p:cBhvr>
+                                      <p:to>
+                                        <p:strVal val="visible"/>
+                                      </p:to>
+                                    </p:set>
+                                    <p:anim calcmode="lin" valueType="num">
+                                      <p:cBhvr>
+                                        <p:cTn id="12" dur="1000" fill="hold"/>
+                                        <p:tgtEl>
+                                          <p:spTgt spid="3075"/>
+                                        </p:tgtEl>
+                                        <p:attrNameLst>
+                                          <p:attrName>ppt_w</p:attrName>
+                                        </p:attrNameLst>
+                                      </p:cBhvr>
+                                      <p:tavLst>
+                                        <p:tav tm="0">
+                                          <p:val>
+                                            <p:fltVal val="0"/>
+                                          </p:val>
+                                        </p:tav>
+                                        <p:tav tm="100000">
+                                          <p:val>
+                                            <p:strVal val="#ppt_w"/>
+                                          </p:val>
+                                        </p:tav>
+                                      </p:tavLst>
+                                    </p:anim>
+                                    <p:anim calcmode="lin" valueType="num">
+                                      <p:cBhvr>
+                                        <p:cTn id="13" dur="1000" fill="hold"/>
+                                        <p:tgtEl>
+                                          <p:spTgt spid="3075"/>
+                                        </p:tgtEl>
+                                        <p:attrNameLst>
+                                          <p:attrName>ppt_h</p:attrName>
+                                        </p:attrNameLst>
+                                      </p:cBhvr>
+                                      <p:tavLst>
+                                        <p:tav tm="0">
+                                          <p:val>
+                                            <p:fltVal val="0"/>
+                                          </p:val>
+                                        </p:tav>
+                                        <p:tav tm="100000">
+                                          <p:val>
+                                            <p:strVal val="#ppt_h"/>
+                                          </p:val>
+                                        </p:tav>
+                                      </p:tavLst>
+                                    </p:anim>
+                                    <p:anim calcmode="lin" valueType="num">
+                                      <p:cBhvr>
+                                        <p:cTn id="14" dur="1000" fill="hold"/>
+                                        <p:tgtEl>
+                                          <p:spTgt spid="3075"/>
+                                        </p:tgtEl>
+                                        <p:attrNameLst>
+                                          <p:attrName>style.rotation</p:attrName>
+                                        </p:attrNameLst>
+                                      </p:cBhvr>
+                                      <p:tavLst>
+                                        <p:tav tm="0">
+                                          <p:val>
+                                            <p:fltVal val="90"/>
+                                          </p:val>
+                                        </p:tav>
+                                        <p:tav tm="100000">
+                                          <p:val>
+                                            <p:fltVal val="0"/>
+                                          </p:val>
+                                        </p:tav>
+                                      </p:tavLst>
+                                    </p:anim>
+                                    <p:animEffect transition="in" filter="fade">
+                                      <p:cBhvr>
+                                        <p:cTn id="15" dur="1000"/>
+                                        <p:tgtEl>
+                                          <p:spTgt spid="3075"/>
+                                        </p:tgtEl>
+                                      </p:cBhvr>
+                                    </p:animEffect>
+                                  </p:childTnLst>
+                                </p:cTn>
+                              </p:par>
+                            </p:childTnLst>
+                          </p:cTn>
+                        </p:par>
+                      </p:childTnLst>
+                    </p:cTn>
+                  </p:par>
+                </p:childTnLst>
+              </p:cTn>
+              <p:prevCondLst>
+                <p:cond evt="onPrev" delay="0">
+                  <p:tgtEl>
+                    <p:sldTgt/>
+                  </p:tgtEl>
+                </p:cond>
+              </p:prevCondLst>
+              <p:nextCondLst>
+                <p:cond evt="onNext" delay="0">
+                  <p:tgtEl>
+                    <p:sldTgt/>
+                  </p:tgtEl>
+                </p:cond>
+              </p:nextCondLst>
+            </p:seq>
+          </p:childTnLst>
+        </p:cTn>
+      </p:par>
+    </p:tnLst>
+  </p:timing>
+</p:sld>
+</file>
+
+<file path=ppt/slides/slide19.xml><?xml version="1.0" encoding="utf-8"?>
 <p:sld xmlns:a="http://schemas.openxmlformats.org/drawingml/2006/main" xmlns:r="http://schemas.openxmlformats.org/officeDocument/2006/relationships" xmlns:p="http://schemas.openxmlformats.org/presentationml/2006/main">
   <p:cSld>
     <p:spTree>
@@ -4428,7 +8574,7 @@
     </p:spTree>
     <p:extLst>
       <p:ext uri="{BB962C8B-B14F-4D97-AF65-F5344CB8AC3E}">
-        <p14:creationId xmlns:p14="http://schemas.microsoft.com/office/powerpoint/2010/main" val="888232251"/>
+        <p14:creationId xmlns:p14="http://schemas.microsoft.com/office/powerpoint/2010/main" val="1592391281"/>
       </p:ext>
     </p:extLst>
   </p:cSld>
@@ -4604,7 +8750,129 @@
 </p:sld>
 </file>
 
-<file path=ppt/slides/slide11.xml><?xml version="1.0" encoding="utf-8"?>
+<file path=ppt/slides/slide2.xml><?xml version="1.0" encoding="utf-8"?>
+<p:sld xmlns:a="http://schemas.openxmlformats.org/drawingml/2006/main" xmlns:r="http://schemas.openxmlformats.org/officeDocument/2006/relationships" xmlns:p="http://schemas.openxmlformats.org/presentationml/2006/main">
+  <p:cSld>
+    <p:spTree>
+      <p:nvGrpSpPr>
+        <p:cNvPr id="1" name=""/>
+        <p:cNvGrpSpPr/>
+        <p:nvPr/>
+      </p:nvGrpSpPr>
+      <p:grpSpPr>
+        <a:xfrm>
+          <a:off x="0" y="0"/>
+          <a:ext cx="0" cy="0"/>
+          <a:chOff x="0" y="0"/>
+          <a:chExt cx="0" cy="0"/>
+        </a:xfrm>
+      </p:grpSpPr>
+      <p:sp>
+        <p:nvSpPr>
+          <p:cNvPr id="69640" name="Rectangle 8"/>
+          <p:cNvSpPr>
+            <a:spLocks noGrp="1" noChangeArrowheads="1"/>
+          </p:cNvSpPr>
+          <p:nvPr>
+            <p:ph type="title"/>
+          </p:nvPr>
+        </p:nvSpPr>
+        <p:spPr/>
+        <p:txBody>
+          <a:bodyPr/>
+          <a:lstStyle/>
+          <a:p>
+            <a:r>
+              <a:rPr lang="vi-VN" sz="2800" noProof="1" smtClean="0"/>
+              <a:t>Mục lục</a:t>
+            </a:r>
+            <a:endParaRPr lang="vi-VN" sz="2800" noProof="1"/>
+          </a:p>
+        </p:txBody>
+      </p:sp>
+      <p:sp>
+        <p:nvSpPr>
+          <p:cNvPr id="69641" name="Rectangle 9"/>
+          <p:cNvSpPr>
+            <a:spLocks noGrp="1" noChangeArrowheads="1"/>
+          </p:cNvSpPr>
+          <p:nvPr>
+            <p:ph type="body" idx="1"/>
+          </p:nvPr>
+        </p:nvSpPr>
+        <p:spPr/>
+        <p:txBody>
+          <a:bodyPr/>
+          <a:lstStyle/>
+          <a:p>
+            <a:pPr>
+              <a:lnSpc>
+                <a:spcPct val="150000"/>
+              </a:lnSpc>
+              <a:buFont typeface="Wingdings" pitchFamily="2" charset="2"/>
+              <a:buChar char="v"/>
+            </a:pPr>
+            <a:r>
+              <a:rPr lang="en-US" sz="3600" noProof="1" smtClean="0"/>
+              <a:t>Giới thiệu về Struts 2 và MVC</a:t>
+            </a:r>
+            <a:r>
+              <a:rPr lang="vi-VN" sz="3600" noProof="1" smtClean="0"/>
+              <a:t> </a:t>
+            </a:r>
+          </a:p>
+          <a:p>
+            <a:pPr>
+              <a:lnSpc>
+                <a:spcPct val="150000"/>
+              </a:lnSpc>
+              <a:buFont typeface="Wingdings" pitchFamily="2" charset="2"/>
+              <a:buChar char="v"/>
+            </a:pPr>
+            <a:r>
+              <a:rPr lang="en-US" sz="3600" noProof="1" smtClean="0"/>
+              <a:t>Giới thiệu ứng dụng</a:t>
+            </a:r>
+            <a:endParaRPr lang="vi-VN" sz="3600" noProof="1" smtClean="0"/>
+          </a:p>
+          <a:p>
+            <a:pPr>
+              <a:lnSpc>
+                <a:spcPct val="150000"/>
+              </a:lnSpc>
+              <a:buFont typeface="Wingdings" pitchFamily="2" charset="2"/>
+              <a:buChar char="v"/>
+            </a:pPr>
+            <a:r>
+              <a:rPr lang="en-US" sz="3600" noProof="1" smtClean="0"/>
+              <a:t>Đề xuất các hướng thực hiện</a:t>
+            </a:r>
+            <a:endParaRPr lang="de-DE" sz="3600" noProof="1"/>
+          </a:p>
+        </p:txBody>
+      </p:sp>
+    </p:spTree>
+    <p:extLst>
+      <p:ext uri="{BB962C8B-B14F-4D97-AF65-F5344CB8AC3E}">
+        <p14:creationId xmlns:p14="http://schemas.microsoft.com/office/powerpoint/2010/main" val="1623210822"/>
+      </p:ext>
+    </p:extLst>
+  </p:cSld>
+  <p:clrMapOvr>
+    <a:masterClrMapping/>
+  </p:clrMapOvr>
+  <p:transition/>
+  <p:timing>
+    <p:tnLst>
+      <p:par>
+        <p:cTn id="1" dur="indefinite" restart="never" nodeType="tmRoot"/>
+      </p:par>
+    </p:tnLst>
+  </p:timing>
+</p:sld>
+</file>
+
+<file path=ppt/slides/slide20.xml><?xml version="1.0" encoding="utf-8"?>
 <p:sld xmlns:a="http://schemas.openxmlformats.org/drawingml/2006/main" xmlns:r="http://schemas.openxmlformats.org/officeDocument/2006/relationships" xmlns:p="http://schemas.openxmlformats.org/presentationml/2006/main">
   <p:cSld>
     <p:spTree>
@@ -4932,7 +9200,7 @@
     </p:spTree>
     <p:extLst>
       <p:ext uri="{BB962C8B-B14F-4D97-AF65-F5344CB8AC3E}">
-        <p14:creationId xmlns:p14="http://schemas.microsoft.com/office/powerpoint/2010/main" val="3700282062"/>
+        <p14:creationId xmlns:p14="http://schemas.microsoft.com/office/powerpoint/2010/main" val="2712888935"/>
       </p:ext>
     </p:extLst>
   </p:cSld>
@@ -5017,7 +9285,7 @@
 </p:sld>
 </file>
 
-<file path=ppt/slides/slide12.xml><?xml version="1.0" encoding="utf-8"?>
+<file path=ppt/slides/slide21.xml><?xml version="1.0" encoding="utf-8"?>
 <p:sld xmlns:a="http://schemas.openxmlformats.org/drawingml/2006/main" xmlns:r="http://schemas.openxmlformats.org/officeDocument/2006/relationships" xmlns:p="http://schemas.openxmlformats.org/presentationml/2006/main">
   <p:cSld>
     <p:spTree>
@@ -5162,7 +9430,7 @@
     </p:spTree>
     <p:extLst>
       <p:ext uri="{BB962C8B-B14F-4D97-AF65-F5344CB8AC3E}">
-        <p14:creationId xmlns:p14="http://schemas.microsoft.com/office/powerpoint/2010/main" val="2386694981"/>
+        <p14:creationId xmlns:p14="http://schemas.microsoft.com/office/powerpoint/2010/main" val="1803557289"/>
       </p:ext>
     </p:extLst>
   </p:cSld>
@@ -5293,7 +9561,7 @@
 </p:sld>
 </file>
 
-<file path=ppt/slides/slide13.xml><?xml version="1.0" encoding="utf-8"?>
+<file path=ppt/slides/slide22.xml><?xml version="1.0" encoding="utf-8"?>
 <p:sld xmlns:a="http://schemas.openxmlformats.org/drawingml/2006/main" xmlns:r="http://schemas.openxmlformats.org/officeDocument/2006/relationships" xmlns:p="http://schemas.openxmlformats.org/presentationml/2006/main">
   <p:cSld>
     <p:spTree>
@@ -5702,7 +9970,7 @@
     </p:spTree>
     <p:extLst>
       <p:ext uri="{BB962C8B-B14F-4D97-AF65-F5344CB8AC3E}">
-        <p14:creationId xmlns:p14="http://schemas.microsoft.com/office/powerpoint/2010/main" val="4225817349"/>
+        <p14:creationId xmlns:p14="http://schemas.microsoft.com/office/powerpoint/2010/main" val="4183239604"/>
       </p:ext>
     </p:extLst>
   </p:cSld>
@@ -6078,7 +10346,7 @@
 </p:sld>
 </file>
 
-<file path=ppt/slides/slide14.xml><?xml version="1.0" encoding="utf-8"?>
+<file path=ppt/slides/slide23.xml><?xml version="1.0" encoding="utf-8"?>
 <p:sld xmlns:a="http://schemas.openxmlformats.org/drawingml/2006/main" xmlns:r="http://schemas.openxmlformats.org/officeDocument/2006/relationships" xmlns:p="http://schemas.openxmlformats.org/presentationml/2006/main">
   <p:cSld>
     <p:spTree>
@@ -6431,7 +10699,7 @@
     </p:spTree>
     <p:extLst>
       <p:ext uri="{BB962C8B-B14F-4D97-AF65-F5344CB8AC3E}">
-        <p14:creationId xmlns:p14="http://schemas.microsoft.com/office/powerpoint/2010/main" val="3881005857"/>
+        <p14:creationId xmlns:p14="http://schemas.microsoft.com/office/powerpoint/2010/main" val="932071877"/>
       </p:ext>
     </p:extLst>
   </p:cSld>
@@ -6765,7 +11033,7 @@
 </p:sld>
 </file>
 
-<file path=ppt/slides/slide15.xml><?xml version="1.0" encoding="utf-8"?>
+<file path=ppt/slides/slide24.xml><?xml version="1.0" encoding="utf-8"?>
 <p:sld xmlns:a="http://schemas.openxmlformats.org/drawingml/2006/main" xmlns:r="http://schemas.openxmlformats.org/officeDocument/2006/relationships" xmlns:p="http://schemas.openxmlformats.org/presentationml/2006/main">
   <p:cSld>
     <p:spTree>
@@ -7296,7 +11564,7 @@
     </p:spTree>
     <p:extLst>
       <p:ext uri="{BB962C8B-B14F-4D97-AF65-F5344CB8AC3E}">
-        <p14:creationId xmlns:p14="http://schemas.microsoft.com/office/powerpoint/2010/main" val="1052106435"/>
+        <p14:creationId xmlns:p14="http://schemas.microsoft.com/office/powerpoint/2010/main" val="2319154016"/>
       </p:ext>
     </p:extLst>
   </p:cSld>
@@ -7721,7 +11989,7 @@
 </p:sld>
 </file>
 
-<file path=ppt/slides/slide16.xml><?xml version="1.0" encoding="utf-8"?>
+<file path=ppt/slides/slide25.xml><?xml version="1.0" encoding="utf-8"?>
 <p:sld xmlns:a="http://schemas.openxmlformats.org/drawingml/2006/main" xmlns:r="http://schemas.openxmlformats.org/officeDocument/2006/relationships" xmlns:p="http://schemas.openxmlformats.org/presentationml/2006/main">
   <p:cSld>
     <p:spTree>
@@ -8194,7 +12462,7 @@
     </p:spTree>
     <p:extLst>
       <p:ext uri="{BB962C8B-B14F-4D97-AF65-F5344CB8AC3E}">
-        <p14:creationId xmlns:p14="http://schemas.microsoft.com/office/powerpoint/2010/main" val="3512440457"/>
+        <p14:creationId xmlns:p14="http://schemas.microsoft.com/office/powerpoint/2010/main" val="2424750317"/>
       </p:ext>
     </p:extLst>
   </p:cSld>
@@ -8626,7 +12894,7 @@
 </p:sld>
 </file>
 
-<file path=ppt/slides/slide17.xml><?xml version="1.0" encoding="utf-8"?>
+<file path=ppt/slides/slide26.xml><?xml version="1.0" encoding="utf-8"?>
 <p:sld xmlns:a="http://schemas.openxmlformats.org/drawingml/2006/main" xmlns:r="http://schemas.openxmlformats.org/officeDocument/2006/relationships" xmlns:p="http://schemas.openxmlformats.org/presentationml/2006/main">
   <p:cSld>
     <p:spTree>
@@ -8900,7 +13168,7 @@
     </p:spTree>
     <p:extLst>
       <p:ext uri="{BB962C8B-B14F-4D97-AF65-F5344CB8AC3E}">
-        <p14:creationId xmlns:p14="http://schemas.microsoft.com/office/powerpoint/2010/main" val="2472427585"/>
+        <p14:creationId xmlns:p14="http://schemas.microsoft.com/office/powerpoint/2010/main" val="4041368158"/>
       </p:ext>
     </p:extLst>
   </p:cSld>
@@ -9185,7 +13453,7 @@
 </p:sld>
 </file>
 
-<file path=ppt/slides/slide18.xml><?xml version="1.0" encoding="utf-8"?>
+<file path=ppt/slides/slide27.xml><?xml version="1.0" encoding="utf-8"?>
 <p:sld xmlns:a="http://schemas.openxmlformats.org/drawingml/2006/main" xmlns:r="http://schemas.openxmlformats.org/officeDocument/2006/relationships" xmlns:p="http://schemas.openxmlformats.org/presentationml/2006/main">
   <p:cSld>
     <p:spTree>
@@ -9340,131 +13608,13 @@
     </p:spTree>
     <p:extLst>
       <p:ext uri="{BB962C8B-B14F-4D97-AF65-F5344CB8AC3E}">
-        <p14:creationId xmlns:p14="http://schemas.microsoft.com/office/powerpoint/2010/main" val="735877444"/>
+        <p14:creationId xmlns:p14="http://schemas.microsoft.com/office/powerpoint/2010/main" val="463581754"/>
       </p:ext>
     </p:extLst>
   </p:cSld>
   <p:clrMapOvr>
     <a:masterClrMapping/>
   </p:clrMapOvr>
-  <p:timing>
-    <p:tnLst>
-      <p:par>
-        <p:cTn id="1" dur="indefinite" restart="never" nodeType="tmRoot"/>
-      </p:par>
-    </p:tnLst>
-  </p:timing>
-</p:sld>
-</file>
-
-<file path=ppt/slides/slide2.xml><?xml version="1.0" encoding="utf-8"?>
-<p:sld xmlns:a="http://schemas.openxmlformats.org/drawingml/2006/main" xmlns:r="http://schemas.openxmlformats.org/officeDocument/2006/relationships" xmlns:p="http://schemas.openxmlformats.org/presentationml/2006/main">
-  <p:cSld>
-    <p:spTree>
-      <p:nvGrpSpPr>
-        <p:cNvPr id="1" name=""/>
-        <p:cNvGrpSpPr/>
-        <p:nvPr/>
-      </p:nvGrpSpPr>
-      <p:grpSpPr>
-        <a:xfrm>
-          <a:off x="0" y="0"/>
-          <a:ext cx="0" cy="0"/>
-          <a:chOff x="0" y="0"/>
-          <a:chExt cx="0" cy="0"/>
-        </a:xfrm>
-      </p:grpSpPr>
-      <p:sp>
-        <p:nvSpPr>
-          <p:cNvPr id="69640" name="Rectangle 8"/>
-          <p:cNvSpPr>
-            <a:spLocks noGrp="1" noChangeArrowheads="1"/>
-          </p:cNvSpPr>
-          <p:nvPr>
-            <p:ph type="title"/>
-          </p:nvPr>
-        </p:nvSpPr>
-        <p:spPr/>
-        <p:txBody>
-          <a:bodyPr/>
-          <a:lstStyle/>
-          <a:p>
-            <a:r>
-              <a:rPr lang="vi-VN" noProof="1" smtClean="0"/>
-              <a:t>Mục lục</a:t>
-            </a:r>
-            <a:endParaRPr lang="vi-VN" noProof="1"/>
-          </a:p>
-        </p:txBody>
-      </p:sp>
-      <p:sp>
-        <p:nvSpPr>
-          <p:cNvPr id="69641" name="Rectangle 9"/>
-          <p:cNvSpPr>
-            <a:spLocks noGrp="1" noChangeArrowheads="1"/>
-          </p:cNvSpPr>
-          <p:nvPr>
-            <p:ph type="body" idx="1"/>
-          </p:nvPr>
-        </p:nvSpPr>
-        <p:spPr/>
-        <p:txBody>
-          <a:bodyPr/>
-          <a:lstStyle/>
-          <a:p>
-            <a:pPr>
-              <a:lnSpc>
-                <a:spcPct val="150000"/>
-              </a:lnSpc>
-              <a:buFont typeface="Wingdings" pitchFamily="2" charset="2"/>
-              <a:buChar char="v"/>
-            </a:pPr>
-            <a:r>
-              <a:rPr lang="en-US" sz="3600" noProof="1" smtClean="0"/>
-              <a:t>Giới thiệu về Struts 2 và MVC</a:t>
-            </a:r>
-            <a:r>
-              <a:rPr lang="vi-VN" sz="3600" noProof="1" smtClean="0"/>
-              <a:t> </a:t>
-            </a:r>
-            <a:endParaRPr lang="vi-VN" sz="3600" noProof="1" smtClean="0"/>
-          </a:p>
-          <a:p>
-            <a:pPr>
-              <a:lnSpc>
-                <a:spcPct val="150000"/>
-              </a:lnSpc>
-              <a:buFont typeface="Wingdings" pitchFamily="2" charset="2"/>
-              <a:buChar char="v"/>
-            </a:pPr>
-            <a:r>
-              <a:rPr lang="en-US" sz="3600" noProof="1" smtClean="0"/>
-              <a:t>Giới thiệu ứng dụng</a:t>
-            </a:r>
-            <a:endParaRPr lang="vi-VN" sz="3600" noProof="1" smtClean="0"/>
-          </a:p>
-          <a:p>
-            <a:pPr>
-              <a:lnSpc>
-                <a:spcPct val="150000"/>
-              </a:lnSpc>
-              <a:buFont typeface="Wingdings" pitchFamily="2" charset="2"/>
-              <a:buChar char="v"/>
-            </a:pPr>
-            <a:r>
-              <a:rPr lang="en-US" sz="3600" noProof="1" smtClean="0"/>
-              <a:t>Đề xuất các hướng thực hiện</a:t>
-            </a:r>
-            <a:endParaRPr lang="de-DE" sz="3600" noProof="1"/>
-          </a:p>
-        </p:txBody>
-      </p:sp>
-    </p:spTree>
-  </p:cSld>
-  <p:clrMapOvr>
-    <a:masterClrMapping/>
-  </p:clrMapOvr>
-  <p:transition/>
   <p:timing>
     <p:tnLst>
       <p:par>
@@ -9650,9 +13800,9 @@
       </p:grpSpPr>
       <p:sp>
         <p:nvSpPr>
-          <p:cNvPr id="2" name="Title 1"/>
+          <p:cNvPr id="69640" name="Rectangle 8"/>
           <p:cNvSpPr>
-            <a:spLocks noGrp="1"/>
+            <a:spLocks noGrp="1" noChangeArrowheads="1"/>
           </p:cNvSpPr>
           <p:nvPr>
             <p:ph type="title"/>
@@ -9664,21 +13814,25 @@
           <a:lstStyle/>
           <a:p>
             <a:r>
-              <a:rPr lang="en-US" sz="2800" dirty="0" smtClean="0"/>
-              <a:t>GIỚI THIỆU ỨNG DỤNG</a:t>
-            </a:r>
-            <a:endParaRPr lang="en-US" sz="2800" dirty="0"/>
+              <a:rPr lang="vi-VN" noProof="1"/>
+              <a:t>I</a:t>
+            </a:r>
+            <a:r>
+              <a:rPr lang="vi-VN" noProof="1" smtClean="0"/>
+              <a:t>. Struts2 Framework</a:t>
+            </a:r>
+            <a:endParaRPr lang="vi-VN" noProof="1"/>
           </a:p>
         </p:txBody>
       </p:sp>
       <p:sp>
         <p:nvSpPr>
-          <p:cNvPr id="3" name="Content Placeholder 2"/>
+          <p:cNvPr id="69641" name="Rectangle 9"/>
           <p:cNvSpPr>
-            <a:spLocks noGrp="1"/>
+            <a:spLocks noGrp="1" noChangeArrowheads="1"/>
           </p:cNvSpPr>
           <p:nvPr>
-            <p:ph idx="1"/>
+            <p:ph type="body" idx="1"/>
           </p:nvPr>
         </p:nvSpPr>
         <p:spPr/>
@@ -9686,89 +13840,72 @@
           <a:bodyPr/>
           <a:lstStyle/>
           <a:p>
-            <a:pPr>
-              <a:lnSpc>
-                <a:spcPct val="150000"/>
-              </a:lnSpc>
-            </a:pPr>
-            <a:r>
-              <a:rPr lang="en-US" sz="2800" dirty="0" err="1" smtClean="0"/>
-              <a:t>Giới</a:t>
-            </a:r>
-            <a:r>
-              <a:rPr lang="en-US" sz="2800" dirty="0" smtClean="0"/>
-              <a:t> </a:t>
-            </a:r>
-            <a:r>
-              <a:rPr lang="en-US" sz="2800" dirty="0" err="1" smtClean="0"/>
-              <a:t>thiệu</a:t>
-            </a:r>
-            <a:r>
-              <a:rPr lang="en-US" sz="2800" dirty="0" smtClean="0"/>
-              <a:t> </a:t>
-            </a:r>
-            <a:r>
-              <a:rPr lang="en-US" sz="2800" dirty="0" err="1" smtClean="0"/>
-              <a:t>ứng</a:t>
-            </a:r>
-            <a:r>
-              <a:rPr lang="en-US" sz="2800" dirty="0" smtClean="0"/>
-              <a:t> </a:t>
-            </a:r>
-            <a:r>
-              <a:rPr lang="en-US" sz="2800" dirty="0" err="1" smtClean="0"/>
-              <a:t>dụng</a:t>
-            </a:r>
-            <a:endParaRPr lang="en-US" sz="2800" dirty="0" smtClean="0"/>
-          </a:p>
-          <a:p>
-            <a:pPr>
-              <a:lnSpc>
-                <a:spcPct val="150000"/>
-              </a:lnSpc>
-            </a:pPr>
-            <a:r>
-              <a:rPr lang="en-US" sz="2800" dirty="0" err="1" smtClean="0"/>
-              <a:t>Các</a:t>
-            </a:r>
-            <a:r>
-              <a:rPr lang="en-US" sz="2800" dirty="0" smtClean="0"/>
-              <a:t> </a:t>
-            </a:r>
-            <a:r>
-              <a:rPr lang="en-US" sz="2800" dirty="0" err="1" smtClean="0"/>
-              <a:t>chức</a:t>
-            </a:r>
-            <a:r>
-              <a:rPr lang="en-US" sz="2800" dirty="0" smtClean="0"/>
-              <a:t> </a:t>
-            </a:r>
-            <a:r>
-              <a:rPr lang="en-US" sz="2800" dirty="0" err="1" smtClean="0"/>
-              <a:t>năng</a:t>
-            </a:r>
-            <a:r>
-              <a:rPr lang="en-US" sz="2800" dirty="0" smtClean="0"/>
-              <a:t> </a:t>
-            </a:r>
-            <a:r>
-              <a:rPr lang="en-US" sz="2800" dirty="0" err="1" smtClean="0"/>
-              <a:t>chính</a:t>
-            </a:r>
-            <a:endParaRPr lang="en-US" sz="2800" dirty="0" smtClean="0"/>
+            <a:r>
+              <a:rPr lang="vi-VN" b="1" noProof="1" smtClean="0"/>
+              <a:t>Vòng đời của Struts2</a:t>
+            </a:r>
+          </a:p>
+          <a:p>
+            <a:endParaRPr lang="vi-VN" b="1" noProof="1" smtClean="0"/>
+          </a:p>
+          <a:p>
+            <a:pPr lvl="1"/>
+            <a:endParaRPr lang="de-DE" b="1" noProof="1"/>
           </a:p>
         </p:txBody>
       </p:sp>
+      <p:pic>
+        <p:nvPicPr>
+          <p:cNvPr id="1026" name="Picture 2" descr="http://files.myopera.com/nguyend/struts2/struts-processing.gif"/>
+          <p:cNvPicPr>
+            <a:picLocks noChangeAspect="1" noChangeArrowheads="1"/>
+          </p:cNvPicPr>
+          <p:nvPr/>
+        </p:nvPicPr>
+        <p:blipFill>
+          <a:blip r:embed="rId3">
+            <a:extLst>
+              <a:ext uri="{28A0092B-C50C-407E-A947-70E740481C1C}">
+                <a14:useLocalDpi xmlns:a14="http://schemas.microsoft.com/office/drawing/2010/main" val="0"/>
+              </a:ext>
+            </a:extLst>
+          </a:blip>
+          <a:srcRect/>
+          <a:stretch>
+            <a:fillRect/>
+          </a:stretch>
+        </p:blipFill>
+        <p:spPr bwMode="auto">
+          <a:xfrm>
+            <a:off x="2173130" y="2377198"/>
+            <a:ext cx="4292063" cy="3213709"/>
+          </a:xfrm>
+          <a:prstGeom prst="rect">
+            <a:avLst/>
+          </a:prstGeom>
+          <a:noFill/>
+          <a:extLst>
+            <a:ext uri="{909E8E84-426E-40DD-AFC4-6F175D3DCCD1}">
+              <a14:hiddenFill xmlns:a14="http://schemas.microsoft.com/office/drawing/2010/main">
+                <a:solidFill>
+                  <a:srgbClr val="FFFFFF"/>
+                </a:solidFill>
+              </a14:hiddenFill>
+            </a:ext>
+          </a:extLst>
+        </p:spPr>
+      </p:pic>
     </p:spTree>
     <p:extLst>
       <p:ext uri="{BB962C8B-B14F-4D97-AF65-F5344CB8AC3E}">
-        <p14:creationId xmlns:p14="http://schemas.microsoft.com/office/powerpoint/2010/main" val="204657281"/>
+        <p14:creationId xmlns:p14="http://schemas.microsoft.com/office/powerpoint/2010/main" val="3128554401"/>
       </p:ext>
     </p:extLst>
   </p:cSld>
   <p:clrMapOvr>
     <a:masterClrMapping/>
   </p:clrMapOvr>
+  <p:transition/>
   <p:timing>
     <p:tnLst>
       <p:par>
@@ -9812,10 +13949,10 @@
           <a:lstStyle/>
           <a:p>
             <a:r>
-              <a:rPr lang="en-US" sz="2800" dirty="0" smtClean="0"/>
-              <a:t>GIỚI THIỆU CHUNG</a:t>
-            </a:r>
-            <a:endParaRPr lang="en-US" sz="2800" dirty="0"/>
+              <a:rPr lang="vi-VN" smtClean="0"/>
+              <a:t>I. Struts2 Framework</a:t>
+            </a:r>
+            <a:endParaRPr lang="vi-VN"/>
           </a:p>
         </p:txBody>
       </p:sp>
@@ -9834,985 +13971,119 @@
           <a:bodyPr/>
           <a:lstStyle/>
           <a:p>
-            <a:pPr>
-              <a:lnSpc>
-                <a:spcPct val="150000"/>
-              </a:lnSpc>
-            </a:pPr>
-            <a:r>
-              <a:rPr lang="en-US" dirty="0" err="1" smtClean="0"/>
-              <a:t>Với</a:t>
-            </a:r>
-            <a:r>
-              <a:rPr lang="en-US" dirty="0" smtClean="0"/>
-              <a:t> </a:t>
-            </a:r>
-            <a:r>
-              <a:rPr lang="en-US" dirty="0" err="1" smtClean="0"/>
-              <a:t>tốc</a:t>
-            </a:r>
-            <a:r>
-              <a:rPr lang="en-US" dirty="0" smtClean="0"/>
-              <a:t> </a:t>
-            </a:r>
-            <a:r>
-              <a:rPr lang="en-US" dirty="0" err="1" smtClean="0"/>
-              <a:t>độ</a:t>
-            </a:r>
-            <a:r>
-              <a:rPr lang="en-US" dirty="0" smtClean="0"/>
-              <a:t> </a:t>
-            </a:r>
-            <a:r>
-              <a:rPr lang="en-US" dirty="0" err="1" smtClean="0"/>
-              <a:t>phát</a:t>
-            </a:r>
-            <a:r>
-              <a:rPr lang="en-US" dirty="0" smtClean="0"/>
-              <a:t> </a:t>
-            </a:r>
-            <a:r>
-              <a:rPr lang="en-US" dirty="0" err="1" smtClean="0"/>
-              <a:t>triển</a:t>
-            </a:r>
-            <a:r>
-              <a:rPr lang="en-US" dirty="0" smtClean="0"/>
-              <a:t> </a:t>
-            </a:r>
-            <a:r>
-              <a:rPr lang="en-US" dirty="0" err="1" smtClean="0"/>
-              <a:t>của</a:t>
-            </a:r>
-            <a:r>
-              <a:rPr lang="en-US" dirty="0" smtClean="0"/>
-              <a:t> </a:t>
-            </a:r>
-            <a:r>
-              <a:rPr lang="en-US" dirty="0" err="1" smtClean="0"/>
-              <a:t>công</a:t>
-            </a:r>
-            <a:r>
-              <a:rPr lang="en-US" dirty="0" smtClean="0"/>
-              <a:t> </a:t>
-            </a:r>
-            <a:r>
-              <a:rPr lang="en-US" dirty="0" err="1" smtClean="0"/>
-              <a:t>nghệ</a:t>
-            </a:r>
-            <a:r>
-              <a:rPr lang="en-US" dirty="0" smtClean="0"/>
-              <a:t> </a:t>
-            </a:r>
-            <a:r>
-              <a:rPr lang="en-US" dirty="0" err="1" smtClean="0"/>
-              <a:t>thông</a:t>
-            </a:r>
-            <a:r>
-              <a:rPr lang="en-US" dirty="0" smtClean="0"/>
-              <a:t> tin </a:t>
-            </a:r>
-            <a:r>
-              <a:rPr lang="en-US" dirty="0" err="1" smtClean="0"/>
-              <a:t>như</a:t>
-            </a:r>
-            <a:r>
-              <a:rPr lang="en-US" dirty="0" smtClean="0"/>
-              <a:t> </a:t>
-            </a:r>
-            <a:r>
-              <a:rPr lang="en-US" dirty="0" err="1" smtClean="0"/>
-              <a:t>hiện</a:t>
-            </a:r>
-            <a:r>
-              <a:rPr lang="en-US" dirty="0" smtClean="0"/>
-              <a:t> nay </a:t>
-            </a:r>
-            <a:r>
-              <a:rPr lang="en-US" dirty="0" err="1" smtClean="0"/>
-              <a:t>thì</a:t>
-            </a:r>
-            <a:r>
-              <a:rPr lang="en-US" dirty="0" smtClean="0"/>
-              <a:t> </a:t>
-            </a:r>
-            <a:r>
-              <a:rPr lang="en-US" dirty="0" err="1" smtClean="0"/>
-              <a:t>nhu</a:t>
-            </a:r>
-            <a:r>
-              <a:rPr lang="en-US" dirty="0" smtClean="0"/>
-              <a:t> </a:t>
-            </a:r>
-            <a:r>
-              <a:rPr lang="en-US" dirty="0" err="1" smtClean="0"/>
-              <a:t>cầu</a:t>
-            </a:r>
-            <a:r>
-              <a:rPr lang="en-US" dirty="0" smtClean="0"/>
-              <a:t> </a:t>
-            </a:r>
-            <a:r>
-              <a:rPr lang="en-US" dirty="0" err="1" smtClean="0"/>
-              <a:t>mua</a:t>
-            </a:r>
-            <a:r>
-              <a:rPr lang="en-US" dirty="0" smtClean="0"/>
-              <a:t> </a:t>
-            </a:r>
-            <a:r>
-              <a:rPr lang="en-US" dirty="0" err="1" smtClean="0"/>
-              <a:t>sắm</a:t>
-            </a:r>
-            <a:r>
-              <a:rPr lang="en-US" dirty="0" smtClean="0"/>
-              <a:t> qua </a:t>
-            </a:r>
-            <a:r>
-              <a:rPr lang="en-US" dirty="0" err="1" smtClean="0"/>
-              <a:t>mạng</a:t>
-            </a:r>
-            <a:r>
-              <a:rPr lang="en-US" dirty="0" smtClean="0"/>
-              <a:t> internet </a:t>
-            </a:r>
-            <a:r>
-              <a:rPr lang="en-US" dirty="0" err="1" smtClean="0"/>
-              <a:t>ngày</a:t>
-            </a:r>
-            <a:r>
-              <a:rPr lang="en-US" dirty="0" smtClean="0"/>
-              <a:t> </a:t>
-            </a:r>
-            <a:r>
-              <a:rPr lang="en-US" dirty="0" err="1" smtClean="0"/>
-              <a:t>càng</a:t>
-            </a:r>
-            <a:r>
-              <a:rPr lang="en-US" dirty="0" smtClean="0"/>
-              <a:t> </a:t>
-            </a:r>
-            <a:r>
-              <a:rPr lang="en-US" dirty="0" err="1" smtClean="0"/>
-              <a:t>phổ</a:t>
-            </a:r>
-            <a:r>
-              <a:rPr lang="en-US" dirty="0" smtClean="0"/>
-              <a:t> </a:t>
-            </a:r>
-            <a:r>
-              <a:rPr lang="en-US" dirty="0" err="1" smtClean="0"/>
-              <a:t>biến</a:t>
-            </a:r>
-            <a:r>
-              <a:rPr lang="en-US" dirty="0" smtClean="0"/>
-              <a:t>. </a:t>
-            </a:r>
-            <a:r>
-              <a:rPr lang="en-US" dirty="0" err="1" smtClean="0"/>
-              <a:t>Nắm</a:t>
-            </a:r>
-            <a:r>
-              <a:rPr lang="en-US" dirty="0" smtClean="0"/>
-              <a:t> </a:t>
-            </a:r>
-            <a:r>
-              <a:rPr lang="en-US" dirty="0" err="1" smtClean="0"/>
-              <a:t>bắt</a:t>
-            </a:r>
-            <a:r>
-              <a:rPr lang="en-US" dirty="0" smtClean="0"/>
-              <a:t> </a:t>
-            </a:r>
-            <a:r>
-              <a:rPr lang="en-US" dirty="0" err="1" smtClean="0"/>
-              <a:t>được</a:t>
-            </a:r>
-            <a:r>
-              <a:rPr lang="en-US" dirty="0" smtClean="0"/>
-              <a:t> </a:t>
-            </a:r>
-            <a:r>
-              <a:rPr lang="en-US" dirty="0" err="1" smtClean="0"/>
-              <a:t>nhu</a:t>
-            </a:r>
-            <a:r>
-              <a:rPr lang="en-US" dirty="0" smtClean="0"/>
-              <a:t> </a:t>
-            </a:r>
-            <a:r>
-              <a:rPr lang="en-US" dirty="0" err="1" smtClean="0"/>
-              <a:t>cầu</a:t>
-            </a:r>
-            <a:r>
-              <a:rPr lang="en-US" dirty="0" smtClean="0"/>
-              <a:t> </a:t>
-            </a:r>
-            <a:r>
-              <a:rPr lang="en-US" dirty="0" err="1" smtClean="0"/>
-              <a:t>này</a:t>
-            </a:r>
-            <a:r>
-              <a:rPr lang="en-US" dirty="0" smtClean="0"/>
-              <a:t> </a:t>
-            </a:r>
-            <a:r>
-              <a:rPr lang="en-US" dirty="0" err="1" smtClean="0"/>
-              <a:t>nhiều</a:t>
-            </a:r>
-            <a:r>
-              <a:rPr lang="en-US" dirty="0" smtClean="0"/>
-              <a:t> </a:t>
-            </a:r>
-            <a:r>
-              <a:rPr lang="en-US" dirty="0" err="1" smtClean="0"/>
-              <a:t>doanh</a:t>
-            </a:r>
-            <a:r>
-              <a:rPr lang="en-US" dirty="0" smtClean="0"/>
-              <a:t> </a:t>
-            </a:r>
-            <a:r>
-              <a:rPr lang="en-US" dirty="0" err="1" smtClean="0"/>
-              <a:t>nghiệp</a:t>
-            </a:r>
-            <a:r>
-              <a:rPr lang="en-US" dirty="0" smtClean="0"/>
-              <a:t> </a:t>
-            </a:r>
-            <a:r>
-              <a:rPr lang="en-US" dirty="0" err="1" smtClean="0"/>
-              <a:t>đã</a:t>
-            </a:r>
-            <a:r>
-              <a:rPr lang="en-US" dirty="0" smtClean="0"/>
-              <a:t> </a:t>
-            </a:r>
-            <a:r>
-              <a:rPr lang="en-US" dirty="0" err="1" smtClean="0"/>
-              <a:t>tiến</a:t>
-            </a:r>
-            <a:r>
-              <a:rPr lang="en-US" dirty="0" smtClean="0"/>
-              <a:t> </a:t>
-            </a:r>
-            <a:r>
-              <a:rPr lang="en-US" dirty="0" err="1" smtClean="0"/>
-              <a:t>hành</a:t>
-            </a:r>
-            <a:r>
-              <a:rPr lang="en-US" dirty="0" smtClean="0"/>
-              <a:t> </a:t>
-            </a:r>
-            <a:r>
-              <a:rPr lang="en-US" dirty="0" err="1" smtClean="0"/>
-              <a:t>việc</a:t>
-            </a:r>
-            <a:r>
-              <a:rPr lang="en-US" dirty="0" smtClean="0"/>
-              <a:t> </a:t>
-            </a:r>
-            <a:r>
-              <a:rPr lang="en-US" dirty="0" err="1" smtClean="0"/>
-              <a:t>bán</a:t>
-            </a:r>
-            <a:r>
-              <a:rPr lang="en-US" dirty="0" smtClean="0"/>
-              <a:t> </a:t>
-            </a:r>
-            <a:r>
-              <a:rPr lang="en-US" dirty="0" err="1" smtClean="0"/>
-              <a:t>hàng</a:t>
-            </a:r>
-            <a:r>
-              <a:rPr lang="en-US" dirty="0" smtClean="0"/>
-              <a:t> qua </a:t>
-            </a:r>
-            <a:r>
-              <a:rPr lang="en-US" dirty="0" err="1" smtClean="0"/>
-              <a:t>mạng</a:t>
-            </a:r>
-            <a:r>
-              <a:rPr lang="en-US" dirty="0" smtClean="0"/>
-              <a:t>. </a:t>
-            </a:r>
-            <a:r>
-              <a:rPr lang="en-US" dirty="0" err="1" smtClean="0"/>
-              <a:t>Tuy</a:t>
-            </a:r>
-            <a:r>
-              <a:rPr lang="en-US" dirty="0" smtClean="0"/>
-              <a:t> </a:t>
-            </a:r>
-            <a:r>
-              <a:rPr lang="en-US" dirty="0" err="1" smtClean="0"/>
-              <a:t>nhiên</a:t>
-            </a:r>
-            <a:r>
-              <a:rPr lang="en-US" dirty="0" smtClean="0"/>
-              <a:t> </a:t>
-            </a:r>
-            <a:r>
-              <a:rPr lang="en-US" dirty="0" err="1" smtClean="0"/>
-              <a:t>làm</a:t>
-            </a:r>
-            <a:r>
-              <a:rPr lang="en-US" dirty="0" smtClean="0"/>
-              <a:t> </a:t>
-            </a:r>
-            <a:r>
-              <a:rPr lang="en-US" dirty="0" err="1" smtClean="0"/>
-              <a:t>thế</a:t>
-            </a:r>
-            <a:r>
-              <a:rPr lang="en-US" dirty="0" smtClean="0"/>
-              <a:t> </a:t>
-            </a:r>
-            <a:r>
-              <a:rPr lang="en-US" dirty="0" err="1" smtClean="0"/>
-              <a:t>nào</a:t>
-            </a:r>
-            <a:r>
-              <a:rPr lang="en-US" dirty="0" smtClean="0"/>
-              <a:t> </a:t>
-            </a:r>
-            <a:r>
-              <a:rPr lang="en-US" dirty="0" err="1" smtClean="0"/>
-              <a:t>để</a:t>
-            </a:r>
-            <a:r>
-              <a:rPr lang="en-US" dirty="0" smtClean="0"/>
-              <a:t> </a:t>
-            </a:r>
-            <a:r>
-              <a:rPr lang="en-US" dirty="0" err="1" smtClean="0"/>
-              <a:t>có</a:t>
-            </a:r>
-            <a:r>
-              <a:rPr lang="en-US" dirty="0" smtClean="0"/>
-              <a:t> </a:t>
-            </a:r>
-            <a:r>
-              <a:rPr lang="en-US" dirty="0" err="1" smtClean="0"/>
-              <a:t>được</a:t>
-            </a:r>
-            <a:r>
-              <a:rPr lang="en-US" dirty="0" smtClean="0"/>
-              <a:t> </a:t>
-            </a:r>
-            <a:r>
-              <a:rPr lang="en-US" dirty="0" err="1" smtClean="0"/>
-              <a:t>một</a:t>
-            </a:r>
-            <a:r>
-              <a:rPr lang="en-US" dirty="0" smtClean="0"/>
-              <a:t> </a:t>
-            </a:r>
-            <a:r>
-              <a:rPr lang="en-US" dirty="0" err="1" smtClean="0"/>
-              <a:t>địa</a:t>
-            </a:r>
-            <a:r>
-              <a:rPr lang="en-US" dirty="0" smtClean="0"/>
-              <a:t> </a:t>
-            </a:r>
-            <a:r>
-              <a:rPr lang="en-US" dirty="0" err="1" smtClean="0"/>
-              <a:t>chỉ</a:t>
-            </a:r>
-            <a:r>
-              <a:rPr lang="en-US" dirty="0" smtClean="0"/>
-              <a:t> </a:t>
-            </a:r>
-            <a:r>
-              <a:rPr lang="en-US" dirty="0" err="1" smtClean="0"/>
-              <a:t>uy</a:t>
-            </a:r>
-            <a:r>
-              <a:rPr lang="en-US" dirty="0" smtClean="0"/>
-              <a:t> </a:t>
-            </a:r>
-            <a:r>
-              <a:rPr lang="en-US" dirty="0" err="1" smtClean="0"/>
-              <a:t>tín</a:t>
-            </a:r>
-            <a:r>
-              <a:rPr lang="en-US" dirty="0" smtClean="0"/>
-              <a:t> </a:t>
-            </a:r>
-            <a:r>
-              <a:rPr lang="en-US" dirty="0" err="1" smtClean="0"/>
-              <a:t>và</a:t>
-            </a:r>
-            <a:r>
-              <a:rPr lang="en-US" dirty="0" smtClean="0"/>
-              <a:t> </a:t>
-            </a:r>
-            <a:r>
-              <a:rPr lang="en-US" dirty="0" err="1" smtClean="0"/>
-              <a:t>làm</a:t>
-            </a:r>
-            <a:r>
-              <a:rPr lang="en-US" dirty="0" smtClean="0"/>
-              <a:t> </a:t>
-            </a:r>
-            <a:r>
-              <a:rPr lang="en-US" dirty="0" err="1" smtClean="0"/>
-              <a:t>sao</a:t>
-            </a:r>
-            <a:r>
-              <a:rPr lang="en-US" dirty="0" smtClean="0"/>
-              <a:t> </a:t>
-            </a:r>
-            <a:r>
-              <a:rPr lang="en-US" dirty="0" err="1" smtClean="0"/>
-              <a:t>để</a:t>
-            </a:r>
-            <a:r>
-              <a:rPr lang="en-US" dirty="0" smtClean="0"/>
-              <a:t> </a:t>
-            </a:r>
-            <a:r>
-              <a:rPr lang="en-US" dirty="0" err="1" smtClean="0"/>
-              <a:t>quảng</a:t>
-            </a:r>
-            <a:r>
-              <a:rPr lang="en-US" dirty="0" smtClean="0"/>
-              <a:t> </a:t>
-            </a:r>
-            <a:r>
-              <a:rPr lang="en-US" dirty="0" err="1" smtClean="0"/>
-              <a:t>bá</a:t>
-            </a:r>
-            <a:r>
-              <a:rPr lang="en-US" dirty="0" smtClean="0"/>
-              <a:t> </a:t>
-            </a:r>
-            <a:r>
-              <a:rPr lang="en-US" dirty="0" err="1" smtClean="0"/>
-              <a:t>rộng</a:t>
-            </a:r>
-            <a:r>
-              <a:rPr lang="en-US" dirty="0" smtClean="0"/>
-              <a:t> </a:t>
-            </a:r>
-            <a:r>
-              <a:rPr lang="en-US" dirty="0" err="1" smtClean="0"/>
-              <a:t>rãi</a:t>
-            </a:r>
-            <a:r>
-              <a:rPr lang="en-US" dirty="0" smtClean="0"/>
-              <a:t> </a:t>
-            </a:r>
-            <a:r>
-              <a:rPr lang="en-US" dirty="0" err="1" smtClean="0"/>
-              <a:t>sản</a:t>
-            </a:r>
-            <a:r>
-              <a:rPr lang="en-US" dirty="0" smtClean="0"/>
-              <a:t> </a:t>
-            </a:r>
-            <a:r>
-              <a:rPr lang="en-US" dirty="0" err="1" smtClean="0"/>
-              <a:t>phẩm</a:t>
-            </a:r>
-            <a:r>
-              <a:rPr lang="en-US" dirty="0" smtClean="0"/>
-              <a:t> </a:t>
-            </a:r>
-            <a:r>
-              <a:rPr lang="en-US" dirty="0" err="1" smtClean="0"/>
-              <a:t>của</a:t>
-            </a:r>
-            <a:r>
-              <a:rPr lang="en-US" dirty="0" smtClean="0"/>
-              <a:t> </a:t>
-            </a:r>
-            <a:r>
-              <a:rPr lang="en-US" dirty="0" err="1" smtClean="0"/>
-              <a:t>mình</a:t>
-            </a:r>
-            <a:r>
-              <a:rPr lang="en-US" dirty="0" smtClean="0"/>
-              <a:t> </a:t>
-            </a:r>
-            <a:r>
-              <a:rPr lang="en-US" dirty="0" err="1" smtClean="0"/>
-              <a:t>một</a:t>
-            </a:r>
-            <a:r>
-              <a:rPr lang="en-US" dirty="0" smtClean="0"/>
-              <a:t> </a:t>
-            </a:r>
-            <a:r>
-              <a:rPr lang="en-US" dirty="0" err="1" smtClean="0"/>
-              <a:t>cách</a:t>
-            </a:r>
-            <a:r>
-              <a:rPr lang="en-US" dirty="0" smtClean="0"/>
-              <a:t> </a:t>
-            </a:r>
-            <a:r>
-              <a:rPr lang="en-US" dirty="0" err="1" smtClean="0"/>
-              <a:t>nhanh</a:t>
-            </a:r>
-            <a:r>
-              <a:rPr lang="en-US" dirty="0" smtClean="0"/>
-              <a:t> </a:t>
-            </a:r>
-            <a:r>
-              <a:rPr lang="en-US" dirty="0" err="1" smtClean="0"/>
-              <a:t>chóng</a:t>
-            </a:r>
-            <a:r>
-              <a:rPr lang="en-US" dirty="0" smtClean="0"/>
-              <a:t> </a:t>
-            </a:r>
-            <a:r>
-              <a:rPr lang="en-US" dirty="0" err="1" smtClean="0"/>
-              <a:t>và</a:t>
-            </a:r>
-            <a:r>
-              <a:rPr lang="en-US" dirty="0" smtClean="0"/>
-              <a:t> </a:t>
-            </a:r>
-            <a:r>
-              <a:rPr lang="en-US" dirty="0" err="1" smtClean="0"/>
-              <a:t>dễ</a:t>
-            </a:r>
-            <a:r>
-              <a:rPr lang="en-US" dirty="0" smtClean="0"/>
-              <a:t> </a:t>
-            </a:r>
-            <a:r>
-              <a:rPr lang="en-US" dirty="0" err="1" smtClean="0"/>
-              <a:t>dàng</a:t>
-            </a:r>
-            <a:r>
-              <a:rPr lang="en-US" dirty="0" smtClean="0"/>
-              <a:t>.</a:t>
-            </a:r>
-          </a:p>
-          <a:p>
-            <a:pPr>
-              <a:lnSpc>
-                <a:spcPct val="150000"/>
-              </a:lnSpc>
-            </a:pPr>
-            <a:r>
-              <a:rPr lang="en-US" dirty="0" err="1" smtClean="0"/>
-              <a:t>Với</a:t>
-            </a:r>
-            <a:r>
-              <a:rPr lang="en-US" dirty="0" smtClean="0"/>
-              <a:t> </a:t>
-            </a:r>
-            <a:r>
-              <a:rPr lang="en-US" dirty="0" err="1" smtClean="0"/>
-              <a:t>hệ</a:t>
-            </a:r>
-            <a:r>
-              <a:rPr lang="en-US" dirty="0" smtClean="0"/>
-              <a:t> </a:t>
-            </a:r>
-            <a:r>
-              <a:rPr lang="en-US" dirty="0" err="1" smtClean="0"/>
-              <a:t>thống</a:t>
-            </a:r>
-            <a:r>
-              <a:rPr lang="en-US" dirty="0" smtClean="0"/>
-              <a:t> </a:t>
-            </a:r>
-            <a:r>
-              <a:rPr lang="en-US" dirty="0" err="1" smtClean="0"/>
-              <a:t>UStore</a:t>
-            </a:r>
-            <a:r>
-              <a:rPr lang="en-US" dirty="0" smtClean="0"/>
-              <a:t> </a:t>
-            </a:r>
-            <a:r>
-              <a:rPr lang="en-US" dirty="0" err="1" smtClean="0"/>
-              <a:t>của</a:t>
-            </a:r>
-            <a:r>
-              <a:rPr lang="en-US" dirty="0" smtClean="0"/>
-              <a:t> </a:t>
-            </a:r>
-            <a:r>
-              <a:rPr lang="en-US" dirty="0" err="1" smtClean="0"/>
-              <a:t>nhóm</a:t>
-            </a:r>
-            <a:r>
-              <a:rPr lang="en-US" dirty="0"/>
-              <a:t> </a:t>
-            </a:r>
-            <a:r>
-              <a:rPr lang="en-US" dirty="0" err="1" smtClean="0"/>
-              <a:t>thực</a:t>
-            </a:r>
-            <a:r>
-              <a:rPr lang="en-US" dirty="0" smtClean="0"/>
-              <a:t> </a:t>
-            </a:r>
-            <a:r>
-              <a:rPr lang="en-US" dirty="0" err="1" smtClean="0"/>
-              <a:t>hiện</a:t>
-            </a:r>
-            <a:r>
-              <a:rPr lang="en-US" dirty="0" smtClean="0"/>
-              <a:t>, </a:t>
-            </a:r>
-            <a:r>
-              <a:rPr lang="en-US" dirty="0" err="1" smtClean="0"/>
-              <a:t>những</a:t>
-            </a:r>
-            <a:r>
-              <a:rPr lang="en-US" dirty="0" smtClean="0"/>
-              <a:t> </a:t>
-            </a:r>
-            <a:r>
-              <a:rPr lang="en-US" dirty="0" err="1" smtClean="0"/>
-              <a:t>doanh</a:t>
-            </a:r>
-            <a:r>
-              <a:rPr lang="en-US" dirty="0" smtClean="0"/>
-              <a:t> </a:t>
-            </a:r>
-            <a:r>
-              <a:rPr lang="en-US" dirty="0" err="1" smtClean="0"/>
-              <a:t>nghiệp</a:t>
-            </a:r>
-            <a:r>
-              <a:rPr lang="en-US" dirty="0" smtClean="0"/>
-              <a:t> </a:t>
-            </a:r>
-            <a:r>
-              <a:rPr lang="en-US" dirty="0" err="1" smtClean="0"/>
-              <a:t>vừa</a:t>
-            </a:r>
-            <a:r>
-              <a:rPr lang="en-US" dirty="0" smtClean="0"/>
-              <a:t> </a:t>
-            </a:r>
-            <a:r>
-              <a:rPr lang="en-US" dirty="0" err="1" smtClean="0"/>
-              <a:t>và</a:t>
-            </a:r>
-            <a:r>
-              <a:rPr lang="en-US" dirty="0" smtClean="0"/>
-              <a:t> </a:t>
-            </a:r>
-            <a:r>
-              <a:rPr lang="en-US" dirty="0" err="1" smtClean="0"/>
-              <a:t>nhỏ</a:t>
-            </a:r>
-            <a:r>
-              <a:rPr lang="en-US" dirty="0" smtClean="0"/>
-              <a:t> </a:t>
-            </a:r>
-            <a:r>
-              <a:rPr lang="en-US" dirty="0" err="1" smtClean="0"/>
-              <a:t>có</a:t>
-            </a:r>
-            <a:r>
-              <a:rPr lang="en-US" dirty="0" smtClean="0"/>
-              <a:t> </a:t>
-            </a:r>
-            <a:r>
-              <a:rPr lang="en-US" dirty="0" err="1" smtClean="0"/>
-              <a:t>thể</a:t>
-            </a:r>
-            <a:r>
-              <a:rPr lang="en-US" dirty="0" smtClean="0"/>
-              <a:t> </a:t>
-            </a:r>
-            <a:r>
-              <a:rPr lang="en-US" dirty="0" err="1" smtClean="0"/>
-              <a:t>dễ</a:t>
-            </a:r>
-            <a:r>
-              <a:rPr lang="en-US" dirty="0" smtClean="0"/>
-              <a:t> </a:t>
-            </a:r>
-            <a:r>
-              <a:rPr lang="en-US" dirty="0" err="1" smtClean="0"/>
-              <a:t>dàng</a:t>
-            </a:r>
-            <a:r>
-              <a:rPr lang="en-US" dirty="0" smtClean="0"/>
-              <a:t>, </a:t>
-            </a:r>
-            <a:r>
-              <a:rPr lang="en-US" dirty="0" err="1" smtClean="0"/>
-              <a:t>nhanh</a:t>
-            </a:r>
-            <a:r>
-              <a:rPr lang="en-US" dirty="0" smtClean="0"/>
-              <a:t> </a:t>
-            </a:r>
-            <a:r>
-              <a:rPr lang="en-US" dirty="0" err="1" smtClean="0"/>
-              <a:t>chóng</a:t>
-            </a:r>
-            <a:r>
-              <a:rPr lang="en-US" dirty="0" smtClean="0"/>
-              <a:t> </a:t>
-            </a:r>
-            <a:r>
-              <a:rPr lang="en-US" dirty="0" err="1" smtClean="0"/>
-              <a:t>quảng</a:t>
-            </a:r>
-            <a:r>
-              <a:rPr lang="en-US" dirty="0" smtClean="0"/>
-              <a:t> </a:t>
-            </a:r>
-            <a:r>
-              <a:rPr lang="en-US" dirty="0" err="1" smtClean="0"/>
-              <a:t>bá</a:t>
-            </a:r>
-            <a:r>
-              <a:rPr lang="en-US" dirty="0" smtClean="0"/>
-              <a:t> </a:t>
-            </a:r>
-            <a:r>
-              <a:rPr lang="en-US" dirty="0" err="1" smtClean="0"/>
-              <a:t>sản</a:t>
-            </a:r>
-            <a:r>
-              <a:rPr lang="en-US" dirty="0" smtClean="0"/>
-              <a:t> </a:t>
-            </a:r>
-            <a:r>
-              <a:rPr lang="en-US" dirty="0" err="1" smtClean="0"/>
-              <a:t>phẩm</a:t>
-            </a:r>
-            <a:r>
-              <a:rPr lang="en-US" dirty="0" smtClean="0"/>
-              <a:t> </a:t>
-            </a:r>
-            <a:r>
-              <a:rPr lang="en-US" dirty="0" err="1" smtClean="0"/>
-              <a:t>của</a:t>
-            </a:r>
-            <a:r>
-              <a:rPr lang="en-US" dirty="0" smtClean="0"/>
-              <a:t> </a:t>
-            </a:r>
-            <a:r>
-              <a:rPr lang="en-US" dirty="0" err="1" smtClean="0"/>
-              <a:t>mình</a:t>
-            </a:r>
-            <a:r>
-              <a:rPr lang="en-US" dirty="0" smtClean="0"/>
-              <a:t> </a:t>
-            </a:r>
-            <a:r>
-              <a:rPr lang="en-US" dirty="0" err="1" smtClean="0"/>
-              <a:t>thông</a:t>
-            </a:r>
-            <a:r>
-              <a:rPr lang="en-US" dirty="0" smtClean="0"/>
-              <a:t> qua </a:t>
-            </a:r>
-            <a:r>
-              <a:rPr lang="en-US" dirty="0" err="1" smtClean="0"/>
-              <a:t>các</a:t>
-            </a:r>
-            <a:r>
-              <a:rPr lang="en-US" dirty="0" smtClean="0"/>
-              <a:t> </a:t>
-            </a:r>
-            <a:r>
-              <a:rPr lang="en-US" dirty="0" err="1" smtClean="0"/>
-              <a:t>gian</a:t>
-            </a:r>
-            <a:r>
-              <a:rPr lang="en-US" dirty="0" smtClean="0"/>
-              <a:t> </a:t>
-            </a:r>
-            <a:r>
-              <a:rPr lang="en-US" dirty="0" err="1" smtClean="0"/>
-              <a:t>hàng</a:t>
-            </a:r>
-            <a:r>
-              <a:rPr lang="en-US" dirty="0" smtClean="0"/>
-              <a:t> </a:t>
-            </a:r>
-            <a:r>
-              <a:rPr lang="en-US" dirty="0" err="1" smtClean="0"/>
-              <a:t>được</a:t>
-            </a:r>
-            <a:r>
-              <a:rPr lang="en-US" dirty="0" smtClean="0"/>
-              <a:t> </a:t>
-            </a:r>
-            <a:r>
-              <a:rPr lang="en-US" dirty="0" err="1" smtClean="0"/>
-              <a:t>khởi</a:t>
-            </a:r>
-            <a:r>
-              <a:rPr lang="en-US" dirty="0" smtClean="0"/>
-              <a:t> </a:t>
-            </a:r>
-            <a:r>
-              <a:rPr lang="en-US" dirty="0" err="1" smtClean="0"/>
-              <a:t>tạo</a:t>
-            </a:r>
-            <a:r>
-              <a:rPr lang="en-US" dirty="0" smtClean="0"/>
-              <a:t> </a:t>
-            </a:r>
-            <a:r>
-              <a:rPr lang="en-US" dirty="0" err="1" smtClean="0"/>
-              <a:t>dễ</a:t>
-            </a:r>
-            <a:r>
-              <a:rPr lang="en-US" dirty="0" smtClean="0"/>
-              <a:t> </a:t>
-            </a:r>
-            <a:r>
-              <a:rPr lang="en-US" dirty="0" err="1" smtClean="0"/>
-              <a:t>dàng</a:t>
-            </a:r>
-            <a:r>
-              <a:rPr lang="en-US" dirty="0" smtClean="0"/>
-              <a:t> </a:t>
-            </a:r>
-            <a:r>
-              <a:rPr lang="en-US" dirty="0" err="1" smtClean="0"/>
-              <a:t>mà</a:t>
-            </a:r>
-            <a:r>
-              <a:rPr lang="en-US" dirty="0" smtClean="0"/>
-              <a:t> </a:t>
-            </a:r>
-            <a:r>
-              <a:rPr lang="en-US" dirty="0" err="1" smtClean="0"/>
-              <a:t>không</a:t>
-            </a:r>
-            <a:r>
-              <a:rPr lang="en-US" dirty="0" smtClean="0"/>
-              <a:t> </a:t>
-            </a:r>
-            <a:r>
-              <a:rPr lang="en-US" dirty="0" err="1" smtClean="0"/>
-              <a:t>cần</a:t>
-            </a:r>
-            <a:r>
-              <a:rPr lang="en-US" dirty="0" smtClean="0"/>
-              <a:t> </a:t>
-            </a:r>
-            <a:r>
-              <a:rPr lang="en-US" dirty="0" err="1" smtClean="0"/>
-              <a:t>phải</a:t>
-            </a:r>
-            <a:r>
-              <a:rPr lang="en-US" dirty="0" smtClean="0"/>
-              <a:t> </a:t>
-            </a:r>
-            <a:r>
-              <a:rPr lang="en-US" dirty="0" err="1" smtClean="0"/>
-              <a:t>tốn</a:t>
-            </a:r>
-            <a:r>
-              <a:rPr lang="en-US" dirty="0" smtClean="0"/>
-              <a:t> </a:t>
-            </a:r>
-            <a:r>
-              <a:rPr lang="en-US" dirty="0" err="1" smtClean="0"/>
-              <a:t>nhiều</a:t>
-            </a:r>
-            <a:r>
-              <a:rPr lang="en-US" dirty="0" smtClean="0"/>
-              <a:t> </a:t>
-            </a:r>
-            <a:r>
-              <a:rPr lang="en-US" dirty="0" err="1" smtClean="0"/>
-              <a:t>thời</a:t>
-            </a:r>
-            <a:r>
-              <a:rPr lang="en-US" dirty="0" smtClean="0"/>
-              <a:t> </a:t>
-            </a:r>
-            <a:r>
-              <a:rPr lang="en-US" dirty="0" err="1" smtClean="0"/>
-              <a:t>gian</a:t>
-            </a:r>
-            <a:r>
-              <a:rPr lang="en-US" dirty="0" smtClean="0"/>
-              <a:t> chi </a:t>
-            </a:r>
-            <a:r>
-              <a:rPr lang="en-US" dirty="0" err="1" smtClean="0"/>
-              <a:t>phí</a:t>
-            </a:r>
-            <a:r>
-              <a:rPr lang="en-US" dirty="0" smtClean="0"/>
-              <a:t> </a:t>
-            </a:r>
-            <a:r>
-              <a:rPr lang="en-US" dirty="0" err="1" smtClean="0"/>
-              <a:t>để</a:t>
-            </a:r>
-            <a:r>
-              <a:rPr lang="en-US" dirty="0" smtClean="0"/>
-              <a:t> </a:t>
-            </a:r>
-            <a:r>
-              <a:rPr lang="en-US" dirty="0" err="1" smtClean="0"/>
-              <a:t>thành</a:t>
-            </a:r>
-            <a:r>
-              <a:rPr lang="en-US" dirty="0" smtClean="0"/>
-              <a:t> </a:t>
-            </a:r>
-            <a:r>
-              <a:rPr lang="en-US" dirty="0" err="1" smtClean="0"/>
-              <a:t>lập</a:t>
-            </a:r>
-            <a:r>
-              <a:rPr lang="en-US" dirty="0" smtClean="0"/>
-              <a:t> </a:t>
-            </a:r>
-            <a:r>
-              <a:rPr lang="en-US" dirty="0" err="1" smtClean="0"/>
-              <a:t>một</a:t>
-            </a:r>
-            <a:r>
-              <a:rPr lang="en-US" dirty="0" smtClean="0"/>
-              <a:t> website </a:t>
-            </a:r>
-            <a:r>
-              <a:rPr lang="en-US" dirty="0" err="1" smtClean="0"/>
-              <a:t>bán</a:t>
-            </a:r>
-            <a:r>
-              <a:rPr lang="en-US" dirty="0" smtClean="0"/>
-              <a:t> </a:t>
-            </a:r>
-            <a:r>
-              <a:rPr lang="en-US" dirty="0" err="1" smtClean="0"/>
-              <a:t>hàng</a:t>
-            </a:r>
-            <a:r>
-              <a:rPr lang="en-US" dirty="0" smtClean="0"/>
-              <a:t> </a:t>
-            </a:r>
-            <a:r>
-              <a:rPr lang="en-US" dirty="0" err="1" smtClean="0"/>
-              <a:t>tốn</a:t>
-            </a:r>
-            <a:r>
-              <a:rPr lang="en-US" dirty="0" smtClean="0"/>
-              <a:t> </a:t>
-            </a:r>
-            <a:r>
-              <a:rPr lang="en-US" dirty="0" err="1" smtClean="0"/>
-              <a:t>kém</a:t>
-            </a:r>
-            <a:r>
-              <a:rPr lang="en-US" dirty="0" smtClean="0"/>
-              <a:t>.</a:t>
+            <a:r>
+              <a:rPr lang="vi-VN" smtClean="0"/>
+              <a:t>Action:</a:t>
+            </a:r>
+            <a:r>
+              <a:rPr lang="en-US">
+                <a:latin typeface="Arial" pitchFamily="34" charset="0"/>
+                <a:cs typeface="Arial" pitchFamily="34" charset="0"/>
+              </a:rPr>
+              <a:t> Mọi </a:t>
+            </a:r>
+            <a:r>
+              <a:rPr lang="en-US" smtClean="0">
+                <a:latin typeface="Arial" pitchFamily="34" charset="0"/>
+                <a:cs typeface="Arial" pitchFamily="34" charset="0"/>
+              </a:rPr>
+              <a:t>request gửi đến ứng </a:t>
+            </a:r>
+            <a:r>
+              <a:rPr lang="en-US">
+                <a:latin typeface="Arial" pitchFamily="34" charset="0"/>
+                <a:cs typeface="Arial" pitchFamily="34" charset="0"/>
+              </a:rPr>
+              <a:t>dụng thực thi đều quy cho một Action</a:t>
+            </a:r>
+            <a:r>
+              <a:rPr lang="vi-VN">
+                <a:latin typeface="Arial" pitchFamily="34" charset="0"/>
+                <a:cs typeface="Arial" pitchFamily="34" charset="0"/>
+              </a:rPr>
+              <a:t>, ví dụ </a:t>
+            </a:r>
+            <a:r>
+              <a:rPr lang="en-US">
+                <a:latin typeface="Arial" pitchFamily="34" charset="0"/>
+                <a:cs typeface="Arial" pitchFamily="34" charset="0"/>
+              </a:rPr>
+              <a:t>hiển thị một form Login</a:t>
+            </a:r>
+            <a:r>
+              <a:rPr lang="vi-VN">
+                <a:latin typeface="Arial" pitchFamily="34" charset="0"/>
+                <a:cs typeface="Arial" pitchFamily="34" charset="0"/>
+              </a:rPr>
+              <a:t>. Và phải có giá trị trả </a:t>
+            </a:r>
+            <a:r>
+              <a:rPr lang="vi-VN" smtClean="0">
+                <a:latin typeface="Arial" pitchFamily="34" charset="0"/>
+                <a:cs typeface="Arial" pitchFamily="34" charset="0"/>
+              </a:rPr>
+              <a:t>về từ Action đó</a:t>
+            </a:r>
+          </a:p>
+          <a:p>
+            <a:pPr lvl="1"/>
+            <a:r>
+              <a:rPr lang="vi-VN">
+                <a:latin typeface="Arial" pitchFamily="34" charset="0"/>
+                <a:cs typeface="Arial" pitchFamily="34" charset="0"/>
+              </a:rPr>
+              <a:t>Action là một class Java bình thường, có phương thức và thuộc </a:t>
+            </a:r>
+            <a:r>
+              <a:rPr lang="vi-VN" smtClean="0">
+                <a:latin typeface="Arial" pitchFamily="34" charset="0"/>
+                <a:cs typeface="Arial" pitchFamily="34" charset="0"/>
+              </a:rPr>
+              <a:t>tính (phải có get và set).</a:t>
+            </a:r>
+          </a:p>
+          <a:p>
+            <a:pPr lvl="1"/>
+            <a:r>
+              <a:rPr lang="vi-VN" smtClean="0">
+                <a:latin typeface="Arial" pitchFamily="34" charset="0"/>
+                <a:cs typeface="Arial" pitchFamily="34" charset="0"/>
+              </a:rPr>
+              <a:t>Action class phải có 1 hàm contructor không tham số.</a:t>
+            </a:r>
+          </a:p>
+          <a:p>
+            <a:pPr lvl="1"/>
+            <a:r>
+              <a:rPr lang="vi-VN" smtClean="0"/>
+              <a:t>Action class phải có ít nhất một phương thức được gọi để thực thi khi mà action đó được gọi.</a:t>
+            </a:r>
+          </a:p>
+          <a:p>
+            <a:pPr lvl="1"/>
+            <a:r>
+              <a:rPr lang="en-US"/>
+              <a:t>Một Action </a:t>
+            </a:r>
+            <a:r>
+              <a:rPr lang="en-US" smtClean="0"/>
+              <a:t>class có </a:t>
+            </a:r>
+            <a:r>
+              <a:rPr lang="en-US"/>
+              <a:t>thể có liên hệ với nhiều </a:t>
+            </a:r>
+            <a:r>
+              <a:rPr lang="en-US" smtClean="0"/>
+              <a:t>Action class</a:t>
+            </a:r>
+            <a:r>
+              <a:rPr lang="en-US" i="1" smtClean="0"/>
+              <a:t> </a:t>
+            </a:r>
+            <a:r>
+              <a:rPr lang="en-US" smtClean="0"/>
+              <a:t>khác.</a:t>
             </a:r>
           </a:p>
         </p:txBody>
@@ -10820,7 +14091,7 @@
     </p:spTree>
     <p:extLst>
       <p:ext uri="{BB962C8B-B14F-4D97-AF65-F5344CB8AC3E}">
-        <p14:creationId xmlns:p14="http://schemas.microsoft.com/office/powerpoint/2010/main" val="3475219954"/>
+        <p14:creationId xmlns:p14="http://schemas.microsoft.com/office/powerpoint/2010/main" val="509747751"/>
       </p:ext>
     </p:extLst>
   </p:cSld>
@@ -10870,10 +14141,10 @@
           <a:lstStyle/>
           <a:p>
             <a:r>
-              <a:rPr lang="en-US" sz="2800" dirty="0" smtClean="0"/>
-              <a:t>GIỚI THIỆU CHUNG</a:t>
-            </a:r>
-            <a:endParaRPr lang="en-US" sz="2800" dirty="0"/>
+              <a:rPr lang="vi-VN" noProof="1"/>
+              <a:t>I. Struts2 Framework</a:t>
+            </a:r>
+            <a:endParaRPr lang="vi-VN"/>
           </a:p>
         </p:txBody>
       </p:sp>
@@ -10887,14 +14158,19 @@
             <p:ph idx="1"/>
           </p:nvPr>
         </p:nvSpPr>
-        <p:spPr/>
+        <p:spPr>
+          <a:xfrm>
+            <a:off x="229604" y="1112557"/>
+            <a:ext cx="8524875" cy="4313238"/>
+          </a:xfrm>
+        </p:spPr>
         <p:txBody>
           <a:bodyPr/>
           <a:lstStyle/>
           <a:p>
             <a:r>
               <a:rPr lang="en-US" dirty="0" err="1" smtClean="0"/>
-              <a:t>Hệ</a:t>
+              <a:t>Ví</a:t>
             </a:r>
             <a:r>
               <a:rPr lang="en-US" dirty="0" smtClean="0"/>
@@ -10902,7 +14178,7 @@
             </a:r>
             <a:r>
               <a:rPr lang="en-US" dirty="0" err="1" smtClean="0"/>
-              <a:t>thống</a:t>
+              <a:t>dụ</a:t>
             </a:r>
             <a:r>
               <a:rPr lang="en-US" dirty="0" smtClean="0"/>
@@ -10910,7 +14186,7 @@
             </a:r>
             <a:r>
               <a:rPr lang="en-US" dirty="0" err="1" smtClean="0"/>
-              <a:t>UStore</a:t>
+              <a:t>về</a:t>
             </a:r>
             <a:r>
               <a:rPr lang="en-US" dirty="0" smtClean="0"/>
@@ -10918,268 +14194,600 @@
             </a:r>
             <a:r>
               <a:rPr lang="en-US" dirty="0" err="1" smtClean="0"/>
-              <a:t>có</a:t>
+              <a:t>một</a:t>
             </a:r>
             <a:r>
               <a:rPr lang="en-US" dirty="0" smtClean="0"/>
-              <a:t> </a:t>
-            </a:r>
-            <a:r>
-              <a:rPr lang="en-US" dirty="0" err="1" smtClean="0"/>
-              <a:t>các</a:t>
-            </a:r>
-            <a:r>
-              <a:rPr lang="en-US" dirty="0" smtClean="0"/>
-              <a:t> </a:t>
-            </a:r>
-            <a:r>
-              <a:rPr lang="en-US" dirty="0" err="1" smtClean="0"/>
-              <a:t>chức</a:t>
-            </a:r>
-            <a:r>
-              <a:rPr lang="en-US" dirty="0" smtClean="0"/>
-              <a:t> </a:t>
-            </a:r>
-            <a:r>
-              <a:rPr lang="en-US" dirty="0" err="1" smtClean="0"/>
-              <a:t>năng</a:t>
-            </a:r>
-            <a:r>
-              <a:rPr lang="en-US" dirty="0" smtClean="0"/>
-              <a:t> </a:t>
-            </a:r>
-            <a:r>
-              <a:rPr lang="en-US" dirty="0" err="1" smtClean="0"/>
-              <a:t>tương</a:t>
-            </a:r>
-            <a:r>
-              <a:rPr lang="en-US" dirty="0" smtClean="0"/>
-              <a:t> </a:t>
-            </a:r>
-            <a:r>
-              <a:rPr lang="en-US" dirty="0" err="1" smtClean="0"/>
-              <a:t>tự</a:t>
-            </a:r>
-            <a:r>
-              <a:rPr lang="en-US" dirty="0" smtClean="0"/>
-              <a:t> </a:t>
-            </a:r>
-            <a:r>
-              <a:rPr lang="en-US" dirty="0" err="1" smtClean="0"/>
-              <a:t>các</a:t>
-            </a:r>
-            <a:r>
-              <a:rPr lang="en-US" dirty="0" smtClean="0"/>
-              <a:t> website </a:t>
-            </a:r>
-            <a:r>
-              <a:rPr lang="en-US" dirty="0" err="1" smtClean="0"/>
-              <a:t>như</a:t>
-            </a:r>
-            <a:r>
-              <a:rPr lang="en-US" dirty="0" smtClean="0"/>
-              <a:t>: vatgia.com, 1001shoppings.com, vietco.com</a:t>
-            </a:r>
+              <a:t> class Action</a:t>
+            </a:r>
+          </a:p>
+          <a:p>
             <a:endParaRPr lang="en-US" dirty="0"/>
+          </a:p>
+          <a:p>
+            <a:pPr marL="0" indent="0">
+              <a:buNone/>
+            </a:pPr>
+            <a:endParaRPr lang="vi-VN" dirty="0"/>
           </a:p>
         </p:txBody>
       </p:sp>
-      <p:pic>
-        <p:nvPicPr>
-          <p:cNvPr id="1026" name="Picture 2"/>
-          <p:cNvPicPr>
-            <a:picLocks noChangeAspect="1" noChangeArrowheads="1"/>
-          </p:cNvPicPr>
+      <p:sp>
+        <p:nvSpPr>
+          <p:cNvPr id="4" name="TextBox 3"/>
+          <p:cNvSpPr txBox="1"/>
           <p:nvPr/>
-        </p:nvPicPr>
-        <p:blipFill>
-          <a:blip r:embed="rId2">
-            <a:extLst>
-              <a:ext uri="{28A0092B-C50C-407E-A947-70E740481C1C}">
-                <a14:useLocalDpi xmlns:a14="http://schemas.microsoft.com/office/drawing/2010/main" val="0"/>
-              </a:ext>
-            </a:extLst>
-          </a:blip>
-          <a:srcRect/>
-          <a:stretch>
-            <a:fillRect/>
-          </a:stretch>
-        </p:blipFill>
-        <p:spPr bwMode="auto">
+        </p:nvSpPr>
+        <p:spPr>
           <a:xfrm>
-            <a:off x="0" y="1675556"/>
-            <a:ext cx="6220917" cy="4969084"/>
+            <a:off x="322730" y="1469274"/>
+            <a:ext cx="8296836" cy="4708981"/>
           </a:xfrm>
           <a:prstGeom prst="rect">
             <a:avLst/>
           </a:prstGeom>
           <a:noFill/>
-          <a:ln>
-            <a:noFill/>
+          <a:ln w="19050">
+            <a:solidFill>
+              <a:sysClr val="windowText" lastClr="000000"/>
+            </a:solidFill>
           </a:ln>
-          <a:effectLst/>
-          <a:extLst>
-            <a:ext uri="{909E8E84-426E-40DD-AFC4-6F175D3DCCD1}">
-              <a14:hiddenFill xmlns:a14="http://schemas.microsoft.com/office/drawing/2010/main">
-                <a:solidFill>
-                  <a:schemeClr val="accent1"/>
-                </a:solidFill>
-              </a14:hiddenFill>
-            </a:ext>
-            <a:ext uri="{91240B29-F687-4F45-9708-019B960494DF}">
-              <a14:hiddenLine xmlns:a14="http://schemas.microsoft.com/office/drawing/2010/main" w="9525">
-                <a:solidFill>
-                  <a:schemeClr val="tx1"/>
-                </a:solidFill>
-                <a:miter lim="800000"/>
-                <a:headEnd/>
-                <a:tailEnd/>
-              </a14:hiddenLine>
-            </a:ext>
-            <a:ext uri="{AF507438-7753-43E0-B8FC-AC1667EBCBE1}">
-              <a14:hiddenEffects xmlns:a14="http://schemas.microsoft.com/office/drawing/2010/main">
-                <a:effectLst>
-                  <a:outerShdw dist="35921" dir="2700000" algn="ctr" rotWithShape="0">
-                    <a:schemeClr val="bg2"/>
-                  </a:outerShdw>
-                </a:effectLst>
-              </a14:hiddenEffects>
-            </a:ext>
-          </a:extLst>
         </p:spPr>
-      </p:pic>
-      <p:pic>
-        <p:nvPicPr>
-          <p:cNvPr id="1027" name="Picture 3"/>
-          <p:cNvPicPr>
-            <a:picLocks noChangeAspect="1" noChangeArrowheads="1"/>
-          </p:cNvPicPr>
-          <p:nvPr/>
-        </p:nvPicPr>
-        <p:blipFill>
-          <a:blip r:embed="rId3">
-            <a:extLst>
-              <a:ext uri="{28A0092B-C50C-407E-A947-70E740481C1C}">
-                <a14:useLocalDpi xmlns:a14="http://schemas.microsoft.com/office/drawing/2010/main" val="0"/>
-              </a:ext>
-            </a:extLst>
-          </a:blip>
-          <a:srcRect/>
-          <a:stretch>
-            <a:fillRect/>
-          </a:stretch>
-        </p:blipFill>
-        <p:spPr bwMode="auto">
-          <a:xfrm>
-            <a:off x="807720" y="1675557"/>
-            <a:ext cx="6858000" cy="5182444"/>
-          </a:xfrm>
-          <a:prstGeom prst="rect">
-            <a:avLst/>
-          </a:prstGeom>
-          <a:noFill/>
-          <a:ln>
-            <a:noFill/>
-          </a:ln>
-          <a:effectLst/>
-          <a:extLst>
-            <a:ext uri="{909E8E84-426E-40DD-AFC4-6F175D3DCCD1}">
-              <a14:hiddenFill xmlns:a14="http://schemas.microsoft.com/office/drawing/2010/main">
-                <a:solidFill>
-                  <a:schemeClr val="accent1"/>
-                </a:solidFill>
-              </a14:hiddenFill>
-            </a:ext>
-            <a:ext uri="{91240B29-F687-4F45-9708-019B960494DF}">
-              <a14:hiddenLine xmlns:a14="http://schemas.microsoft.com/office/drawing/2010/main" w="9525">
-                <a:solidFill>
-                  <a:schemeClr val="tx1"/>
-                </a:solidFill>
-                <a:miter lim="800000"/>
-                <a:headEnd/>
-                <a:tailEnd/>
-              </a14:hiddenLine>
-            </a:ext>
-            <a:ext uri="{AF507438-7753-43E0-B8FC-AC1667EBCBE1}">
-              <a14:hiddenEffects xmlns:a14="http://schemas.microsoft.com/office/drawing/2010/main">
-                <a:effectLst>
-                  <a:outerShdw dist="35921" dir="2700000" algn="ctr" rotWithShape="0">
-                    <a:schemeClr val="bg2"/>
-                  </a:outerShdw>
-                </a:effectLst>
-              </a14:hiddenEffects>
-            </a:ext>
-          </a:extLst>
-        </p:spPr>
-      </p:pic>
-      <p:pic>
-        <p:nvPicPr>
-          <p:cNvPr id="1028" name="Picture 4"/>
-          <p:cNvPicPr>
-            <a:picLocks noChangeAspect="1" noChangeArrowheads="1"/>
-          </p:cNvPicPr>
-          <p:nvPr/>
-        </p:nvPicPr>
-        <p:blipFill>
-          <a:blip r:embed="rId4">
-            <a:extLst>
-              <a:ext uri="{28A0092B-C50C-407E-A947-70E740481C1C}">
-                <a14:useLocalDpi xmlns:a14="http://schemas.microsoft.com/office/drawing/2010/main" val="0"/>
-              </a:ext>
-            </a:extLst>
-          </a:blip>
-          <a:srcRect/>
-          <a:stretch>
-            <a:fillRect/>
-          </a:stretch>
-        </p:blipFill>
-        <p:spPr bwMode="auto">
-          <a:xfrm>
-            <a:off x="2712720" y="1341120"/>
-            <a:ext cx="6294120" cy="5090160"/>
-          </a:xfrm>
-          <a:prstGeom prst="rect">
-            <a:avLst/>
-          </a:prstGeom>
-          <a:noFill/>
-          <a:ln>
-            <a:noFill/>
-          </a:ln>
-          <a:effectLst/>
-          <a:extLst>
-            <a:ext uri="{909E8E84-426E-40DD-AFC4-6F175D3DCCD1}">
-              <a14:hiddenFill xmlns:a14="http://schemas.microsoft.com/office/drawing/2010/main">
-                <a:solidFill>
-                  <a:schemeClr val="accent1"/>
-                </a:solidFill>
-              </a14:hiddenFill>
-            </a:ext>
-            <a:ext uri="{91240B29-F687-4F45-9708-019B960494DF}">
-              <a14:hiddenLine xmlns:a14="http://schemas.microsoft.com/office/drawing/2010/main" w="9525">
-                <a:solidFill>
-                  <a:schemeClr val="tx1"/>
-                </a:solidFill>
-                <a:miter lim="800000"/>
-                <a:headEnd/>
-                <a:tailEnd/>
-              </a14:hiddenLine>
-            </a:ext>
-            <a:ext uri="{AF507438-7753-43E0-B8FC-AC1667EBCBE1}">
-              <a14:hiddenEffects xmlns:a14="http://schemas.microsoft.com/office/drawing/2010/main">
-                <a:effectLst>
-                  <a:outerShdw dist="35921" dir="2700000" algn="ctr" rotWithShape="0">
-                    <a:schemeClr val="bg2"/>
-                  </a:outerShdw>
-                </a:effectLst>
-              </a14:hiddenEffects>
-            </a:ext>
-          </a:extLst>
-        </p:spPr>
-      </p:pic>
+        <p:txBody>
+          <a:bodyPr wrap="square" rtlCol="0">
+            <a:spAutoFit/>
+          </a:bodyPr>
+          <a:lstStyle/>
+          <a:p>
+            <a:r>
+              <a:rPr lang="en-US" sz="1200" b="1" dirty="0">
+                <a:latin typeface="Courier New" pitchFamily="49" charset="0"/>
+                <a:cs typeface="Courier New" pitchFamily="49" charset="0"/>
+              </a:rPr>
+              <a:t>public class </a:t>
+            </a:r>
+            <a:r>
+              <a:rPr lang="en-US" sz="1200" b="1" dirty="0" err="1">
+                <a:latin typeface="Courier New" pitchFamily="49" charset="0"/>
+                <a:cs typeface="Courier New" pitchFamily="49" charset="0"/>
+              </a:rPr>
+              <a:t>UserAction</a:t>
+            </a:r>
+            <a:r>
+              <a:rPr lang="en-US" sz="1200" b="1" dirty="0">
+                <a:latin typeface="Courier New" pitchFamily="49" charset="0"/>
+                <a:cs typeface="Courier New" pitchFamily="49" charset="0"/>
+              </a:rPr>
+              <a:t> extends </a:t>
+            </a:r>
+            <a:r>
+              <a:rPr lang="en-US" sz="1200" b="1" dirty="0" err="1">
+                <a:latin typeface="Courier New" pitchFamily="49" charset="0"/>
+                <a:cs typeface="Courier New" pitchFamily="49" charset="0"/>
+              </a:rPr>
+              <a:t>ActionSupport</a:t>
+            </a:r>
+            <a:r>
+              <a:rPr lang="en-US" sz="1200" b="1" dirty="0">
+                <a:latin typeface="Courier New" pitchFamily="49" charset="0"/>
+                <a:cs typeface="Courier New" pitchFamily="49" charset="0"/>
+              </a:rPr>
+              <a:t>{</a:t>
+            </a:r>
+          </a:p>
+          <a:p>
+            <a:pPr lvl="1"/>
+            <a:r>
+              <a:rPr lang="en-US" sz="1200" b="1" dirty="0" smtClean="0">
+                <a:latin typeface="Courier New" pitchFamily="49" charset="0"/>
+                <a:cs typeface="Courier New" pitchFamily="49" charset="0"/>
+              </a:rPr>
+              <a:t>private </a:t>
+            </a:r>
+            <a:r>
+              <a:rPr lang="en-US" sz="1200" b="1" dirty="0">
+                <a:latin typeface="Courier New" pitchFamily="49" charset="0"/>
+                <a:cs typeface="Courier New" pitchFamily="49" charset="0"/>
+              </a:rPr>
+              <a:t>User </a:t>
+            </a:r>
+            <a:r>
+              <a:rPr lang="en-US" sz="1200" b="1" dirty="0" err="1">
+                <a:latin typeface="Courier New" pitchFamily="49" charset="0"/>
+                <a:cs typeface="Courier New" pitchFamily="49" charset="0"/>
+              </a:rPr>
+              <a:t>user</a:t>
+            </a:r>
+            <a:r>
+              <a:rPr lang="en-US" sz="1200" b="1" dirty="0">
+                <a:latin typeface="Courier New" pitchFamily="49" charset="0"/>
+                <a:cs typeface="Courier New" pitchFamily="49" charset="0"/>
+              </a:rPr>
+              <a:t>;</a:t>
+            </a:r>
+          </a:p>
+          <a:p>
+            <a:pPr lvl="1"/>
+            <a:r>
+              <a:rPr lang="en-US" sz="1200" b="1" dirty="0">
+                <a:latin typeface="Courier New" pitchFamily="49" charset="0"/>
+                <a:cs typeface="Courier New" pitchFamily="49" charset="0"/>
+              </a:rPr>
+              <a:t>private List&lt;User&gt; </a:t>
+            </a:r>
+            <a:r>
+              <a:rPr lang="en-US" sz="1200" b="1" dirty="0" err="1">
+                <a:latin typeface="Courier New" pitchFamily="49" charset="0"/>
+                <a:cs typeface="Courier New" pitchFamily="49" charset="0"/>
+              </a:rPr>
+              <a:t>userList</a:t>
+            </a:r>
+            <a:r>
+              <a:rPr lang="en-US" sz="1200" b="1" dirty="0">
+                <a:latin typeface="Courier New" pitchFamily="49" charset="0"/>
+                <a:cs typeface="Courier New" pitchFamily="49" charset="0"/>
+              </a:rPr>
+              <a:t> = new </a:t>
+            </a:r>
+            <a:r>
+              <a:rPr lang="en-US" sz="1200" b="1" dirty="0" err="1">
+                <a:latin typeface="Courier New" pitchFamily="49" charset="0"/>
+                <a:cs typeface="Courier New" pitchFamily="49" charset="0"/>
+              </a:rPr>
+              <a:t>ArrayList</a:t>
+            </a:r>
+            <a:r>
+              <a:rPr lang="en-US" sz="1200" b="1" dirty="0">
+                <a:latin typeface="Courier New" pitchFamily="49" charset="0"/>
+                <a:cs typeface="Courier New" pitchFamily="49" charset="0"/>
+              </a:rPr>
+              <a:t>&lt;User&gt;();</a:t>
+            </a:r>
+          </a:p>
+          <a:p>
+            <a:pPr lvl="1"/>
+            <a:endParaRPr lang="en-US" sz="1200" dirty="0">
+              <a:latin typeface="Courier New" pitchFamily="49" charset="0"/>
+              <a:cs typeface="Courier New" pitchFamily="49" charset="0"/>
+            </a:endParaRPr>
+          </a:p>
+          <a:p>
+            <a:pPr lvl="1"/>
+            <a:r>
+              <a:rPr lang="en-US" sz="1200" b="1" dirty="0">
+                <a:latin typeface="Courier New" pitchFamily="49" charset="0"/>
+                <a:cs typeface="Courier New" pitchFamily="49" charset="0"/>
+              </a:rPr>
+              <a:t>public User </a:t>
+            </a:r>
+            <a:r>
+              <a:rPr lang="en-US" sz="1200" b="1" dirty="0" err="1">
+                <a:latin typeface="Courier New" pitchFamily="49" charset="0"/>
+                <a:cs typeface="Courier New" pitchFamily="49" charset="0"/>
+              </a:rPr>
+              <a:t>getUser</a:t>
+            </a:r>
+            <a:r>
+              <a:rPr lang="en-US" sz="1200" b="1" dirty="0">
+                <a:latin typeface="Courier New" pitchFamily="49" charset="0"/>
+                <a:cs typeface="Courier New" pitchFamily="49" charset="0"/>
+              </a:rPr>
+              <a:t>() {</a:t>
+            </a:r>
+          </a:p>
+          <a:p>
+            <a:pPr lvl="1"/>
+            <a:r>
+              <a:rPr lang="en-US" sz="1200" b="1" dirty="0" smtClean="0">
+                <a:latin typeface="Courier New" pitchFamily="49" charset="0"/>
+                <a:cs typeface="Courier New" pitchFamily="49" charset="0"/>
+              </a:rPr>
+              <a:t>	return </a:t>
+            </a:r>
+            <a:r>
+              <a:rPr lang="en-US" sz="1200" b="1" dirty="0">
+                <a:latin typeface="Courier New" pitchFamily="49" charset="0"/>
+                <a:cs typeface="Courier New" pitchFamily="49" charset="0"/>
+              </a:rPr>
+              <a:t>user;</a:t>
+            </a:r>
+          </a:p>
+          <a:p>
+            <a:pPr lvl="1"/>
+            <a:r>
+              <a:rPr lang="en-US" sz="1200" dirty="0">
+                <a:latin typeface="Courier New" pitchFamily="49" charset="0"/>
+                <a:cs typeface="Courier New" pitchFamily="49" charset="0"/>
+              </a:rPr>
+              <a:t>}</a:t>
+            </a:r>
+          </a:p>
+          <a:p>
+            <a:pPr lvl="1"/>
+            <a:r>
+              <a:rPr lang="en-US" sz="1200" b="1" dirty="0">
+                <a:latin typeface="Courier New" pitchFamily="49" charset="0"/>
+                <a:cs typeface="Courier New" pitchFamily="49" charset="0"/>
+              </a:rPr>
+              <a:t>public void </a:t>
+            </a:r>
+            <a:r>
+              <a:rPr lang="en-US" sz="1200" b="1" dirty="0" err="1">
+                <a:latin typeface="Courier New" pitchFamily="49" charset="0"/>
+                <a:cs typeface="Courier New" pitchFamily="49" charset="0"/>
+              </a:rPr>
+              <a:t>setUser</a:t>
+            </a:r>
+            <a:r>
+              <a:rPr lang="en-US" sz="1200" b="1" dirty="0">
+                <a:latin typeface="Courier New" pitchFamily="49" charset="0"/>
+                <a:cs typeface="Courier New" pitchFamily="49" charset="0"/>
+              </a:rPr>
+              <a:t>(User user) {</a:t>
+            </a:r>
+          </a:p>
+          <a:p>
+            <a:pPr lvl="1"/>
+            <a:r>
+              <a:rPr lang="en-US" sz="1200" b="1" dirty="0" smtClean="0">
+                <a:latin typeface="Courier New" pitchFamily="49" charset="0"/>
+                <a:cs typeface="Courier New" pitchFamily="49" charset="0"/>
+              </a:rPr>
+              <a:t>	</a:t>
+            </a:r>
+            <a:r>
+              <a:rPr lang="en-US" sz="1200" b="1" dirty="0" err="1" smtClean="0">
+                <a:latin typeface="Courier New" pitchFamily="49" charset="0"/>
+                <a:cs typeface="Courier New" pitchFamily="49" charset="0"/>
+              </a:rPr>
+              <a:t>this.user</a:t>
+            </a:r>
+            <a:r>
+              <a:rPr lang="en-US" sz="1200" b="1" dirty="0" smtClean="0">
+                <a:latin typeface="Courier New" pitchFamily="49" charset="0"/>
+                <a:cs typeface="Courier New" pitchFamily="49" charset="0"/>
+              </a:rPr>
+              <a:t> </a:t>
+            </a:r>
+            <a:r>
+              <a:rPr lang="en-US" sz="1200" b="1" dirty="0">
+                <a:latin typeface="Courier New" pitchFamily="49" charset="0"/>
+                <a:cs typeface="Courier New" pitchFamily="49" charset="0"/>
+              </a:rPr>
+              <a:t>= user;</a:t>
+            </a:r>
+          </a:p>
+          <a:p>
+            <a:pPr lvl="1"/>
+            <a:r>
+              <a:rPr lang="en-US" sz="1200" dirty="0">
+                <a:latin typeface="Courier New" pitchFamily="49" charset="0"/>
+                <a:cs typeface="Courier New" pitchFamily="49" charset="0"/>
+              </a:rPr>
+              <a:t>}</a:t>
+            </a:r>
+          </a:p>
+          <a:p>
+            <a:pPr lvl="1"/>
+            <a:r>
+              <a:rPr lang="en-US" sz="1200" b="1" dirty="0">
+                <a:latin typeface="Courier New" pitchFamily="49" charset="0"/>
+                <a:cs typeface="Courier New" pitchFamily="49" charset="0"/>
+              </a:rPr>
+              <a:t>public List&lt;User&gt; </a:t>
+            </a:r>
+            <a:r>
+              <a:rPr lang="en-US" sz="1200" b="1" dirty="0" err="1">
+                <a:latin typeface="Courier New" pitchFamily="49" charset="0"/>
+                <a:cs typeface="Courier New" pitchFamily="49" charset="0"/>
+              </a:rPr>
+              <a:t>getUserList</a:t>
+            </a:r>
+            <a:r>
+              <a:rPr lang="en-US" sz="1200" b="1" dirty="0">
+                <a:latin typeface="Courier New" pitchFamily="49" charset="0"/>
+                <a:cs typeface="Courier New" pitchFamily="49" charset="0"/>
+              </a:rPr>
+              <a:t>() {</a:t>
+            </a:r>
+          </a:p>
+          <a:p>
+            <a:pPr lvl="1"/>
+            <a:r>
+              <a:rPr lang="en-US" sz="1200" b="1" dirty="0" smtClean="0">
+                <a:latin typeface="Courier New" pitchFamily="49" charset="0"/>
+                <a:cs typeface="Courier New" pitchFamily="49" charset="0"/>
+              </a:rPr>
+              <a:t>	return </a:t>
+            </a:r>
+            <a:r>
+              <a:rPr lang="en-US" sz="1200" b="1" dirty="0" err="1">
+                <a:latin typeface="Courier New" pitchFamily="49" charset="0"/>
+                <a:cs typeface="Courier New" pitchFamily="49" charset="0"/>
+              </a:rPr>
+              <a:t>userList</a:t>
+            </a:r>
+            <a:r>
+              <a:rPr lang="en-US" sz="1200" b="1" dirty="0">
+                <a:latin typeface="Courier New" pitchFamily="49" charset="0"/>
+                <a:cs typeface="Courier New" pitchFamily="49" charset="0"/>
+              </a:rPr>
+              <a:t>;</a:t>
+            </a:r>
+          </a:p>
+          <a:p>
+            <a:pPr lvl="1"/>
+            <a:r>
+              <a:rPr lang="en-US" sz="1200" dirty="0">
+                <a:latin typeface="Courier New" pitchFamily="49" charset="0"/>
+                <a:cs typeface="Courier New" pitchFamily="49" charset="0"/>
+              </a:rPr>
+              <a:t>}</a:t>
+            </a:r>
+          </a:p>
+          <a:p>
+            <a:pPr lvl="1"/>
+            <a:r>
+              <a:rPr lang="en-US" sz="1200" b="1" dirty="0">
+                <a:latin typeface="Courier New" pitchFamily="49" charset="0"/>
+                <a:cs typeface="Courier New" pitchFamily="49" charset="0"/>
+              </a:rPr>
+              <a:t>public void </a:t>
+            </a:r>
+            <a:r>
+              <a:rPr lang="en-US" sz="1200" b="1" dirty="0" err="1">
+                <a:latin typeface="Courier New" pitchFamily="49" charset="0"/>
+                <a:cs typeface="Courier New" pitchFamily="49" charset="0"/>
+              </a:rPr>
+              <a:t>setUserList</a:t>
+            </a:r>
+            <a:r>
+              <a:rPr lang="en-US" sz="1200" b="1" dirty="0">
+                <a:latin typeface="Courier New" pitchFamily="49" charset="0"/>
+                <a:cs typeface="Courier New" pitchFamily="49" charset="0"/>
+              </a:rPr>
+              <a:t>(List&lt;User&gt; </a:t>
+            </a:r>
+            <a:r>
+              <a:rPr lang="en-US" sz="1200" b="1" dirty="0" err="1">
+                <a:latin typeface="Courier New" pitchFamily="49" charset="0"/>
+                <a:cs typeface="Courier New" pitchFamily="49" charset="0"/>
+              </a:rPr>
+              <a:t>userList</a:t>
+            </a:r>
+            <a:r>
+              <a:rPr lang="en-US" sz="1200" b="1" dirty="0">
+                <a:latin typeface="Courier New" pitchFamily="49" charset="0"/>
+                <a:cs typeface="Courier New" pitchFamily="49" charset="0"/>
+              </a:rPr>
+              <a:t>) {</a:t>
+            </a:r>
+          </a:p>
+          <a:p>
+            <a:pPr lvl="1"/>
+            <a:r>
+              <a:rPr lang="en-US" sz="1200" b="1" dirty="0" smtClean="0">
+                <a:latin typeface="Courier New" pitchFamily="49" charset="0"/>
+                <a:cs typeface="Courier New" pitchFamily="49" charset="0"/>
+              </a:rPr>
+              <a:t>	</a:t>
+            </a:r>
+            <a:r>
+              <a:rPr lang="en-US" sz="1200" b="1" dirty="0" err="1" smtClean="0">
+                <a:latin typeface="Courier New" pitchFamily="49" charset="0"/>
+                <a:cs typeface="Courier New" pitchFamily="49" charset="0"/>
+              </a:rPr>
+              <a:t>this.userList</a:t>
+            </a:r>
+            <a:r>
+              <a:rPr lang="en-US" sz="1200" b="1" dirty="0" smtClean="0">
+                <a:latin typeface="Courier New" pitchFamily="49" charset="0"/>
+                <a:cs typeface="Courier New" pitchFamily="49" charset="0"/>
+              </a:rPr>
+              <a:t> </a:t>
+            </a:r>
+            <a:r>
+              <a:rPr lang="en-US" sz="1200" b="1" dirty="0">
+                <a:latin typeface="Courier New" pitchFamily="49" charset="0"/>
+                <a:cs typeface="Courier New" pitchFamily="49" charset="0"/>
+              </a:rPr>
+              <a:t>= </a:t>
+            </a:r>
+            <a:r>
+              <a:rPr lang="en-US" sz="1200" b="1" dirty="0" err="1">
+                <a:latin typeface="Courier New" pitchFamily="49" charset="0"/>
+                <a:cs typeface="Courier New" pitchFamily="49" charset="0"/>
+              </a:rPr>
+              <a:t>userList</a:t>
+            </a:r>
+            <a:r>
+              <a:rPr lang="en-US" sz="1200" b="1" dirty="0">
+                <a:latin typeface="Courier New" pitchFamily="49" charset="0"/>
+                <a:cs typeface="Courier New" pitchFamily="49" charset="0"/>
+              </a:rPr>
+              <a:t>;</a:t>
+            </a:r>
+          </a:p>
+          <a:p>
+            <a:pPr lvl="1"/>
+            <a:r>
+              <a:rPr lang="en-US" sz="1200" dirty="0">
+                <a:latin typeface="Courier New" pitchFamily="49" charset="0"/>
+                <a:cs typeface="Courier New" pitchFamily="49" charset="0"/>
+              </a:rPr>
+              <a:t>}</a:t>
+            </a:r>
+          </a:p>
+          <a:p>
+            <a:pPr lvl="1"/>
+            <a:endParaRPr lang="en-US" sz="1200" dirty="0">
+              <a:latin typeface="Courier New" pitchFamily="49" charset="0"/>
+              <a:cs typeface="Courier New" pitchFamily="49" charset="0"/>
+            </a:endParaRPr>
+          </a:p>
+          <a:p>
+            <a:pPr lvl="1"/>
+            <a:r>
+              <a:rPr lang="en-US" sz="1200" b="1" dirty="0">
+                <a:latin typeface="Courier New" pitchFamily="49" charset="0"/>
+                <a:cs typeface="Courier New" pitchFamily="49" charset="0"/>
+              </a:rPr>
+              <a:t>public String login(){</a:t>
+            </a:r>
+          </a:p>
+          <a:p>
+            <a:pPr lvl="2"/>
+            <a:r>
+              <a:rPr lang="en-US" sz="1200" b="1" dirty="0">
+                <a:latin typeface="Courier New" pitchFamily="49" charset="0"/>
+                <a:cs typeface="Courier New" pitchFamily="49" charset="0"/>
+              </a:rPr>
+              <a:t>if(</a:t>
+            </a:r>
+            <a:r>
+              <a:rPr lang="en-US" sz="1200" b="1" dirty="0" err="1">
+                <a:latin typeface="Courier New" pitchFamily="49" charset="0"/>
+                <a:cs typeface="Courier New" pitchFamily="49" charset="0"/>
+              </a:rPr>
+              <a:t>getUser</a:t>
+            </a:r>
+            <a:r>
+              <a:rPr lang="en-US" sz="1200" b="1" dirty="0">
+                <a:latin typeface="Courier New" pitchFamily="49" charset="0"/>
+                <a:cs typeface="Courier New" pitchFamily="49" charset="0"/>
+              </a:rPr>
+              <a:t>().</a:t>
+            </a:r>
+            <a:r>
+              <a:rPr lang="en-US" sz="1200" b="1" dirty="0" err="1">
+                <a:latin typeface="Courier New" pitchFamily="49" charset="0"/>
+                <a:cs typeface="Courier New" pitchFamily="49" charset="0"/>
+              </a:rPr>
+              <a:t>getUserName</a:t>
+            </a:r>
+            <a:r>
+              <a:rPr lang="en-US" sz="1200" b="1" dirty="0">
+                <a:latin typeface="Courier New" pitchFamily="49" charset="0"/>
+                <a:cs typeface="Courier New" pitchFamily="49" charset="0"/>
+              </a:rPr>
+              <a:t>().equals("admin") &amp;&amp; </a:t>
+            </a:r>
+            <a:r>
+              <a:rPr lang="en-US" sz="1200" b="1" dirty="0">
+                <a:latin typeface="Courier New" pitchFamily="49" charset="0"/>
+                <a:cs typeface="Courier New" pitchFamily="49" charset="0"/>
+              </a:rPr>
+              <a:t> </a:t>
+            </a:r>
+            <a:r>
+              <a:rPr lang="en-US" sz="1200" b="1" dirty="0" smtClean="0">
+                <a:latin typeface="Courier New" pitchFamily="49" charset="0"/>
+                <a:cs typeface="Courier New" pitchFamily="49" charset="0"/>
+              </a:rPr>
+              <a:t>   </a:t>
+            </a:r>
+            <a:r>
+              <a:rPr lang="en-US" sz="1200" b="1" dirty="0" err="1" smtClean="0">
+                <a:latin typeface="Courier New" pitchFamily="49" charset="0"/>
+                <a:cs typeface="Courier New" pitchFamily="49" charset="0"/>
+              </a:rPr>
+              <a:t>getUser</a:t>
+            </a:r>
+            <a:r>
+              <a:rPr lang="en-US" sz="1200" b="1" dirty="0">
+                <a:latin typeface="Courier New" pitchFamily="49" charset="0"/>
+                <a:cs typeface="Courier New" pitchFamily="49" charset="0"/>
+              </a:rPr>
+              <a:t>().</a:t>
+            </a:r>
+            <a:r>
+              <a:rPr lang="en-US" sz="1200" b="1" dirty="0" err="1">
+                <a:latin typeface="Courier New" pitchFamily="49" charset="0"/>
+                <a:cs typeface="Courier New" pitchFamily="49" charset="0"/>
+              </a:rPr>
+              <a:t>getPassword</a:t>
+            </a:r>
+            <a:r>
+              <a:rPr lang="en-US" sz="1200" b="1" dirty="0">
+                <a:latin typeface="Courier New" pitchFamily="49" charset="0"/>
+                <a:cs typeface="Courier New" pitchFamily="49" charset="0"/>
+              </a:rPr>
+              <a:t>().equals("admin")){</a:t>
+            </a:r>
+          </a:p>
+          <a:p>
+            <a:pPr lvl="2"/>
+            <a:r>
+              <a:rPr lang="en-US" sz="1200" b="1" dirty="0" smtClean="0">
+                <a:latin typeface="Courier New" pitchFamily="49" charset="0"/>
+                <a:cs typeface="Courier New" pitchFamily="49" charset="0"/>
+              </a:rPr>
+              <a:t>	return </a:t>
+            </a:r>
+            <a:r>
+              <a:rPr lang="en-US" sz="1200" b="1" i="1" dirty="0">
+                <a:latin typeface="Courier New" pitchFamily="49" charset="0"/>
+                <a:cs typeface="Courier New" pitchFamily="49" charset="0"/>
+              </a:rPr>
+              <a:t>SUCCESS;</a:t>
+            </a:r>
+          </a:p>
+          <a:p>
+            <a:pPr lvl="2"/>
+            <a:r>
+              <a:rPr lang="en-US" sz="1200" dirty="0" smtClean="0">
+                <a:latin typeface="Courier New" pitchFamily="49" charset="0"/>
+                <a:cs typeface="Courier New" pitchFamily="49" charset="0"/>
+              </a:rPr>
+              <a:t>}</a:t>
+            </a:r>
+            <a:endParaRPr lang="en-US" sz="1200" dirty="0">
+              <a:latin typeface="Courier New" pitchFamily="49" charset="0"/>
+              <a:cs typeface="Courier New" pitchFamily="49" charset="0"/>
+            </a:endParaRPr>
+          </a:p>
+          <a:p>
+            <a:pPr lvl="1"/>
+            <a:r>
+              <a:rPr lang="en-US" sz="1200" b="1" dirty="0" smtClean="0">
+                <a:latin typeface="Courier New" pitchFamily="49" charset="0"/>
+                <a:cs typeface="Courier New" pitchFamily="49" charset="0"/>
+              </a:rPr>
+              <a:t>	return </a:t>
+            </a:r>
+            <a:r>
+              <a:rPr lang="en-US" sz="1200" b="1" i="1" dirty="0">
+                <a:latin typeface="Courier New" pitchFamily="49" charset="0"/>
+                <a:cs typeface="Courier New" pitchFamily="49" charset="0"/>
+              </a:rPr>
+              <a:t>ERROR;</a:t>
+            </a:r>
+          </a:p>
+          <a:p>
+            <a:pPr lvl="1"/>
+            <a:r>
+              <a:rPr lang="en-US" sz="1200" dirty="0">
+                <a:latin typeface="Courier New" pitchFamily="49" charset="0"/>
+                <a:cs typeface="Courier New" pitchFamily="49" charset="0"/>
+              </a:rPr>
+              <a:t>}</a:t>
+            </a:r>
+          </a:p>
+          <a:p>
+            <a:r>
+              <a:rPr lang="en-US" sz="1200" dirty="0">
+                <a:latin typeface="Courier New" pitchFamily="49" charset="0"/>
+                <a:cs typeface="Courier New" pitchFamily="49" charset="0"/>
+              </a:rPr>
+              <a:t>}</a:t>
+            </a:r>
+          </a:p>
+        </p:txBody>
+      </p:sp>
     </p:spTree>
     <p:extLst>
       <p:ext uri="{BB962C8B-B14F-4D97-AF65-F5344CB8AC3E}">
-        <p14:creationId xmlns:p14="http://schemas.microsoft.com/office/powerpoint/2010/main" val="477352734"/>
+        <p14:creationId xmlns:p14="http://schemas.microsoft.com/office/powerpoint/2010/main" val="2860333345"/>
       </p:ext>
     </p:extLst>
   </p:cSld>
@@ -11189,303 +14797,7 @@
   <p:timing>
     <p:tnLst>
       <p:par>
-        <p:cTn id="1" dur="indefinite" restart="never" nodeType="tmRoot">
-          <p:childTnLst>
-            <p:seq concurrent="1" nextAc="seek">
-              <p:cTn id="2" dur="indefinite" nodeType="mainSeq">
-                <p:childTnLst>
-                  <p:par>
-                    <p:cTn id="3" fill="hold">
-                      <p:stCondLst>
-                        <p:cond delay="indefinite"/>
-                      </p:stCondLst>
-                      <p:childTnLst>
-                        <p:par>
-                          <p:cTn id="4" fill="hold">
-                            <p:stCondLst>
-                              <p:cond delay="0"/>
-                            </p:stCondLst>
-                            <p:childTnLst>
-                              <p:par>
-                                <p:cTn id="5" presetID="2" presetClass="entr" presetSubtype="8" fill="hold" nodeType="clickEffect">
-                                  <p:stCondLst>
-                                    <p:cond delay="0"/>
-                                  </p:stCondLst>
-                                  <p:childTnLst>
-                                    <p:set>
-                                      <p:cBhvr>
-                                        <p:cTn id="6" dur="1" fill="hold">
-                                          <p:stCondLst>
-                                            <p:cond delay="0"/>
-                                          </p:stCondLst>
-                                        </p:cTn>
-                                        <p:tgtEl>
-                                          <p:spTgt spid="1026"/>
-                                        </p:tgtEl>
-                                        <p:attrNameLst>
-                                          <p:attrName>style.visibility</p:attrName>
-                                        </p:attrNameLst>
-                                      </p:cBhvr>
-                                      <p:to>
-                                        <p:strVal val="visible"/>
-                                      </p:to>
-                                    </p:set>
-                                    <p:anim calcmode="lin" valueType="num">
-                                      <p:cBhvr additive="base">
-                                        <p:cTn id="7" dur="500" fill="hold"/>
-                                        <p:tgtEl>
-                                          <p:spTgt spid="1026"/>
-                                        </p:tgtEl>
-                                        <p:attrNameLst>
-                                          <p:attrName>ppt_x</p:attrName>
-                                        </p:attrNameLst>
-                                      </p:cBhvr>
-                                      <p:tavLst>
-                                        <p:tav tm="0">
-                                          <p:val>
-                                            <p:strVal val="0-#ppt_w/2"/>
-                                          </p:val>
-                                        </p:tav>
-                                        <p:tav tm="100000">
-                                          <p:val>
-                                            <p:strVal val="#ppt_x"/>
-                                          </p:val>
-                                        </p:tav>
-                                      </p:tavLst>
-                                    </p:anim>
-                                    <p:anim calcmode="lin" valueType="num">
-                                      <p:cBhvr additive="base">
-                                        <p:cTn id="8" dur="500" fill="hold"/>
-                                        <p:tgtEl>
-                                          <p:spTgt spid="1026"/>
-                                        </p:tgtEl>
-                                        <p:attrNameLst>
-                                          <p:attrName>ppt_y</p:attrName>
-                                        </p:attrNameLst>
-                                      </p:cBhvr>
-                                      <p:tavLst>
-                                        <p:tav tm="0">
-                                          <p:val>
-                                            <p:strVal val="#ppt_y"/>
-                                          </p:val>
-                                        </p:tav>
-                                        <p:tav tm="100000">
-                                          <p:val>
-                                            <p:strVal val="#ppt_y"/>
-                                          </p:val>
-                                        </p:tav>
-                                      </p:tavLst>
-                                    </p:anim>
-                                  </p:childTnLst>
-                                </p:cTn>
-                              </p:par>
-                            </p:childTnLst>
-                          </p:cTn>
-                        </p:par>
-                      </p:childTnLst>
-                    </p:cTn>
-                  </p:par>
-                  <p:par>
-                    <p:cTn id="9" fill="hold">
-                      <p:stCondLst>
-                        <p:cond delay="indefinite"/>
-                      </p:stCondLst>
-                      <p:childTnLst>
-                        <p:par>
-                          <p:cTn id="10" fill="hold">
-                            <p:stCondLst>
-                              <p:cond delay="0"/>
-                            </p:stCondLst>
-                            <p:childTnLst>
-                              <p:par>
-                                <p:cTn id="11" presetID="2" presetClass="entr" presetSubtype="4" fill="hold" nodeType="clickEffect">
-                                  <p:stCondLst>
-                                    <p:cond delay="0"/>
-                                  </p:stCondLst>
-                                  <p:childTnLst>
-                                    <p:set>
-                                      <p:cBhvr>
-                                        <p:cTn id="12" dur="1" fill="hold">
-                                          <p:stCondLst>
-                                            <p:cond delay="0"/>
-                                          </p:stCondLst>
-                                        </p:cTn>
-                                        <p:tgtEl>
-                                          <p:spTgt spid="1027"/>
-                                        </p:tgtEl>
-                                        <p:attrNameLst>
-                                          <p:attrName>style.visibility</p:attrName>
-                                        </p:attrNameLst>
-                                      </p:cBhvr>
-                                      <p:to>
-                                        <p:strVal val="visible"/>
-                                      </p:to>
-                                    </p:set>
-                                    <p:anim calcmode="lin" valueType="num">
-                                      <p:cBhvr additive="base">
-                                        <p:cTn id="13" dur="500" fill="hold"/>
-                                        <p:tgtEl>
-                                          <p:spTgt spid="1027"/>
-                                        </p:tgtEl>
-                                        <p:attrNameLst>
-                                          <p:attrName>ppt_x</p:attrName>
-                                        </p:attrNameLst>
-                                      </p:cBhvr>
-                                      <p:tavLst>
-                                        <p:tav tm="0">
-                                          <p:val>
-                                            <p:strVal val="#ppt_x"/>
-                                          </p:val>
-                                        </p:tav>
-                                        <p:tav tm="100000">
-                                          <p:val>
-                                            <p:strVal val="#ppt_x"/>
-                                          </p:val>
-                                        </p:tav>
-                                      </p:tavLst>
-                                    </p:anim>
-                                    <p:anim calcmode="lin" valueType="num">
-                                      <p:cBhvr additive="base">
-                                        <p:cTn id="14" dur="500" fill="hold"/>
-                                        <p:tgtEl>
-                                          <p:spTgt spid="1027"/>
-                                        </p:tgtEl>
-                                        <p:attrNameLst>
-                                          <p:attrName>ppt_y</p:attrName>
-                                        </p:attrNameLst>
-                                      </p:cBhvr>
-                                      <p:tavLst>
-                                        <p:tav tm="0">
-                                          <p:val>
-                                            <p:strVal val="1+#ppt_h/2"/>
-                                          </p:val>
-                                        </p:tav>
-                                        <p:tav tm="100000">
-                                          <p:val>
-                                            <p:strVal val="#ppt_y"/>
-                                          </p:val>
-                                        </p:tav>
-                                      </p:tavLst>
-                                    </p:anim>
-                                  </p:childTnLst>
-                                </p:cTn>
-                              </p:par>
-                            </p:childTnLst>
-                          </p:cTn>
-                        </p:par>
-                      </p:childTnLst>
-                    </p:cTn>
-                  </p:par>
-                  <p:par>
-                    <p:cTn id="15" fill="hold">
-                      <p:stCondLst>
-                        <p:cond delay="indefinite"/>
-                      </p:stCondLst>
-                      <p:childTnLst>
-                        <p:par>
-                          <p:cTn id="16" fill="hold">
-                            <p:stCondLst>
-                              <p:cond delay="0"/>
-                            </p:stCondLst>
-                            <p:childTnLst>
-                              <p:par>
-                                <p:cTn id="17" presetID="2" presetClass="entr" presetSubtype="2" fill="hold" nodeType="clickEffect">
-                                  <p:stCondLst>
-                                    <p:cond delay="0"/>
-                                  </p:stCondLst>
-                                  <p:childTnLst>
-                                    <p:set>
-                                      <p:cBhvr>
-                                        <p:cTn id="18" dur="1" fill="hold">
-                                          <p:stCondLst>
-                                            <p:cond delay="0"/>
-                                          </p:stCondLst>
-                                        </p:cTn>
-                                        <p:tgtEl>
-                                          <p:spTgt spid="1028"/>
-                                        </p:tgtEl>
-                                        <p:attrNameLst>
-                                          <p:attrName>style.visibility</p:attrName>
-                                        </p:attrNameLst>
-                                      </p:cBhvr>
-                                      <p:to>
-                                        <p:strVal val="visible"/>
-                                      </p:to>
-                                    </p:set>
-                                    <p:anim calcmode="lin" valueType="num">
-                                      <p:cBhvr additive="base">
-                                        <p:cTn id="19" dur="500" fill="hold"/>
-                                        <p:tgtEl>
-                                          <p:spTgt spid="1028"/>
-                                        </p:tgtEl>
-                                        <p:attrNameLst>
-                                          <p:attrName>ppt_x</p:attrName>
-                                        </p:attrNameLst>
-                                      </p:cBhvr>
-                                      <p:tavLst>
-                                        <p:tav tm="0">
-                                          <p:val>
-                                            <p:strVal val="1+#ppt_w/2"/>
-                                          </p:val>
-                                        </p:tav>
-                                        <p:tav tm="100000">
-                                          <p:val>
-                                            <p:strVal val="#ppt_x"/>
-                                          </p:val>
-                                        </p:tav>
-                                      </p:tavLst>
-                                    </p:anim>
-                                    <p:anim calcmode="lin" valueType="num">
-                                      <p:cBhvr additive="base">
-                                        <p:cTn id="20" dur="500" fill="hold"/>
-                                        <p:tgtEl>
-                                          <p:spTgt spid="1028"/>
-                                        </p:tgtEl>
-                                        <p:attrNameLst>
-                                          <p:attrName>ppt_y</p:attrName>
-                                        </p:attrNameLst>
-                                      </p:cBhvr>
-                                      <p:tavLst>
-                                        <p:tav tm="0">
-                                          <p:val>
-                                            <p:strVal val="#ppt_y"/>
-                                          </p:val>
-                                        </p:tav>
-                                        <p:tav tm="100000">
-                                          <p:val>
-                                            <p:strVal val="#ppt_y"/>
-                                          </p:val>
-                                        </p:tav>
-                                      </p:tavLst>
-                                    </p:anim>
-                                  </p:childTnLst>
-                                </p:cTn>
-                              </p:par>
-                            </p:childTnLst>
-                          </p:cTn>
-                        </p:par>
-                      </p:childTnLst>
-                    </p:cTn>
-                  </p:par>
-                </p:childTnLst>
-              </p:cTn>
-              <p:prevCondLst>
-                <p:cond evt="onPrev" delay="0">
-                  <p:tgtEl>
-                    <p:sldTgt/>
-                  </p:tgtEl>
-                </p:cond>
-              </p:prevCondLst>
-              <p:nextCondLst>
-                <p:cond evt="onNext" delay="0">
-                  <p:tgtEl>
-                    <p:sldTgt/>
-                  </p:tgtEl>
-                </p:cond>
-              </p:nextCondLst>
-            </p:seq>
-          </p:childTnLst>
-        </p:cTn>
+        <p:cTn id="1" dur="indefinite" restart="never" nodeType="tmRoot"/>
       </p:par>
     </p:tnLst>
   </p:timing>
@@ -11525,10 +14837,10 @@
           <a:lstStyle/>
           <a:p>
             <a:r>
-              <a:rPr lang="en-US" sz="2800" dirty="0" smtClean="0"/>
-              <a:t>CÁC CHỨC NĂNG CHÍNH</a:t>
-            </a:r>
-            <a:endParaRPr lang="en-US" sz="2800" dirty="0"/>
+              <a:rPr lang="vi-VN" noProof="1"/>
+              <a:t>I. Struts2 Framework</a:t>
+            </a:r>
+            <a:endParaRPr lang="vi-VN"/>
           </a:p>
         </p:txBody>
       </p:sp>
@@ -11548,320 +14860,54 @@
           <a:lstStyle/>
           <a:p>
             <a:r>
-              <a:rPr lang="en-US" sz="2800" dirty="0" err="1" smtClean="0"/>
-              <a:t>Để</a:t>
-            </a:r>
-            <a:r>
-              <a:rPr lang="en-US" sz="2800" dirty="0" smtClean="0"/>
-              <a:t> </a:t>
-            </a:r>
-            <a:r>
-              <a:rPr lang="en-US" sz="2800" dirty="0" err="1" smtClean="0"/>
-              <a:t>đơn</a:t>
-            </a:r>
-            <a:r>
-              <a:rPr lang="en-US" sz="2800" dirty="0" smtClean="0"/>
-              <a:t> </a:t>
-            </a:r>
-            <a:r>
-              <a:rPr lang="en-US" sz="2800" dirty="0" err="1" smtClean="0"/>
-              <a:t>giản</a:t>
-            </a:r>
-            <a:r>
-              <a:rPr lang="en-US" sz="2800" dirty="0" smtClean="0"/>
-              <a:t> </a:t>
-            </a:r>
-            <a:r>
-              <a:rPr lang="en-US" sz="2800" dirty="0" err="1" smtClean="0"/>
-              <a:t>các</a:t>
-            </a:r>
-            <a:r>
-              <a:rPr lang="en-US" sz="2800" dirty="0" smtClean="0"/>
-              <a:t> </a:t>
-            </a:r>
-            <a:r>
-              <a:rPr lang="en-US" sz="2800" dirty="0" err="1" smtClean="0"/>
-              <a:t>chức</a:t>
-            </a:r>
-            <a:r>
-              <a:rPr lang="en-US" sz="2800" dirty="0" smtClean="0"/>
-              <a:t> </a:t>
-            </a:r>
-            <a:r>
-              <a:rPr lang="en-US" sz="2800" dirty="0" err="1" smtClean="0"/>
-              <a:t>năng</a:t>
-            </a:r>
-            <a:r>
-              <a:rPr lang="en-US" sz="2800" dirty="0" smtClean="0"/>
-              <a:t> </a:t>
-            </a:r>
-            <a:r>
-              <a:rPr lang="en-US" sz="2800" dirty="0" err="1" smtClean="0"/>
-              <a:t>sẽ</a:t>
-            </a:r>
-            <a:r>
-              <a:rPr lang="en-US" sz="2800" dirty="0" smtClean="0"/>
-              <a:t> </a:t>
-            </a:r>
-            <a:r>
-              <a:rPr lang="en-US" sz="2800" dirty="0" err="1" smtClean="0"/>
-              <a:t>được</a:t>
-            </a:r>
-            <a:r>
-              <a:rPr lang="en-US" sz="2800" dirty="0" smtClean="0"/>
-              <a:t> chia </a:t>
-            </a:r>
-            <a:r>
-              <a:rPr lang="en-US" sz="2800" dirty="0" err="1" smtClean="0"/>
-              <a:t>theo</a:t>
-            </a:r>
-            <a:r>
-              <a:rPr lang="en-US" sz="2800" dirty="0" smtClean="0"/>
-              <a:t> </a:t>
-            </a:r>
-            <a:r>
-              <a:rPr lang="en-US" sz="2800" dirty="0" err="1" smtClean="0"/>
-              <a:t>phân</a:t>
-            </a:r>
-            <a:r>
-              <a:rPr lang="en-US" sz="2800" dirty="0" smtClean="0"/>
-              <a:t> </a:t>
-            </a:r>
-            <a:r>
-              <a:rPr lang="en-US" sz="2800" dirty="0" err="1" smtClean="0"/>
-              <a:t>hệ</a:t>
-            </a:r>
-            <a:r>
-              <a:rPr lang="en-US" sz="2800" dirty="0" smtClean="0"/>
-              <a:t> </a:t>
-            </a:r>
-            <a:r>
-              <a:rPr lang="en-US" sz="2800" dirty="0" err="1" smtClean="0"/>
-              <a:t>người</a:t>
-            </a:r>
-            <a:r>
-              <a:rPr lang="en-US" sz="2800" dirty="0" smtClean="0"/>
-              <a:t> </a:t>
-            </a:r>
-            <a:r>
-              <a:rPr lang="en-US" sz="2800" dirty="0" err="1" smtClean="0"/>
-              <a:t>dùng</a:t>
-            </a:r>
-            <a:r>
-              <a:rPr lang="en-US" sz="2800" dirty="0" smtClean="0"/>
-              <a:t>.</a:t>
-            </a:r>
-          </a:p>
-          <a:p>
-            <a:r>
-              <a:rPr lang="en-US" sz="2800" dirty="0" err="1" smtClean="0"/>
-              <a:t>Hệ</a:t>
-            </a:r>
-            <a:r>
-              <a:rPr lang="en-US" sz="2800" dirty="0" smtClean="0"/>
-              <a:t> </a:t>
-            </a:r>
-            <a:r>
-              <a:rPr lang="en-US" sz="2800" dirty="0" err="1" smtClean="0"/>
-              <a:t>thống</a:t>
-            </a:r>
-            <a:r>
-              <a:rPr lang="en-US" sz="2800" dirty="0" smtClean="0"/>
-              <a:t> </a:t>
-            </a:r>
-            <a:r>
-              <a:rPr lang="en-US" sz="2800" dirty="0" err="1" smtClean="0"/>
-              <a:t>gồm</a:t>
-            </a:r>
-            <a:r>
-              <a:rPr lang="en-US" sz="2800" dirty="0" smtClean="0"/>
-              <a:t> </a:t>
-            </a:r>
-            <a:r>
-              <a:rPr lang="en-US" sz="2800" dirty="0" err="1" smtClean="0"/>
-              <a:t>có</a:t>
-            </a:r>
-            <a:r>
-              <a:rPr lang="en-US" sz="2800" dirty="0" smtClean="0"/>
-              <a:t> </a:t>
-            </a:r>
-            <a:r>
-              <a:rPr lang="en-US" sz="2800" dirty="0" err="1" smtClean="0"/>
-              <a:t>các</a:t>
-            </a:r>
-            <a:r>
-              <a:rPr lang="en-US" sz="2800" dirty="0" smtClean="0"/>
-              <a:t> </a:t>
-            </a:r>
-            <a:r>
-              <a:rPr lang="en-US" sz="2800" dirty="0" err="1" smtClean="0"/>
-              <a:t>phân</a:t>
-            </a:r>
-            <a:r>
-              <a:rPr lang="en-US" sz="2800" dirty="0" smtClean="0"/>
-              <a:t> </a:t>
-            </a:r>
-            <a:r>
-              <a:rPr lang="en-US" sz="2800" dirty="0" err="1" smtClean="0"/>
-              <a:t>hệ</a:t>
-            </a:r>
-            <a:r>
-              <a:rPr lang="en-US" sz="2800" dirty="0" smtClean="0"/>
-              <a:t> </a:t>
-            </a:r>
-            <a:r>
-              <a:rPr lang="en-US" sz="2800" dirty="0" err="1" smtClean="0"/>
-              <a:t>người</a:t>
-            </a:r>
-            <a:r>
-              <a:rPr lang="en-US" sz="2800" dirty="0" smtClean="0"/>
-              <a:t> </a:t>
-            </a:r>
-            <a:r>
-              <a:rPr lang="en-US" sz="2800" dirty="0" err="1" smtClean="0"/>
-              <a:t>dùng</a:t>
-            </a:r>
-            <a:r>
-              <a:rPr lang="en-US" sz="2800" dirty="0" smtClean="0"/>
-              <a:t> </a:t>
-            </a:r>
-            <a:r>
-              <a:rPr lang="en-US" sz="2800" dirty="0" err="1" smtClean="0"/>
-              <a:t>sau</a:t>
-            </a:r>
-            <a:r>
-              <a:rPr lang="en-US" sz="2800" dirty="0" smtClean="0"/>
-              <a:t>:</a:t>
+              <a:rPr lang="vi-VN" smtClean="0"/>
+              <a:t>Interceptor (bộ đánh chặn):</a:t>
             </a:r>
           </a:p>
           <a:p>
             <a:pPr lvl="1"/>
             <a:r>
-              <a:rPr lang="en-US" sz="2800" dirty="0" err="1" smtClean="0"/>
-              <a:t>Phân</a:t>
-            </a:r>
-            <a:r>
-              <a:rPr lang="en-US" sz="2800" dirty="0" smtClean="0"/>
-              <a:t> </a:t>
-            </a:r>
-            <a:r>
-              <a:rPr lang="en-US" sz="2800" dirty="0" err="1" smtClean="0"/>
-              <a:t>hệ</a:t>
-            </a:r>
-            <a:r>
-              <a:rPr lang="en-US" sz="2800" dirty="0" smtClean="0"/>
-              <a:t> Guest</a:t>
+              <a:rPr lang="vi-VN"/>
+              <a:t>Có Action cần kiểm tra dữ liệu nhập, có Action cần xử lý dữ liệu trước khi upload, hoặc chống double click submit... </a:t>
+            </a:r>
+            <a:r>
+              <a:rPr lang="vi-VN">
+                <a:sym typeface="Wingdings" pitchFamily="2" charset="2"/>
+              </a:rPr>
+              <a:t> Cần </a:t>
+            </a:r>
+            <a:r>
+              <a:rPr lang="vi-VN" smtClean="0">
+                <a:sym typeface="Wingdings" pitchFamily="2" charset="2"/>
+              </a:rPr>
+              <a:t>có cơ chế chặn và kiểm tra dữ liệu trước khi vào action và sau khi trả ra từ action</a:t>
             </a:r>
           </a:p>
           <a:p>
             <a:pPr lvl="1"/>
             <a:r>
-              <a:rPr lang="en-US" sz="2800" dirty="0" err="1" smtClean="0"/>
-              <a:t>Phân</a:t>
-            </a:r>
-            <a:r>
-              <a:rPr lang="en-US" sz="2800" dirty="0" smtClean="0"/>
-              <a:t> </a:t>
-            </a:r>
-            <a:r>
-              <a:rPr lang="en-US" sz="2800" dirty="0" err="1" smtClean="0"/>
-              <a:t>hệ</a:t>
-            </a:r>
-            <a:r>
-              <a:rPr lang="en-US" sz="2800" dirty="0" smtClean="0"/>
-              <a:t> Member </a:t>
-            </a:r>
-            <a:r>
-              <a:rPr lang="en-US" sz="2800" dirty="0" err="1" smtClean="0"/>
-              <a:t>thường</a:t>
-            </a:r>
-            <a:endParaRPr lang="en-US" sz="2800" dirty="0" smtClean="0"/>
+              <a:rPr lang="vi-VN" smtClean="0">
+                <a:sym typeface="Wingdings" pitchFamily="2" charset="2"/>
+              </a:rPr>
+              <a:t>Interceptor có trách nhiệm đánh chặn để kiểm tra hoặc xử lý trước và sau khi vào action.</a:t>
+            </a:r>
           </a:p>
           <a:p>
             <a:pPr lvl="1"/>
             <a:r>
-              <a:rPr lang="en-US" sz="2800" dirty="0" err="1" smtClean="0"/>
-              <a:t>Phân</a:t>
-            </a:r>
-            <a:r>
-              <a:rPr lang="en-US" sz="2800" dirty="0" smtClean="0"/>
-              <a:t> </a:t>
-            </a:r>
-            <a:r>
-              <a:rPr lang="en-US" sz="2800" dirty="0" err="1" smtClean="0"/>
-              <a:t>hệ</a:t>
-            </a:r>
-            <a:r>
-              <a:rPr lang="en-US" sz="2800" dirty="0" smtClean="0"/>
-              <a:t> Member </a:t>
-            </a:r>
-            <a:r>
-              <a:rPr lang="en-US" sz="2800" dirty="0" err="1" smtClean="0"/>
-              <a:t>chủ</a:t>
-            </a:r>
-            <a:r>
-              <a:rPr lang="en-US" sz="2800" dirty="0" smtClean="0"/>
-              <a:t> </a:t>
-            </a:r>
-            <a:r>
-              <a:rPr lang="en-US" sz="2800" dirty="0" err="1" smtClean="0"/>
-              <a:t>gian</a:t>
-            </a:r>
-            <a:r>
-              <a:rPr lang="en-US" sz="2800" dirty="0" smtClean="0"/>
-              <a:t> </a:t>
-            </a:r>
-            <a:r>
-              <a:rPr lang="en-US" sz="2800" dirty="0" err="1" smtClean="0"/>
-              <a:t>hàng</a:t>
-            </a:r>
-            <a:endParaRPr lang="en-US" sz="2800" dirty="0" smtClean="0"/>
-          </a:p>
-          <a:p>
-            <a:pPr lvl="1"/>
-            <a:r>
-              <a:rPr lang="en-US" sz="2800" dirty="0" err="1" smtClean="0"/>
-              <a:t>Phân</a:t>
-            </a:r>
-            <a:r>
-              <a:rPr lang="en-US" sz="2800" dirty="0" smtClean="0"/>
-              <a:t> </a:t>
-            </a:r>
-            <a:r>
-              <a:rPr lang="en-US" sz="2800" dirty="0" err="1" smtClean="0"/>
-              <a:t>hệ</a:t>
-            </a:r>
-            <a:r>
-              <a:rPr lang="en-US" sz="2800" dirty="0" smtClean="0"/>
-              <a:t> Mod</a:t>
-            </a:r>
-          </a:p>
-          <a:p>
-            <a:pPr lvl="1"/>
-            <a:r>
-              <a:rPr lang="en-US" sz="2800" dirty="0" err="1" smtClean="0"/>
-              <a:t>Phân</a:t>
-            </a:r>
-            <a:r>
-              <a:rPr lang="en-US" sz="2800" dirty="0" smtClean="0"/>
-              <a:t> </a:t>
-            </a:r>
-            <a:r>
-              <a:rPr lang="en-US" sz="2800" dirty="0" err="1" smtClean="0"/>
-              <a:t>hệ</a:t>
-            </a:r>
-            <a:r>
-              <a:rPr lang="en-US" sz="2800" dirty="0" smtClean="0"/>
-              <a:t> Admin</a:t>
-            </a:r>
-            <a:endParaRPr lang="en-US" sz="2800" dirty="0"/>
+              <a:rPr lang="vi-VN" smtClean="0">
+                <a:sym typeface="Wingdings" pitchFamily="2" charset="2"/>
+              </a:rPr>
+              <a:t>Interceptor được cấu hình trong một file xml.</a:t>
+            </a:r>
+            <a:endParaRPr lang="vi-VN"/>
           </a:p>
         </p:txBody>
       </p:sp>
     </p:spTree>
     <p:extLst>
       <p:ext uri="{BB962C8B-B14F-4D97-AF65-F5344CB8AC3E}">
-        <p14:creationId xmlns:p14="http://schemas.microsoft.com/office/powerpoint/2010/main" val="2864136626"/>
+        <p14:creationId xmlns:p14="http://schemas.microsoft.com/office/powerpoint/2010/main" val="3800299749"/>
       </p:ext>
     </p:extLst>
   </p:cSld>
@@ -11871,324 +14917,7 @@
   <p:timing>
     <p:tnLst>
       <p:par>
-        <p:cTn id="1" dur="indefinite" restart="never" nodeType="tmRoot">
-          <p:childTnLst>
-            <p:seq concurrent="1" nextAc="seek">
-              <p:cTn id="2" dur="indefinite" nodeType="mainSeq">
-                <p:childTnLst>
-                  <p:par>
-                    <p:cTn id="3" fill="hold">
-                      <p:stCondLst>
-                        <p:cond delay="indefinite"/>
-                      </p:stCondLst>
-                      <p:childTnLst>
-                        <p:par>
-                          <p:cTn id="4" fill="hold">
-                            <p:stCondLst>
-                              <p:cond delay="0"/>
-                            </p:stCondLst>
-                            <p:childTnLst>
-                              <p:par>
-                                <p:cTn id="5" presetID="1" presetClass="entr" presetSubtype="0" fill="hold" nodeType="clickEffect">
-                                  <p:stCondLst>
-                                    <p:cond delay="0"/>
-                                  </p:stCondLst>
-                                  <p:childTnLst>
-                                    <p:set>
-                                      <p:cBhvr>
-                                        <p:cTn id="6" dur="1" fill="hold">
-                                          <p:stCondLst>
-                                            <p:cond delay="0"/>
-                                          </p:stCondLst>
-                                        </p:cTn>
-                                        <p:tgtEl>
-                                          <p:spTgt spid="3">
-                                            <p:txEl>
-                                              <p:pRg st="1" end="1"/>
-                                            </p:txEl>
-                                          </p:spTgt>
-                                        </p:tgtEl>
-                                        <p:attrNameLst>
-                                          <p:attrName>style.visibility</p:attrName>
-                                        </p:attrNameLst>
-                                      </p:cBhvr>
-                                      <p:to>
-                                        <p:strVal val="visible"/>
-                                      </p:to>
-                                    </p:set>
-                                  </p:childTnLst>
-                                </p:cTn>
-                              </p:par>
-                            </p:childTnLst>
-                          </p:cTn>
-                        </p:par>
-                      </p:childTnLst>
-                    </p:cTn>
-                  </p:par>
-                  <p:par>
-                    <p:cTn id="7" fill="hold">
-                      <p:stCondLst>
-                        <p:cond delay="indefinite"/>
-                      </p:stCondLst>
-                      <p:childTnLst>
-                        <p:par>
-                          <p:cTn id="8" fill="hold">
-                            <p:stCondLst>
-                              <p:cond delay="0"/>
-                            </p:stCondLst>
-                            <p:childTnLst>
-                              <p:par>
-                                <p:cTn id="9" presetID="1" presetClass="entr" presetSubtype="0" fill="hold" nodeType="clickEffect">
-                                  <p:stCondLst>
-                                    <p:cond delay="0"/>
-                                  </p:stCondLst>
-                                  <p:childTnLst>
-                                    <p:set>
-                                      <p:cBhvr>
-                                        <p:cTn id="10" dur="1" fill="hold">
-                                          <p:stCondLst>
-                                            <p:cond delay="0"/>
-                                          </p:stCondLst>
-                                        </p:cTn>
-                                        <p:tgtEl>
-                                          <p:spTgt spid="3">
-                                            <p:txEl>
-                                              <p:pRg st="2" end="2"/>
-                                            </p:txEl>
-                                          </p:spTgt>
-                                        </p:tgtEl>
-                                        <p:attrNameLst>
-                                          <p:attrName>style.visibility</p:attrName>
-                                        </p:attrNameLst>
-                                      </p:cBhvr>
-                                      <p:to>
-                                        <p:strVal val="visible"/>
-                                      </p:to>
-                                    </p:set>
-                                  </p:childTnLst>
-                                </p:cTn>
-                              </p:par>
-                            </p:childTnLst>
-                          </p:cTn>
-                        </p:par>
-                      </p:childTnLst>
-                    </p:cTn>
-                  </p:par>
-                  <p:par>
-                    <p:cTn id="11" fill="hold">
-                      <p:stCondLst>
-                        <p:cond delay="indefinite"/>
-                      </p:stCondLst>
-                      <p:childTnLst>
-                        <p:par>
-                          <p:cTn id="12" fill="hold">
-                            <p:stCondLst>
-                              <p:cond delay="0"/>
-                            </p:stCondLst>
-                            <p:childTnLst>
-                              <p:par>
-                                <p:cTn id="13" presetID="1" presetClass="entr" presetSubtype="0" fill="hold" nodeType="clickEffect">
-                                  <p:stCondLst>
-                                    <p:cond delay="0"/>
-                                  </p:stCondLst>
-                                  <p:childTnLst>
-                                    <p:set>
-                                      <p:cBhvr>
-                                        <p:cTn id="14" dur="1" fill="hold">
-                                          <p:stCondLst>
-                                            <p:cond delay="0"/>
-                                          </p:stCondLst>
-                                        </p:cTn>
-                                        <p:tgtEl>
-                                          <p:spTgt spid="3">
-                                            <p:txEl>
-                                              <p:pRg st="3" end="3"/>
-                                            </p:txEl>
-                                          </p:spTgt>
-                                        </p:tgtEl>
-                                        <p:attrNameLst>
-                                          <p:attrName>style.visibility</p:attrName>
-                                        </p:attrNameLst>
-                                      </p:cBhvr>
-                                      <p:to>
-                                        <p:strVal val="visible"/>
-                                      </p:to>
-                                    </p:set>
-                                  </p:childTnLst>
-                                </p:cTn>
-                              </p:par>
-                            </p:childTnLst>
-                          </p:cTn>
-                        </p:par>
-                      </p:childTnLst>
-                    </p:cTn>
-                  </p:par>
-                  <p:par>
-                    <p:cTn id="15" fill="hold">
-                      <p:stCondLst>
-                        <p:cond delay="indefinite"/>
-                      </p:stCondLst>
-                      <p:childTnLst>
-                        <p:par>
-                          <p:cTn id="16" fill="hold">
-                            <p:stCondLst>
-                              <p:cond delay="0"/>
-                            </p:stCondLst>
-                            <p:childTnLst>
-                              <p:par>
-                                <p:cTn id="17" presetID="1" presetClass="entr" presetSubtype="0" fill="hold" nodeType="clickEffect">
-                                  <p:stCondLst>
-                                    <p:cond delay="0"/>
-                                  </p:stCondLst>
-                                  <p:childTnLst>
-                                    <p:set>
-                                      <p:cBhvr>
-                                        <p:cTn id="18" dur="1" fill="hold">
-                                          <p:stCondLst>
-                                            <p:cond delay="0"/>
-                                          </p:stCondLst>
-                                        </p:cTn>
-                                        <p:tgtEl>
-                                          <p:spTgt spid="3">
-                                            <p:txEl>
-                                              <p:pRg st="4" end="4"/>
-                                            </p:txEl>
-                                          </p:spTgt>
-                                        </p:tgtEl>
-                                        <p:attrNameLst>
-                                          <p:attrName>style.visibility</p:attrName>
-                                        </p:attrNameLst>
-                                      </p:cBhvr>
-                                      <p:to>
-                                        <p:strVal val="visible"/>
-                                      </p:to>
-                                    </p:set>
-                                  </p:childTnLst>
-                                </p:cTn>
-                              </p:par>
-                            </p:childTnLst>
-                          </p:cTn>
-                        </p:par>
-                      </p:childTnLst>
-                    </p:cTn>
-                  </p:par>
-                  <p:par>
-                    <p:cTn id="19" fill="hold">
-                      <p:stCondLst>
-                        <p:cond delay="indefinite"/>
-                      </p:stCondLst>
-                      <p:childTnLst>
-                        <p:par>
-                          <p:cTn id="20" fill="hold">
-                            <p:stCondLst>
-                              <p:cond delay="0"/>
-                            </p:stCondLst>
-                            <p:childTnLst>
-                              <p:par>
-                                <p:cTn id="21" presetID="1" presetClass="entr" presetSubtype="0" fill="hold" nodeType="clickEffect">
-                                  <p:stCondLst>
-                                    <p:cond delay="0"/>
-                                  </p:stCondLst>
-                                  <p:childTnLst>
-                                    <p:set>
-                                      <p:cBhvr>
-                                        <p:cTn id="22" dur="1" fill="hold">
-                                          <p:stCondLst>
-                                            <p:cond delay="0"/>
-                                          </p:stCondLst>
-                                        </p:cTn>
-                                        <p:tgtEl>
-                                          <p:spTgt spid="3">
-                                            <p:txEl>
-                                              <p:pRg st="5" end="5"/>
-                                            </p:txEl>
-                                          </p:spTgt>
-                                        </p:tgtEl>
-                                        <p:attrNameLst>
-                                          <p:attrName>style.visibility</p:attrName>
-                                        </p:attrNameLst>
-                                      </p:cBhvr>
-                                      <p:to>
-                                        <p:strVal val="visible"/>
-                                      </p:to>
-                                    </p:set>
-                                  </p:childTnLst>
-                                </p:cTn>
-                              </p:par>
-                            </p:childTnLst>
-                          </p:cTn>
-                        </p:par>
-                      </p:childTnLst>
-                    </p:cTn>
-                  </p:par>
-                  <p:par>
-                    <p:cTn id="23" fill="hold">
-                      <p:stCondLst>
-                        <p:cond delay="indefinite"/>
-                      </p:stCondLst>
-                      <p:childTnLst>
-                        <p:par>
-                          <p:cTn id="24" fill="hold">
-                            <p:stCondLst>
-                              <p:cond delay="0"/>
-                            </p:stCondLst>
-                            <p:childTnLst>
-                              <p:par>
-                                <p:cTn id="25" presetID="1" presetClass="entr" presetSubtype="0" fill="hold" nodeType="clickEffect">
-                                  <p:stCondLst>
-                                    <p:cond delay="0"/>
-                                  </p:stCondLst>
-                                  <p:childTnLst>
-                                    <p:set>
-                                      <p:cBhvr>
-                                        <p:cTn id="26" dur="1" fill="hold">
-                                          <p:stCondLst>
-                                            <p:cond delay="0"/>
-                                          </p:stCondLst>
-                                        </p:cTn>
-                                        <p:tgtEl>
-                                          <p:spTgt spid="3">
-                                            <p:txEl>
-                                              <p:pRg st="6" end="6"/>
-                                            </p:txEl>
-                                          </p:spTgt>
-                                        </p:tgtEl>
-                                        <p:attrNameLst>
-                                          <p:attrName>style.visibility</p:attrName>
-                                        </p:attrNameLst>
-                                      </p:cBhvr>
-                                      <p:to>
-                                        <p:strVal val="visible"/>
-                                      </p:to>
-                                    </p:set>
-                                  </p:childTnLst>
-                                </p:cTn>
-                              </p:par>
-                            </p:childTnLst>
-                          </p:cTn>
-                        </p:par>
-                      </p:childTnLst>
-                    </p:cTn>
-                  </p:par>
-                </p:childTnLst>
-              </p:cTn>
-              <p:prevCondLst>
-                <p:cond evt="onPrev" delay="0">
-                  <p:tgtEl>
-                    <p:sldTgt/>
-                  </p:tgtEl>
-                </p:cond>
-              </p:prevCondLst>
-              <p:nextCondLst>
-                <p:cond evt="onNext" delay="0">
-                  <p:tgtEl>
-                    <p:sldTgt/>
-                  </p:tgtEl>
-                </p:cond>
-              </p:nextCondLst>
-            </p:seq>
-          </p:childTnLst>
-        </p:cTn>
+        <p:cTn id="1" dur="indefinite" restart="never" nodeType="tmRoot"/>
       </p:par>
     </p:tnLst>
   </p:timing>
@@ -12228,10 +14957,10 @@
           <a:lstStyle/>
           <a:p>
             <a:r>
-              <a:rPr lang="en-US" dirty="0" smtClean="0"/>
-              <a:t>PHÂN HỆ GUEST</a:t>
-            </a:r>
-            <a:endParaRPr lang="en-US" dirty="0"/>
+              <a:rPr lang="vi-VN" noProof="1"/>
+              <a:t>I. Struts2 Framework</a:t>
+            </a:r>
+            <a:endParaRPr lang="vi-VN"/>
           </a:p>
         </p:txBody>
       </p:sp>
@@ -12251,200 +14980,323 @@
           <a:lstStyle/>
           <a:p>
             <a:r>
-              <a:rPr lang="en-US" sz="2800" dirty="0" err="1" smtClean="0"/>
-              <a:t>Đăng</a:t>
-            </a:r>
-            <a:r>
-              <a:rPr lang="en-US" sz="2800" dirty="0" smtClean="0"/>
-              <a:t> </a:t>
-            </a:r>
-            <a:r>
-              <a:rPr lang="en-US" sz="2800" dirty="0" err="1" smtClean="0"/>
-              <a:t>ký</a:t>
-            </a:r>
-            <a:r>
-              <a:rPr lang="en-US" sz="2800" dirty="0" smtClean="0"/>
-              <a:t>/ </a:t>
-            </a:r>
-            <a:r>
-              <a:rPr lang="en-US" sz="2800" dirty="0" err="1" smtClean="0"/>
-              <a:t>đăng</a:t>
-            </a:r>
-            <a:r>
-              <a:rPr lang="en-US" sz="2800" dirty="0" smtClean="0"/>
-              <a:t> </a:t>
-            </a:r>
-            <a:r>
-              <a:rPr lang="en-US" sz="2800" dirty="0" err="1" smtClean="0"/>
-              <a:t>nhập</a:t>
-            </a:r>
-            <a:endParaRPr lang="en-US" sz="2800" dirty="0" smtClean="0"/>
-          </a:p>
-          <a:p>
-            <a:r>
-              <a:rPr lang="en-US" sz="2800" dirty="0" err="1" smtClean="0"/>
-              <a:t>Tìm</a:t>
-            </a:r>
-            <a:r>
-              <a:rPr lang="en-US" sz="2800" dirty="0" smtClean="0"/>
-              <a:t> </a:t>
-            </a:r>
-            <a:r>
-              <a:rPr lang="en-US" sz="2800" dirty="0" err="1" smtClean="0"/>
-              <a:t>kiếm</a:t>
-            </a:r>
-            <a:r>
-              <a:rPr lang="en-US" sz="2800" dirty="0" smtClean="0"/>
-              <a:t> </a:t>
-            </a:r>
-            <a:r>
-              <a:rPr lang="en-US" sz="2800" dirty="0" err="1" smtClean="0"/>
-              <a:t>sản</a:t>
-            </a:r>
-            <a:r>
-              <a:rPr lang="en-US" sz="2800" dirty="0" smtClean="0"/>
-              <a:t> </a:t>
-            </a:r>
-            <a:r>
-              <a:rPr lang="en-US" sz="2800" dirty="0" err="1" smtClean="0"/>
-              <a:t>phẩm</a:t>
-            </a:r>
-            <a:endParaRPr lang="en-US" sz="2800" dirty="0"/>
+              <a:rPr lang="vi-VN" dirty="0" smtClean="0"/>
+              <a:t>- Ví dụ:</a:t>
+            </a:r>
+            <a:endParaRPr lang="vi-VN" dirty="0"/>
           </a:p>
         </p:txBody>
       </p:sp>
-      <p:pic>
-        <p:nvPicPr>
-          <p:cNvPr id="2050" name="Picture 2"/>
-          <p:cNvPicPr>
-            <a:picLocks noChangeAspect="1" noChangeArrowheads="1"/>
-          </p:cNvPicPr>
+      <p:sp>
+        <p:nvSpPr>
+          <p:cNvPr id="4" name="TextBox 3"/>
+          <p:cNvSpPr txBox="1"/>
           <p:nvPr/>
-        </p:nvPicPr>
-        <p:blipFill>
-          <a:blip r:embed="rId2">
-            <a:extLst>
-              <a:ext uri="{28A0092B-C50C-407E-A947-70E740481C1C}">
-                <a14:useLocalDpi xmlns:a14="http://schemas.microsoft.com/office/drawing/2010/main" val="0"/>
-              </a:ext>
-            </a:extLst>
-          </a:blip>
-          <a:srcRect/>
-          <a:stretch>
-            <a:fillRect/>
-          </a:stretch>
-        </p:blipFill>
-        <p:spPr bwMode="auto">
+        </p:nvSpPr>
+        <p:spPr>
           <a:xfrm>
-            <a:off x="322898" y="2773680"/>
-            <a:ext cx="5876925" cy="3657600"/>
+            <a:off x="510988" y="2113650"/>
+            <a:ext cx="8202705" cy="3416320"/>
           </a:xfrm>
           <a:prstGeom prst="rect">
             <a:avLst/>
           </a:prstGeom>
           <a:noFill/>
-          <a:ln>
-            <a:noFill/>
+          <a:ln w="19050">
+            <a:solidFill>
+              <a:sysClr val="windowText" lastClr="000000"/>
+            </a:solidFill>
           </a:ln>
-          <a:effectLst/>
-          <a:extLst>
-            <a:ext uri="{909E8E84-426E-40DD-AFC4-6F175D3DCCD1}">
-              <a14:hiddenFill xmlns:a14="http://schemas.microsoft.com/office/drawing/2010/main">
-                <a:solidFill>
-                  <a:schemeClr val="accent1"/>
-                </a:solidFill>
-              </a14:hiddenFill>
-            </a:ext>
-            <a:ext uri="{91240B29-F687-4F45-9708-019B960494DF}">
-              <a14:hiddenLine xmlns:a14="http://schemas.microsoft.com/office/drawing/2010/main" w="9525">
-                <a:solidFill>
-                  <a:schemeClr val="tx1"/>
-                </a:solidFill>
-                <a:miter lim="800000"/>
-                <a:headEnd/>
-                <a:tailEnd/>
-              </a14:hiddenLine>
-            </a:ext>
-            <a:ext uri="{AF507438-7753-43E0-B8FC-AC1667EBCBE1}">
-              <a14:hiddenEffects xmlns:a14="http://schemas.microsoft.com/office/drawing/2010/main">
-                <a:effectLst>
-                  <a:outerShdw dist="35921" dir="2700000" algn="ctr" rotWithShape="0">
-                    <a:schemeClr val="bg2"/>
-                  </a:outerShdw>
-                </a:effectLst>
-              </a14:hiddenEffects>
-            </a:ext>
-          </a:extLst>
         </p:spPr>
-      </p:pic>
-      <p:pic>
-        <p:nvPicPr>
-          <p:cNvPr id="2051" name="Picture 3"/>
-          <p:cNvPicPr>
-            <a:picLocks noChangeAspect="1" noChangeArrowheads="1"/>
-          </p:cNvPicPr>
-          <p:nvPr/>
-        </p:nvPicPr>
-        <p:blipFill>
-          <a:blip r:embed="rId3">
-            <a:extLst>
-              <a:ext uri="{28A0092B-C50C-407E-A947-70E740481C1C}">
-                <a14:useLocalDpi xmlns:a14="http://schemas.microsoft.com/office/drawing/2010/main" val="0"/>
-              </a:ext>
-            </a:extLst>
-          </a:blip>
-          <a:srcRect/>
-          <a:stretch>
-            <a:fillRect/>
-          </a:stretch>
-        </p:blipFill>
-        <p:spPr bwMode="auto">
-          <a:xfrm>
-            <a:off x="2794634" y="2560320"/>
-            <a:ext cx="6105525" cy="3657600"/>
-          </a:xfrm>
-          <a:prstGeom prst="rect">
-            <a:avLst/>
-          </a:prstGeom>
-          <a:noFill/>
-          <a:ln>
-            <a:noFill/>
-          </a:ln>
-          <a:effectLst/>
-          <a:extLst>
-            <a:ext uri="{909E8E84-426E-40DD-AFC4-6F175D3DCCD1}">
-              <a14:hiddenFill xmlns:a14="http://schemas.microsoft.com/office/drawing/2010/main">
-                <a:solidFill>
-                  <a:schemeClr val="accent1"/>
-                </a:solidFill>
-              </a14:hiddenFill>
-            </a:ext>
-            <a:ext uri="{91240B29-F687-4F45-9708-019B960494DF}">
-              <a14:hiddenLine xmlns:a14="http://schemas.microsoft.com/office/drawing/2010/main" w="9525">
-                <a:solidFill>
-                  <a:schemeClr val="tx1"/>
-                </a:solidFill>
-                <a:miter lim="800000"/>
-                <a:headEnd/>
-                <a:tailEnd/>
-              </a14:hiddenLine>
-            </a:ext>
-            <a:ext uri="{AF507438-7753-43E0-B8FC-AC1667EBCBE1}">
-              <a14:hiddenEffects xmlns:a14="http://schemas.microsoft.com/office/drawing/2010/main">
-                <a:effectLst>
-                  <a:outerShdw dist="35921" dir="2700000" algn="ctr" rotWithShape="0">
-                    <a:schemeClr val="bg2"/>
-                  </a:outerShdw>
-                </a:effectLst>
-              </a14:hiddenEffects>
-            </a:ext>
-          </a:extLst>
-        </p:spPr>
-      </p:pic>
+        <p:txBody>
+          <a:bodyPr wrap="square" rtlCol="0">
+            <a:spAutoFit/>
+          </a:bodyPr>
+          <a:lstStyle/>
+          <a:p>
+            <a:r>
+              <a:rPr lang="en-US" sz="1800" dirty="0">
+                <a:latin typeface="Courier New" pitchFamily="49" charset="0"/>
+                <a:cs typeface="Courier New" pitchFamily="49" charset="0"/>
+              </a:rPr>
+              <a:t>&lt;validators&gt;</a:t>
+            </a:r>
+          </a:p>
+          <a:p>
+            <a:pPr lvl="1"/>
+            <a:r>
+              <a:rPr lang="en-US" sz="1800" dirty="0">
+                <a:latin typeface="Courier New" pitchFamily="49" charset="0"/>
+                <a:cs typeface="Courier New" pitchFamily="49" charset="0"/>
+              </a:rPr>
+              <a:t>&lt;field name=</a:t>
+            </a:r>
+            <a:r>
+              <a:rPr lang="en-US" sz="1800" i="1" dirty="0">
+                <a:latin typeface="Courier New" pitchFamily="49" charset="0"/>
+                <a:cs typeface="Courier New" pitchFamily="49" charset="0"/>
+              </a:rPr>
+              <a:t>"</a:t>
+            </a:r>
+            <a:r>
+              <a:rPr lang="en-US" sz="1800" i="1" dirty="0" err="1">
+                <a:latin typeface="Courier New" pitchFamily="49" charset="0"/>
+                <a:cs typeface="Courier New" pitchFamily="49" charset="0"/>
+              </a:rPr>
+              <a:t>userName</a:t>
+            </a:r>
+            <a:r>
+              <a:rPr lang="en-US" sz="1800" i="1" dirty="0">
+                <a:latin typeface="Courier New" pitchFamily="49" charset="0"/>
+                <a:cs typeface="Courier New" pitchFamily="49" charset="0"/>
+              </a:rPr>
+              <a:t>"&gt;</a:t>
+            </a:r>
+          </a:p>
+          <a:p>
+            <a:pPr lvl="2"/>
+            <a:r>
+              <a:rPr lang="en-US" sz="1800" dirty="0">
+                <a:latin typeface="Courier New" pitchFamily="49" charset="0"/>
+                <a:cs typeface="Courier New" pitchFamily="49" charset="0"/>
+              </a:rPr>
+              <a:t>&lt;field-validator type=</a:t>
+            </a:r>
+            <a:r>
+              <a:rPr lang="en-US" sz="1800" i="1" dirty="0">
+                <a:latin typeface="Courier New" pitchFamily="49" charset="0"/>
+                <a:cs typeface="Courier New" pitchFamily="49" charset="0"/>
+              </a:rPr>
+              <a:t>"</a:t>
+            </a:r>
+            <a:r>
+              <a:rPr lang="en-US" sz="1800" i="1" dirty="0" err="1">
+                <a:latin typeface="Courier New" pitchFamily="49" charset="0"/>
+                <a:cs typeface="Courier New" pitchFamily="49" charset="0"/>
+              </a:rPr>
+              <a:t>requiredstring</a:t>
+            </a:r>
+            <a:r>
+              <a:rPr lang="en-US" sz="1800" i="1" dirty="0">
+                <a:latin typeface="Courier New" pitchFamily="49" charset="0"/>
+                <a:cs typeface="Courier New" pitchFamily="49" charset="0"/>
+              </a:rPr>
+              <a:t>"&gt;</a:t>
+            </a:r>
+          </a:p>
+          <a:p>
+            <a:pPr lvl="2"/>
+            <a:r>
+              <a:rPr lang="en-US" sz="1800" dirty="0" smtClean="0">
+                <a:latin typeface="Courier New" pitchFamily="49" charset="0"/>
+                <a:cs typeface="Courier New" pitchFamily="49" charset="0"/>
+              </a:rPr>
+              <a:t>	</a:t>
+            </a:r>
+            <a:r>
+              <a:rPr lang="vi-VN" sz="1800" dirty="0" smtClean="0">
+                <a:latin typeface="Courier New" pitchFamily="49" charset="0"/>
+                <a:cs typeface="Courier New" pitchFamily="49" charset="0"/>
+              </a:rPr>
+              <a:t>&lt;</a:t>
+            </a:r>
+            <a:r>
+              <a:rPr lang="vi-VN" sz="1800" dirty="0">
+                <a:latin typeface="Courier New" pitchFamily="49" charset="0"/>
+                <a:cs typeface="Courier New" pitchFamily="49" charset="0"/>
+              </a:rPr>
+              <a:t>message&gt;Phải nhập tên đăng nhập!&lt;/message&gt;</a:t>
+            </a:r>
+          </a:p>
+          <a:p>
+            <a:pPr lvl="2"/>
+            <a:r>
+              <a:rPr lang="en-US" sz="1800" dirty="0">
+                <a:latin typeface="Courier New" pitchFamily="49" charset="0"/>
+                <a:cs typeface="Courier New" pitchFamily="49" charset="0"/>
+              </a:rPr>
+              <a:t>&lt;/field-validator&gt;</a:t>
+            </a:r>
+          </a:p>
+          <a:p>
+            <a:pPr lvl="1"/>
+            <a:r>
+              <a:rPr lang="en-US" sz="1800" dirty="0">
+                <a:latin typeface="Courier New" pitchFamily="49" charset="0"/>
+                <a:cs typeface="Courier New" pitchFamily="49" charset="0"/>
+              </a:rPr>
+              <a:t>&lt;/field&gt;</a:t>
+            </a:r>
+          </a:p>
+          <a:p>
+            <a:pPr lvl="1"/>
+            <a:r>
+              <a:rPr lang="en-US" sz="1800" dirty="0">
+                <a:latin typeface="Courier New" pitchFamily="49" charset="0"/>
+                <a:cs typeface="Courier New" pitchFamily="49" charset="0"/>
+              </a:rPr>
+              <a:t>&lt;field name=</a:t>
+            </a:r>
+            <a:r>
+              <a:rPr lang="en-US" sz="1800" i="1" dirty="0">
+                <a:latin typeface="Courier New" pitchFamily="49" charset="0"/>
+                <a:cs typeface="Courier New" pitchFamily="49" charset="0"/>
+              </a:rPr>
+              <a:t>"password"&gt;</a:t>
+            </a:r>
+          </a:p>
+          <a:p>
+            <a:pPr lvl="2"/>
+            <a:r>
+              <a:rPr lang="en-US" sz="1800" dirty="0">
+                <a:latin typeface="Courier New" pitchFamily="49" charset="0"/>
+                <a:cs typeface="Courier New" pitchFamily="49" charset="0"/>
+              </a:rPr>
+              <a:t>&lt;field-validator type=</a:t>
+            </a:r>
+            <a:r>
+              <a:rPr lang="en-US" sz="1800" i="1" dirty="0">
+                <a:latin typeface="Courier New" pitchFamily="49" charset="0"/>
+                <a:cs typeface="Courier New" pitchFamily="49" charset="0"/>
+              </a:rPr>
+              <a:t>"</a:t>
+            </a:r>
+            <a:r>
+              <a:rPr lang="en-US" sz="1800" i="1" dirty="0" err="1">
+                <a:latin typeface="Courier New" pitchFamily="49" charset="0"/>
+                <a:cs typeface="Courier New" pitchFamily="49" charset="0"/>
+              </a:rPr>
+              <a:t>requiredstring</a:t>
+            </a:r>
+            <a:r>
+              <a:rPr lang="en-US" sz="1800" i="1" dirty="0">
+                <a:latin typeface="Courier New" pitchFamily="49" charset="0"/>
+                <a:cs typeface="Courier New" pitchFamily="49" charset="0"/>
+              </a:rPr>
+              <a:t>"&gt;</a:t>
+            </a:r>
+          </a:p>
+          <a:p>
+            <a:pPr lvl="2"/>
+            <a:r>
+              <a:rPr lang="en-US" sz="1800" dirty="0" smtClean="0">
+                <a:latin typeface="Courier New" pitchFamily="49" charset="0"/>
+                <a:cs typeface="Courier New" pitchFamily="49" charset="0"/>
+              </a:rPr>
+              <a:t>	&lt;</a:t>
+            </a:r>
+            <a:r>
+              <a:rPr lang="en-US" sz="1800" dirty="0">
+                <a:latin typeface="Courier New" pitchFamily="49" charset="0"/>
+                <a:cs typeface="Courier New" pitchFamily="49" charset="0"/>
+              </a:rPr>
+              <a:t>message&gt;</a:t>
+            </a:r>
+            <a:r>
+              <a:rPr lang="en-US" sz="1800" dirty="0" err="1">
+                <a:latin typeface="Courier New" pitchFamily="49" charset="0"/>
+                <a:cs typeface="Courier New" pitchFamily="49" charset="0"/>
+              </a:rPr>
+              <a:t>Phải</a:t>
+            </a:r>
+            <a:r>
+              <a:rPr lang="en-US" sz="1800" dirty="0">
+                <a:latin typeface="Courier New" pitchFamily="49" charset="0"/>
+                <a:cs typeface="Courier New" pitchFamily="49" charset="0"/>
+              </a:rPr>
+              <a:t> </a:t>
+            </a:r>
+            <a:r>
+              <a:rPr lang="en-US" sz="1800" dirty="0" err="1">
+                <a:latin typeface="Courier New" pitchFamily="49" charset="0"/>
+                <a:cs typeface="Courier New" pitchFamily="49" charset="0"/>
+              </a:rPr>
+              <a:t>nhập</a:t>
+            </a:r>
+            <a:r>
+              <a:rPr lang="en-US" sz="1800" dirty="0">
+                <a:latin typeface="Courier New" pitchFamily="49" charset="0"/>
+                <a:cs typeface="Courier New" pitchFamily="49" charset="0"/>
+              </a:rPr>
+              <a:t> </a:t>
+            </a:r>
+            <a:r>
+              <a:rPr lang="en-US" sz="1800" dirty="0" err="1">
+                <a:latin typeface="Courier New" pitchFamily="49" charset="0"/>
+                <a:cs typeface="Courier New" pitchFamily="49" charset="0"/>
+              </a:rPr>
+              <a:t>mật</a:t>
+            </a:r>
+            <a:r>
+              <a:rPr lang="en-US" sz="1800" dirty="0">
+                <a:latin typeface="Courier New" pitchFamily="49" charset="0"/>
+                <a:cs typeface="Courier New" pitchFamily="49" charset="0"/>
+              </a:rPr>
+              <a:t> </a:t>
+            </a:r>
+            <a:r>
+              <a:rPr lang="en-US" sz="1800" dirty="0" err="1">
+                <a:latin typeface="Courier New" pitchFamily="49" charset="0"/>
+                <a:cs typeface="Courier New" pitchFamily="49" charset="0"/>
+              </a:rPr>
+              <a:t>khẩu</a:t>
+            </a:r>
+            <a:r>
+              <a:rPr lang="en-US" sz="1800" dirty="0">
+                <a:latin typeface="Courier New" pitchFamily="49" charset="0"/>
+                <a:cs typeface="Courier New" pitchFamily="49" charset="0"/>
+              </a:rPr>
+              <a:t>!&lt;/message&gt;</a:t>
+            </a:r>
+          </a:p>
+          <a:p>
+            <a:pPr lvl="2"/>
+            <a:r>
+              <a:rPr lang="en-US" sz="1800" dirty="0">
+                <a:latin typeface="Courier New" pitchFamily="49" charset="0"/>
+                <a:cs typeface="Courier New" pitchFamily="49" charset="0"/>
+              </a:rPr>
+              <a:t>&lt;/field-validator&gt;</a:t>
+            </a:r>
+          </a:p>
+          <a:p>
+            <a:pPr lvl="1"/>
+            <a:r>
+              <a:rPr lang="en-US" sz="1800" dirty="0">
+                <a:latin typeface="Courier New" pitchFamily="49" charset="0"/>
+                <a:cs typeface="Courier New" pitchFamily="49" charset="0"/>
+              </a:rPr>
+              <a:t>&lt;/field&gt;</a:t>
+            </a:r>
+          </a:p>
+          <a:p>
+            <a:r>
+              <a:rPr lang="en-US" sz="1800" dirty="0">
+                <a:latin typeface="Courier New" pitchFamily="49" charset="0"/>
+                <a:cs typeface="Courier New" pitchFamily="49" charset="0"/>
+              </a:rPr>
+              <a:t>&lt;/validators&gt;</a:t>
+            </a:r>
+            <a:endParaRPr kumimoji="0" lang="vi-VN" sz="1800" b="0" i="0" u="none" strike="noStrike" kern="0" cap="none" spc="0" normalizeH="0" baseline="0" noProof="0" dirty="0" smtClean="0">
+              <a:ln>
+                <a:noFill/>
+              </a:ln>
+              <a:solidFill>
+                <a:sysClr val="windowText" lastClr="000000"/>
+              </a:solidFill>
+              <a:effectLst/>
+              <a:uLnTx/>
+              <a:uFillTx/>
+              <a:latin typeface="Courier New" pitchFamily="49" charset="0"/>
+              <a:cs typeface="Courier New" pitchFamily="49" charset="0"/>
+            </a:endParaRPr>
+          </a:p>
+        </p:txBody>
+      </p:sp>
     </p:spTree>
     <p:extLst>
       <p:ext uri="{BB962C8B-B14F-4D97-AF65-F5344CB8AC3E}">
-        <p14:creationId xmlns:p14="http://schemas.microsoft.com/office/powerpoint/2010/main" val="166329920"/>
+        <p14:creationId xmlns:p14="http://schemas.microsoft.com/office/powerpoint/2010/main" val="98106771"/>
       </p:ext>
     </p:extLst>
   </p:cSld>
@@ -12454,212 +15306,7 @@
   <p:timing>
     <p:tnLst>
       <p:par>
-        <p:cTn id="1" dur="indefinite" restart="never" nodeType="tmRoot">
-          <p:childTnLst>
-            <p:seq concurrent="1" nextAc="seek">
-              <p:cTn id="2" dur="indefinite" nodeType="mainSeq">
-                <p:childTnLst>
-                  <p:par>
-                    <p:cTn id="3" fill="hold">
-                      <p:stCondLst>
-                        <p:cond delay="indefinite"/>
-                      </p:stCondLst>
-                      <p:childTnLst>
-                        <p:par>
-                          <p:cTn id="4" fill="hold">
-                            <p:stCondLst>
-                              <p:cond delay="0"/>
-                            </p:stCondLst>
-                            <p:childTnLst>
-                              <p:par>
-                                <p:cTn id="5" presetID="2" presetClass="entr" presetSubtype="8" fill="hold" nodeType="clickEffect">
-                                  <p:stCondLst>
-                                    <p:cond delay="0"/>
-                                  </p:stCondLst>
-                                  <p:childTnLst>
-                                    <p:set>
-                                      <p:cBhvr>
-                                        <p:cTn id="6" dur="1" fill="hold">
-                                          <p:stCondLst>
-                                            <p:cond delay="0"/>
-                                          </p:stCondLst>
-                                        </p:cTn>
-                                        <p:tgtEl>
-                                          <p:spTgt spid="2050"/>
-                                        </p:tgtEl>
-                                        <p:attrNameLst>
-                                          <p:attrName>style.visibility</p:attrName>
-                                        </p:attrNameLst>
-                                      </p:cBhvr>
-                                      <p:to>
-                                        <p:strVal val="visible"/>
-                                      </p:to>
-                                    </p:set>
-                                    <p:anim calcmode="lin" valueType="num">
-                                      <p:cBhvr additive="base">
-                                        <p:cTn id="7" dur="500" fill="hold"/>
-                                        <p:tgtEl>
-                                          <p:spTgt spid="2050"/>
-                                        </p:tgtEl>
-                                        <p:attrNameLst>
-                                          <p:attrName>ppt_x</p:attrName>
-                                        </p:attrNameLst>
-                                      </p:cBhvr>
-                                      <p:tavLst>
-                                        <p:tav tm="0">
-                                          <p:val>
-                                            <p:strVal val="0-#ppt_w/2"/>
-                                          </p:val>
-                                        </p:tav>
-                                        <p:tav tm="100000">
-                                          <p:val>
-                                            <p:strVal val="#ppt_x"/>
-                                          </p:val>
-                                        </p:tav>
-                                      </p:tavLst>
-                                    </p:anim>
-                                    <p:anim calcmode="lin" valueType="num">
-                                      <p:cBhvr additive="base">
-                                        <p:cTn id="8" dur="500" fill="hold"/>
-                                        <p:tgtEl>
-                                          <p:spTgt spid="2050"/>
-                                        </p:tgtEl>
-                                        <p:attrNameLst>
-                                          <p:attrName>ppt_y</p:attrName>
-                                        </p:attrNameLst>
-                                      </p:cBhvr>
-                                      <p:tavLst>
-                                        <p:tav tm="0">
-                                          <p:val>
-                                            <p:strVal val="#ppt_y"/>
-                                          </p:val>
-                                        </p:tav>
-                                        <p:tav tm="100000">
-                                          <p:val>
-                                            <p:strVal val="#ppt_y"/>
-                                          </p:val>
-                                        </p:tav>
-                                      </p:tavLst>
-                                    </p:anim>
-                                  </p:childTnLst>
-                                </p:cTn>
-                              </p:par>
-                            </p:childTnLst>
-                          </p:cTn>
-                        </p:par>
-                      </p:childTnLst>
-                    </p:cTn>
-                  </p:par>
-                  <p:par>
-                    <p:cTn id="9" fill="hold">
-                      <p:stCondLst>
-                        <p:cond delay="indefinite"/>
-                      </p:stCondLst>
-                      <p:childTnLst>
-                        <p:par>
-                          <p:cTn id="10" fill="hold">
-                            <p:stCondLst>
-                              <p:cond delay="0"/>
-                            </p:stCondLst>
-                            <p:childTnLst>
-                              <p:par>
-                                <p:cTn id="11" presetID="2" presetClass="entr" presetSubtype="2" fill="hold" nodeType="clickEffect">
-                                  <p:stCondLst>
-                                    <p:cond delay="0"/>
-                                  </p:stCondLst>
-                                  <p:childTnLst>
-                                    <p:set>
-                                      <p:cBhvr>
-                                        <p:cTn id="12" dur="1" fill="hold">
-                                          <p:stCondLst>
-                                            <p:cond delay="0"/>
-                                          </p:stCondLst>
-                                        </p:cTn>
-                                        <p:tgtEl>
-                                          <p:spTgt spid="2051"/>
-                                        </p:tgtEl>
-                                        <p:attrNameLst>
-                                          <p:attrName>style.visibility</p:attrName>
-                                        </p:attrNameLst>
-                                      </p:cBhvr>
-                                      <p:to>
-                                        <p:strVal val="visible"/>
-                                      </p:to>
-                                    </p:set>
-                                    <p:anim calcmode="lin" valueType="num">
-                                      <p:cBhvr additive="base">
-                                        <p:cTn id="13" dur="500" fill="hold"/>
-                                        <p:tgtEl>
-                                          <p:spTgt spid="2051"/>
-                                        </p:tgtEl>
-                                        <p:attrNameLst>
-                                          <p:attrName>ppt_x</p:attrName>
-                                        </p:attrNameLst>
-                                      </p:cBhvr>
-                                      <p:tavLst>
-                                        <p:tav tm="0">
-                                          <p:val>
-                                            <p:strVal val="1+#ppt_w/2"/>
-                                          </p:val>
-                                        </p:tav>
-                                        <p:tav tm="100000">
-                                          <p:val>
-                                            <p:strVal val="#ppt_x"/>
-                                          </p:val>
-                                        </p:tav>
-                                      </p:tavLst>
-                                    </p:anim>
-                                    <p:anim calcmode="lin" valueType="num">
-                                      <p:cBhvr additive="base">
-                                        <p:cTn id="14" dur="500" fill="hold"/>
-                                        <p:tgtEl>
-                                          <p:spTgt spid="2051"/>
-                                        </p:tgtEl>
-                                        <p:attrNameLst>
-                                          <p:attrName>ppt_y</p:attrName>
-                                        </p:attrNameLst>
-                                      </p:cBhvr>
-                                      <p:tavLst>
-                                        <p:tav tm="0">
-                                          <p:val>
-                                            <p:strVal val="#ppt_y"/>
-                                          </p:val>
-                                        </p:tav>
-                                        <p:tav tm="100000">
-                                          <p:val>
-                                            <p:strVal val="#ppt_y"/>
-                                          </p:val>
-                                        </p:tav>
-                                      </p:tavLst>
-                                    </p:anim>
-                                  </p:childTnLst>
-                                </p:cTn>
-                              </p:par>
-                            </p:childTnLst>
-                          </p:cTn>
-                        </p:par>
-                      </p:childTnLst>
-                    </p:cTn>
-                  </p:par>
-                </p:childTnLst>
-              </p:cTn>
-              <p:prevCondLst>
-                <p:cond evt="onPrev" delay="0">
-                  <p:tgtEl>
-                    <p:sldTgt/>
-                  </p:tgtEl>
-                </p:cond>
-              </p:prevCondLst>
-              <p:nextCondLst>
-                <p:cond evt="onNext" delay="0">
-                  <p:tgtEl>
-                    <p:sldTgt/>
-                  </p:tgtEl>
-                </p:cond>
-              </p:nextCondLst>
-            </p:seq>
-          </p:childTnLst>
-        </p:cTn>
+        <p:cTn id="1" dur="indefinite" restart="never" nodeType="tmRoot"/>
       </p:par>
     </p:tnLst>
   </p:timing>
@@ -12699,10 +15346,10 @@
           <a:lstStyle/>
           <a:p>
             <a:r>
-              <a:rPr lang="en-US" dirty="0" smtClean="0"/>
-              <a:t>PHÂN HỆ GUEST</a:t>
-            </a:r>
-            <a:endParaRPr lang="en-US" dirty="0"/>
+              <a:rPr lang="vi-VN" noProof="1"/>
+              <a:t>I. Struts2 Framework</a:t>
+            </a:r>
+            <a:endParaRPr lang="vi-VN"/>
           </a:p>
         </p:txBody>
       </p:sp>
@@ -12722,185 +15369,95 @@
           <a:lstStyle/>
           <a:p>
             <a:r>
-              <a:rPr lang="en-US" sz="2800" dirty="0" err="1" smtClean="0"/>
-              <a:t>Xem</a:t>
-            </a:r>
-            <a:r>
-              <a:rPr lang="en-US" sz="2800" dirty="0" smtClean="0"/>
-              <a:t> </a:t>
-            </a:r>
-            <a:r>
-              <a:rPr lang="en-US" sz="2800" dirty="0" err="1" smtClean="0"/>
-              <a:t>danh</a:t>
-            </a:r>
-            <a:r>
-              <a:rPr lang="en-US" sz="2800" dirty="0" smtClean="0"/>
-              <a:t> </a:t>
-            </a:r>
-            <a:r>
-              <a:rPr lang="en-US" sz="2800" dirty="0" err="1" smtClean="0"/>
-              <a:t>sách</a:t>
-            </a:r>
-            <a:r>
-              <a:rPr lang="en-US" sz="2800" dirty="0" smtClean="0"/>
-              <a:t> </a:t>
-            </a:r>
-            <a:r>
-              <a:rPr lang="en-US" sz="2800" dirty="0" err="1" smtClean="0"/>
-              <a:t>các</a:t>
-            </a:r>
-            <a:r>
-              <a:rPr lang="en-US" sz="2800" dirty="0" smtClean="0"/>
-              <a:t> </a:t>
-            </a:r>
-            <a:r>
-              <a:rPr lang="en-US" sz="2800" dirty="0" err="1" smtClean="0"/>
-              <a:t>gian</a:t>
-            </a:r>
-            <a:r>
-              <a:rPr lang="en-US" sz="2800" dirty="0" smtClean="0"/>
-              <a:t> </a:t>
-            </a:r>
-            <a:r>
-              <a:rPr lang="en-US" sz="2800" dirty="0" err="1" smtClean="0"/>
-              <a:t>hàng</a:t>
-            </a:r>
-            <a:endParaRPr lang="en-US" sz="2800" dirty="0"/>
+              <a:rPr lang="vi-VN" smtClean="0"/>
+              <a:t>Result:</a:t>
+            </a:r>
+          </a:p>
+          <a:p>
+            <a:pPr lvl="1"/>
+            <a:r>
+              <a:rPr lang="vi-VN"/>
+              <a:t>Một Action trả về chuỗi String để biết result sau khi thực thi. Dựa vào result này file struts.xml sẽ thực hiện công </a:t>
+            </a:r>
+            <a:r>
+              <a:rPr lang="vi-VN" smtClean="0"/>
+              <a:t>việc tiếp theo.</a:t>
+            </a:r>
+          </a:p>
+          <a:p>
+            <a:pPr lvl="1"/>
+            <a:r>
+              <a:rPr lang="vi-VN"/>
+              <a:t>Ví dụ, </a:t>
+            </a:r>
+            <a:r>
+              <a:rPr lang="en-US">
+                <a:latin typeface="Arial" pitchFamily="34" charset="0"/>
+                <a:cs typeface="Arial" pitchFamily="34" charset="0"/>
+              </a:rPr>
+              <a:t>một phương thức trong Action trả về là Action.SUCCESS, trong struts.xml sẽ có thành phần result: &lt;result name="success"&gt; ... &lt;/</a:t>
+            </a:r>
+            <a:r>
+              <a:rPr lang="en-US" smtClean="0">
+                <a:latin typeface="Arial" pitchFamily="34" charset="0"/>
+                <a:cs typeface="Arial" pitchFamily="34" charset="0"/>
+              </a:rPr>
+              <a:t>result</a:t>
+            </a:r>
+            <a:r>
+              <a:rPr lang="vi-VN" smtClean="0">
+                <a:latin typeface="Arial" pitchFamily="34" charset="0"/>
+                <a:cs typeface="Arial" pitchFamily="34" charset="0"/>
+              </a:rPr>
+              <a:t>&gt;</a:t>
+            </a:r>
+          </a:p>
+          <a:p>
+            <a:pPr lvl="1" fontAlgn="auto">
+              <a:spcAft>
+                <a:spcPts val="0"/>
+              </a:spcAft>
+              <a:defRPr/>
+            </a:pPr>
+            <a:r>
+              <a:rPr lang="en-US"/>
+              <a:t>Một thẻ &lt;result&gt; có 2 thuộc tính name và type</a:t>
+            </a:r>
+          </a:p>
+          <a:p>
+            <a:pPr lvl="2" fontAlgn="auto">
+              <a:spcAft>
+                <a:spcPts val="0"/>
+              </a:spcAft>
+              <a:defRPr/>
+            </a:pPr>
+            <a:r>
+              <a:rPr lang="en-US"/>
+              <a:t>name: Tên của kết quả trả về mà phù hợp với kết quả trả về của phương thức action, mặc định là “SUCCESS”</a:t>
+            </a:r>
+          </a:p>
+          <a:p>
+            <a:pPr lvl="2" fontAlgn="auto">
+              <a:spcAft>
+                <a:spcPts val="0"/>
+              </a:spcAft>
+              <a:defRPr/>
+            </a:pPr>
+            <a:r>
+              <a:rPr lang="en-US"/>
+              <a:t>type: Kiểu của kết quả trả về tương ứng với kết quả trả về trong phương thức action, mặc định là “dispatcher”</a:t>
+            </a:r>
+            <a:endParaRPr lang="vi-VN"/>
+          </a:p>
+          <a:p>
+            <a:endParaRPr lang="vi-VN"/>
           </a:p>
         </p:txBody>
       </p:sp>
-      <p:pic>
-        <p:nvPicPr>
-          <p:cNvPr id="3074" name="Picture 2"/>
-          <p:cNvPicPr>
-            <a:picLocks noChangeAspect="1" noChangeArrowheads="1"/>
-          </p:cNvPicPr>
-          <p:nvPr/>
-        </p:nvPicPr>
-        <p:blipFill>
-          <a:blip r:embed="rId2">
-            <a:extLst>
-              <a:ext uri="{28A0092B-C50C-407E-A947-70E740481C1C}">
-                <a14:useLocalDpi xmlns:a14="http://schemas.microsoft.com/office/drawing/2010/main" val="0"/>
-              </a:ext>
-            </a:extLst>
-          </a:blip>
-          <a:srcRect/>
-          <a:stretch>
-            <a:fillRect/>
-          </a:stretch>
-        </p:blipFill>
-        <p:spPr bwMode="auto">
-          <a:xfrm>
-            <a:off x="258128" y="993458"/>
-            <a:ext cx="6372225" cy="5724525"/>
-          </a:xfrm>
-          <a:prstGeom prst="rect">
-            <a:avLst/>
-          </a:prstGeom>
-          <a:noFill/>
-          <a:ln>
-            <a:noFill/>
-          </a:ln>
-          <a:effectLst/>
-          <a:extLst>
-            <a:ext uri="{909E8E84-426E-40DD-AFC4-6F175D3DCCD1}">
-              <a14:hiddenFill xmlns:a14="http://schemas.microsoft.com/office/drawing/2010/main">
-                <a:solidFill>
-                  <a:schemeClr val="accent1"/>
-                </a:solidFill>
-              </a14:hiddenFill>
-            </a:ext>
-            <a:ext uri="{91240B29-F687-4F45-9708-019B960494DF}">
-              <a14:hiddenLine xmlns:a14="http://schemas.microsoft.com/office/drawing/2010/main" w="9525">
-                <a:solidFill>
-                  <a:schemeClr val="tx1"/>
-                </a:solidFill>
-                <a:miter lim="800000"/>
-                <a:headEnd/>
-                <a:tailEnd/>
-              </a14:hiddenLine>
-            </a:ext>
-            <a:ext uri="{AF507438-7753-43E0-B8FC-AC1667EBCBE1}">
-              <a14:hiddenEffects xmlns:a14="http://schemas.microsoft.com/office/drawing/2010/main">
-                <a:effectLst>
-                  <a:outerShdw dist="35921" dir="2700000" algn="ctr" rotWithShape="0">
-                    <a:schemeClr val="bg2"/>
-                  </a:outerShdw>
-                </a:effectLst>
-              </a14:hiddenEffects>
-            </a:ext>
-          </a:extLst>
-        </p:spPr>
-      </p:pic>
-      <p:pic>
-        <p:nvPicPr>
-          <p:cNvPr id="3075" name="Picture 3"/>
-          <p:cNvPicPr>
-            <a:picLocks noChangeAspect="1" noChangeArrowheads="1"/>
-          </p:cNvPicPr>
-          <p:nvPr/>
-        </p:nvPicPr>
-        <p:blipFill>
-          <a:blip r:embed="rId3">
-            <a:extLst>
-              <a:ext uri="{28A0092B-C50C-407E-A947-70E740481C1C}">
-                <a14:useLocalDpi xmlns:a14="http://schemas.microsoft.com/office/drawing/2010/main" val="0"/>
-              </a:ext>
-            </a:extLst>
-          </a:blip>
-          <a:srcRect/>
-          <a:stretch>
-            <a:fillRect/>
-          </a:stretch>
-        </p:blipFill>
-        <p:spPr bwMode="auto">
-          <a:xfrm>
-            <a:off x="1687830" y="1133475"/>
-            <a:ext cx="7181850" cy="5724525"/>
-          </a:xfrm>
-          <a:prstGeom prst="rect">
-            <a:avLst/>
-          </a:prstGeom>
-          <a:noFill/>
-          <a:ln>
-            <a:noFill/>
-          </a:ln>
-          <a:effectLst/>
-          <a:extLst>
-            <a:ext uri="{909E8E84-426E-40DD-AFC4-6F175D3DCCD1}">
-              <a14:hiddenFill xmlns:a14="http://schemas.microsoft.com/office/drawing/2010/main">
-                <a:solidFill>
-                  <a:schemeClr val="accent1"/>
-                </a:solidFill>
-              </a14:hiddenFill>
-            </a:ext>
-            <a:ext uri="{91240B29-F687-4F45-9708-019B960494DF}">
-              <a14:hiddenLine xmlns:a14="http://schemas.microsoft.com/office/drawing/2010/main" w="9525">
-                <a:solidFill>
-                  <a:schemeClr val="tx1"/>
-                </a:solidFill>
-                <a:miter lim="800000"/>
-                <a:headEnd/>
-                <a:tailEnd/>
-              </a14:hiddenLine>
-            </a:ext>
-            <a:ext uri="{AF507438-7753-43E0-B8FC-AC1667EBCBE1}">
-              <a14:hiddenEffects xmlns:a14="http://schemas.microsoft.com/office/drawing/2010/main">
-                <a:effectLst>
-                  <a:outerShdw dist="35921" dir="2700000" algn="ctr" rotWithShape="0">
-                    <a:schemeClr val="bg2"/>
-                  </a:outerShdw>
-                </a:effectLst>
-              </a14:hiddenEffects>
-            </a:ext>
-          </a:extLst>
-        </p:spPr>
-      </p:pic>
     </p:spTree>
     <p:extLst>
       <p:ext uri="{BB962C8B-B14F-4D97-AF65-F5344CB8AC3E}">
-        <p14:creationId xmlns:p14="http://schemas.microsoft.com/office/powerpoint/2010/main" val="3024515833"/>
+        <p14:creationId xmlns:p14="http://schemas.microsoft.com/office/powerpoint/2010/main" val="1572369919"/>
       </p:ext>
     </p:extLst>
   </p:cSld>
@@ -12910,205 +15467,7 @@
   <p:timing>
     <p:tnLst>
       <p:par>
-        <p:cTn id="1" dur="indefinite" restart="never" nodeType="tmRoot">
-          <p:childTnLst>
-            <p:seq concurrent="1" nextAc="seek">
-              <p:cTn id="2" dur="indefinite" nodeType="mainSeq">
-                <p:childTnLst>
-                  <p:par>
-                    <p:cTn id="3" fill="hold">
-                      <p:stCondLst>
-                        <p:cond delay="indefinite"/>
-                      </p:stCondLst>
-                      <p:childTnLst>
-                        <p:par>
-                          <p:cTn id="4" fill="hold">
-                            <p:stCondLst>
-                              <p:cond delay="0"/>
-                            </p:stCondLst>
-                            <p:childTnLst>
-                              <p:par>
-                                <p:cTn id="5" presetID="14" presetClass="entr" presetSubtype="10" fill="hold" nodeType="clickEffect">
-                                  <p:stCondLst>
-                                    <p:cond delay="0"/>
-                                  </p:stCondLst>
-                                  <p:childTnLst>
-                                    <p:set>
-                                      <p:cBhvr>
-                                        <p:cTn id="6" dur="1" fill="hold">
-                                          <p:stCondLst>
-                                            <p:cond delay="0"/>
-                                          </p:stCondLst>
-                                        </p:cTn>
-                                        <p:tgtEl>
-                                          <p:spTgt spid="3074"/>
-                                        </p:tgtEl>
-                                        <p:attrNameLst>
-                                          <p:attrName>style.visibility</p:attrName>
-                                        </p:attrNameLst>
-                                      </p:cBhvr>
-                                      <p:to>
-                                        <p:strVal val="visible"/>
-                                      </p:to>
-                                    </p:set>
-                                    <p:animEffect transition="in" filter="randombar(horizontal)">
-                                      <p:cBhvr>
-                                        <p:cTn id="7" dur="500"/>
-                                        <p:tgtEl>
-                                          <p:spTgt spid="3074"/>
-                                        </p:tgtEl>
-                                      </p:cBhvr>
-                                    </p:animEffect>
-                                  </p:childTnLst>
-                                </p:cTn>
-                              </p:par>
-                            </p:childTnLst>
-                          </p:cTn>
-                        </p:par>
-                      </p:childTnLst>
-                    </p:cTn>
-                  </p:par>
-                  <p:par>
-                    <p:cTn id="8" fill="hold">
-                      <p:stCondLst>
-                        <p:cond delay="indefinite"/>
-                      </p:stCondLst>
-                      <p:childTnLst>
-                        <p:par>
-                          <p:cTn id="9" fill="hold">
-                            <p:stCondLst>
-                              <p:cond delay="0"/>
-                            </p:stCondLst>
-                            <p:childTnLst>
-                              <p:par>
-                                <p:cTn id="10" presetID="31" presetClass="entr" presetSubtype="0" fill="hold" nodeType="clickEffect">
-                                  <p:stCondLst>
-                                    <p:cond delay="0"/>
-                                  </p:stCondLst>
-                                  <p:childTnLst>
-                                    <p:set>
-                                      <p:cBhvr>
-                                        <p:cTn id="11" dur="1" fill="hold">
-                                          <p:stCondLst>
-                                            <p:cond delay="0"/>
-                                          </p:stCondLst>
-                                        </p:cTn>
-                                        <p:tgtEl>
-                                          <p:spTgt spid="3075"/>
-                                        </p:tgtEl>
-                                        <p:attrNameLst>
-                                          <p:attrName>style.visibility</p:attrName>
-                                        </p:attrNameLst>
-                                      </p:cBhvr>
-                                      <p:to>
-                                        <p:strVal val="visible"/>
-                                      </p:to>
-                                    </p:set>
-                                    <p:anim calcmode="lin" valueType="num">
-                                      <p:cBhvr>
-                                        <p:cTn id="12" dur="1000" fill="hold"/>
-                                        <p:tgtEl>
-                                          <p:spTgt spid="3075"/>
-                                        </p:tgtEl>
-                                        <p:attrNameLst>
-                                          <p:attrName>ppt_w</p:attrName>
-                                        </p:attrNameLst>
-                                      </p:cBhvr>
-                                      <p:tavLst>
-                                        <p:tav tm="0">
-                                          <p:val>
-                                            <p:fltVal val="0"/>
-                                          </p:val>
-                                        </p:tav>
-                                        <p:tav tm="100000">
-                                          <p:val>
-                                            <p:strVal val="#ppt_w"/>
-                                          </p:val>
-                                        </p:tav>
-                                      </p:tavLst>
-                                    </p:anim>
-                                    <p:anim calcmode="lin" valueType="num">
-                                      <p:cBhvr>
-                                        <p:cTn id="13" dur="1000" fill="hold"/>
-                                        <p:tgtEl>
-                                          <p:spTgt spid="3075"/>
-                                        </p:tgtEl>
-                                        <p:attrNameLst>
-                                          <p:attrName>ppt_h</p:attrName>
-                                        </p:attrNameLst>
-                                      </p:cBhvr>
-                                      <p:tavLst>
-                                        <p:tav tm="0">
-                                          <p:val>
-                                            <p:fltVal val="0"/>
-                                          </p:val>
-                                        </p:tav>
-                                        <p:tav tm="100000">
-                                          <p:val>
-                                            <p:strVal val="#ppt_h"/>
-                                          </p:val>
-                                        </p:tav>
-                                      </p:tavLst>
-                                    </p:anim>
-                                    <p:anim calcmode="lin" valueType="num">
-                                      <p:cBhvr>
-                                        <p:cTn id="14" dur="1000" fill="hold"/>
-                                        <p:tgtEl>
-                                          <p:spTgt spid="3075"/>
-                                        </p:tgtEl>
-                                        <p:attrNameLst>
-                                          <p:attrName>style.rotation</p:attrName>
-                                        </p:attrNameLst>
-                                      </p:cBhvr>
-                                      <p:tavLst>
-                                        <p:tav tm="0">
-                                          <p:val>
-                                            <p:fltVal val="90"/>
-                                          </p:val>
-                                        </p:tav>
-                                        <p:tav tm="100000">
-                                          <p:val>
-                                            <p:fltVal val="0"/>
-                                          </p:val>
-                                        </p:tav>
-                                      </p:tavLst>
-                                    </p:anim>
-                                    <p:animEffect transition="in" filter="fade">
-                                      <p:cBhvr>
-                                        <p:cTn id="15" dur="1000"/>
-                                        <p:tgtEl>
-                                          <p:spTgt spid="3075"/>
-                                        </p:tgtEl>
-                                      </p:cBhvr>
-                                    </p:animEffect>
-                                  </p:childTnLst>
-                                </p:cTn>
-                              </p:par>
-                            </p:childTnLst>
-                          </p:cTn>
-                        </p:par>
-                      </p:childTnLst>
-                    </p:cTn>
-                  </p:par>
-                </p:childTnLst>
-              </p:cTn>
-              <p:prevCondLst>
-                <p:cond evt="onPrev" delay="0">
-                  <p:tgtEl>
-                    <p:sldTgt/>
-                  </p:tgtEl>
-                </p:cond>
-              </p:prevCondLst>
-              <p:nextCondLst>
-                <p:cond evt="onNext" delay="0">
-                  <p:tgtEl>
-                    <p:sldTgt/>
-                  </p:tgtEl>
-                </p:cond>
-              </p:nextCondLst>
-            </p:seq>
-          </p:childTnLst>
-        </p:cTn>
+        <p:cTn id="1" dur="indefinite" restart="never" nodeType="tmRoot"/>
       </p:par>
     </p:tnLst>
   </p:timing>

--- a/Reports/28-03-2011-Slide.pptx
+++ b/Reports/28-03-2011-Slide.pptx
@@ -5,10 +5,10 @@
     <p:sldMasterId id="2147483652" r:id="rId1"/>
   </p:sldMasterIdLst>
   <p:notesMasterIdLst>
-    <p:notesMasterId r:id="rId29"/>
+    <p:notesMasterId r:id="rId32"/>
   </p:notesMasterIdLst>
   <p:handoutMasterIdLst>
-    <p:handoutMasterId r:id="rId30"/>
+    <p:handoutMasterId r:id="rId33"/>
   </p:handoutMasterIdLst>
   <p:sldIdLst>
     <p:sldId id="287" r:id="rId2"/>
@@ -21,23 +21,26 @@
     <p:sldId id="293" r:id="rId9"/>
     <p:sldId id="294" r:id="rId10"/>
     <p:sldId id="295" r:id="rId11"/>
-    <p:sldId id="296" r:id="rId12"/>
-    <p:sldId id="297" r:id="rId13"/>
-    <p:sldId id="298" r:id="rId14"/>
-    <p:sldId id="299" r:id="rId15"/>
-    <p:sldId id="300" r:id="rId16"/>
-    <p:sldId id="301" r:id="rId17"/>
-    <p:sldId id="302" r:id="rId18"/>
-    <p:sldId id="303" r:id="rId19"/>
-    <p:sldId id="304" r:id="rId20"/>
-    <p:sldId id="305" r:id="rId21"/>
-    <p:sldId id="306" r:id="rId22"/>
-    <p:sldId id="307" r:id="rId23"/>
-    <p:sldId id="308" r:id="rId24"/>
-    <p:sldId id="309" r:id="rId25"/>
-    <p:sldId id="310" r:id="rId26"/>
-    <p:sldId id="311" r:id="rId27"/>
-    <p:sldId id="312" r:id="rId28"/>
+    <p:sldId id="318" r:id="rId12"/>
+    <p:sldId id="298" r:id="rId13"/>
+    <p:sldId id="299" r:id="rId14"/>
+    <p:sldId id="300" r:id="rId15"/>
+    <p:sldId id="301" r:id="rId16"/>
+    <p:sldId id="302" r:id="rId17"/>
+    <p:sldId id="303" r:id="rId18"/>
+    <p:sldId id="304" r:id="rId19"/>
+    <p:sldId id="305" r:id="rId20"/>
+    <p:sldId id="306" r:id="rId21"/>
+    <p:sldId id="307" r:id="rId22"/>
+    <p:sldId id="308" r:id="rId23"/>
+    <p:sldId id="309" r:id="rId24"/>
+    <p:sldId id="310" r:id="rId25"/>
+    <p:sldId id="311" r:id="rId26"/>
+    <p:sldId id="312" r:id="rId27"/>
+    <p:sldId id="314" r:id="rId28"/>
+    <p:sldId id="315" r:id="rId29"/>
+    <p:sldId id="316" r:id="rId30"/>
+    <p:sldId id="317" r:id="rId31"/>
   </p:sldIdLst>
   <p:sldSz cx="9144000" cy="6858000" type="screen4x3"/>
   <p:notesSz cx="6858000" cy="9144000"/>
@@ -4624,8 +4627,8 @@
           <a:lstStyle/>
           <a:p>
             <a:r>
-              <a:rPr lang="vi-VN" noProof="1" smtClean="0"/>
-              <a:t>III. Đề xuất ứng dụng</a:t>
+              <a:rPr lang="vi-VN" noProof="1"/>
+              <a:t>I. Struts2 Framework</a:t>
             </a:r>
             <a:endParaRPr lang="vi-VN"/>
           </a:p>
@@ -4648,75 +4651,69 @@
           <a:p>
             <a:r>
               <a:rPr lang="vi-VN" smtClean="0"/>
-              <a:t> Mô hình MVC (Model-View-Controller): chia ứng dụng thành 3 thành phần riêng biệt: Model (mẫu), View (hiển thị), và Controller (điều khiển).</a:t>
-            </a:r>
-          </a:p>
-          <a:p>
+              <a:t>Các file XML quản lý cấu hình</a:t>
+            </a:r>
+          </a:p>
+          <a:p>
+            <a:pPr lvl="1"/>
+            <a:r>
+              <a:rPr lang="vi-VN" b="1" smtClean="0"/>
+              <a:t>web.xml</a:t>
+            </a:r>
             <a:r>
               <a:rPr lang="vi-VN" smtClean="0"/>
-              <a:t>3 component này độc lập và có nhiệm vụ riêng, không ảnh hưởng nhau.</a:t>
-            </a:r>
+              <a:t>: </a:t>
+            </a:r>
+            <a:r>
+              <a:rPr lang="en-US"/>
+              <a:t>là file cốt lõi trong ứng dụng web Java, do đó nó cũng là cốt lõi </a:t>
+            </a:r>
+            <a:r>
+              <a:rPr lang="en-US"/>
+              <a:t>trong </a:t>
+            </a:r>
+            <a:r>
+              <a:rPr lang="en-US" smtClean="0"/>
+              <a:t>struts2. Trong </a:t>
+            </a:r>
+            <a:r>
+              <a:rPr lang="en-US"/>
+              <a:t>web.xml, Struts định nghĩa class FilterDispatcher, Servlet Filter dùng để xử lý </a:t>
+            </a:r>
+            <a:r>
+              <a:rPr lang="en-US"/>
+              <a:t>các </a:t>
+            </a:r>
+            <a:r>
+              <a:rPr lang="en-US" smtClean="0"/>
+              <a:t>request</a:t>
+            </a:r>
+            <a:endParaRPr lang="vi-VN" smtClean="0"/>
+          </a:p>
+          <a:p>
+            <a:pPr lvl="1"/>
+            <a:r>
+              <a:rPr lang="vi-VN" b="1" smtClean="0"/>
+              <a:t>struts.xml</a:t>
+            </a:r>
+            <a:r>
+              <a:rPr lang="vi-VN" smtClean="0"/>
+              <a:t>: Là file cấu hình chính và quan trọng nhất trong Struts2 Framework. Trong đó quan trọng nhất là cấu hình liên kết Action và Result</a:t>
+            </a:r>
+            <a:endParaRPr lang="vi-VN"/>
           </a:p>
         </p:txBody>
       </p:sp>
-      <p:pic>
-        <p:nvPicPr>
-          <p:cNvPr id="2052" name="Picture 4" descr="http://www.giancon.me/sites/default/files/mvc-rails.png"/>
-          <p:cNvPicPr>
-            <a:picLocks noChangeAspect="1" noChangeArrowheads="1"/>
-          </p:cNvPicPr>
-          <p:nvPr/>
-        </p:nvPicPr>
-        <p:blipFill>
-          <a:blip r:embed="rId2">
-            <a:extLst>
-              <a:ext uri="{28A0092B-C50C-407E-A947-70E740481C1C}">
-                <a14:useLocalDpi xmlns:a14="http://schemas.microsoft.com/office/drawing/2010/main" val="0"/>
-              </a:ext>
-            </a:extLst>
-          </a:blip>
-          <a:srcRect/>
-          <a:stretch>
-            <a:fillRect/>
-          </a:stretch>
-        </p:blipFill>
-        <p:spPr bwMode="auto">
-          <a:xfrm>
-            <a:off x="2422257" y="2678269"/>
-            <a:ext cx="3952785" cy="3731429"/>
-          </a:xfrm>
-          <a:prstGeom prst="rect">
-            <a:avLst/>
-          </a:prstGeom>
-          <a:noFill/>
-          <a:extLst>
-            <a:ext uri="{909E8E84-426E-40DD-AFC4-6F175D3DCCD1}">
-              <a14:hiddenFill xmlns:a14="http://schemas.microsoft.com/office/drawing/2010/main">
-                <a:solidFill>
-                  <a:srgbClr val="FFFFFF"/>
-                </a:solidFill>
-              </a14:hiddenFill>
-            </a:ext>
-          </a:extLst>
-        </p:spPr>
-      </p:pic>
     </p:spTree>
     <p:extLst>
       <p:ext uri="{BB962C8B-B14F-4D97-AF65-F5344CB8AC3E}">
-        <p14:creationId xmlns:p14="http://schemas.microsoft.com/office/powerpoint/2010/main" val="336916093"/>
+        <p14:creationId xmlns:p14="http://schemas.microsoft.com/office/powerpoint/2010/main" val="3755804787"/>
       </p:ext>
     </p:extLst>
   </p:cSld>
   <p:clrMapOvr>
     <a:masterClrMapping/>
   </p:clrMapOvr>
-  <p:timing>
-    <p:tnLst>
-      <p:par>
-        <p:cTn id="1" dur="indefinite" restart="never" nodeType="tmRoot"/>
-      </p:par>
-    </p:tnLst>
-  </p:timing>
 </p:sld>
 </file>
 
@@ -4753,10 +4750,14 @@
           <a:lstStyle/>
           <a:p>
             <a:r>
-              <a:rPr lang="vi-VN" noProof="1"/>
-              <a:t>III. Đề xuất ứng dụng</a:t>
-            </a:r>
-            <a:endParaRPr lang="vi-VN"/>
+              <a:rPr lang="en-US" sz="2800" smtClean="0"/>
+              <a:t>II. GIỚI </a:t>
+            </a:r>
+            <a:r>
+              <a:rPr lang="en-US" sz="2800" dirty="0" smtClean="0"/>
+              <a:t>THIỆU ỨNG DỤNG</a:t>
+            </a:r>
+            <a:endParaRPr lang="en-US" sz="2800" dirty="0"/>
           </a:p>
         </p:txBody>
       </p:sp>
@@ -4775,88 +4776,75 @@
           <a:bodyPr/>
           <a:lstStyle/>
           <a:p>
-            <a:r>
-              <a:rPr lang="vi-VN" smtClean="0"/>
-              <a:t>Trong ứng dụng này, sử dụng apache Tomcat và MySQL</a:t>
-            </a:r>
-          </a:p>
-          <a:p>
-            <a:r>
-              <a:rPr lang="vi-VN" smtClean="0"/>
-              <a:t>Mô hình ứng dụng có kết hợp MVC vào Struts2 </a:t>
-            </a:r>
-            <a:endParaRPr lang="vi-VN"/>
+            <a:pPr>
+              <a:lnSpc>
+                <a:spcPct val="150000"/>
+              </a:lnSpc>
+            </a:pPr>
+            <a:r>
+              <a:rPr lang="en-US" sz="2800" dirty="0" err="1" smtClean="0"/>
+              <a:t>Giới</a:t>
+            </a:r>
+            <a:r>
+              <a:rPr lang="en-US" sz="2800" dirty="0" smtClean="0"/>
+              <a:t> </a:t>
+            </a:r>
+            <a:r>
+              <a:rPr lang="en-US" sz="2800" dirty="0" err="1" smtClean="0"/>
+              <a:t>thiệu</a:t>
+            </a:r>
+            <a:r>
+              <a:rPr lang="en-US" sz="2800" dirty="0" smtClean="0"/>
+              <a:t> </a:t>
+            </a:r>
+            <a:r>
+              <a:rPr lang="en-US" sz="2800" dirty="0" err="1" smtClean="0"/>
+              <a:t>chung</a:t>
+            </a:r>
+            <a:endParaRPr lang="en-US" sz="2800" dirty="0" smtClean="0"/>
+          </a:p>
+          <a:p>
+            <a:pPr>
+              <a:lnSpc>
+                <a:spcPct val="150000"/>
+              </a:lnSpc>
+            </a:pPr>
+            <a:r>
+              <a:rPr lang="en-US" sz="2800" dirty="0" err="1" smtClean="0"/>
+              <a:t>Các</a:t>
+            </a:r>
+            <a:r>
+              <a:rPr lang="en-US" sz="2800" dirty="0" smtClean="0"/>
+              <a:t> </a:t>
+            </a:r>
+            <a:r>
+              <a:rPr lang="en-US" sz="2800" dirty="0" err="1" smtClean="0"/>
+              <a:t>chức</a:t>
+            </a:r>
+            <a:r>
+              <a:rPr lang="en-US" sz="2800" dirty="0" smtClean="0"/>
+              <a:t> </a:t>
+            </a:r>
+            <a:r>
+              <a:rPr lang="en-US" sz="2800" dirty="0" err="1" smtClean="0"/>
+              <a:t>năng</a:t>
+            </a:r>
+            <a:r>
+              <a:rPr lang="en-US" sz="2800" dirty="0" smtClean="0"/>
+              <a:t> </a:t>
+            </a:r>
+            <a:r>
+              <a:rPr lang="en-US" sz="2800" dirty="0" err="1" smtClean="0"/>
+              <a:t>chính</a:t>
+            </a:r>
+            <a:endParaRPr lang="en-US" sz="2800" dirty="0" smtClean="0"/>
           </a:p>
         </p:txBody>
       </p:sp>
-      <p:pic>
-        <p:nvPicPr>
-          <p:cNvPr id="3074" name="Picture 2"/>
-          <p:cNvPicPr>
-            <a:picLocks noChangeAspect="1" noChangeArrowheads="1"/>
-          </p:cNvPicPr>
-          <p:nvPr/>
-        </p:nvPicPr>
-        <p:blipFill>
-          <a:blip r:embed="rId2">
-            <a:extLst>
-              <a:ext uri="{28A0092B-C50C-407E-A947-70E740481C1C}">
-                <a14:useLocalDpi xmlns:a14="http://schemas.microsoft.com/office/drawing/2010/main" val="0"/>
-              </a:ext>
-            </a:extLst>
-          </a:blip>
-          <a:srcRect/>
-          <a:stretch>
-            <a:fillRect/>
-          </a:stretch>
-        </p:blipFill>
-        <p:spPr bwMode="auto">
-          <a:xfrm>
-            <a:off x="828675" y="2686252"/>
-            <a:ext cx="7486650" cy="3571875"/>
-          </a:xfrm>
-          <a:prstGeom prst="rect">
-            <a:avLst/>
-          </a:prstGeom>
-          <a:noFill/>
-          <a:ln>
-            <a:noFill/>
-          </a:ln>
-          <a:effectLst/>
-          <a:extLst>
-            <a:ext uri="{909E8E84-426E-40DD-AFC4-6F175D3DCCD1}">
-              <a14:hiddenFill xmlns:a14="http://schemas.microsoft.com/office/drawing/2010/main">
-                <a:solidFill>
-                  <a:schemeClr val="accent1"/>
-                </a:solidFill>
-              </a14:hiddenFill>
-            </a:ext>
-            <a:ext uri="{91240B29-F687-4F45-9708-019B960494DF}">
-              <a14:hiddenLine xmlns:a14="http://schemas.microsoft.com/office/drawing/2010/main" w="9525">
-                <a:solidFill>
-                  <a:schemeClr val="tx1"/>
-                </a:solidFill>
-                <a:miter lim="800000"/>
-                <a:headEnd/>
-                <a:tailEnd/>
-              </a14:hiddenLine>
-            </a:ext>
-            <a:ext uri="{AF507438-7753-43E0-B8FC-AC1667EBCBE1}">
-              <a14:hiddenEffects xmlns:a14="http://schemas.microsoft.com/office/drawing/2010/main">
-                <a:effectLst>
-                  <a:outerShdw dist="35921" dir="2700000" algn="ctr" rotWithShape="0">
-                    <a:schemeClr val="bg2"/>
-                  </a:outerShdw>
-                </a:effectLst>
-              </a14:hiddenEffects>
-            </a:ext>
-          </a:extLst>
-        </p:spPr>
-      </p:pic>
     </p:spTree>
     <p:extLst>
       <p:ext uri="{BB962C8B-B14F-4D97-AF65-F5344CB8AC3E}">
-        <p14:creationId xmlns:p14="http://schemas.microsoft.com/office/powerpoint/2010/main" val="55994831"/>
+        <p14:creationId xmlns:p14="http://schemas.microsoft.com/office/powerpoint/2010/main" val="3052263840"/>
       </p:ext>
     </p:extLst>
   </p:cSld>
@@ -4906,8 +4894,12 @@
           <a:lstStyle/>
           <a:p>
             <a:r>
-              <a:rPr lang="en-US" sz="2800" dirty="0" smtClean="0"/>
-              <a:t>GIỚI THIỆU ỨNG DỤNG</a:t>
+              <a:rPr lang="en-US" sz="2800"/>
+              <a:t>II. GIỚI </a:t>
+            </a:r>
+            <a:r>
+              <a:rPr lang="en-US" sz="2800" dirty="0" smtClean="0"/>
+              <a:t>THIỆU CHUNG</a:t>
             </a:r>
             <a:endParaRPr lang="en-US" sz="2800" dirty="0"/>
           </a:p>
@@ -4934,26 +4926,557 @@
               </a:lnSpc>
             </a:pPr>
             <a:r>
-              <a:rPr lang="en-US" sz="2800" dirty="0" err="1" smtClean="0"/>
-              <a:t>Giới</a:t>
-            </a:r>
-            <a:r>
-              <a:rPr lang="en-US" sz="2800" dirty="0" smtClean="0"/>
-              <a:t> </a:t>
-            </a:r>
-            <a:r>
-              <a:rPr lang="en-US" sz="2800" dirty="0" err="1" smtClean="0"/>
-              <a:t>thiệu</a:t>
-            </a:r>
-            <a:r>
-              <a:rPr lang="en-US" sz="2800" dirty="0" smtClean="0"/>
-              <a:t> </a:t>
-            </a:r>
-            <a:r>
-              <a:rPr lang="en-US" sz="2800" dirty="0" err="1" smtClean="0"/>
-              <a:t>chung</a:t>
-            </a:r>
-            <a:endParaRPr lang="en-US" sz="2800" dirty="0" smtClean="0"/>
+              <a:rPr lang="en-US" dirty="0" err="1" smtClean="0"/>
+              <a:t>Với</a:t>
+            </a:r>
+            <a:r>
+              <a:rPr lang="en-US" dirty="0" smtClean="0"/>
+              <a:t> </a:t>
+            </a:r>
+            <a:r>
+              <a:rPr lang="en-US" dirty="0" err="1" smtClean="0"/>
+              <a:t>tốc</a:t>
+            </a:r>
+            <a:r>
+              <a:rPr lang="en-US" dirty="0" smtClean="0"/>
+              <a:t> </a:t>
+            </a:r>
+            <a:r>
+              <a:rPr lang="en-US" dirty="0" err="1" smtClean="0"/>
+              <a:t>độ</a:t>
+            </a:r>
+            <a:r>
+              <a:rPr lang="en-US" dirty="0" smtClean="0"/>
+              <a:t> </a:t>
+            </a:r>
+            <a:r>
+              <a:rPr lang="en-US" dirty="0" err="1" smtClean="0"/>
+              <a:t>phát</a:t>
+            </a:r>
+            <a:r>
+              <a:rPr lang="en-US" dirty="0" smtClean="0"/>
+              <a:t> </a:t>
+            </a:r>
+            <a:r>
+              <a:rPr lang="en-US" dirty="0" err="1" smtClean="0"/>
+              <a:t>triển</a:t>
+            </a:r>
+            <a:r>
+              <a:rPr lang="en-US" dirty="0" smtClean="0"/>
+              <a:t> </a:t>
+            </a:r>
+            <a:r>
+              <a:rPr lang="en-US" dirty="0" err="1" smtClean="0"/>
+              <a:t>của</a:t>
+            </a:r>
+            <a:r>
+              <a:rPr lang="en-US" dirty="0" smtClean="0"/>
+              <a:t> </a:t>
+            </a:r>
+            <a:r>
+              <a:rPr lang="en-US" dirty="0" err="1" smtClean="0"/>
+              <a:t>công</a:t>
+            </a:r>
+            <a:r>
+              <a:rPr lang="en-US" dirty="0" smtClean="0"/>
+              <a:t> </a:t>
+            </a:r>
+            <a:r>
+              <a:rPr lang="en-US" dirty="0" err="1" smtClean="0"/>
+              <a:t>nghệ</a:t>
+            </a:r>
+            <a:r>
+              <a:rPr lang="en-US" dirty="0" smtClean="0"/>
+              <a:t> </a:t>
+            </a:r>
+            <a:r>
+              <a:rPr lang="en-US" dirty="0" err="1" smtClean="0"/>
+              <a:t>thông</a:t>
+            </a:r>
+            <a:r>
+              <a:rPr lang="en-US" dirty="0" smtClean="0"/>
+              <a:t> tin </a:t>
+            </a:r>
+            <a:r>
+              <a:rPr lang="en-US" dirty="0" err="1" smtClean="0"/>
+              <a:t>như</a:t>
+            </a:r>
+            <a:r>
+              <a:rPr lang="en-US" dirty="0" smtClean="0"/>
+              <a:t> </a:t>
+            </a:r>
+            <a:r>
+              <a:rPr lang="en-US" dirty="0" err="1" smtClean="0"/>
+              <a:t>hiện</a:t>
+            </a:r>
+            <a:r>
+              <a:rPr lang="en-US" dirty="0" smtClean="0"/>
+              <a:t> nay </a:t>
+            </a:r>
+            <a:r>
+              <a:rPr lang="en-US" dirty="0" err="1" smtClean="0"/>
+              <a:t>thì</a:t>
+            </a:r>
+            <a:r>
+              <a:rPr lang="en-US" dirty="0" smtClean="0"/>
+              <a:t> </a:t>
+            </a:r>
+            <a:r>
+              <a:rPr lang="en-US" dirty="0" err="1" smtClean="0"/>
+              <a:t>nhu</a:t>
+            </a:r>
+            <a:r>
+              <a:rPr lang="en-US" dirty="0" smtClean="0"/>
+              <a:t> </a:t>
+            </a:r>
+            <a:r>
+              <a:rPr lang="en-US" dirty="0" err="1" smtClean="0"/>
+              <a:t>cầu</a:t>
+            </a:r>
+            <a:r>
+              <a:rPr lang="en-US" dirty="0" smtClean="0"/>
+              <a:t> </a:t>
+            </a:r>
+            <a:r>
+              <a:rPr lang="en-US" dirty="0" err="1" smtClean="0"/>
+              <a:t>mua</a:t>
+            </a:r>
+            <a:r>
+              <a:rPr lang="en-US" dirty="0" smtClean="0"/>
+              <a:t> </a:t>
+            </a:r>
+            <a:r>
+              <a:rPr lang="en-US" dirty="0" err="1" smtClean="0"/>
+              <a:t>sắm</a:t>
+            </a:r>
+            <a:r>
+              <a:rPr lang="en-US" dirty="0" smtClean="0"/>
+              <a:t> qua </a:t>
+            </a:r>
+            <a:r>
+              <a:rPr lang="en-US" dirty="0" err="1" smtClean="0"/>
+              <a:t>mạng</a:t>
+            </a:r>
+            <a:r>
+              <a:rPr lang="en-US" dirty="0" smtClean="0"/>
+              <a:t> internet </a:t>
+            </a:r>
+            <a:r>
+              <a:rPr lang="en-US" dirty="0" err="1" smtClean="0"/>
+              <a:t>ngày</a:t>
+            </a:r>
+            <a:r>
+              <a:rPr lang="en-US" dirty="0" smtClean="0"/>
+              <a:t> </a:t>
+            </a:r>
+            <a:r>
+              <a:rPr lang="en-US" dirty="0" err="1" smtClean="0"/>
+              <a:t>càng</a:t>
+            </a:r>
+            <a:r>
+              <a:rPr lang="en-US" dirty="0" smtClean="0"/>
+              <a:t> </a:t>
+            </a:r>
+            <a:r>
+              <a:rPr lang="en-US" dirty="0" err="1" smtClean="0"/>
+              <a:t>phổ</a:t>
+            </a:r>
+            <a:r>
+              <a:rPr lang="en-US" dirty="0" smtClean="0"/>
+              <a:t> </a:t>
+            </a:r>
+            <a:r>
+              <a:rPr lang="en-US" dirty="0" err="1" smtClean="0"/>
+              <a:t>biến</a:t>
+            </a:r>
+            <a:r>
+              <a:rPr lang="en-US" dirty="0" smtClean="0"/>
+              <a:t>. </a:t>
+            </a:r>
+            <a:r>
+              <a:rPr lang="en-US" dirty="0" err="1" smtClean="0"/>
+              <a:t>Nắm</a:t>
+            </a:r>
+            <a:r>
+              <a:rPr lang="en-US" dirty="0" smtClean="0"/>
+              <a:t> </a:t>
+            </a:r>
+            <a:r>
+              <a:rPr lang="en-US" dirty="0" err="1" smtClean="0"/>
+              <a:t>bắt</a:t>
+            </a:r>
+            <a:r>
+              <a:rPr lang="en-US" dirty="0" smtClean="0"/>
+              <a:t> </a:t>
+            </a:r>
+            <a:r>
+              <a:rPr lang="en-US" dirty="0" err="1" smtClean="0"/>
+              <a:t>được</a:t>
+            </a:r>
+            <a:r>
+              <a:rPr lang="en-US" dirty="0" smtClean="0"/>
+              <a:t> </a:t>
+            </a:r>
+            <a:r>
+              <a:rPr lang="en-US" dirty="0" err="1" smtClean="0"/>
+              <a:t>nhu</a:t>
+            </a:r>
+            <a:r>
+              <a:rPr lang="en-US" dirty="0" smtClean="0"/>
+              <a:t> </a:t>
+            </a:r>
+            <a:r>
+              <a:rPr lang="en-US" dirty="0" err="1" smtClean="0"/>
+              <a:t>cầu</a:t>
+            </a:r>
+            <a:r>
+              <a:rPr lang="en-US" dirty="0" smtClean="0"/>
+              <a:t> </a:t>
+            </a:r>
+            <a:r>
+              <a:rPr lang="en-US" dirty="0" err="1" smtClean="0"/>
+              <a:t>này</a:t>
+            </a:r>
+            <a:r>
+              <a:rPr lang="en-US" dirty="0" smtClean="0"/>
+              <a:t> </a:t>
+            </a:r>
+            <a:r>
+              <a:rPr lang="en-US" dirty="0" err="1" smtClean="0"/>
+              <a:t>nhiều</a:t>
+            </a:r>
+            <a:r>
+              <a:rPr lang="en-US" dirty="0" smtClean="0"/>
+              <a:t> </a:t>
+            </a:r>
+            <a:r>
+              <a:rPr lang="en-US" dirty="0" err="1" smtClean="0"/>
+              <a:t>doanh</a:t>
+            </a:r>
+            <a:r>
+              <a:rPr lang="en-US" dirty="0" smtClean="0"/>
+              <a:t> </a:t>
+            </a:r>
+            <a:r>
+              <a:rPr lang="en-US" dirty="0" err="1" smtClean="0"/>
+              <a:t>nghiệp</a:t>
+            </a:r>
+            <a:r>
+              <a:rPr lang="en-US" dirty="0" smtClean="0"/>
+              <a:t> </a:t>
+            </a:r>
+            <a:r>
+              <a:rPr lang="en-US" dirty="0" err="1" smtClean="0"/>
+              <a:t>đã</a:t>
+            </a:r>
+            <a:r>
+              <a:rPr lang="en-US" dirty="0" smtClean="0"/>
+              <a:t> </a:t>
+            </a:r>
+            <a:r>
+              <a:rPr lang="en-US" dirty="0" err="1" smtClean="0"/>
+              <a:t>tiến</a:t>
+            </a:r>
+            <a:r>
+              <a:rPr lang="en-US" dirty="0" smtClean="0"/>
+              <a:t> </a:t>
+            </a:r>
+            <a:r>
+              <a:rPr lang="en-US" dirty="0" err="1" smtClean="0"/>
+              <a:t>hành</a:t>
+            </a:r>
+            <a:r>
+              <a:rPr lang="en-US" dirty="0" smtClean="0"/>
+              <a:t> </a:t>
+            </a:r>
+            <a:r>
+              <a:rPr lang="en-US" dirty="0" err="1" smtClean="0"/>
+              <a:t>việc</a:t>
+            </a:r>
+            <a:r>
+              <a:rPr lang="en-US" dirty="0" smtClean="0"/>
+              <a:t> </a:t>
+            </a:r>
+            <a:r>
+              <a:rPr lang="en-US" dirty="0" err="1" smtClean="0"/>
+              <a:t>bán</a:t>
+            </a:r>
+            <a:r>
+              <a:rPr lang="en-US" dirty="0" smtClean="0"/>
+              <a:t> </a:t>
+            </a:r>
+            <a:r>
+              <a:rPr lang="en-US" dirty="0" err="1" smtClean="0"/>
+              <a:t>hàng</a:t>
+            </a:r>
+            <a:r>
+              <a:rPr lang="en-US" dirty="0" smtClean="0"/>
+              <a:t> qua </a:t>
+            </a:r>
+            <a:r>
+              <a:rPr lang="en-US" dirty="0" err="1" smtClean="0"/>
+              <a:t>mạng</a:t>
+            </a:r>
+            <a:r>
+              <a:rPr lang="en-US" dirty="0" smtClean="0"/>
+              <a:t>. </a:t>
+            </a:r>
+            <a:r>
+              <a:rPr lang="en-US" dirty="0" err="1" smtClean="0"/>
+              <a:t>Tuy</a:t>
+            </a:r>
+            <a:r>
+              <a:rPr lang="en-US" dirty="0" smtClean="0"/>
+              <a:t> </a:t>
+            </a:r>
+            <a:r>
+              <a:rPr lang="en-US" dirty="0" err="1" smtClean="0"/>
+              <a:t>nhiên</a:t>
+            </a:r>
+            <a:r>
+              <a:rPr lang="en-US" dirty="0" smtClean="0"/>
+              <a:t> </a:t>
+            </a:r>
+            <a:r>
+              <a:rPr lang="en-US" dirty="0" err="1" smtClean="0"/>
+              <a:t>làm</a:t>
+            </a:r>
+            <a:r>
+              <a:rPr lang="en-US" dirty="0" smtClean="0"/>
+              <a:t> </a:t>
+            </a:r>
+            <a:r>
+              <a:rPr lang="en-US" dirty="0" err="1" smtClean="0"/>
+              <a:t>thế</a:t>
+            </a:r>
+            <a:r>
+              <a:rPr lang="en-US" dirty="0" smtClean="0"/>
+              <a:t> </a:t>
+            </a:r>
+            <a:r>
+              <a:rPr lang="en-US" dirty="0" err="1" smtClean="0"/>
+              <a:t>nào</a:t>
+            </a:r>
+            <a:r>
+              <a:rPr lang="en-US" dirty="0" smtClean="0"/>
+              <a:t> </a:t>
+            </a:r>
+            <a:r>
+              <a:rPr lang="en-US" dirty="0" err="1" smtClean="0"/>
+              <a:t>để</a:t>
+            </a:r>
+            <a:r>
+              <a:rPr lang="en-US" dirty="0" smtClean="0"/>
+              <a:t> </a:t>
+            </a:r>
+            <a:r>
+              <a:rPr lang="en-US" dirty="0" err="1" smtClean="0"/>
+              <a:t>có</a:t>
+            </a:r>
+            <a:r>
+              <a:rPr lang="en-US" dirty="0" smtClean="0"/>
+              <a:t> </a:t>
+            </a:r>
+            <a:r>
+              <a:rPr lang="en-US" dirty="0" err="1" smtClean="0"/>
+              <a:t>được</a:t>
+            </a:r>
+            <a:r>
+              <a:rPr lang="en-US" dirty="0" smtClean="0"/>
+              <a:t> </a:t>
+            </a:r>
+            <a:r>
+              <a:rPr lang="en-US" dirty="0" err="1" smtClean="0"/>
+              <a:t>một</a:t>
+            </a:r>
+            <a:r>
+              <a:rPr lang="en-US" dirty="0" smtClean="0"/>
+              <a:t> </a:t>
+            </a:r>
+            <a:r>
+              <a:rPr lang="en-US" dirty="0" err="1" smtClean="0"/>
+              <a:t>địa</a:t>
+            </a:r>
+            <a:r>
+              <a:rPr lang="en-US" dirty="0" smtClean="0"/>
+              <a:t> </a:t>
+            </a:r>
+            <a:r>
+              <a:rPr lang="en-US" dirty="0" err="1" smtClean="0"/>
+              <a:t>chỉ</a:t>
+            </a:r>
+            <a:r>
+              <a:rPr lang="en-US" dirty="0" smtClean="0"/>
+              <a:t> </a:t>
+            </a:r>
+            <a:r>
+              <a:rPr lang="en-US" dirty="0" err="1" smtClean="0"/>
+              <a:t>uy</a:t>
+            </a:r>
+            <a:r>
+              <a:rPr lang="en-US" dirty="0" smtClean="0"/>
+              <a:t> </a:t>
+            </a:r>
+            <a:r>
+              <a:rPr lang="en-US" dirty="0" err="1" smtClean="0"/>
+              <a:t>tín</a:t>
+            </a:r>
+            <a:r>
+              <a:rPr lang="en-US" dirty="0" smtClean="0"/>
+              <a:t> </a:t>
+            </a:r>
+            <a:r>
+              <a:rPr lang="en-US" dirty="0" err="1" smtClean="0"/>
+              <a:t>và</a:t>
+            </a:r>
+            <a:r>
+              <a:rPr lang="en-US" dirty="0" smtClean="0"/>
+              <a:t> </a:t>
+            </a:r>
+            <a:r>
+              <a:rPr lang="en-US" dirty="0" err="1" smtClean="0"/>
+              <a:t>làm</a:t>
+            </a:r>
+            <a:r>
+              <a:rPr lang="en-US" dirty="0" smtClean="0"/>
+              <a:t> </a:t>
+            </a:r>
+            <a:r>
+              <a:rPr lang="en-US" dirty="0" err="1" smtClean="0"/>
+              <a:t>sao</a:t>
+            </a:r>
+            <a:r>
+              <a:rPr lang="en-US" dirty="0" smtClean="0"/>
+              <a:t> </a:t>
+            </a:r>
+            <a:r>
+              <a:rPr lang="en-US" dirty="0" err="1" smtClean="0"/>
+              <a:t>để</a:t>
+            </a:r>
+            <a:r>
+              <a:rPr lang="en-US" dirty="0" smtClean="0"/>
+              <a:t> </a:t>
+            </a:r>
+            <a:r>
+              <a:rPr lang="en-US" dirty="0" err="1" smtClean="0"/>
+              <a:t>quảng</a:t>
+            </a:r>
+            <a:r>
+              <a:rPr lang="en-US" dirty="0" smtClean="0"/>
+              <a:t> </a:t>
+            </a:r>
+            <a:r>
+              <a:rPr lang="en-US" dirty="0" err="1" smtClean="0"/>
+              <a:t>bá</a:t>
+            </a:r>
+            <a:r>
+              <a:rPr lang="en-US" dirty="0" smtClean="0"/>
+              <a:t> </a:t>
+            </a:r>
+            <a:r>
+              <a:rPr lang="en-US" dirty="0" err="1" smtClean="0"/>
+              <a:t>rộng</a:t>
+            </a:r>
+            <a:r>
+              <a:rPr lang="en-US" dirty="0" smtClean="0"/>
+              <a:t> </a:t>
+            </a:r>
+            <a:r>
+              <a:rPr lang="en-US" dirty="0" err="1" smtClean="0"/>
+              <a:t>rãi</a:t>
+            </a:r>
+            <a:r>
+              <a:rPr lang="en-US" dirty="0" smtClean="0"/>
+              <a:t> </a:t>
+            </a:r>
+            <a:r>
+              <a:rPr lang="en-US" dirty="0" err="1" smtClean="0"/>
+              <a:t>sản</a:t>
+            </a:r>
+            <a:r>
+              <a:rPr lang="en-US" dirty="0" smtClean="0"/>
+              <a:t> </a:t>
+            </a:r>
+            <a:r>
+              <a:rPr lang="en-US" dirty="0" err="1" smtClean="0"/>
+              <a:t>phẩm</a:t>
+            </a:r>
+            <a:r>
+              <a:rPr lang="en-US" dirty="0" smtClean="0"/>
+              <a:t> </a:t>
+            </a:r>
+            <a:r>
+              <a:rPr lang="en-US" dirty="0" err="1" smtClean="0"/>
+              <a:t>của</a:t>
+            </a:r>
+            <a:r>
+              <a:rPr lang="en-US" dirty="0" smtClean="0"/>
+              <a:t> </a:t>
+            </a:r>
+            <a:r>
+              <a:rPr lang="en-US" dirty="0" err="1" smtClean="0"/>
+              <a:t>mình</a:t>
+            </a:r>
+            <a:r>
+              <a:rPr lang="en-US" dirty="0" smtClean="0"/>
+              <a:t> </a:t>
+            </a:r>
+            <a:r>
+              <a:rPr lang="en-US" dirty="0" err="1" smtClean="0"/>
+              <a:t>một</a:t>
+            </a:r>
+            <a:r>
+              <a:rPr lang="en-US" dirty="0" smtClean="0"/>
+              <a:t> </a:t>
+            </a:r>
+            <a:r>
+              <a:rPr lang="en-US" dirty="0" err="1" smtClean="0"/>
+              <a:t>cách</a:t>
+            </a:r>
+            <a:r>
+              <a:rPr lang="en-US" dirty="0" smtClean="0"/>
+              <a:t> </a:t>
+            </a:r>
+            <a:r>
+              <a:rPr lang="en-US" dirty="0" err="1" smtClean="0"/>
+              <a:t>nhanh</a:t>
+            </a:r>
+            <a:r>
+              <a:rPr lang="en-US" dirty="0" smtClean="0"/>
+              <a:t> </a:t>
+            </a:r>
+            <a:r>
+              <a:rPr lang="en-US" dirty="0" err="1" smtClean="0"/>
+              <a:t>chóng</a:t>
+            </a:r>
+            <a:r>
+              <a:rPr lang="en-US" dirty="0" smtClean="0"/>
+              <a:t> </a:t>
+            </a:r>
+            <a:r>
+              <a:rPr lang="en-US" dirty="0" err="1" smtClean="0"/>
+              <a:t>và</a:t>
+            </a:r>
+            <a:r>
+              <a:rPr lang="en-US" dirty="0" smtClean="0"/>
+              <a:t> </a:t>
+            </a:r>
+            <a:r>
+              <a:rPr lang="en-US" dirty="0" err="1" smtClean="0"/>
+              <a:t>dễ</a:t>
+            </a:r>
+            <a:r>
+              <a:rPr lang="en-US" dirty="0" smtClean="0"/>
+              <a:t> </a:t>
+            </a:r>
+            <a:r>
+              <a:rPr lang="en-US" dirty="0" err="1" smtClean="0"/>
+              <a:t>dàng</a:t>
+            </a:r>
+            <a:r>
+              <a:rPr lang="en-US" dirty="0" smtClean="0"/>
+              <a:t>.</a:t>
+            </a:r>
           </a:p>
           <a:p>
             <a:pPr>
@@ -4962,41 +5485,428 @@
               </a:lnSpc>
             </a:pPr>
             <a:r>
-              <a:rPr lang="en-US" sz="2800" dirty="0" err="1" smtClean="0"/>
-              <a:t>Các</a:t>
-            </a:r>
-            <a:r>
-              <a:rPr lang="en-US" sz="2800" dirty="0" smtClean="0"/>
-              <a:t> </a:t>
-            </a:r>
-            <a:r>
-              <a:rPr lang="en-US" sz="2800" dirty="0" err="1" smtClean="0"/>
-              <a:t>chức</a:t>
-            </a:r>
-            <a:r>
-              <a:rPr lang="en-US" sz="2800" dirty="0" smtClean="0"/>
-              <a:t> </a:t>
-            </a:r>
-            <a:r>
-              <a:rPr lang="en-US" sz="2800" dirty="0" err="1" smtClean="0"/>
-              <a:t>năng</a:t>
-            </a:r>
-            <a:r>
-              <a:rPr lang="en-US" sz="2800" dirty="0" smtClean="0"/>
-              <a:t> </a:t>
-            </a:r>
-            <a:r>
-              <a:rPr lang="en-US" sz="2800" dirty="0" err="1" smtClean="0"/>
-              <a:t>chính</a:t>
-            </a:r>
-            <a:endParaRPr lang="en-US" sz="2800" dirty="0" smtClean="0"/>
+              <a:rPr lang="en-US" dirty="0" err="1" smtClean="0"/>
+              <a:t>Với</a:t>
+            </a:r>
+            <a:r>
+              <a:rPr lang="en-US" dirty="0" smtClean="0"/>
+              <a:t> </a:t>
+            </a:r>
+            <a:r>
+              <a:rPr lang="en-US" dirty="0" err="1" smtClean="0"/>
+              <a:t>hệ</a:t>
+            </a:r>
+            <a:r>
+              <a:rPr lang="en-US" dirty="0" smtClean="0"/>
+              <a:t> </a:t>
+            </a:r>
+            <a:r>
+              <a:rPr lang="en-US" dirty="0" err="1" smtClean="0"/>
+              <a:t>thống</a:t>
+            </a:r>
+            <a:r>
+              <a:rPr lang="en-US" dirty="0" smtClean="0"/>
+              <a:t> </a:t>
+            </a:r>
+            <a:r>
+              <a:rPr lang="en-US" dirty="0" err="1" smtClean="0"/>
+              <a:t>UStore</a:t>
+            </a:r>
+            <a:r>
+              <a:rPr lang="en-US" dirty="0" smtClean="0"/>
+              <a:t> </a:t>
+            </a:r>
+            <a:r>
+              <a:rPr lang="en-US" dirty="0" err="1" smtClean="0"/>
+              <a:t>của</a:t>
+            </a:r>
+            <a:r>
+              <a:rPr lang="en-US" dirty="0" smtClean="0"/>
+              <a:t> </a:t>
+            </a:r>
+            <a:r>
+              <a:rPr lang="en-US" dirty="0" err="1" smtClean="0"/>
+              <a:t>nhóm</a:t>
+            </a:r>
+            <a:r>
+              <a:rPr lang="en-US" dirty="0"/>
+              <a:t> </a:t>
+            </a:r>
+            <a:r>
+              <a:rPr lang="en-US" dirty="0" err="1" smtClean="0"/>
+              <a:t>thực</a:t>
+            </a:r>
+            <a:r>
+              <a:rPr lang="en-US" dirty="0" smtClean="0"/>
+              <a:t> </a:t>
+            </a:r>
+            <a:r>
+              <a:rPr lang="en-US" dirty="0" err="1" smtClean="0"/>
+              <a:t>hiện</a:t>
+            </a:r>
+            <a:r>
+              <a:rPr lang="en-US" dirty="0" smtClean="0"/>
+              <a:t>, </a:t>
+            </a:r>
+            <a:r>
+              <a:rPr lang="en-US" dirty="0" err="1" smtClean="0"/>
+              <a:t>những</a:t>
+            </a:r>
+            <a:r>
+              <a:rPr lang="en-US" dirty="0" smtClean="0"/>
+              <a:t> </a:t>
+            </a:r>
+            <a:r>
+              <a:rPr lang="en-US" dirty="0" err="1" smtClean="0"/>
+              <a:t>doanh</a:t>
+            </a:r>
+            <a:r>
+              <a:rPr lang="en-US" dirty="0" smtClean="0"/>
+              <a:t> </a:t>
+            </a:r>
+            <a:r>
+              <a:rPr lang="en-US" dirty="0" err="1" smtClean="0"/>
+              <a:t>nghiệp</a:t>
+            </a:r>
+            <a:r>
+              <a:rPr lang="en-US" dirty="0" smtClean="0"/>
+              <a:t> </a:t>
+            </a:r>
+            <a:r>
+              <a:rPr lang="en-US" dirty="0" err="1" smtClean="0"/>
+              <a:t>vừa</a:t>
+            </a:r>
+            <a:r>
+              <a:rPr lang="en-US" dirty="0" smtClean="0"/>
+              <a:t> </a:t>
+            </a:r>
+            <a:r>
+              <a:rPr lang="en-US" dirty="0" err="1" smtClean="0"/>
+              <a:t>và</a:t>
+            </a:r>
+            <a:r>
+              <a:rPr lang="en-US" dirty="0" smtClean="0"/>
+              <a:t> </a:t>
+            </a:r>
+            <a:r>
+              <a:rPr lang="en-US" dirty="0" err="1" smtClean="0"/>
+              <a:t>nhỏ</a:t>
+            </a:r>
+            <a:r>
+              <a:rPr lang="en-US" dirty="0" smtClean="0"/>
+              <a:t> </a:t>
+            </a:r>
+            <a:r>
+              <a:rPr lang="en-US" dirty="0" err="1" smtClean="0"/>
+              <a:t>có</a:t>
+            </a:r>
+            <a:r>
+              <a:rPr lang="en-US" dirty="0" smtClean="0"/>
+              <a:t> </a:t>
+            </a:r>
+            <a:r>
+              <a:rPr lang="en-US" dirty="0" err="1" smtClean="0"/>
+              <a:t>thể</a:t>
+            </a:r>
+            <a:r>
+              <a:rPr lang="en-US" dirty="0" smtClean="0"/>
+              <a:t> </a:t>
+            </a:r>
+            <a:r>
+              <a:rPr lang="en-US" dirty="0" err="1" smtClean="0"/>
+              <a:t>dễ</a:t>
+            </a:r>
+            <a:r>
+              <a:rPr lang="en-US" dirty="0" smtClean="0"/>
+              <a:t> </a:t>
+            </a:r>
+            <a:r>
+              <a:rPr lang="en-US" dirty="0" err="1" smtClean="0"/>
+              <a:t>dàng</a:t>
+            </a:r>
+            <a:r>
+              <a:rPr lang="en-US" dirty="0" smtClean="0"/>
+              <a:t>, </a:t>
+            </a:r>
+            <a:r>
+              <a:rPr lang="en-US" dirty="0" err="1" smtClean="0"/>
+              <a:t>nhanh</a:t>
+            </a:r>
+            <a:r>
+              <a:rPr lang="en-US" dirty="0" smtClean="0"/>
+              <a:t> </a:t>
+            </a:r>
+            <a:r>
+              <a:rPr lang="en-US" dirty="0" err="1" smtClean="0"/>
+              <a:t>chóng</a:t>
+            </a:r>
+            <a:r>
+              <a:rPr lang="en-US" dirty="0" smtClean="0"/>
+              <a:t> </a:t>
+            </a:r>
+            <a:r>
+              <a:rPr lang="en-US" dirty="0" err="1" smtClean="0"/>
+              <a:t>quảng</a:t>
+            </a:r>
+            <a:r>
+              <a:rPr lang="en-US" dirty="0" smtClean="0"/>
+              <a:t> </a:t>
+            </a:r>
+            <a:r>
+              <a:rPr lang="en-US" dirty="0" err="1" smtClean="0"/>
+              <a:t>bá</a:t>
+            </a:r>
+            <a:r>
+              <a:rPr lang="en-US" dirty="0" smtClean="0"/>
+              <a:t> </a:t>
+            </a:r>
+            <a:r>
+              <a:rPr lang="en-US" dirty="0" err="1" smtClean="0"/>
+              <a:t>sản</a:t>
+            </a:r>
+            <a:r>
+              <a:rPr lang="en-US" dirty="0" smtClean="0"/>
+              <a:t> </a:t>
+            </a:r>
+            <a:r>
+              <a:rPr lang="en-US" dirty="0" err="1" smtClean="0"/>
+              <a:t>phẩm</a:t>
+            </a:r>
+            <a:r>
+              <a:rPr lang="en-US" dirty="0" smtClean="0"/>
+              <a:t> </a:t>
+            </a:r>
+            <a:r>
+              <a:rPr lang="en-US" dirty="0" err="1" smtClean="0"/>
+              <a:t>của</a:t>
+            </a:r>
+            <a:r>
+              <a:rPr lang="en-US" dirty="0" smtClean="0"/>
+              <a:t> </a:t>
+            </a:r>
+            <a:r>
+              <a:rPr lang="en-US" dirty="0" err="1" smtClean="0"/>
+              <a:t>mình</a:t>
+            </a:r>
+            <a:r>
+              <a:rPr lang="en-US" dirty="0" smtClean="0"/>
+              <a:t> </a:t>
+            </a:r>
+            <a:r>
+              <a:rPr lang="en-US" dirty="0" err="1" smtClean="0"/>
+              <a:t>thông</a:t>
+            </a:r>
+            <a:r>
+              <a:rPr lang="en-US" dirty="0" smtClean="0"/>
+              <a:t> qua </a:t>
+            </a:r>
+            <a:r>
+              <a:rPr lang="en-US" dirty="0" err="1" smtClean="0"/>
+              <a:t>các</a:t>
+            </a:r>
+            <a:r>
+              <a:rPr lang="en-US" dirty="0" smtClean="0"/>
+              <a:t> </a:t>
+            </a:r>
+            <a:r>
+              <a:rPr lang="en-US" dirty="0" err="1" smtClean="0"/>
+              <a:t>gian</a:t>
+            </a:r>
+            <a:r>
+              <a:rPr lang="en-US" dirty="0" smtClean="0"/>
+              <a:t> </a:t>
+            </a:r>
+            <a:r>
+              <a:rPr lang="en-US" dirty="0" err="1" smtClean="0"/>
+              <a:t>hàng</a:t>
+            </a:r>
+            <a:r>
+              <a:rPr lang="en-US" dirty="0" smtClean="0"/>
+              <a:t> </a:t>
+            </a:r>
+            <a:r>
+              <a:rPr lang="en-US" dirty="0" err="1" smtClean="0"/>
+              <a:t>được</a:t>
+            </a:r>
+            <a:r>
+              <a:rPr lang="en-US" dirty="0" smtClean="0"/>
+              <a:t> </a:t>
+            </a:r>
+            <a:r>
+              <a:rPr lang="en-US" dirty="0" err="1" smtClean="0"/>
+              <a:t>khởi</a:t>
+            </a:r>
+            <a:r>
+              <a:rPr lang="en-US" dirty="0" smtClean="0"/>
+              <a:t> </a:t>
+            </a:r>
+            <a:r>
+              <a:rPr lang="en-US" dirty="0" err="1" smtClean="0"/>
+              <a:t>tạo</a:t>
+            </a:r>
+            <a:r>
+              <a:rPr lang="en-US" dirty="0" smtClean="0"/>
+              <a:t> </a:t>
+            </a:r>
+            <a:r>
+              <a:rPr lang="en-US" dirty="0" err="1" smtClean="0"/>
+              <a:t>dễ</a:t>
+            </a:r>
+            <a:r>
+              <a:rPr lang="en-US" dirty="0" smtClean="0"/>
+              <a:t> </a:t>
+            </a:r>
+            <a:r>
+              <a:rPr lang="en-US" dirty="0" err="1" smtClean="0"/>
+              <a:t>dàng</a:t>
+            </a:r>
+            <a:r>
+              <a:rPr lang="en-US" dirty="0" smtClean="0"/>
+              <a:t> </a:t>
+            </a:r>
+            <a:r>
+              <a:rPr lang="en-US" dirty="0" err="1" smtClean="0"/>
+              <a:t>mà</a:t>
+            </a:r>
+            <a:r>
+              <a:rPr lang="en-US" dirty="0" smtClean="0"/>
+              <a:t> </a:t>
+            </a:r>
+            <a:r>
+              <a:rPr lang="en-US" dirty="0" err="1" smtClean="0"/>
+              <a:t>không</a:t>
+            </a:r>
+            <a:r>
+              <a:rPr lang="en-US" dirty="0" smtClean="0"/>
+              <a:t> </a:t>
+            </a:r>
+            <a:r>
+              <a:rPr lang="en-US" dirty="0" err="1" smtClean="0"/>
+              <a:t>cần</a:t>
+            </a:r>
+            <a:r>
+              <a:rPr lang="en-US" dirty="0" smtClean="0"/>
+              <a:t> </a:t>
+            </a:r>
+            <a:r>
+              <a:rPr lang="en-US" dirty="0" err="1" smtClean="0"/>
+              <a:t>phải</a:t>
+            </a:r>
+            <a:r>
+              <a:rPr lang="en-US" dirty="0" smtClean="0"/>
+              <a:t> </a:t>
+            </a:r>
+            <a:r>
+              <a:rPr lang="en-US" dirty="0" err="1" smtClean="0"/>
+              <a:t>tốn</a:t>
+            </a:r>
+            <a:r>
+              <a:rPr lang="en-US" dirty="0" smtClean="0"/>
+              <a:t> </a:t>
+            </a:r>
+            <a:r>
+              <a:rPr lang="en-US" dirty="0" err="1" smtClean="0"/>
+              <a:t>nhiều</a:t>
+            </a:r>
+            <a:r>
+              <a:rPr lang="en-US" dirty="0" smtClean="0"/>
+              <a:t> </a:t>
+            </a:r>
+            <a:r>
+              <a:rPr lang="en-US" dirty="0" err="1" smtClean="0"/>
+              <a:t>thời</a:t>
+            </a:r>
+            <a:r>
+              <a:rPr lang="en-US" dirty="0" smtClean="0"/>
+              <a:t> </a:t>
+            </a:r>
+            <a:r>
+              <a:rPr lang="en-US" dirty="0" err="1" smtClean="0"/>
+              <a:t>gian</a:t>
+            </a:r>
+            <a:r>
+              <a:rPr lang="en-US" dirty="0" smtClean="0"/>
+              <a:t> chi </a:t>
+            </a:r>
+            <a:r>
+              <a:rPr lang="en-US" dirty="0" err="1" smtClean="0"/>
+              <a:t>phí</a:t>
+            </a:r>
+            <a:r>
+              <a:rPr lang="en-US" dirty="0" smtClean="0"/>
+              <a:t> </a:t>
+            </a:r>
+            <a:r>
+              <a:rPr lang="en-US" dirty="0" err="1" smtClean="0"/>
+              <a:t>để</a:t>
+            </a:r>
+            <a:r>
+              <a:rPr lang="en-US" dirty="0" smtClean="0"/>
+              <a:t> </a:t>
+            </a:r>
+            <a:r>
+              <a:rPr lang="en-US" dirty="0" err="1" smtClean="0"/>
+              <a:t>thành</a:t>
+            </a:r>
+            <a:r>
+              <a:rPr lang="en-US" dirty="0" smtClean="0"/>
+              <a:t> </a:t>
+            </a:r>
+            <a:r>
+              <a:rPr lang="en-US" dirty="0" err="1" smtClean="0"/>
+              <a:t>lập</a:t>
+            </a:r>
+            <a:r>
+              <a:rPr lang="en-US" dirty="0" smtClean="0"/>
+              <a:t> </a:t>
+            </a:r>
+            <a:r>
+              <a:rPr lang="en-US" dirty="0" err="1" smtClean="0"/>
+              <a:t>một</a:t>
+            </a:r>
+            <a:r>
+              <a:rPr lang="en-US" dirty="0" smtClean="0"/>
+              <a:t> website </a:t>
+            </a:r>
+            <a:r>
+              <a:rPr lang="en-US" dirty="0" err="1" smtClean="0"/>
+              <a:t>bán</a:t>
+            </a:r>
+            <a:r>
+              <a:rPr lang="en-US" dirty="0" smtClean="0"/>
+              <a:t> </a:t>
+            </a:r>
+            <a:r>
+              <a:rPr lang="en-US" dirty="0" err="1" smtClean="0"/>
+              <a:t>hàng</a:t>
+            </a:r>
+            <a:r>
+              <a:rPr lang="en-US" dirty="0" smtClean="0"/>
+              <a:t> </a:t>
+            </a:r>
+            <a:r>
+              <a:rPr lang="en-US" dirty="0" err="1" smtClean="0"/>
+              <a:t>tốn</a:t>
+            </a:r>
+            <a:r>
+              <a:rPr lang="en-US" dirty="0" smtClean="0"/>
+              <a:t> </a:t>
+            </a:r>
+            <a:r>
+              <a:rPr lang="en-US" dirty="0" err="1" smtClean="0"/>
+              <a:t>kém</a:t>
+            </a:r>
+            <a:r>
+              <a:rPr lang="en-US" dirty="0" smtClean="0"/>
+              <a:t>.</a:t>
+            </a:r>
           </a:p>
         </p:txBody>
       </p:sp>
     </p:spTree>
     <p:extLst>
       <p:ext uri="{BB962C8B-B14F-4D97-AF65-F5344CB8AC3E}">
-        <p14:creationId xmlns:p14="http://schemas.microsoft.com/office/powerpoint/2010/main" val="3052263840"/>
+        <p14:creationId xmlns:p14="http://schemas.microsoft.com/office/powerpoint/2010/main" val="3433576694"/>
       </p:ext>
     </p:extLst>
   </p:cSld>
@@ -5046,1066 +5956,12 @@
           <a:lstStyle/>
           <a:p>
             <a:r>
-              <a:rPr lang="en-US" sz="2800" dirty="0" smtClean="0"/>
-              <a:t>GIỚI THIỆU CHUNG</a:t>
-            </a:r>
-            <a:endParaRPr lang="en-US" sz="2800" dirty="0"/>
-          </a:p>
-        </p:txBody>
-      </p:sp>
-      <p:sp>
-        <p:nvSpPr>
-          <p:cNvPr id="3" name="Content Placeholder 2"/>
-          <p:cNvSpPr>
-            <a:spLocks noGrp="1"/>
-          </p:cNvSpPr>
-          <p:nvPr>
-            <p:ph idx="1"/>
-          </p:nvPr>
-        </p:nvSpPr>
-        <p:spPr/>
-        <p:txBody>
-          <a:bodyPr/>
-          <a:lstStyle/>
-          <a:p>
-            <a:pPr>
-              <a:lnSpc>
-                <a:spcPct val="150000"/>
-              </a:lnSpc>
-            </a:pPr>
-            <a:r>
-              <a:rPr lang="en-US" dirty="0" err="1" smtClean="0"/>
-              <a:t>Với</a:t>
-            </a:r>
-            <a:r>
-              <a:rPr lang="en-US" dirty="0" smtClean="0"/>
-              <a:t> </a:t>
-            </a:r>
-            <a:r>
-              <a:rPr lang="en-US" dirty="0" err="1" smtClean="0"/>
-              <a:t>tốc</a:t>
-            </a:r>
-            <a:r>
-              <a:rPr lang="en-US" dirty="0" smtClean="0"/>
-              <a:t> </a:t>
-            </a:r>
-            <a:r>
-              <a:rPr lang="en-US" dirty="0" err="1" smtClean="0"/>
-              <a:t>độ</a:t>
-            </a:r>
-            <a:r>
-              <a:rPr lang="en-US" dirty="0" smtClean="0"/>
-              <a:t> </a:t>
-            </a:r>
-            <a:r>
-              <a:rPr lang="en-US" dirty="0" err="1" smtClean="0"/>
-              <a:t>phát</a:t>
-            </a:r>
-            <a:r>
-              <a:rPr lang="en-US" dirty="0" smtClean="0"/>
-              <a:t> </a:t>
-            </a:r>
-            <a:r>
-              <a:rPr lang="en-US" dirty="0" err="1" smtClean="0"/>
-              <a:t>triển</a:t>
-            </a:r>
-            <a:r>
-              <a:rPr lang="en-US" dirty="0" smtClean="0"/>
-              <a:t> </a:t>
-            </a:r>
-            <a:r>
-              <a:rPr lang="en-US" dirty="0" err="1" smtClean="0"/>
-              <a:t>của</a:t>
-            </a:r>
-            <a:r>
-              <a:rPr lang="en-US" dirty="0" smtClean="0"/>
-              <a:t> </a:t>
-            </a:r>
-            <a:r>
-              <a:rPr lang="en-US" dirty="0" err="1" smtClean="0"/>
-              <a:t>công</a:t>
-            </a:r>
-            <a:r>
-              <a:rPr lang="en-US" dirty="0" smtClean="0"/>
-              <a:t> </a:t>
-            </a:r>
-            <a:r>
-              <a:rPr lang="en-US" dirty="0" err="1" smtClean="0"/>
-              <a:t>nghệ</a:t>
-            </a:r>
-            <a:r>
-              <a:rPr lang="en-US" dirty="0" smtClean="0"/>
-              <a:t> </a:t>
-            </a:r>
-            <a:r>
-              <a:rPr lang="en-US" dirty="0" err="1" smtClean="0"/>
-              <a:t>thông</a:t>
-            </a:r>
-            <a:r>
-              <a:rPr lang="en-US" dirty="0" smtClean="0"/>
-              <a:t> tin </a:t>
-            </a:r>
-            <a:r>
-              <a:rPr lang="en-US" dirty="0" err="1" smtClean="0"/>
-              <a:t>như</a:t>
-            </a:r>
-            <a:r>
-              <a:rPr lang="en-US" dirty="0" smtClean="0"/>
-              <a:t> </a:t>
-            </a:r>
-            <a:r>
-              <a:rPr lang="en-US" dirty="0" err="1" smtClean="0"/>
-              <a:t>hiện</a:t>
-            </a:r>
-            <a:r>
-              <a:rPr lang="en-US" dirty="0" smtClean="0"/>
-              <a:t> nay </a:t>
-            </a:r>
-            <a:r>
-              <a:rPr lang="en-US" dirty="0" err="1" smtClean="0"/>
-              <a:t>thì</a:t>
-            </a:r>
-            <a:r>
-              <a:rPr lang="en-US" dirty="0" smtClean="0"/>
-              <a:t> </a:t>
-            </a:r>
-            <a:r>
-              <a:rPr lang="en-US" dirty="0" err="1" smtClean="0"/>
-              <a:t>nhu</a:t>
-            </a:r>
-            <a:r>
-              <a:rPr lang="en-US" dirty="0" smtClean="0"/>
-              <a:t> </a:t>
-            </a:r>
-            <a:r>
-              <a:rPr lang="en-US" dirty="0" err="1" smtClean="0"/>
-              <a:t>cầu</a:t>
-            </a:r>
-            <a:r>
-              <a:rPr lang="en-US" dirty="0" smtClean="0"/>
-              <a:t> </a:t>
-            </a:r>
-            <a:r>
-              <a:rPr lang="en-US" dirty="0" err="1" smtClean="0"/>
-              <a:t>mua</a:t>
-            </a:r>
-            <a:r>
-              <a:rPr lang="en-US" dirty="0" smtClean="0"/>
-              <a:t> </a:t>
-            </a:r>
-            <a:r>
-              <a:rPr lang="en-US" dirty="0" err="1" smtClean="0"/>
-              <a:t>sắm</a:t>
-            </a:r>
-            <a:r>
-              <a:rPr lang="en-US" dirty="0" smtClean="0"/>
-              <a:t> qua </a:t>
-            </a:r>
-            <a:r>
-              <a:rPr lang="en-US" dirty="0" err="1" smtClean="0"/>
-              <a:t>mạng</a:t>
-            </a:r>
-            <a:r>
-              <a:rPr lang="en-US" dirty="0" smtClean="0"/>
-              <a:t> internet </a:t>
-            </a:r>
-            <a:r>
-              <a:rPr lang="en-US" dirty="0" err="1" smtClean="0"/>
-              <a:t>ngày</a:t>
-            </a:r>
-            <a:r>
-              <a:rPr lang="en-US" dirty="0" smtClean="0"/>
-              <a:t> </a:t>
-            </a:r>
-            <a:r>
-              <a:rPr lang="en-US" dirty="0" err="1" smtClean="0"/>
-              <a:t>càng</a:t>
-            </a:r>
-            <a:r>
-              <a:rPr lang="en-US" dirty="0" smtClean="0"/>
-              <a:t> </a:t>
-            </a:r>
-            <a:r>
-              <a:rPr lang="en-US" dirty="0" err="1" smtClean="0"/>
-              <a:t>phổ</a:t>
-            </a:r>
-            <a:r>
-              <a:rPr lang="en-US" dirty="0" smtClean="0"/>
-              <a:t> </a:t>
-            </a:r>
-            <a:r>
-              <a:rPr lang="en-US" dirty="0" err="1" smtClean="0"/>
-              <a:t>biến</a:t>
-            </a:r>
-            <a:r>
-              <a:rPr lang="en-US" dirty="0" smtClean="0"/>
-              <a:t>. </a:t>
-            </a:r>
-            <a:r>
-              <a:rPr lang="en-US" dirty="0" err="1" smtClean="0"/>
-              <a:t>Nắm</a:t>
-            </a:r>
-            <a:r>
-              <a:rPr lang="en-US" dirty="0" smtClean="0"/>
-              <a:t> </a:t>
-            </a:r>
-            <a:r>
-              <a:rPr lang="en-US" dirty="0" err="1" smtClean="0"/>
-              <a:t>bắt</a:t>
-            </a:r>
-            <a:r>
-              <a:rPr lang="en-US" dirty="0" smtClean="0"/>
-              <a:t> </a:t>
-            </a:r>
-            <a:r>
-              <a:rPr lang="en-US" dirty="0" err="1" smtClean="0"/>
-              <a:t>được</a:t>
-            </a:r>
-            <a:r>
-              <a:rPr lang="en-US" dirty="0" smtClean="0"/>
-              <a:t> </a:t>
-            </a:r>
-            <a:r>
-              <a:rPr lang="en-US" dirty="0" err="1" smtClean="0"/>
-              <a:t>nhu</a:t>
-            </a:r>
-            <a:r>
-              <a:rPr lang="en-US" dirty="0" smtClean="0"/>
-              <a:t> </a:t>
-            </a:r>
-            <a:r>
-              <a:rPr lang="en-US" dirty="0" err="1" smtClean="0"/>
-              <a:t>cầu</a:t>
-            </a:r>
-            <a:r>
-              <a:rPr lang="en-US" dirty="0" smtClean="0"/>
-              <a:t> </a:t>
-            </a:r>
-            <a:r>
-              <a:rPr lang="en-US" dirty="0" err="1" smtClean="0"/>
-              <a:t>này</a:t>
-            </a:r>
-            <a:r>
-              <a:rPr lang="en-US" dirty="0" smtClean="0"/>
-              <a:t> </a:t>
-            </a:r>
-            <a:r>
-              <a:rPr lang="en-US" dirty="0" err="1" smtClean="0"/>
-              <a:t>nhiều</a:t>
-            </a:r>
-            <a:r>
-              <a:rPr lang="en-US" dirty="0" smtClean="0"/>
-              <a:t> </a:t>
-            </a:r>
-            <a:r>
-              <a:rPr lang="en-US" dirty="0" err="1" smtClean="0"/>
-              <a:t>doanh</a:t>
-            </a:r>
-            <a:r>
-              <a:rPr lang="en-US" dirty="0" smtClean="0"/>
-              <a:t> </a:t>
-            </a:r>
-            <a:r>
-              <a:rPr lang="en-US" dirty="0" err="1" smtClean="0"/>
-              <a:t>nghiệp</a:t>
-            </a:r>
-            <a:r>
-              <a:rPr lang="en-US" dirty="0" smtClean="0"/>
-              <a:t> </a:t>
-            </a:r>
-            <a:r>
-              <a:rPr lang="en-US" dirty="0" err="1" smtClean="0"/>
-              <a:t>đã</a:t>
-            </a:r>
-            <a:r>
-              <a:rPr lang="en-US" dirty="0" smtClean="0"/>
-              <a:t> </a:t>
-            </a:r>
-            <a:r>
-              <a:rPr lang="en-US" dirty="0" err="1" smtClean="0"/>
-              <a:t>tiến</a:t>
-            </a:r>
-            <a:r>
-              <a:rPr lang="en-US" dirty="0" smtClean="0"/>
-              <a:t> </a:t>
-            </a:r>
-            <a:r>
-              <a:rPr lang="en-US" dirty="0" err="1" smtClean="0"/>
-              <a:t>hành</a:t>
-            </a:r>
-            <a:r>
-              <a:rPr lang="en-US" dirty="0" smtClean="0"/>
-              <a:t> </a:t>
-            </a:r>
-            <a:r>
-              <a:rPr lang="en-US" dirty="0" err="1" smtClean="0"/>
-              <a:t>việc</a:t>
-            </a:r>
-            <a:r>
-              <a:rPr lang="en-US" dirty="0" smtClean="0"/>
-              <a:t> </a:t>
-            </a:r>
-            <a:r>
-              <a:rPr lang="en-US" dirty="0" err="1" smtClean="0"/>
-              <a:t>bán</a:t>
-            </a:r>
-            <a:r>
-              <a:rPr lang="en-US" dirty="0" smtClean="0"/>
-              <a:t> </a:t>
-            </a:r>
-            <a:r>
-              <a:rPr lang="en-US" dirty="0" err="1" smtClean="0"/>
-              <a:t>hàng</a:t>
-            </a:r>
-            <a:r>
-              <a:rPr lang="en-US" dirty="0" smtClean="0"/>
-              <a:t> qua </a:t>
-            </a:r>
-            <a:r>
-              <a:rPr lang="en-US" dirty="0" err="1" smtClean="0"/>
-              <a:t>mạng</a:t>
-            </a:r>
-            <a:r>
-              <a:rPr lang="en-US" dirty="0" smtClean="0"/>
-              <a:t>. </a:t>
-            </a:r>
-            <a:r>
-              <a:rPr lang="en-US" dirty="0" err="1" smtClean="0"/>
-              <a:t>Tuy</a:t>
-            </a:r>
-            <a:r>
-              <a:rPr lang="en-US" dirty="0" smtClean="0"/>
-              <a:t> </a:t>
-            </a:r>
-            <a:r>
-              <a:rPr lang="en-US" dirty="0" err="1" smtClean="0"/>
-              <a:t>nhiên</a:t>
-            </a:r>
-            <a:r>
-              <a:rPr lang="en-US" dirty="0" smtClean="0"/>
-              <a:t> </a:t>
-            </a:r>
-            <a:r>
-              <a:rPr lang="en-US" dirty="0" err="1" smtClean="0"/>
-              <a:t>làm</a:t>
-            </a:r>
-            <a:r>
-              <a:rPr lang="en-US" dirty="0" smtClean="0"/>
-              <a:t> </a:t>
-            </a:r>
-            <a:r>
-              <a:rPr lang="en-US" dirty="0" err="1" smtClean="0"/>
-              <a:t>thế</a:t>
-            </a:r>
-            <a:r>
-              <a:rPr lang="en-US" dirty="0" smtClean="0"/>
-              <a:t> </a:t>
-            </a:r>
-            <a:r>
-              <a:rPr lang="en-US" dirty="0" err="1" smtClean="0"/>
-              <a:t>nào</a:t>
-            </a:r>
-            <a:r>
-              <a:rPr lang="en-US" dirty="0" smtClean="0"/>
-              <a:t> </a:t>
-            </a:r>
-            <a:r>
-              <a:rPr lang="en-US" dirty="0" err="1" smtClean="0"/>
-              <a:t>để</a:t>
-            </a:r>
-            <a:r>
-              <a:rPr lang="en-US" dirty="0" smtClean="0"/>
-              <a:t> </a:t>
-            </a:r>
-            <a:r>
-              <a:rPr lang="en-US" dirty="0" err="1" smtClean="0"/>
-              <a:t>có</a:t>
-            </a:r>
-            <a:r>
-              <a:rPr lang="en-US" dirty="0" smtClean="0"/>
-              <a:t> </a:t>
-            </a:r>
-            <a:r>
-              <a:rPr lang="en-US" dirty="0" err="1" smtClean="0"/>
-              <a:t>được</a:t>
-            </a:r>
-            <a:r>
-              <a:rPr lang="en-US" dirty="0" smtClean="0"/>
-              <a:t> </a:t>
-            </a:r>
-            <a:r>
-              <a:rPr lang="en-US" dirty="0" err="1" smtClean="0"/>
-              <a:t>một</a:t>
-            </a:r>
-            <a:r>
-              <a:rPr lang="en-US" dirty="0" smtClean="0"/>
-              <a:t> </a:t>
-            </a:r>
-            <a:r>
-              <a:rPr lang="en-US" dirty="0" err="1" smtClean="0"/>
-              <a:t>địa</a:t>
-            </a:r>
-            <a:r>
-              <a:rPr lang="en-US" dirty="0" smtClean="0"/>
-              <a:t> </a:t>
-            </a:r>
-            <a:r>
-              <a:rPr lang="en-US" dirty="0" err="1" smtClean="0"/>
-              <a:t>chỉ</a:t>
-            </a:r>
-            <a:r>
-              <a:rPr lang="en-US" dirty="0" smtClean="0"/>
-              <a:t> </a:t>
-            </a:r>
-            <a:r>
-              <a:rPr lang="en-US" dirty="0" err="1" smtClean="0"/>
-              <a:t>uy</a:t>
-            </a:r>
-            <a:r>
-              <a:rPr lang="en-US" dirty="0" smtClean="0"/>
-              <a:t> </a:t>
-            </a:r>
-            <a:r>
-              <a:rPr lang="en-US" dirty="0" err="1" smtClean="0"/>
-              <a:t>tín</a:t>
-            </a:r>
-            <a:r>
-              <a:rPr lang="en-US" dirty="0" smtClean="0"/>
-              <a:t> </a:t>
-            </a:r>
-            <a:r>
-              <a:rPr lang="en-US" dirty="0" err="1" smtClean="0"/>
-              <a:t>và</a:t>
-            </a:r>
-            <a:r>
-              <a:rPr lang="en-US" dirty="0" smtClean="0"/>
-              <a:t> </a:t>
-            </a:r>
-            <a:r>
-              <a:rPr lang="en-US" dirty="0" err="1" smtClean="0"/>
-              <a:t>làm</a:t>
-            </a:r>
-            <a:r>
-              <a:rPr lang="en-US" dirty="0" smtClean="0"/>
-              <a:t> </a:t>
-            </a:r>
-            <a:r>
-              <a:rPr lang="en-US" dirty="0" err="1" smtClean="0"/>
-              <a:t>sao</a:t>
-            </a:r>
-            <a:r>
-              <a:rPr lang="en-US" dirty="0" smtClean="0"/>
-              <a:t> </a:t>
-            </a:r>
-            <a:r>
-              <a:rPr lang="en-US" dirty="0" err="1" smtClean="0"/>
-              <a:t>để</a:t>
-            </a:r>
-            <a:r>
-              <a:rPr lang="en-US" dirty="0" smtClean="0"/>
-              <a:t> </a:t>
-            </a:r>
-            <a:r>
-              <a:rPr lang="en-US" dirty="0" err="1" smtClean="0"/>
-              <a:t>quảng</a:t>
-            </a:r>
-            <a:r>
-              <a:rPr lang="en-US" dirty="0" smtClean="0"/>
-              <a:t> </a:t>
-            </a:r>
-            <a:r>
-              <a:rPr lang="en-US" dirty="0" err="1" smtClean="0"/>
-              <a:t>bá</a:t>
-            </a:r>
-            <a:r>
-              <a:rPr lang="en-US" dirty="0" smtClean="0"/>
-              <a:t> </a:t>
-            </a:r>
-            <a:r>
-              <a:rPr lang="en-US" dirty="0" err="1" smtClean="0"/>
-              <a:t>rộng</a:t>
-            </a:r>
-            <a:r>
-              <a:rPr lang="en-US" dirty="0" smtClean="0"/>
-              <a:t> </a:t>
-            </a:r>
-            <a:r>
-              <a:rPr lang="en-US" dirty="0" err="1" smtClean="0"/>
-              <a:t>rãi</a:t>
-            </a:r>
-            <a:r>
-              <a:rPr lang="en-US" dirty="0" smtClean="0"/>
-              <a:t> </a:t>
-            </a:r>
-            <a:r>
-              <a:rPr lang="en-US" dirty="0" err="1" smtClean="0"/>
-              <a:t>sản</a:t>
-            </a:r>
-            <a:r>
-              <a:rPr lang="en-US" dirty="0" smtClean="0"/>
-              <a:t> </a:t>
-            </a:r>
-            <a:r>
-              <a:rPr lang="en-US" dirty="0" err="1" smtClean="0"/>
-              <a:t>phẩm</a:t>
-            </a:r>
-            <a:r>
-              <a:rPr lang="en-US" dirty="0" smtClean="0"/>
-              <a:t> </a:t>
-            </a:r>
-            <a:r>
-              <a:rPr lang="en-US" dirty="0" err="1" smtClean="0"/>
-              <a:t>của</a:t>
-            </a:r>
-            <a:r>
-              <a:rPr lang="en-US" dirty="0" smtClean="0"/>
-              <a:t> </a:t>
-            </a:r>
-            <a:r>
-              <a:rPr lang="en-US" dirty="0" err="1" smtClean="0"/>
-              <a:t>mình</a:t>
-            </a:r>
-            <a:r>
-              <a:rPr lang="en-US" dirty="0" smtClean="0"/>
-              <a:t> </a:t>
-            </a:r>
-            <a:r>
-              <a:rPr lang="en-US" dirty="0" err="1" smtClean="0"/>
-              <a:t>một</a:t>
-            </a:r>
-            <a:r>
-              <a:rPr lang="en-US" dirty="0" smtClean="0"/>
-              <a:t> </a:t>
-            </a:r>
-            <a:r>
-              <a:rPr lang="en-US" dirty="0" err="1" smtClean="0"/>
-              <a:t>cách</a:t>
-            </a:r>
-            <a:r>
-              <a:rPr lang="en-US" dirty="0" smtClean="0"/>
-              <a:t> </a:t>
-            </a:r>
-            <a:r>
-              <a:rPr lang="en-US" dirty="0" err="1" smtClean="0"/>
-              <a:t>nhanh</a:t>
-            </a:r>
-            <a:r>
-              <a:rPr lang="en-US" dirty="0" smtClean="0"/>
-              <a:t> </a:t>
-            </a:r>
-            <a:r>
-              <a:rPr lang="en-US" dirty="0" err="1" smtClean="0"/>
-              <a:t>chóng</a:t>
-            </a:r>
-            <a:r>
-              <a:rPr lang="en-US" dirty="0" smtClean="0"/>
-              <a:t> </a:t>
-            </a:r>
-            <a:r>
-              <a:rPr lang="en-US" dirty="0" err="1" smtClean="0"/>
-              <a:t>và</a:t>
-            </a:r>
-            <a:r>
-              <a:rPr lang="en-US" dirty="0" smtClean="0"/>
-              <a:t> </a:t>
-            </a:r>
-            <a:r>
-              <a:rPr lang="en-US" dirty="0" err="1" smtClean="0"/>
-              <a:t>dễ</a:t>
-            </a:r>
-            <a:r>
-              <a:rPr lang="en-US" dirty="0" smtClean="0"/>
-              <a:t> </a:t>
-            </a:r>
-            <a:r>
-              <a:rPr lang="en-US" dirty="0" err="1" smtClean="0"/>
-              <a:t>dàng</a:t>
-            </a:r>
-            <a:r>
-              <a:rPr lang="en-US" dirty="0" smtClean="0"/>
-              <a:t>.</a:t>
-            </a:r>
-          </a:p>
-          <a:p>
-            <a:pPr>
-              <a:lnSpc>
-                <a:spcPct val="150000"/>
-              </a:lnSpc>
-            </a:pPr>
-            <a:r>
-              <a:rPr lang="en-US" dirty="0" err="1" smtClean="0"/>
-              <a:t>Với</a:t>
-            </a:r>
-            <a:r>
-              <a:rPr lang="en-US" dirty="0" smtClean="0"/>
-              <a:t> </a:t>
-            </a:r>
-            <a:r>
-              <a:rPr lang="en-US" dirty="0" err="1" smtClean="0"/>
-              <a:t>hệ</a:t>
-            </a:r>
-            <a:r>
-              <a:rPr lang="en-US" dirty="0" smtClean="0"/>
-              <a:t> </a:t>
-            </a:r>
-            <a:r>
-              <a:rPr lang="en-US" dirty="0" err="1" smtClean="0"/>
-              <a:t>thống</a:t>
-            </a:r>
-            <a:r>
-              <a:rPr lang="en-US" dirty="0" smtClean="0"/>
-              <a:t> </a:t>
-            </a:r>
-            <a:r>
-              <a:rPr lang="en-US" dirty="0" err="1" smtClean="0"/>
-              <a:t>UStore</a:t>
-            </a:r>
-            <a:r>
-              <a:rPr lang="en-US" dirty="0" smtClean="0"/>
-              <a:t> </a:t>
-            </a:r>
-            <a:r>
-              <a:rPr lang="en-US" dirty="0" err="1" smtClean="0"/>
-              <a:t>của</a:t>
-            </a:r>
-            <a:r>
-              <a:rPr lang="en-US" dirty="0" smtClean="0"/>
-              <a:t> </a:t>
-            </a:r>
-            <a:r>
-              <a:rPr lang="en-US" dirty="0" err="1" smtClean="0"/>
-              <a:t>nhóm</a:t>
-            </a:r>
-            <a:r>
-              <a:rPr lang="en-US" dirty="0"/>
-              <a:t> </a:t>
-            </a:r>
-            <a:r>
-              <a:rPr lang="en-US" dirty="0" err="1" smtClean="0"/>
-              <a:t>thực</a:t>
-            </a:r>
-            <a:r>
-              <a:rPr lang="en-US" dirty="0" smtClean="0"/>
-              <a:t> </a:t>
-            </a:r>
-            <a:r>
-              <a:rPr lang="en-US" dirty="0" err="1" smtClean="0"/>
-              <a:t>hiện</a:t>
-            </a:r>
-            <a:r>
-              <a:rPr lang="en-US" dirty="0" smtClean="0"/>
-              <a:t>, </a:t>
-            </a:r>
-            <a:r>
-              <a:rPr lang="en-US" dirty="0" err="1" smtClean="0"/>
-              <a:t>những</a:t>
-            </a:r>
-            <a:r>
-              <a:rPr lang="en-US" dirty="0" smtClean="0"/>
-              <a:t> </a:t>
-            </a:r>
-            <a:r>
-              <a:rPr lang="en-US" dirty="0" err="1" smtClean="0"/>
-              <a:t>doanh</a:t>
-            </a:r>
-            <a:r>
-              <a:rPr lang="en-US" dirty="0" smtClean="0"/>
-              <a:t> </a:t>
-            </a:r>
-            <a:r>
-              <a:rPr lang="en-US" dirty="0" err="1" smtClean="0"/>
-              <a:t>nghiệp</a:t>
-            </a:r>
-            <a:r>
-              <a:rPr lang="en-US" dirty="0" smtClean="0"/>
-              <a:t> </a:t>
-            </a:r>
-            <a:r>
-              <a:rPr lang="en-US" dirty="0" err="1" smtClean="0"/>
-              <a:t>vừa</a:t>
-            </a:r>
-            <a:r>
-              <a:rPr lang="en-US" dirty="0" smtClean="0"/>
-              <a:t> </a:t>
-            </a:r>
-            <a:r>
-              <a:rPr lang="en-US" dirty="0" err="1" smtClean="0"/>
-              <a:t>và</a:t>
-            </a:r>
-            <a:r>
-              <a:rPr lang="en-US" dirty="0" smtClean="0"/>
-              <a:t> </a:t>
-            </a:r>
-            <a:r>
-              <a:rPr lang="en-US" dirty="0" err="1" smtClean="0"/>
-              <a:t>nhỏ</a:t>
-            </a:r>
-            <a:r>
-              <a:rPr lang="en-US" dirty="0" smtClean="0"/>
-              <a:t> </a:t>
-            </a:r>
-            <a:r>
-              <a:rPr lang="en-US" dirty="0" err="1" smtClean="0"/>
-              <a:t>có</a:t>
-            </a:r>
-            <a:r>
-              <a:rPr lang="en-US" dirty="0" smtClean="0"/>
-              <a:t> </a:t>
-            </a:r>
-            <a:r>
-              <a:rPr lang="en-US" dirty="0" err="1" smtClean="0"/>
-              <a:t>thể</a:t>
-            </a:r>
-            <a:r>
-              <a:rPr lang="en-US" dirty="0" smtClean="0"/>
-              <a:t> </a:t>
-            </a:r>
-            <a:r>
-              <a:rPr lang="en-US" dirty="0" err="1" smtClean="0"/>
-              <a:t>dễ</a:t>
-            </a:r>
-            <a:r>
-              <a:rPr lang="en-US" dirty="0" smtClean="0"/>
-              <a:t> </a:t>
-            </a:r>
-            <a:r>
-              <a:rPr lang="en-US" dirty="0" err="1" smtClean="0"/>
-              <a:t>dàng</a:t>
-            </a:r>
-            <a:r>
-              <a:rPr lang="en-US" dirty="0" smtClean="0"/>
-              <a:t>, </a:t>
-            </a:r>
-            <a:r>
-              <a:rPr lang="en-US" dirty="0" err="1" smtClean="0"/>
-              <a:t>nhanh</a:t>
-            </a:r>
-            <a:r>
-              <a:rPr lang="en-US" dirty="0" smtClean="0"/>
-              <a:t> </a:t>
-            </a:r>
-            <a:r>
-              <a:rPr lang="en-US" dirty="0" err="1" smtClean="0"/>
-              <a:t>chóng</a:t>
-            </a:r>
-            <a:r>
-              <a:rPr lang="en-US" dirty="0" smtClean="0"/>
-              <a:t> </a:t>
-            </a:r>
-            <a:r>
-              <a:rPr lang="en-US" dirty="0" err="1" smtClean="0"/>
-              <a:t>quảng</a:t>
-            </a:r>
-            <a:r>
-              <a:rPr lang="en-US" dirty="0" smtClean="0"/>
-              <a:t> </a:t>
-            </a:r>
-            <a:r>
-              <a:rPr lang="en-US" dirty="0" err="1" smtClean="0"/>
-              <a:t>bá</a:t>
-            </a:r>
-            <a:r>
-              <a:rPr lang="en-US" dirty="0" smtClean="0"/>
-              <a:t> </a:t>
-            </a:r>
-            <a:r>
-              <a:rPr lang="en-US" dirty="0" err="1" smtClean="0"/>
-              <a:t>sản</a:t>
-            </a:r>
-            <a:r>
-              <a:rPr lang="en-US" dirty="0" smtClean="0"/>
-              <a:t> </a:t>
-            </a:r>
-            <a:r>
-              <a:rPr lang="en-US" dirty="0" err="1" smtClean="0"/>
-              <a:t>phẩm</a:t>
-            </a:r>
-            <a:r>
-              <a:rPr lang="en-US" dirty="0" smtClean="0"/>
-              <a:t> </a:t>
-            </a:r>
-            <a:r>
-              <a:rPr lang="en-US" dirty="0" err="1" smtClean="0"/>
-              <a:t>của</a:t>
-            </a:r>
-            <a:r>
-              <a:rPr lang="en-US" dirty="0" smtClean="0"/>
-              <a:t> </a:t>
-            </a:r>
-            <a:r>
-              <a:rPr lang="en-US" dirty="0" err="1" smtClean="0"/>
-              <a:t>mình</a:t>
-            </a:r>
-            <a:r>
-              <a:rPr lang="en-US" dirty="0" smtClean="0"/>
-              <a:t> </a:t>
-            </a:r>
-            <a:r>
-              <a:rPr lang="en-US" dirty="0" err="1" smtClean="0"/>
-              <a:t>thông</a:t>
-            </a:r>
-            <a:r>
-              <a:rPr lang="en-US" dirty="0" smtClean="0"/>
-              <a:t> qua </a:t>
-            </a:r>
-            <a:r>
-              <a:rPr lang="en-US" dirty="0" err="1" smtClean="0"/>
-              <a:t>các</a:t>
-            </a:r>
-            <a:r>
-              <a:rPr lang="en-US" dirty="0" smtClean="0"/>
-              <a:t> </a:t>
-            </a:r>
-            <a:r>
-              <a:rPr lang="en-US" dirty="0" err="1" smtClean="0"/>
-              <a:t>gian</a:t>
-            </a:r>
-            <a:r>
-              <a:rPr lang="en-US" dirty="0" smtClean="0"/>
-              <a:t> </a:t>
-            </a:r>
-            <a:r>
-              <a:rPr lang="en-US" dirty="0" err="1" smtClean="0"/>
-              <a:t>hàng</a:t>
-            </a:r>
-            <a:r>
-              <a:rPr lang="en-US" dirty="0" smtClean="0"/>
-              <a:t> </a:t>
-            </a:r>
-            <a:r>
-              <a:rPr lang="en-US" dirty="0" err="1" smtClean="0"/>
-              <a:t>được</a:t>
-            </a:r>
-            <a:r>
-              <a:rPr lang="en-US" dirty="0" smtClean="0"/>
-              <a:t> </a:t>
-            </a:r>
-            <a:r>
-              <a:rPr lang="en-US" dirty="0" err="1" smtClean="0"/>
-              <a:t>khởi</a:t>
-            </a:r>
-            <a:r>
-              <a:rPr lang="en-US" dirty="0" smtClean="0"/>
-              <a:t> </a:t>
-            </a:r>
-            <a:r>
-              <a:rPr lang="en-US" dirty="0" err="1" smtClean="0"/>
-              <a:t>tạo</a:t>
-            </a:r>
-            <a:r>
-              <a:rPr lang="en-US" dirty="0" smtClean="0"/>
-              <a:t> </a:t>
-            </a:r>
-            <a:r>
-              <a:rPr lang="en-US" dirty="0" err="1" smtClean="0"/>
-              <a:t>dễ</a:t>
-            </a:r>
-            <a:r>
-              <a:rPr lang="en-US" dirty="0" smtClean="0"/>
-              <a:t> </a:t>
-            </a:r>
-            <a:r>
-              <a:rPr lang="en-US" dirty="0" err="1" smtClean="0"/>
-              <a:t>dàng</a:t>
-            </a:r>
-            <a:r>
-              <a:rPr lang="en-US" dirty="0" smtClean="0"/>
-              <a:t> </a:t>
-            </a:r>
-            <a:r>
-              <a:rPr lang="en-US" dirty="0" err="1" smtClean="0"/>
-              <a:t>mà</a:t>
-            </a:r>
-            <a:r>
-              <a:rPr lang="en-US" dirty="0" smtClean="0"/>
-              <a:t> </a:t>
-            </a:r>
-            <a:r>
-              <a:rPr lang="en-US" dirty="0" err="1" smtClean="0"/>
-              <a:t>không</a:t>
-            </a:r>
-            <a:r>
-              <a:rPr lang="en-US" dirty="0" smtClean="0"/>
-              <a:t> </a:t>
-            </a:r>
-            <a:r>
-              <a:rPr lang="en-US" dirty="0" err="1" smtClean="0"/>
-              <a:t>cần</a:t>
-            </a:r>
-            <a:r>
-              <a:rPr lang="en-US" dirty="0" smtClean="0"/>
-              <a:t> </a:t>
-            </a:r>
-            <a:r>
-              <a:rPr lang="en-US" dirty="0" err="1" smtClean="0"/>
-              <a:t>phải</a:t>
-            </a:r>
-            <a:r>
-              <a:rPr lang="en-US" dirty="0" smtClean="0"/>
-              <a:t> </a:t>
-            </a:r>
-            <a:r>
-              <a:rPr lang="en-US" dirty="0" err="1" smtClean="0"/>
-              <a:t>tốn</a:t>
-            </a:r>
-            <a:r>
-              <a:rPr lang="en-US" dirty="0" smtClean="0"/>
-              <a:t> </a:t>
-            </a:r>
-            <a:r>
-              <a:rPr lang="en-US" dirty="0" err="1" smtClean="0"/>
-              <a:t>nhiều</a:t>
-            </a:r>
-            <a:r>
-              <a:rPr lang="en-US" dirty="0" smtClean="0"/>
-              <a:t> </a:t>
-            </a:r>
-            <a:r>
-              <a:rPr lang="en-US" dirty="0" err="1" smtClean="0"/>
-              <a:t>thời</a:t>
-            </a:r>
-            <a:r>
-              <a:rPr lang="en-US" dirty="0" smtClean="0"/>
-              <a:t> </a:t>
-            </a:r>
-            <a:r>
-              <a:rPr lang="en-US" dirty="0" err="1" smtClean="0"/>
-              <a:t>gian</a:t>
-            </a:r>
-            <a:r>
-              <a:rPr lang="en-US" dirty="0" smtClean="0"/>
-              <a:t> chi </a:t>
-            </a:r>
-            <a:r>
-              <a:rPr lang="en-US" dirty="0" err="1" smtClean="0"/>
-              <a:t>phí</a:t>
-            </a:r>
-            <a:r>
-              <a:rPr lang="en-US" dirty="0" smtClean="0"/>
-              <a:t> </a:t>
-            </a:r>
-            <a:r>
-              <a:rPr lang="en-US" dirty="0" err="1" smtClean="0"/>
-              <a:t>để</a:t>
-            </a:r>
-            <a:r>
-              <a:rPr lang="en-US" dirty="0" smtClean="0"/>
-              <a:t> </a:t>
-            </a:r>
-            <a:r>
-              <a:rPr lang="en-US" dirty="0" err="1" smtClean="0"/>
-              <a:t>thành</a:t>
-            </a:r>
-            <a:r>
-              <a:rPr lang="en-US" dirty="0" smtClean="0"/>
-              <a:t> </a:t>
-            </a:r>
-            <a:r>
-              <a:rPr lang="en-US" dirty="0" err="1" smtClean="0"/>
-              <a:t>lập</a:t>
-            </a:r>
-            <a:r>
-              <a:rPr lang="en-US" dirty="0" smtClean="0"/>
-              <a:t> </a:t>
-            </a:r>
-            <a:r>
-              <a:rPr lang="en-US" dirty="0" err="1" smtClean="0"/>
-              <a:t>một</a:t>
-            </a:r>
-            <a:r>
-              <a:rPr lang="en-US" dirty="0" smtClean="0"/>
-              <a:t> website </a:t>
-            </a:r>
-            <a:r>
-              <a:rPr lang="en-US" dirty="0" err="1" smtClean="0"/>
-              <a:t>bán</a:t>
-            </a:r>
-            <a:r>
-              <a:rPr lang="en-US" dirty="0" smtClean="0"/>
-              <a:t> </a:t>
-            </a:r>
-            <a:r>
-              <a:rPr lang="en-US" dirty="0" err="1" smtClean="0"/>
-              <a:t>hàng</a:t>
-            </a:r>
-            <a:r>
-              <a:rPr lang="en-US" dirty="0" smtClean="0"/>
-              <a:t> </a:t>
-            </a:r>
-            <a:r>
-              <a:rPr lang="en-US" dirty="0" err="1" smtClean="0"/>
-              <a:t>tốn</a:t>
-            </a:r>
-            <a:r>
-              <a:rPr lang="en-US" dirty="0" smtClean="0"/>
-              <a:t> </a:t>
-            </a:r>
-            <a:r>
-              <a:rPr lang="en-US" dirty="0" err="1" smtClean="0"/>
-              <a:t>kém</a:t>
-            </a:r>
-            <a:r>
-              <a:rPr lang="en-US" dirty="0" smtClean="0"/>
-              <a:t>.</a:t>
-            </a:r>
-          </a:p>
-        </p:txBody>
-      </p:sp>
-    </p:spTree>
-    <p:extLst>
-      <p:ext uri="{BB962C8B-B14F-4D97-AF65-F5344CB8AC3E}">
-        <p14:creationId xmlns:p14="http://schemas.microsoft.com/office/powerpoint/2010/main" val="3433576694"/>
-      </p:ext>
-    </p:extLst>
-  </p:cSld>
-  <p:clrMapOvr>
-    <a:masterClrMapping/>
-  </p:clrMapOvr>
-  <p:timing>
-    <p:tnLst>
-      <p:par>
-        <p:cTn id="1" dur="indefinite" restart="never" nodeType="tmRoot"/>
-      </p:par>
-    </p:tnLst>
-  </p:timing>
-</p:sld>
-</file>
-
-<file path=ppt/slides/slide15.xml><?xml version="1.0" encoding="utf-8"?>
-<p:sld xmlns:a="http://schemas.openxmlformats.org/drawingml/2006/main" xmlns:r="http://schemas.openxmlformats.org/officeDocument/2006/relationships" xmlns:p="http://schemas.openxmlformats.org/presentationml/2006/main">
-  <p:cSld>
-    <p:spTree>
-      <p:nvGrpSpPr>
-        <p:cNvPr id="1" name=""/>
-        <p:cNvGrpSpPr/>
-        <p:nvPr/>
-      </p:nvGrpSpPr>
-      <p:grpSpPr>
-        <a:xfrm>
-          <a:off x="0" y="0"/>
-          <a:ext cx="0" cy="0"/>
-          <a:chOff x="0" y="0"/>
-          <a:chExt cx="0" cy="0"/>
-        </a:xfrm>
-      </p:grpSpPr>
-      <p:sp>
-        <p:nvSpPr>
-          <p:cNvPr id="2" name="Title 1"/>
-          <p:cNvSpPr>
-            <a:spLocks noGrp="1"/>
-          </p:cNvSpPr>
-          <p:nvPr>
-            <p:ph type="title"/>
-          </p:nvPr>
-        </p:nvSpPr>
-        <p:spPr/>
-        <p:txBody>
-          <a:bodyPr/>
-          <a:lstStyle/>
-          <a:p>
-            <a:r>
-              <a:rPr lang="en-US" sz="2800" dirty="0" smtClean="0"/>
-              <a:t>GIỚI THIỆU CHUNG</a:t>
+              <a:rPr lang="en-US" sz="2800"/>
+              <a:t>II. GIỚI </a:t>
+            </a:r>
+            <a:r>
+              <a:rPr lang="en-US" sz="2800" dirty="0" smtClean="0"/>
+              <a:t>THIỆU CHUNG</a:t>
             </a:r>
             <a:endParaRPr lang="en-US" sz="2800" dirty="0"/>
           </a:p>
@@ -6726,7 +6582,7 @@
 </p:sld>
 </file>
 
-<file path=ppt/slides/slide16.xml><?xml version="1.0" encoding="utf-8"?>
+<file path=ppt/slides/slide15.xml><?xml version="1.0" encoding="utf-8"?>
 <p:sld xmlns:a="http://schemas.openxmlformats.org/drawingml/2006/main" xmlns:r="http://schemas.openxmlformats.org/officeDocument/2006/relationships" xmlns:p="http://schemas.openxmlformats.org/presentationml/2006/main">
   <p:cSld>
     <p:spTree>
@@ -6759,8 +6615,12 @@
           <a:lstStyle/>
           <a:p>
             <a:r>
-              <a:rPr lang="en-US" sz="2800" dirty="0" smtClean="0"/>
-              <a:t>CÁC CHỨC NĂNG CHÍNH</a:t>
+              <a:rPr lang="en-US" sz="2800"/>
+              <a:t>II. CÁC </a:t>
+            </a:r>
+            <a:r>
+              <a:rPr lang="en-US" sz="2800" dirty="0" smtClean="0"/>
+              <a:t>CHỨC NĂNG CHÍNH</a:t>
             </a:r>
             <a:endParaRPr lang="en-US" sz="2800" dirty="0"/>
           </a:p>
@@ -7429,7 +7289,7 @@
 </p:sld>
 </file>
 
-<file path=ppt/slides/slide17.xml><?xml version="1.0" encoding="utf-8"?>
+<file path=ppt/slides/slide16.xml><?xml version="1.0" encoding="utf-8"?>
 <p:sld xmlns:a="http://schemas.openxmlformats.org/drawingml/2006/main" xmlns:r="http://schemas.openxmlformats.org/officeDocument/2006/relationships" xmlns:p="http://schemas.openxmlformats.org/presentationml/2006/main">
   <p:cSld>
     <p:spTree>
@@ -7462,8 +7322,16 @@
           <a:lstStyle/>
           <a:p>
             <a:r>
+              <a:rPr lang="en-US" sz="2400"/>
+              <a:t>II. </a:t>
+            </a:r>
+            <a:r>
+              <a:rPr lang="en-US" smtClean="0"/>
+              <a:t>PHÂN </a:t>
+            </a:r>
+            <a:r>
               <a:rPr lang="en-US" dirty="0" smtClean="0"/>
-              <a:t>PHÂN HỆ GUEST</a:t>
+              <a:t>HỆ GUEST</a:t>
             </a:r>
             <a:endParaRPr lang="en-US" dirty="0"/>
           </a:p>
@@ -7900,7 +7768,7 @@
 </p:sld>
 </file>
 
-<file path=ppt/slides/slide18.xml><?xml version="1.0" encoding="utf-8"?>
+<file path=ppt/slides/slide17.xml><?xml version="1.0" encoding="utf-8"?>
 <p:sld xmlns:a="http://schemas.openxmlformats.org/drawingml/2006/main" xmlns:r="http://schemas.openxmlformats.org/officeDocument/2006/relationships" xmlns:p="http://schemas.openxmlformats.org/presentationml/2006/main">
   <p:cSld>
     <p:spTree>
@@ -7933,8 +7801,16 @@
           <a:lstStyle/>
           <a:p>
             <a:r>
+              <a:rPr lang="en-US" sz="2400"/>
+              <a:t>II. </a:t>
+            </a:r>
+            <a:r>
+              <a:rPr lang="en-US" smtClean="0"/>
+              <a:t>PHÂN </a:t>
+            </a:r>
+            <a:r>
               <a:rPr lang="en-US" dirty="0" smtClean="0"/>
-              <a:t>PHÂN HỆ GUEST</a:t>
+              <a:t>HỆ GUEST</a:t>
             </a:r>
             <a:endParaRPr lang="en-US" dirty="0"/>
           </a:p>
@@ -8349,7 +8225,7 @@
 </p:sld>
 </file>
 
-<file path=ppt/slides/slide19.xml><?xml version="1.0" encoding="utf-8"?>
+<file path=ppt/slides/slide18.xml><?xml version="1.0" encoding="utf-8"?>
 <p:sld xmlns:a="http://schemas.openxmlformats.org/drawingml/2006/main" xmlns:r="http://schemas.openxmlformats.org/officeDocument/2006/relationships" xmlns:p="http://schemas.openxmlformats.org/presentationml/2006/main">
   <p:cSld>
     <p:spTree>
@@ -8382,8 +8258,16 @@
           <a:lstStyle/>
           <a:p>
             <a:r>
+              <a:rPr lang="en-US" sz="2400"/>
+              <a:t>II. </a:t>
+            </a:r>
+            <a:r>
+              <a:rPr lang="en-US" smtClean="0"/>
+              <a:t>PHÂN </a:t>
+            </a:r>
+            <a:r>
               <a:rPr lang="en-US" dirty="0"/>
-              <a:t>PHÂN HỆ GUEST</a:t>
+              <a:t>HỆ GUEST</a:t>
             </a:r>
           </a:p>
         </p:txBody>
@@ -8750,129 +8634,7 @@
 </p:sld>
 </file>
 
-<file path=ppt/slides/slide2.xml><?xml version="1.0" encoding="utf-8"?>
-<p:sld xmlns:a="http://schemas.openxmlformats.org/drawingml/2006/main" xmlns:r="http://schemas.openxmlformats.org/officeDocument/2006/relationships" xmlns:p="http://schemas.openxmlformats.org/presentationml/2006/main">
-  <p:cSld>
-    <p:spTree>
-      <p:nvGrpSpPr>
-        <p:cNvPr id="1" name=""/>
-        <p:cNvGrpSpPr/>
-        <p:nvPr/>
-      </p:nvGrpSpPr>
-      <p:grpSpPr>
-        <a:xfrm>
-          <a:off x="0" y="0"/>
-          <a:ext cx="0" cy="0"/>
-          <a:chOff x="0" y="0"/>
-          <a:chExt cx="0" cy="0"/>
-        </a:xfrm>
-      </p:grpSpPr>
-      <p:sp>
-        <p:nvSpPr>
-          <p:cNvPr id="69640" name="Rectangle 8"/>
-          <p:cNvSpPr>
-            <a:spLocks noGrp="1" noChangeArrowheads="1"/>
-          </p:cNvSpPr>
-          <p:nvPr>
-            <p:ph type="title"/>
-          </p:nvPr>
-        </p:nvSpPr>
-        <p:spPr/>
-        <p:txBody>
-          <a:bodyPr/>
-          <a:lstStyle/>
-          <a:p>
-            <a:r>
-              <a:rPr lang="vi-VN" sz="2800" noProof="1" smtClean="0"/>
-              <a:t>Mục lục</a:t>
-            </a:r>
-            <a:endParaRPr lang="vi-VN" sz="2800" noProof="1"/>
-          </a:p>
-        </p:txBody>
-      </p:sp>
-      <p:sp>
-        <p:nvSpPr>
-          <p:cNvPr id="69641" name="Rectangle 9"/>
-          <p:cNvSpPr>
-            <a:spLocks noGrp="1" noChangeArrowheads="1"/>
-          </p:cNvSpPr>
-          <p:nvPr>
-            <p:ph type="body" idx="1"/>
-          </p:nvPr>
-        </p:nvSpPr>
-        <p:spPr/>
-        <p:txBody>
-          <a:bodyPr/>
-          <a:lstStyle/>
-          <a:p>
-            <a:pPr>
-              <a:lnSpc>
-                <a:spcPct val="150000"/>
-              </a:lnSpc>
-              <a:buFont typeface="Wingdings" pitchFamily="2" charset="2"/>
-              <a:buChar char="v"/>
-            </a:pPr>
-            <a:r>
-              <a:rPr lang="en-US" sz="3600" noProof="1" smtClean="0"/>
-              <a:t>Giới thiệu về Struts 2 và MVC</a:t>
-            </a:r>
-            <a:r>
-              <a:rPr lang="vi-VN" sz="3600" noProof="1" smtClean="0"/>
-              <a:t> </a:t>
-            </a:r>
-          </a:p>
-          <a:p>
-            <a:pPr>
-              <a:lnSpc>
-                <a:spcPct val="150000"/>
-              </a:lnSpc>
-              <a:buFont typeface="Wingdings" pitchFamily="2" charset="2"/>
-              <a:buChar char="v"/>
-            </a:pPr>
-            <a:r>
-              <a:rPr lang="en-US" sz="3600" noProof="1" smtClean="0"/>
-              <a:t>Giới thiệu ứng dụng</a:t>
-            </a:r>
-            <a:endParaRPr lang="vi-VN" sz="3600" noProof="1" smtClean="0"/>
-          </a:p>
-          <a:p>
-            <a:pPr>
-              <a:lnSpc>
-                <a:spcPct val="150000"/>
-              </a:lnSpc>
-              <a:buFont typeface="Wingdings" pitchFamily="2" charset="2"/>
-              <a:buChar char="v"/>
-            </a:pPr>
-            <a:r>
-              <a:rPr lang="en-US" sz="3600" noProof="1" smtClean="0"/>
-              <a:t>Đề xuất các hướng thực hiện</a:t>
-            </a:r>
-            <a:endParaRPr lang="de-DE" sz="3600" noProof="1"/>
-          </a:p>
-        </p:txBody>
-      </p:sp>
-    </p:spTree>
-    <p:extLst>
-      <p:ext uri="{BB962C8B-B14F-4D97-AF65-F5344CB8AC3E}">
-        <p14:creationId xmlns:p14="http://schemas.microsoft.com/office/powerpoint/2010/main" val="1623210822"/>
-      </p:ext>
-    </p:extLst>
-  </p:cSld>
-  <p:clrMapOvr>
-    <a:masterClrMapping/>
-  </p:clrMapOvr>
-  <p:transition/>
-  <p:timing>
-    <p:tnLst>
-      <p:par>
-        <p:cTn id="1" dur="indefinite" restart="never" nodeType="tmRoot"/>
-      </p:par>
-    </p:tnLst>
-  </p:timing>
-</p:sld>
-</file>
-
-<file path=ppt/slides/slide20.xml><?xml version="1.0" encoding="utf-8"?>
+<file path=ppt/slides/slide19.xml><?xml version="1.0" encoding="utf-8"?>
 <p:sld xmlns:a="http://schemas.openxmlformats.org/drawingml/2006/main" xmlns:r="http://schemas.openxmlformats.org/officeDocument/2006/relationships" xmlns:p="http://schemas.openxmlformats.org/presentationml/2006/main">
   <p:cSld>
     <p:spTree>
@@ -8905,8 +8667,16 @@
           <a:lstStyle/>
           <a:p>
             <a:r>
+              <a:rPr lang="en-US" sz="2400"/>
+              <a:t>II. </a:t>
+            </a:r>
+            <a:r>
+              <a:rPr lang="en-US" smtClean="0"/>
+              <a:t>PHÂN </a:t>
+            </a:r>
+            <a:r>
               <a:rPr lang="en-US" dirty="0"/>
-              <a:t>PHÂN HỆ GUEST</a:t>
+              <a:t>HỆ GUEST</a:t>
             </a:r>
           </a:p>
         </p:txBody>
@@ -9285,7 +9055,129 @@
 </p:sld>
 </file>
 
-<file path=ppt/slides/slide21.xml><?xml version="1.0" encoding="utf-8"?>
+<file path=ppt/slides/slide2.xml><?xml version="1.0" encoding="utf-8"?>
+<p:sld xmlns:a="http://schemas.openxmlformats.org/drawingml/2006/main" xmlns:r="http://schemas.openxmlformats.org/officeDocument/2006/relationships" xmlns:p="http://schemas.openxmlformats.org/presentationml/2006/main">
+  <p:cSld>
+    <p:spTree>
+      <p:nvGrpSpPr>
+        <p:cNvPr id="1" name=""/>
+        <p:cNvGrpSpPr/>
+        <p:nvPr/>
+      </p:nvGrpSpPr>
+      <p:grpSpPr>
+        <a:xfrm>
+          <a:off x="0" y="0"/>
+          <a:ext cx="0" cy="0"/>
+          <a:chOff x="0" y="0"/>
+          <a:chExt cx="0" cy="0"/>
+        </a:xfrm>
+      </p:grpSpPr>
+      <p:sp>
+        <p:nvSpPr>
+          <p:cNvPr id="69640" name="Rectangle 8"/>
+          <p:cNvSpPr>
+            <a:spLocks noGrp="1" noChangeArrowheads="1"/>
+          </p:cNvSpPr>
+          <p:nvPr>
+            <p:ph type="title"/>
+          </p:nvPr>
+        </p:nvSpPr>
+        <p:spPr/>
+        <p:txBody>
+          <a:bodyPr/>
+          <a:lstStyle/>
+          <a:p>
+            <a:r>
+              <a:rPr lang="vi-VN" sz="2800" noProof="1" smtClean="0"/>
+              <a:t>Mục lục</a:t>
+            </a:r>
+            <a:endParaRPr lang="vi-VN" sz="2800" noProof="1"/>
+          </a:p>
+        </p:txBody>
+      </p:sp>
+      <p:sp>
+        <p:nvSpPr>
+          <p:cNvPr id="69641" name="Rectangle 9"/>
+          <p:cNvSpPr>
+            <a:spLocks noGrp="1" noChangeArrowheads="1"/>
+          </p:cNvSpPr>
+          <p:nvPr>
+            <p:ph type="body" idx="1"/>
+          </p:nvPr>
+        </p:nvSpPr>
+        <p:spPr/>
+        <p:txBody>
+          <a:bodyPr/>
+          <a:lstStyle/>
+          <a:p>
+            <a:pPr>
+              <a:lnSpc>
+                <a:spcPct val="150000"/>
+              </a:lnSpc>
+              <a:buFont typeface="Wingdings" pitchFamily="2" charset="2"/>
+              <a:buChar char="v"/>
+            </a:pPr>
+            <a:r>
+              <a:rPr lang="en-US" sz="3600" noProof="1" smtClean="0"/>
+              <a:t>Giới thiệu về Struts 2 và MVC</a:t>
+            </a:r>
+            <a:r>
+              <a:rPr lang="vi-VN" sz="3600" noProof="1" smtClean="0"/>
+              <a:t> </a:t>
+            </a:r>
+          </a:p>
+          <a:p>
+            <a:pPr>
+              <a:lnSpc>
+                <a:spcPct val="150000"/>
+              </a:lnSpc>
+              <a:buFont typeface="Wingdings" pitchFamily="2" charset="2"/>
+              <a:buChar char="v"/>
+            </a:pPr>
+            <a:r>
+              <a:rPr lang="en-US" sz="3600" noProof="1" smtClean="0"/>
+              <a:t>Giới thiệu ứng dụng</a:t>
+            </a:r>
+            <a:endParaRPr lang="vi-VN" sz="3600" noProof="1" smtClean="0"/>
+          </a:p>
+          <a:p>
+            <a:pPr>
+              <a:lnSpc>
+                <a:spcPct val="150000"/>
+              </a:lnSpc>
+              <a:buFont typeface="Wingdings" pitchFamily="2" charset="2"/>
+              <a:buChar char="v"/>
+            </a:pPr>
+            <a:r>
+              <a:rPr lang="en-US" sz="3600" noProof="1" smtClean="0"/>
+              <a:t>Đề xuất các hướng thực hiện</a:t>
+            </a:r>
+            <a:endParaRPr lang="de-DE" sz="3600" noProof="1"/>
+          </a:p>
+        </p:txBody>
+      </p:sp>
+    </p:spTree>
+    <p:extLst>
+      <p:ext uri="{BB962C8B-B14F-4D97-AF65-F5344CB8AC3E}">
+        <p14:creationId xmlns:p14="http://schemas.microsoft.com/office/powerpoint/2010/main" val="1623210822"/>
+      </p:ext>
+    </p:extLst>
+  </p:cSld>
+  <p:clrMapOvr>
+    <a:masterClrMapping/>
+  </p:clrMapOvr>
+  <p:transition/>
+  <p:timing>
+    <p:tnLst>
+      <p:par>
+        <p:cTn id="1" dur="indefinite" restart="never" nodeType="tmRoot"/>
+      </p:par>
+    </p:tnLst>
+  </p:timing>
+</p:sld>
+</file>
+
+<file path=ppt/slides/slide20.xml><?xml version="1.0" encoding="utf-8"?>
 <p:sld xmlns:a="http://schemas.openxmlformats.org/drawingml/2006/main" xmlns:r="http://schemas.openxmlformats.org/officeDocument/2006/relationships" xmlns:p="http://schemas.openxmlformats.org/presentationml/2006/main">
   <p:cSld>
     <p:spTree>
@@ -9318,8 +9210,16 @@
           <a:lstStyle/>
           <a:p>
             <a:r>
+              <a:rPr lang="en-US" sz="2400"/>
+              <a:t>II. </a:t>
+            </a:r>
+            <a:r>
+              <a:rPr lang="en-US" smtClean="0"/>
+              <a:t>PHÂN </a:t>
+            </a:r>
+            <a:r>
               <a:rPr lang="en-US" dirty="0"/>
-              <a:t>PHÂN HỆ GUEST</a:t>
+              <a:t>HỆ GUEST</a:t>
             </a:r>
           </a:p>
         </p:txBody>
@@ -9561,7 +9461,7 @@
 </p:sld>
 </file>
 
-<file path=ppt/slides/slide22.xml><?xml version="1.0" encoding="utf-8"?>
+<file path=ppt/slides/slide21.xml><?xml version="1.0" encoding="utf-8"?>
 <p:sld xmlns:a="http://schemas.openxmlformats.org/drawingml/2006/main" xmlns:r="http://schemas.openxmlformats.org/officeDocument/2006/relationships" xmlns:p="http://schemas.openxmlformats.org/presentationml/2006/main">
   <p:cSld>
     <p:spTree>
@@ -9594,8 +9494,16 @@
           <a:lstStyle/>
           <a:p>
             <a:r>
+              <a:rPr lang="en-US" sz="2400"/>
+              <a:t>II. </a:t>
+            </a:r>
+            <a:r>
+              <a:rPr lang="en-US" smtClean="0"/>
+              <a:t>PHÂN </a:t>
+            </a:r>
+            <a:r>
               <a:rPr lang="en-US" dirty="0" smtClean="0"/>
-              <a:t>PHÂN HỆ MEMBER THƯỜNG</a:t>
+              <a:t>HỆ MEMBER THƯỜNG</a:t>
             </a:r>
             <a:endParaRPr lang="en-US" dirty="0"/>
           </a:p>
@@ -10346,7 +10254,7 @@
 </p:sld>
 </file>
 
-<file path=ppt/slides/slide23.xml><?xml version="1.0" encoding="utf-8"?>
+<file path=ppt/slides/slide22.xml><?xml version="1.0" encoding="utf-8"?>
 <p:sld xmlns:a="http://schemas.openxmlformats.org/drawingml/2006/main" xmlns:r="http://schemas.openxmlformats.org/officeDocument/2006/relationships" xmlns:p="http://schemas.openxmlformats.org/presentationml/2006/main">
   <p:cSld>
     <p:spTree>
@@ -10379,8 +10287,16 @@
           <a:lstStyle/>
           <a:p>
             <a:r>
+              <a:rPr lang="en-US" sz="2400"/>
+              <a:t>II. </a:t>
+            </a:r>
+            <a:r>
+              <a:rPr lang="en-US" smtClean="0"/>
+              <a:t>PHÂN </a:t>
+            </a:r>
+            <a:r>
               <a:rPr lang="en-US" dirty="0" smtClean="0"/>
-              <a:t>PHÂN HỆ MEMBER CHỦ GIAN HÀNG</a:t>
+              <a:t>HỆ MEMBER CHỦ GIAN HÀNG</a:t>
             </a:r>
             <a:endParaRPr lang="en-US" dirty="0"/>
           </a:p>
@@ -11033,7 +10949,7 @@
 </p:sld>
 </file>
 
-<file path=ppt/slides/slide24.xml><?xml version="1.0" encoding="utf-8"?>
+<file path=ppt/slides/slide23.xml><?xml version="1.0" encoding="utf-8"?>
 <p:sld xmlns:a="http://schemas.openxmlformats.org/drawingml/2006/main" xmlns:r="http://schemas.openxmlformats.org/officeDocument/2006/relationships" xmlns:p="http://schemas.openxmlformats.org/presentationml/2006/main">
   <p:cSld>
     <p:spTree>
@@ -11066,8 +10982,16 @@
           <a:lstStyle/>
           <a:p>
             <a:r>
+              <a:rPr lang="en-US" sz="2400"/>
+              <a:t>II. </a:t>
+            </a:r>
+            <a:r>
+              <a:rPr lang="en-US" smtClean="0"/>
+              <a:t>PHÂN </a:t>
+            </a:r>
+            <a:r>
               <a:rPr lang="en-US" dirty="0" smtClean="0"/>
-              <a:t>PHÂN HỆ MEMBER CHỦ GIAN HÀNG</a:t>
+              <a:t>HỆ MEMBER CHỦ GIAN HÀNG</a:t>
             </a:r>
             <a:endParaRPr lang="en-US" dirty="0"/>
           </a:p>
@@ -11989,7 +11913,7 @@
 </p:sld>
 </file>
 
-<file path=ppt/slides/slide25.xml><?xml version="1.0" encoding="utf-8"?>
+<file path=ppt/slides/slide24.xml><?xml version="1.0" encoding="utf-8"?>
 <p:sld xmlns:a="http://schemas.openxmlformats.org/drawingml/2006/main" xmlns:r="http://schemas.openxmlformats.org/officeDocument/2006/relationships" xmlns:p="http://schemas.openxmlformats.org/presentationml/2006/main">
   <p:cSld>
     <p:spTree>
@@ -12022,8 +11946,16 @@
           <a:lstStyle/>
           <a:p>
             <a:r>
+              <a:rPr lang="en-US" sz="2400"/>
+              <a:t>II. </a:t>
+            </a:r>
+            <a:r>
+              <a:rPr lang="en-US" smtClean="0"/>
+              <a:t>PHÂN </a:t>
+            </a:r>
+            <a:r>
               <a:rPr lang="en-US" dirty="0" smtClean="0"/>
-              <a:t>PHÂN HỆ MOD</a:t>
+              <a:t>HỆ MOD</a:t>
             </a:r>
             <a:endParaRPr lang="en-US" dirty="0"/>
           </a:p>
@@ -12894,7 +12826,7 @@
 </p:sld>
 </file>
 
-<file path=ppt/slides/slide26.xml><?xml version="1.0" encoding="utf-8"?>
+<file path=ppt/slides/slide25.xml><?xml version="1.0" encoding="utf-8"?>
 <p:sld xmlns:a="http://schemas.openxmlformats.org/drawingml/2006/main" xmlns:r="http://schemas.openxmlformats.org/officeDocument/2006/relationships" xmlns:p="http://schemas.openxmlformats.org/presentationml/2006/main">
   <p:cSld>
     <p:spTree>
@@ -12927,8 +12859,16 @@
           <a:lstStyle/>
           <a:p>
             <a:r>
+              <a:rPr lang="en-US" sz="2400"/>
+              <a:t>II. </a:t>
+            </a:r>
+            <a:r>
+              <a:rPr lang="en-US" smtClean="0"/>
+              <a:t>PHÂN </a:t>
+            </a:r>
+            <a:r>
               <a:rPr lang="en-US" dirty="0"/>
-              <a:t>PHÂN HỆ MOD</a:t>
+              <a:t>HỆ MOD</a:t>
             </a:r>
           </a:p>
         </p:txBody>
@@ -13453,6 +13393,186 @@
 </p:sld>
 </file>
 
+<file path=ppt/slides/slide26.xml><?xml version="1.0" encoding="utf-8"?>
+<p:sld xmlns:a="http://schemas.openxmlformats.org/drawingml/2006/main" xmlns:r="http://schemas.openxmlformats.org/officeDocument/2006/relationships" xmlns:p="http://schemas.openxmlformats.org/presentationml/2006/main">
+  <p:cSld>
+    <p:spTree>
+      <p:nvGrpSpPr>
+        <p:cNvPr id="1" name=""/>
+        <p:cNvGrpSpPr/>
+        <p:nvPr/>
+      </p:nvGrpSpPr>
+      <p:grpSpPr>
+        <a:xfrm>
+          <a:off x="0" y="0"/>
+          <a:ext cx="0" cy="0"/>
+          <a:chOff x="0" y="0"/>
+          <a:chExt cx="0" cy="0"/>
+        </a:xfrm>
+      </p:grpSpPr>
+      <p:sp>
+        <p:nvSpPr>
+          <p:cNvPr id="2" name="Title 1"/>
+          <p:cNvSpPr>
+            <a:spLocks noGrp="1"/>
+          </p:cNvSpPr>
+          <p:nvPr>
+            <p:ph type="title"/>
+          </p:nvPr>
+        </p:nvSpPr>
+        <p:spPr/>
+        <p:txBody>
+          <a:bodyPr/>
+          <a:lstStyle/>
+          <a:p>
+            <a:r>
+              <a:rPr lang="en-US" sz="2400"/>
+              <a:t>II. </a:t>
+            </a:r>
+            <a:r>
+              <a:rPr lang="en-US" smtClean="0"/>
+              <a:t>PHÂN </a:t>
+            </a:r>
+            <a:r>
+              <a:rPr lang="en-US" dirty="0"/>
+              <a:t>HỆ </a:t>
+            </a:r>
+            <a:r>
+              <a:rPr lang="en-US" dirty="0" smtClean="0"/>
+              <a:t>ADMIN</a:t>
+            </a:r>
+            <a:endParaRPr lang="en-US" dirty="0"/>
+          </a:p>
+        </p:txBody>
+      </p:sp>
+      <p:sp>
+        <p:nvSpPr>
+          <p:cNvPr id="3" name="Content Placeholder 2"/>
+          <p:cNvSpPr>
+            <a:spLocks noGrp="1"/>
+          </p:cNvSpPr>
+          <p:nvPr>
+            <p:ph idx="1"/>
+          </p:nvPr>
+        </p:nvSpPr>
+        <p:spPr/>
+        <p:txBody>
+          <a:bodyPr/>
+          <a:lstStyle/>
+          <a:p>
+            <a:pPr>
+              <a:buFont typeface="Wingdings" pitchFamily="2" charset="2"/>
+              <a:buChar char="v"/>
+            </a:pPr>
+            <a:r>
+              <a:rPr lang="en-US" sz="2800" dirty="0" err="1" smtClean="0"/>
+              <a:t>Quản</a:t>
+            </a:r>
+            <a:r>
+              <a:rPr lang="en-US" sz="2800" dirty="0" smtClean="0"/>
+              <a:t> </a:t>
+            </a:r>
+            <a:r>
+              <a:rPr lang="en-US" sz="2800" dirty="0" err="1" smtClean="0"/>
+              <a:t>lý</a:t>
+            </a:r>
+            <a:r>
+              <a:rPr lang="en-US" sz="2800" dirty="0" smtClean="0"/>
+              <a:t> </a:t>
+            </a:r>
+            <a:r>
+              <a:rPr lang="en-US" sz="2800" dirty="0" err="1" smtClean="0"/>
+              <a:t>thành</a:t>
+            </a:r>
+            <a:r>
+              <a:rPr lang="en-US" sz="2800" dirty="0" smtClean="0"/>
+              <a:t> </a:t>
+            </a:r>
+            <a:r>
+              <a:rPr lang="en-US" sz="2800" dirty="0" err="1" smtClean="0"/>
+              <a:t>viên</a:t>
+            </a:r>
+            <a:endParaRPr lang="en-US" sz="2800" dirty="0" smtClean="0"/>
+          </a:p>
+          <a:p>
+            <a:pPr lvl="1">
+              <a:buFont typeface="Wingdings" pitchFamily="2" charset="2"/>
+              <a:buChar char="Ø"/>
+            </a:pPr>
+            <a:r>
+              <a:rPr lang="en-US" sz="2600" dirty="0" smtClean="0"/>
+              <a:t>Member </a:t>
+            </a:r>
+            <a:r>
+              <a:rPr lang="en-US" sz="2600" dirty="0" err="1" smtClean="0"/>
+              <a:t>thường</a:t>
+            </a:r>
+            <a:endParaRPr lang="en-US" sz="2600" dirty="0" smtClean="0"/>
+          </a:p>
+          <a:p>
+            <a:pPr lvl="1">
+              <a:buFont typeface="Wingdings" pitchFamily="2" charset="2"/>
+              <a:buChar char="Ø"/>
+            </a:pPr>
+            <a:r>
+              <a:rPr lang="en-US" sz="2600" dirty="0" smtClean="0"/>
+              <a:t>Member </a:t>
+            </a:r>
+            <a:r>
+              <a:rPr lang="en-US" sz="2600" dirty="0" err="1" smtClean="0"/>
+              <a:t>chủ</a:t>
+            </a:r>
+            <a:r>
+              <a:rPr lang="en-US" sz="2600" dirty="0" smtClean="0"/>
+              <a:t> </a:t>
+            </a:r>
+            <a:r>
+              <a:rPr lang="en-US" sz="2600" dirty="0" err="1" smtClean="0"/>
+              <a:t>gian</a:t>
+            </a:r>
+            <a:r>
+              <a:rPr lang="en-US" sz="2600" dirty="0" smtClean="0"/>
+              <a:t> </a:t>
+            </a:r>
+            <a:r>
+              <a:rPr lang="en-US" sz="2600" dirty="0" err="1" smtClean="0"/>
+              <a:t>hàng</a:t>
+            </a:r>
+            <a:endParaRPr lang="en-US" sz="2600" dirty="0" smtClean="0"/>
+          </a:p>
+          <a:p>
+            <a:pPr lvl="1">
+              <a:buFont typeface="Wingdings" pitchFamily="2" charset="2"/>
+              <a:buChar char="Ø"/>
+            </a:pPr>
+            <a:r>
+              <a:rPr lang="en-US" sz="2600" dirty="0" smtClean="0"/>
+              <a:t>Mod</a:t>
+            </a:r>
+            <a:endParaRPr lang="en-US" sz="2600" dirty="0"/>
+          </a:p>
+        </p:txBody>
+      </p:sp>
+    </p:spTree>
+    <p:extLst>
+      <p:ext uri="{BB962C8B-B14F-4D97-AF65-F5344CB8AC3E}">
+        <p14:creationId xmlns:p14="http://schemas.microsoft.com/office/powerpoint/2010/main" val="463581754"/>
+      </p:ext>
+    </p:extLst>
+  </p:cSld>
+  <p:clrMapOvr>
+    <a:masterClrMapping/>
+  </p:clrMapOvr>
+  <p:timing>
+    <p:tnLst>
+      <p:par>
+        <p:cTn id="1" dur="indefinite" restart="never" nodeType="tmRoot"/>
+      </p:par>
+    </p:tnLst>
+  </p:timing>
+</p:sld>
+</file>
+
 <file path=ppt/slides/slide27.xml><?xml version="1.0" encoding="utf-8"?>
 <p:sld xmlns:a="http://schemas.openxmlformats.org/drawingml/2006/main" xmlns:r="http://schemas.openxmlformats.org/officeDocument/2006/relationships" xmlns:p="http://schemas.openxmlformats.org/presentationml/2006/main">
   <p:cSld>
@@ -13486,14 +13606,10 @@
           <a:lstStyle/>
           <a:p>
             <a:r>
-              <a:rPr lang="en-US" dirty="0"/>
-              <a:t>PHÂN HỆ </a:t>
-            </a:r>
-            <a:r>
-              <a:rPr lang="en-US" dirty="0" smtClean="0"/>
-              <a:t>ADMIN</a:t>
-            </a:r>
-            <a:endParaRPr lang="en-US" dirty="0"/>
+              <a:rPr lang="vi-VN" noProof="1" smtClean="0"/>
+              <a:t>III. Đề xuất ứng dụng</a:t>
+            </a:r>
+            <a:endParaRPr lang="vi-VN"/>
           </a:p>
         </p:txBody>
       </p:sp>
@@ -13512,103 +13628,64 @@
           <a:bodyPr/>
           <a:lstStyle/>
           <a:p>
-            <a:pPr>
-              <a:buFont typeface="Wingdings" pitchFamily="2" charset="2"/>
-              <a:buChar char="v"/>
-            </a:pPr>
-            <a:r>
-              <a:rPr lang="en-US" sz="2800" dirty="0" err="1" smtClean="0"/>
-              <a:t>Quản</a:t>
-            </a:r>
-            <a:r>
-              <a:rPr lang="en-US" sz="2800" dirty="0" smtClean="0"/>
-              <a:t> </a:t>
-            </a:r>
-            <a:r>
-              <a:rPr lang="en-US" sz="2800" dirty="0" err="1" smtClean="0"/>
-              <a:t>lý</a:t>
-            </a:r>
-            <a:r>
-              <a:rPr lang="en-US" sz="2800" dirty="0" smtClean="0"/>
-              <a:t> </a:t>
-            </a:r>
-            <a:r>
-              <a:rPr lang="en-US" sz="2800" dirty="0" err="1" smtClean="0"/>
-              <a:t>thành</a:t>
-            </a:r>
-            <a:r>
-              <a:rPr lang="en-US" sz="2800" dirty="0" smtClean="0"/>
-              <a:t> </a:t>
-            </a:r>
-            <a:r>
-              <a:rPr lang="en-US" sz="2800" dirty="0" err="1" smtClean="0"/>
-              <a:t>viên</a:t>
-            </a:r>
-            <a:endParaRPr lang="en-US" sz="2800" dirty="0" smtClean="0"/>
-          </a:p>
-          <a:p>
-            <a:pPr lvl="1">
-              <a:buFont typeface="Wingdings" pitchFamily="2" charset="2"/>
-              <a:buChar char="Ø"/>
-            </a:pPr>
-            <a:r>
-              <a:rPr lang="en-US" sz="2600" dirty="0" smtClean="0"/>
-              <a:t>Member </a:t>
-            </a:r>
-            <a:r>
-              <a:rPr lang="en-US" sz="2600" dirty="0" err="1" smtClean="0"/>
-              <a:t>thường</a:t>
-            </a:r>
-            <a:endParaRPr lang="en-US" sz="2600" dirty="0" smtClean="0"/>
-          </a:p>
-          <a:p>
-            <a:pPr lvl="1">
-              <a:buFont typeface="Wingdings" pitchFamily="2" charset="2"/>
-              <a:buChar char="Ø"/>
-            </a:pPr>
-            <a:r>
-              <a:rPr lang="en-US" sz="2600" dirty="0" smtClean="0"/>
-              <a:t>Member </a:t>
-            </a:r>
-            <a:r>
-              <a:rPr lang="en-US" sz="2600" dirty="0" err="1" smtClean="0"/>
-              <a:t>chủ</a:t>
-            </a:r>
-            <a:r>
-              <a:rPr lang="en-US" sz="2600" dirty="0" smtClean="0"/>
-              <a:t> </a:t>
-            </a:r>
-            <a:r>
-              <a:rPr lang="en-US" sz="2600" dirty="0" err="1" smtClean="0"/>
-              <a:t>gian</a:t>
-            </a:r>
-            <a:r>
-              <a:rPr lang="en-US" sz="2600" dirty="0" smtClean="0"/>
-              <a:t> </a:t>
-            </a:r>
-            <a:r>
-              <a:rPr lang="en-US" sz="2600" dirty="0" err="1" smtClean="0"/>
-              <a:t>hàng</a:t>
-            </a:r>
-            <a:endParaRPr lang="en-US" sz="2600" dirty="0" smtClean="0"/>
-          </a:p>
-          <a:p>
-            <a:pPr lvl="1">
-              <a:buFont typeface="Wingdings" pitchFamily="2" charset="2"/>
-              <a:buChar char="Ø"/>
-            </a:pPr>
-            <a:r>
-              <a:rPr lang="en-US" sz="2600" dirty="0" smtClean="0"/>
-              <a:t>Mod</a:t>
-            </a:r>
-            <a:endParaRPr lang="en-US" sz="2600" dirty="0"/>
+            <a:r>
+              <a:rPr lang="vi-VN" smtClean="0"/>
+              <a:t> Mô hình MVC (Model-View-Controller): chia ứng dụng thành 3 thành phần riêng biệt: Model (mẫu), View (hiển thị), và Controller (điều khiển).</a:t>
+            </a:r>
+          </a:p>
+          <a:p>
+            <a:r>
+              <a:rPr lang="vi-VN" smtClean="0"/>
+              <a:t>3 component này độc lập và có nhiệm vụ riêng, không ảnh hưởng nhau.</a:t>
+            </a:r>
           </a:p>
         </p:txBody>
       </p:sp>
+      <p:pic>
+        <p:nvPicPr>
+          <p:cNvPr id="2052" name="Picture 4" descr="http://www.giancon.me/sites/default/files/mvc-rails.png"/>
+          <p:cNvPicPr>
+            <a:picLocks noChangeAspect="1" noChangeArrowheads="1"/>
+          </p:cNvPicPr>
+          <p:nvPr/>
+        </p:nvPicPr>
+        <p:blipFill>
+          <a:blip r:embed="rId2">
+            <a:extLst>
+              <a:ext uri="{28A0092B-C50C-407E-A947-70E740481C1C}">
+                <a14:useLocalDpi xmlns:a14="http://schemas.microsoft.com/office/drawing/2010/main" val="0"/>
+              </a:ext>
+            </a:extLst>
+          </a:blip>
+          <a:srcRect/>
+          <a:stretch>
+            <a:fillRect/>
+          </a:stretch>
+        </p:blipFill>
+        <p:spPr bwMode="auto">
+          <a:xfrm>
+            <a:off x="2422257" y="2678269"/>
+            <a:ext cx="3952785" cy="3731429"/>
+          </a:xfrm>
+          <a:prstGeom prst="rect">
+            <a:avLst/>
+          </a:prstGeom>
+          <a:noFill/>
+          <a:extLst>
+            <a:ext uri="{909E8E84-426E-40DD-AFC4-6F175D3DCCD1}">
+              <a14:hiddenFill xmlns:a14="http://schemas.microsoft.com/office/drawing/2010/main">
+                <a:solidFill>
+                  <a:srgbClr val="FFFFFF"/>
+                </a:solidFill>
+              </a14:hiddenFill>
+            </a:ext>
+          </a:extLst>
+        </p:spPr>
+      </p:pic>
     </p:spTree>
     <p:extLst>
       <p:ext uri="{BB962C8B-B14F-4D97-AF65-F5344CB8AC3E}">
-        <p14:creationId xmlns:p14="http://schemas.microsoft.com/office/powerpoint/2010/main" val="463581754"/>
+        <p14:creationId xmlns:p14="http://schemas.microsoft.com/office/powerpoint/2010/main" val="1376980508"/>
       </p:ext>
     </p:extLst>
   </p:cSld>
@@ -13622,6 +13699,284 @@
       </p:par>
     </p:tnLst>
   </p:timing>
+</p:sld>
+</file>
+
+<file path=ppt/slides/slide28.xml><?xml version="1.0" encoding="utf-8"?>
+<p:sld xmlns:a="http://schemas.openxmlformats.org/drawingml/2006/main" xmlns:r="http://schemas.openxmlformats.org/officeDocument/2006/relationships" xmlns:p="http://schemas.openxmlformats.org/presentationml/2006/main">
+  <p:cSld>
+    <p:spTree>
+      <p:nvGrpSpPr>
+        <p:cNvPr id="1" name=""/>
+        <p:cNvGrpSpPr/>
+        <p:nvPr/>
+      </p:nvGrpSpPr>
+      <p:grpSpPr>
+        <a:xfrm>
+          <a:off x="0" y="0"/>
+          <a:ext cx="0" cy="0"/>
+          <a:chOff x="0" y="0"/>
+          <a:chExt cx="0" cy="0"/>
+        </a:xfrm>
+      </p:grpSpPr>
+      <p:sp>
+        <p:nvSpPr>
+          <p:cNvPr id="2" name="Title 1"/>
+          <p:cNvSpPr>
+            <a:spLocks noGrp="1"/>
+          </p:cNvSpPr>
+          <p:nvPr>
+            <p:ph type="title"/>
+          </p:nvPr>
+        </p:nvSpPr>
+        <p:spPr/>
+        <p:txBody>
+          <a:bodyPr/>
+          <a:lstStyle/>
+          <a:p>
+            <a:r>
+              <a:rPr lang="vi-VN" noProof="1"/>
+              <a:t>III. Đề xuất ứng dụng</a:t>
+            </a:r>
+            <a:endParaRPr lang="vi-VN"/>
+          </a:p>
+        </p:txBody>
+      </p:sp>
+      <p:sp>
+        <p:nvSpPr>
+          <p:cNvPr id="3" name="Content Placeholder 2"/>
+          <p:cNvSpPr>
+            <a:spLocks noGrp="1"/>
+          </p:cNvSpPr>
+          <p:nvPr>
+            <p:ph idx="1"/>
+          </p:nvPr>
+        </p:nvSpPr>
+        <p:spPr/>
+        <p:txBody>
+          <a:bodyPr/>
+          <a:lstStyle/>
+          <a:p>
+            <a:r>
+              <a:rPr lang="vi-VN" smtClean="0"/>
+              <a:t>Trong ứng dụng này, sử dụng apache Tomcat và MySQL</a:t>
+            </a:r>
+          </a:p>
+          <a:p>
+            <a:r>
+              <a:rPr lang="vi-VN" smtClean="0"/>
+              <a:t>Mô hình ứng dụng có kết hợp MVC vào Struts2 </a:t>
+            </a:r>
+            <a:endParaRPr lang="vi-VN"/>
+          </a:p>
+        </p:txBody>
+      </p:sp>
+      <p:pic>
+        <p:nvPicPr>
+          <p:cNvPr id="3074" name="Picture 2"/>
+          <p:cNvPicPr>
+            <a:picLocks noChangeAspect="1" noChangeArrowheads="1"/>
+          </p:cNvPicPr>
+          <p:nvPr/>
+        </p:nvPicPr>
+        <p:blipFill>
+          <a:blip r:embed="rId2">
+            <a:extLst>
+              <a:ext uri="{28A0092B-C50C-407E-A947-70E740481C1C}">
+                <a14:useLocalDpi xmlns:a14="http://schemas.microsoft.com/office/drawing/2010/main" val="0"/>
+              </a:ext>
+            </a:extLst>
+          </a:blip>
+          <a:srcRect/>
+          <a:stretch>
+            <a:fillRect/>
+          </a:stretch>
+        </p:blipFill>
+        <p:spPr bwMode="auto">
+          <a:xfrm>
+            <a:off x="828675" y="2686252"/>
+            <a:ext cx="7486650" cy="3571875"/>
+          </a:xfrm>
+          <a:prstGeom prst="rect">
+            <a:avLst/>
+          </a:prstGeom>
+          <a:noFill/>
+          <a:ln>
+            <a:noFill/>
+          </a:ln>
+          <a:effectLst/>
+          <a:extLst>
+            <a:ext uri="{909E8E84-426E-40DD-AFC4-6F175D3DCCD1}">
+              <a14:hiddenFill xmlns:a14="http://schemas.microsoft.com/office/drawing/2010/main">
+                <a:solidFill>
+                  <a:schemeClr val="accent1"/>
+                </a:solidFill>
+              </a14:hiddenFill>
+            </a:ext>
+            <a:ext uri="{91240B29-F687-4F45-9708-019B960494DF}">
+              <a14:hiddenLine xmlns:a14="http://schemas.microsoft.com/office/drawing/2010/main" w="9525">
+                <a:solidFill>
+                  <a:schemeClr val="tx1"/>
+                </a:solidFill>
+                <a:miter lim="800000"/>
+                <a:headEnd/>
+                <a:tailEnd/>
+              </a14:hiddenLine>
+            </a:ext>
+            <a:ext uri="{AF507438-7753-43E0-B8FC-AC1667EBCBE1}">
+              <a14:hiddenEffects xmlns:a14="http://schemas.microsoft.com/office/drawing/2010/main">
+                <a:effectLst>
+                  <a:outerShdw dist="35921" dir="2700000" algn="ctr" rotWithShape="0">
+                    <a:schemeClr val="bg2"/>
+                  </a:outerShdw>
+                </a:effectLst>
+              </a14:hiddenEffects>
+            </a:ext>
+          </a:extLst>
+        </p:spPr>
+      </p:pic>
+    </p:spTree>
+    <p:extLst>
+      <p:ext uri="{BB962C8B-B14F-4D97-AF65-F5344CB8AC3E}">
+        <p14:creationId xmlns:p14="http://schemas.microsoft.com/office/powerpoint/2010/main" val="2176257332"/>
+      </p:ext>
+    </p:extLst>
+  </p:cSld>
+  <p:clrMapOvr>
+    <a:masterClrMapping/>
+  </p:clrMapOvr>
+  <p:timing>
+    <p:tnLst>
+      <p:par>
+        <p:cTn id="1" dur="indefinite" restart="never" nodeType="tmRoot"/>
+      </p:par>
+    </p:tnLst>
+  </p:timing>
+</p:sld>
+</file>
+
+<file path=ppt/slides/slide29.xml><?xml version="1.0" encoding="utf-8"?>
+<p:sld xmlns:a="http://schemas.openxmlformats.org/drawingml/2006/main" xmlns:r="http://schemas.openxmlformats.org/officeDocument/2006/relationships" xmlns:p="http://schemas.openxmlformats.org/presentationml/2006/main">
+  <p:cSld>
+    <p:spTree>
+      <p:nvGrpSpPr>
+        <p:cNvPr id="1" name=""/>
+        <p:cNvGrpSpPr/>
+        <p:nvPr/>
+      </p:nvGrpSpPr>
+      <p:grpSpPr>
+        <a:xfrm>
+          <a:off x="0" y="0"/>
+          <a:ext cx="0" cy="0"/>
+          <a:chOff x="0" y="0"/>
+          <a:chExt cx="0" cy="0"/>
+        </a:xfrm>
+      </p:grpSpPr>
+      <p:sp>
+        <p:nvSpPr>
+          <p:cNvPr id="2" name="Title 1"/>
+          <p:cNvSpPr>
+            <a:spLocks noGrp="1"/>
+          </p:cNvSpPr>
+          <p:nvPr>
+            <p:ph type="title"/>
+          </p:nvPr>
+        </p:nvSpPr>
+        <p:spPr/>
+        <p:txBody>
+          <a:bodyPr/>
+          <a:lstStyle/>
+          <a:p>
+            <a:r>
+              <a:rPr lang="en-US" smtClean="0"/>
+              <a:t>III. </a:t>
+            </a:r>
+            <a:r>
+              <a:rPr lang="en-US" sz="2800" noProof="1"/>
+              <a:t>Đề xuất các hướng thực hiện</a:t>
+            </a:r>
+            <a:r>
+              <a:rPr lang="de-DE" sz="2800" noProof="1"/>
+              <a:t/>
+            </a:r>
+            <a:br>
+              <a:rPr lang="de-DE" sz="2800" noProof="1"/>
+            </a:br>
+            <a:endParaRPr lang="vi-VN"/>
+          </a:p>
+        </p:txBody>
+      </p:sp>
+      <p:sp>
+        <p:nvSpPr>
+          <p:cNvPr id="3" name="Content Placeholder 2"/>
+          <p:cNvSpPr>
+            <a:spLocks noGrp="1"/>
+          </p:cNvSpPr>
+          <p:nvPr>
+            <p:ph idx="1"/>
+          </p:nvPr>
+        </p:nvSpPr>
+        <p:spPr/>
+        <p:txBody>
+          <a:bodyPr/>
+          <a:lstStyle/>
+          <a:p>
+            <a:r>
+              <a:rPr lang="en-US" smtClean="0"/>
+              <a:t>- Áp dụng một số kĩ thuật khác:</a:t>
+            </a:r>
+          </a:p>
+          <a:p>
+            <a:pPr lvl="1"/>
+            <a:r>
+              <a:rPr lang="en-US" smtClean="0"/>
+              <a:t>Sử dụng plug-in sitemesh và tiles để làm masterpage</a:t>
+            </a:r>
+          </a:p>
+          <a:p>
+            <a:pPr lvl="1"/>
+            <a:r>
+              <a:rPr lang="en-US" smtClean="0"/>
+              <a:t>Sử dụng các struts tag library cho JSP</a:t>
+            </a:r>
+          </a:p>
+          <a:p>
+            <a:pPr lvl="1"/>
+            <a:r>
+              <a:rPr lang="en-US" smtClean="0"/>
+              <a:t>Kết hợp hibernate, để thao tác với MySQL</a:t>
+            </a:r>
+          </a:p>
+          <a:p>
+            <a:pPr lvl="1"/>
+            <a:r>
+              <a:rPr lang="en-US" smtClean="0"/>
+              <a:t>Áp dụng thư viện Ajax Dojo vào struts2</a:t>
+            </a:r>
+          </a:p>
+          <a:p>
+            <a:pPr lvl="1"/>
+            <a:r>
+              <a:rPr lang="en-US" smtClean="0"/>
+              <a:t>Thiết kế các interceptor trongg việc validation, xử lý dữ liệu…</a:t>
+            </a:r>
+          </a:p>
+          <a:p>
+            <a:pPr lvl="1"/>
+            <a:endParaRPr lang="vi-VN"/>
+          </a:p>
+        </p:txBody>
+      </p:sp>
+    </p:spTree>
+    <p:extLst>
+      <p:ext uri="{BB962C8B-B14F-4D97-AF65-F5344CB8AC3E}">
+        <p14:creationId xmlns:p14="http://schemas.microsoft.com/office/powerpoint/2010/main" val="1852649766"/>
+      </p:ext>
+    </p:extLst>
+  </p:cSld>
+  <p:clrMapOvr>
+    <a:masterClrMapping/>
+  </p:clrMapOvr>
 </p:sld>
 </file>
 
@@ -13778,6 +14133,67 @@
       </p:par>
     </p:tnLst>
   </p:timing>
+</p:sld>
+</file>
+
+<file path=ppt/slides/slide30.xml><?xml version="1.0" encoding="utf-8"?>
+<p:sld xmlns:a="http://schemas.openxmlformats.org/drawingml/2006/main" xmlns:r="http://schemas.openxmlformats.org/officeDocument/2006/relationships" xmlns:p="http://schemas.openxmlformats.org/presentationml/2006/main">
+  <p:cSld>
+    <p:spTree>
+      <p:nvGrpSpPr>
+        <p:cNvPr id="1" name=""/>
+        <p:cNvGrpSpPr/>
+        <p:nvPr/>
+      </p:nvGrpSpPr>
+      <p:grpSpPr>
+        <a:xfrm>
+          <a:off x="0" y="0"/>
+          <a:ext cx="0" cy="0"/>
+          <a:chOff x="0" y="0"/>
+          <a:chExt cx="0" cy="0"/>
+        </a:xfrm>
+      </p:grpSpPr>
+      <p:sp>
+        <p:nvSpPr>
+          <p:cNvPr id="3" name="Content Placeholder 2"/>
+          <p:cNvSpPr>
+            <a:spLocks noGrp="1"/>
+          </p:cNvSpPr>
+          <p:nvPr>
+            <p:ph idx="1"/>
+          </p:nvPr>
+        </p:nvSpPr>
+        <p:spPr>
+          <a:xfrm>
+            <a:off x="281828" y="3035486"/>
+            <a:ext cx="8524875" cy="1348254"/>
+          </a:xfrm>
+        </p:spPr>
+        <p:txBody>
+          <a:bodyPr/>
+          <a:lstStyle/>
+          <a:p>
+            <a:pPr marL="0" indent="0" algn="ctr">
+              <a:buNone/>
+            </a:pPr>
+            <a:r>
+              <a:rPr lang="vi-VN" sz="6600" b="1" smtClean="0"/>
+              <a:t>THANK YOU!</a:t>
+            </a:r>
+            <a:endParaRPr lang="vi-VN" sz="6600" b="1"/>
+          </a:p>
+        </p:txBody>
+      </p:sp>
+    </p:spTree>
+    <p:extLst>
+      <p:ext uri="{BB962C8B-B14F-4D97-AF65-F5344CB8AC3E}">
+        <p14:creationId xmlns:p14="http://schemas.microsoft.com/office/powerpoint/2010/main" val="2866577472"/>
+      </p:ext>
+    </p:extLst>
+  </p:cSld>
+  <p:clrMapOvr>
+    <a:masterClrMapping/>
+  </p:clrMapOvr>
 </p:sld>
 </file>
 
@@ -14670,14 +15086,7 @@
                 <a:latin typeface="Courier New" pitchFamily="49" charset="0"/>
                 <a:cs typeface="Courier New" pitchFamily="49" charset="0"/>
               </a:rPr>
-              <a:t>().equals("admin") &amp;&amp; </a:t>
-            </a:r>
-            <a:r>
-              <a:rPr lang="en-US" sz="1200" b="1" dirty="0">
-                <a:latin typeface="Courier New" pitchFamily="49" charset="0"/>
-                <a:cs typeface="Courier New" pitchFamily="49" charset="0"/>
-              </a:rPr>
-              <a:t> </a:t>
+              <a:t>().equals("admin") &amp;&amp;  </a:t>
             </a:r>
             <a:r>
               <a:rPr lang="en-US" sz="1200" b="1" dirty="0" smtClean="0">
